--- a/报告论文/开题报告/开题报告-华羽霄.pptx
+++ b/报告论文/开题报告/开题报告-华羽霄.pptx
@@ -5,19 +5,21 @@
     <p:sldMasterId id="2147483648" r:id="rId1"/>
   </p:sldMasterIdLst>
   <p:notesMasterIdLst>
-    <p:notesMasterId r:id="rId12"/>
+    <p:notesMasterId r:id="rId14"/>
   </p:notesMasterIdLst>
   <p:sldIdLst>
     <p:sldId id="256" r:id="rId2"/>
-    <p:sldId id="258" r:id="rId3"/>
-    <p:sldId id="265" r:id="rId4"/>
-    <p:sldId id="257" r:id="rId5"/>
-    <p:sldId id="259" r:id="rId6"/>
-    <p:sldId id="260" r:id="rId7"/>
-    <p:sldId id="261" r:id="rId8"/>
-    <p:sldId id="262" r:id="rId9"/>
-    <p:sldId id="263" r:id="rId10"/>
-    <p:sldId id="264" r:id="rId11"/>
+    <p:sldId id="265" r:id="rId3"/>
+    <p:sldId id="257" r:id="rId4"/>
+    <p:sldId id="259" r:id="rId5"/>
+    <p:sldId id="267" r:id="rId6"/>
+    <p:sldId id="268" r:id="rId7"/>
+    <p:sldId id="260" r:id="rId8"/>
+    <p:sldId id="266" r:id="rId9"/>
+    <p:sldId id="261" r:id="rId10"/>
+    <p:sldId id="262" r:id="rId11"/>
+    <p:sldId id="263" r:id="rId12"/>
+    <p:sldId id="264" r:id="rId13"/>
   </p:sldIdLst>
   <p:sldSz cx="24384000" cy="13716000"/>
   <p:notesSz cx="6858000" cy="9144000"/>
@@ -2568,6 +2570,753 @@
 </dgm:colorsDef>
 </file>
 
+<file path=ppt/diagrams/colors4.xml><?xml version="1.0" encoding="utf-8"?>
+<dgm:colorsDef xmlns:dgm="http://schemas.openxmlformats.org/drawingml/2006/diagram" xmlns:a="http://schemas.openxmlformats.org/drawingml/2006/main" uniqueId="urn:microsoft.com/office/officeart/2005/8/colors/accent1_2">
+  <dgm:title val=""/>
+  <dgm:desc val=""/>
+  <dgm:catLst>
+    <dgm:cat type="accent1" pri="11200"/>
+  </dgm:catLst>
+  <dgm:styleLbl name="node0">
+    <dgm:fillClrLst meth="repeat">
+      <a:schemeClr val="accent1"/>
+    </dgm:fillClrLst>
+    <dgm:linClrLst meth="repeat">
+      <a:schemeClr val="lt1"/>
+    </dgm:linClrLst>
+    <dgm:effectClrLst/>
+    <dgm:txLinClrLst/>
+    <dgm:txFillClrLst/>
+    <dgm:txEffectClrLst/>
+  </dgm:styleLbl>
+  <dgm:styleLbl name="alignNode1">
+    <dgm:fillClrLst meth="repeat">
+      <a:schemeClr val="accent1"/>
+    </dgm:fillClrLst>
+    <dgm:linClrLst meth="repeat">
+      <a:schemeClr val="accent1"/>
+    </dgm:linClrLst>
+    <dgm:effectClrLst/>
+    <dgm:txLinClrLst/>
+    <dgm:txFillClrLst/>
+    <dgm:txEffectClrLst/>
+  </dgm:styleLbl>
+  <dgm:styleLbl name="node1">
+    <dgm:fillClrLst meth="repeat">
+      <a:schemeClr val="accent1"/>
+    </dgm:fillClrLst>
+    <dgm:linClrLst meth="repeat">
+      <a:schemeClr val="lt1"/>
+    </dgm:linClrLst>
+    <dgm:effectClrLst/>
+    <dgm:txLinClrLst/>
+    <dgm:txFillClrLst/>
+    <dgm:txEffectClrLst/>
+  </dgm:styleLbl>
+  <dgm:styleLbl name="lnNode1">
+    <dgm:fillClrLst meth="repeat">
+      <a:schemeClr val="accent1"/>
+    </dgm:fillClrLst>
+    <dgm:linClrLst meth="repeat">
+      <a:schemeClr val="lt1"/>
+    </dgm:linClrLst>
+    <dgm:effectClrLst/>
+    <dgm:txLinClrLst/>
+    <dgm:txFillClrLst/>
+    <dgm:txEffectClrLst/>
+  </dgm:styleLbl>
+  <dgm:styleLbl name="vennNode1">
+    <dgm:fillClrLst meth="repeat">
+      <a:schemeClr val="accent1">
+        <a:alpha val="50000"/>
+      </a:schemeClr>
+    </dgm:fillClrLst>
+    <dgm:linClrLst meth="repeat">
+      <a:schemeClr val="lt1"/>
+    </dgm:linClrLst>
+    <dgm:effectClrLst/>
+    <dgm:txLinClrLst/>
+    <dgm:txFillClrLst/>
+    <dgm:txEffectClrLst/>
+  </dgm:styleLbl>
+  <dgm:styleLbl name="node2">
+    <dgm:fillClrLst meth="repeat">
+      <a:schemeClr val="accent1"/>
+    </dgm:fillClrLst>
+    <dgm:linClrLst meth="repeat">
+      <a:schemeClr val="lt1"/>
+    </dgm:linClrLst>
+    <dgm:effectClrLst/>
+    <dgm:txLinClrLst/>
+    <dgm:txFillClrLst/>
+    <dgm:txEffectClrLst/>
+  </dgm:styleLbl>
+  <dgm:styleLbl name="node3">
+    <dgm:fillClrLst meth="repeat">
+      <a:schemeClr val="accent1"/>
+    </dgm:fillClrLst>
+    <dgm:linClrLst meth="repeat">
+      <a:schemeClr val="lt1"/>
+    </dgm:linClrLst>
+    <dgm:effectClrLst/>
+    <dgm:txLinClrLst/>
+    <dgm:txFillClrLst/>
+    <dgm:txEffectClrLst/>
+  </dgm:styleLbl>
+  <dgm:styleLbl name="node4">
+    <dgm:fillClrLst meth="repeat">
+      <a:schemeClr val="accent1"/>
+    </dgm:fillClrLst>
+    <dgm:linClrLst meth="repeat">
+      <a:schemeClr val="lt1"/>
+    </dgm:linClrLst>
+    <dgm:effectClrLst/>
+    <dgm:txLinClrLst/>
+    <dgm:txFillClrLst/>
+    <dgm:txEffectClrLst/>
+  </dgm:styleLbl>
+  <dgm:styleLbl name="fgImgPlace1">
+    <dgm:fillClrLst meth="repeat">
+      <a:schemeClr val="accent1">
+        <a:tint val="50000"/>
+      </a:schemeClr>
+    </dgm:fillClrLst>
+    <dgm:linClrLst meth="repeat">
+      <a:schemeClr val="lt1"/>
+    </dgm:linClrLst>
+    <dgm:effectClrLst/>
+    <dgm:txLinClrLst/>
+    <dgm:txFillClrLst meth="repeat">
+      <a:schemeClr val="lt1"/>
+    </dgm:txFillClrLst>
+    <dgm:txEffectClrLst/>
+  </dgm:styleLbl>
+  <dgm:styleLbl name="alignImgPlace1">
+    <dgm:fillClrLst meth="repeat">
+      <a:schemeClr val="accent1">
+        <a:tint val="50000"/>
+      </a:schemeClr>
+    </dgm:fillClrLst>
+    <dgm:linClrLst meth="repeat">
+      <a:schemeClr val="lt1"/>
+    </dgm:linClrLst>
+    <dgm:effectClrLst/>
+    <dgm:txLinClrLst/>
+    <dgm:txFillClrLst meth="repeat">
+      <a:schemeClr val="lt1"/>
+    </dgm:txFillClrLst>
+    <dgm:txEffectClrLst/>
+  </dgm:styleLbl>
+  <dgm:styleLbl name="bgImgPlace1">
+    <dgm:fillClrLst meth="repeat">
+      <a:schemeClr val="accent1">
+        <a:tint val="50000"/>
+      </a:schemeClr>
+    </dgm:fillClrLst>
+    <dgm:linClrLst meth="repeat">
+      <a:schemeClr val="lt1"/>
+    </dgm:linClrLst>
+    <dgm:effectClrLst/>
+    <dgm:txLinClrLst/>
+    <dgm:txFillClrLst meth="repeat">
+      <a:schemeClr val="lt1"/>
+    </dgm:txFillClrLst>
+    <dgm:txEffectClrLst/>
+  </dgm:styleLbl>
+  <dgm:styleLbl name="sibTrans2D1">
+    <dgm:fillClrLst meth="repeat">
+      <a:schemeClr val="accent1">
+        <a:tint val="60000"/>
+      </a:schemeClr>
+    </dgm:fillClrLst>
+    <dgm:linClrLst meth="repeat">
+      <a:schemeClr val="accent1">
+        <a:tint val="60000"/>
+      </a:schemeClr>
+    </dgm:linClrLst>
+    <dgm:effectClrLst/>
+    <dgm:txLinClrLst/>
+    <dgm:txFillClrLst/>
+    <dgm:txEffectClrLst/>
+  </dgm:styleLbl>
+  <dgm:styleLbl name="fgSibTrans2D1">
+    <dgm:fillClrLst meth="repeat">
+      <a:schemeClr val="accent1">
+        <a:tint val="60000"/>
+      </a:schemeClr>
+    </dgm:fillClrLst>
+    <dgm:linClrLst meth="repeat">
+      <a:schemeClr val="accent1">
+        <a:tint val="60000"/>
+      </a:schemeClr>
+    </dgm:linClrLst>
+    <dgm:effectClrLst/>
+    <dgm:txLinClrLst/>
+    <dgm:txFillClrLst/>
+    <dgm:txEffectClrLst/>
+  </dgm:styleLbl>
+  <dgm:styleLbl name="bgSibTrans2D1">
+    <dgm:fillClrLst meth="repeat">
+      <a:schemeClr val="accent1">
+        <a:tint val="60000"/>
+      </a:schemeClr>
+    </dgm:fillClrLst>
+    <dgm:linClrLst meth="repeat">
+      <a:schemeClr val="accent1">
+        <a:tint val="60000"/>
+      </a:schemeClr>
+    </dgm:linClrLst>
+    <dgm:effectClrLst/>
+    <dgm:txLinClrLst/>
+    <dgm:txFillClrLst/>
+    <dgm:txEffectClrLst/>
+  </dgm:styleLbl>
+  <dgm:styleLbl name="sibTrans1D1">
+    <dgm:fillClrLst meth="repeat">
+      <a:schemeClr val="accent1"/>
+    </dgm:fillClrLst>
+    <dgm:linClrLst meth="repeat">
+      <a:schemeClr val="accent1"/>
+    </dgm:linClrLst>
+    <dgm:effectClrLst/>
+    <dgm:txLinClrLst/>
+    <dgm:txFillClrLst meth="repeat">
+      <a:schemeClr val="tx1"/>
+    </dgm:txFillClrLst>
+    <dgm:txEffectClrLst/>
+  </dgm:styleLbl>
+  <dgm:styleLbl name="callout">
+    <dgm:fillClrLst meth="repeat">
+      <a:schemeClr val="accent1"/>
+    </dgm:fillClrLst>
+    <dgm:linClrLst meth="repeat">
+      <a:schemeClr val="accent1">
+        <a:tint val="50000"/>
+      </a:schemeClr>
+    </dgm:linClrLst>
+    <dgm:effectClrLst/>
+    <dgm:txLinClrLst/>
+    <dgm:txFillClrLst meth="repeat">
+      <a:schemeClr val="tx1"/>
+    </dgm:txFillClrLst>
+    <dgm:txEffectClrLst/>
+  </dgm:styleLbl>
+  <dgm:styleLbl name="asst0">
+    <dgm:fillClrLst meth="repeat">
+      <a:schemeClr val="accent1"/>
+    </dgm:fillClrLst>
+    <dgm:linClrLst meth="repeat">
+      <a:schemeClr val="lt1"/>
+    </dgm:linClrLst>
+    <dgm:effectClrLst/>
+    <dgm:txLinClrLst/>
+    <dgm:txFillClrLst/>
+    <dgm:txEffectClrLst/>
+  </dgm:styleLbl>
+  <dgm:styleLbl name="asst1">
+    <dgm:fillClrLst meth="repeat">
+      <a:schemeClr val="accent1"/>
+    </dgm:fillClrLst>
+    <dgm:linClrLst meth="repeat">
+      <a:schemeClr val="lt1"/>
+    </dgm:linClrLst>
+    <dgm:effectClrLst/>
+    <dgm:txLinClrLst/>
+    <dgm:txFillClrLst/>
+    <dgm:txEffectClrLst/>
+  </dgm:styleLbl>
+  <dgm:styleLbl name="asst2">
+    <dgm:fillClrLst meth="repeat">
+      <a:schemeClr val="accent1"/>
+    </dgm:fillClrLst>
+    <dgm:linClrLst meth="repeat">
+      <a:schemeClr val="lt1"/>
+    </dgm:linClrLst>
+    <dgm:effectClrLst/>
+    <dgm:txLinClrLst/>
+    <dgm:txFillClrLst/>
+    <dgm:txEffectClrLst/>
+  </dgm:styleLbl>
+  <dgm:styleLbl name="asst3">
+    <dgm:fillClrLst meth="repeat">
+      <a:schemeClr val="accent1"/>
+    </dgm:fillClrLst>
+    <dgm:linClrLst meth="repeat">
+      <a:schemeClr val="lt1"/>
+    </dgm:linClrLst>
+    <dgm:effectClrLst/>
+    <dgm:txLinClrLst/>
+    <dgm:txFillClrLst/>
+    <dgm:txEffectClrLst/>
+  </dgm:styleLbl>
+  <dgm:styleLbl name="asst4">
+    <dgm:fillClrLst meth="repeat">
+      <a:schemeClr val="accent1"/>
+    </dgm:fillClrLst>
+    <dgm:linClrLst meth="repeat">
+      <a:schemeClr val="lt1"/>
+    </dgm:linClrLst>
+    <dgm:effectClrLst/>
+    <dgm:txLinClrLst/>
+    <dgm:txFillClrLst/>
+    <dgm:txEffectClrLst/>
+  </dgm:styleLbl>
+  <dgm:styleLbl name="parChTrans2D1">
+    <dgm:fillClrLst meth="repeat">
+      <a:schemeClr val="accent1">
+        <a:tint val="60000"/>
+      </a:schemeClr>
+    </dgm:fillClrLst>
+    <dgm:linClrLst meth="repeat">
+      <a:schemeClr val="accent1">
+        <a:tint val="60000"/>
+      </a:schemeClr>
+    </dgm:linClrLst>
+    <dgm:effectClrLst/>
+    <dgm:txLinClrLst/>
+    <dgm:txFillClrLst meth="repeat">
+      <a:schemeClr val="lt1"/>
+    </dgm:txFillClrLst>
+    <dgm:txEffectClrLst/>
+  </dgm:styleLbl>
+  <dgm:styleLbl name="parChTrans2D2">
+    <dgm:fillClrLst meth="repeat">
+      <a:schemeClr val="accent1"/>
+    </dgm:fillClrLst>
+    <dgm:linClrLst meth="repeat">
+      <a:schemeClr val="accent1"/>
+    </dgm:linClrLst>
+    <dgm:effectClrLst/>
+    <dgm:txLinClrLst/>
+    <dgm:txFillClrLst meth="repeat">
+      <a:schemeClr val="lt1"/>
+    </dgm:txFillClrLst>
+    <dgm:txEffectClrLst/>
+  </dgm:styleLbl>
+  <dgm:styleLbl name="parChTrans2D3">
+    <dgm:fillClrLst meth="repeat">
+      <a:schemeClr val="accent1"/>
+    </dgm:fillClrLst>
+    <dgm:linClrLst meth="repeat">
+      <a:schemeClr val="accent1"/>
+    </dgm:linClrLst>
+    <dgm:effectClrLst/>
+    <dgm:txLinClrLst/>
+    <dgm:txFillClrLst meth="repeat">
+      <a:schemeClr val="lt1"/>
+    </dgm:txFillClrLst>
+    <dgm:txEffectClrLst/>
+  </dgm:styleLbl>
+  <dgm:styleLbl name="parChTrans2D4">
+    <dgm:fillClrLst meth="repeat">
+      <a:schemeClr val="accent1"/>
+    </dgm:fillClrLst>
+    <dgm:linClrLst meth="repeat">
+      <a:schemeClr val="accent1"/>
+    </dgm:linClrLst>
+    <dgm:effectClrLst/>
+    <dgm:txLinClrLst/>
+    <dgm:txFillClrLst meth="repeat">
+      <a:schemeClr val="lt1"/>
+    </dgm:txFillClrLst>
+    <dgm:txEffectClrLst/>
+  </dgm:styleLbl>
+  <dgm:styleLbl name="parChTrans1D1">
+    <dgm:fillClrLst meth="repeat">
+      <a:schemeClr val="accent1"/>
+    </dgm:fillClrLst>
+    <dgm:linClrLst meth="repeat">
+      <a:schemeClr val="accent1">
+        <a:shade val="60000"/>
+      </a:schemeClr>
+    </dgm:linClrLst>
+    <dgm:effectClrLst/>
+    <dgm:txLinClrLst/>
+    <dgm:txFillClrLst meth="repeat">
+      <a:schemeClr val="tx1"/>
+    </dgm:txFillClrLst>
+    <dgm:txEffectClrLst/>
+  </dgm:styleLbl>
+  <dgm:styleLbl name="parChTrans1D2">
+    <dgm:fillClrLst meth="repeat">
+      <a:schemeClr val="accent1"/>
+    </dgm:fillClrLst>
+    <dgm:linClrLst meth="repeat">
+      <a:schemeClr val="accent1">
+        <a:shade val="60000"/>
+      </a:schemeClr>
+    </dgm:linClrLst>
+    <dgm:effectClrLst/>
+    <dgm:txLinClrLst/>
+    <dgm:txFillClrLst meth="repeat">
+      <a:schemeClr val="tx1"/>
+    </dgm:txFillClrLst>
+    <dgm:txEffectClrLst/>
+  </dgm:styleLbl>
+  <dgm:styleLbl name="parChTrans1D3">
+    <dgm:fillClrLst meth="repeat">
+      <a:schemeClr val="accent1"/>
+    </dgm:fillClrLst>
+    <dgm:linClrLst meth="repeat">
+      <a:schemeClr val="accent1">
+        <a:shade val="80000"/>
+      </a:schemeClr>
+    </dgm:linClrLst>
+    <dgm:effectClrLst/>
+    <dgm:txLinClrLst/>
+    <dgm:txFillClrLst meth="repeat">
+      <a:schemeClr val="tx1"/>
+    </dgm:txFillClrLst>
+    <dgm:txEffectClrLst/>
+  </dgm:styleLbl>
+  <dgm:styleLbl name="parChTrans1D4">
+    <dgm:fillClrLst meth="repeat">
+      <a:schemeClr val="accent1"/>
+    </dgm:fillClrLst>
+    <dgm:linClrLst meth="repeat">
+      <a:schemeClr val="accent1">
+        <a:shade val="80000"/>
+      </a:schemeClr>
+    </dgm:linClrLst>
+    <dgm:effectClrLst/>
+    <dgm:txLinClrLst/>
+    <dgm:txFillClrLst meth="repeat">
+      <a:schemeClr val="tx1"/>
+    </dgm:txFillClrLst>
+    <dgm:txEffectClrLst/>
+  </dgm:styleLbl>
+  <dgm:styleLbl name="fgAcc1">
+    <dgm:fillClrLst meth="repeat">
+      <a:schemeClr val="lt1">
+        <a:alpha val="90000"/>
+      </a:schemeClr>
+    </dgm:fillClrLst>
+    <dgm:linClrLst meth="repeat">
+      <a:schemeClr val="accent1"/>
+    </dgm:linClrLst>
+    <dgm:effectClrLst/>
+    <dgm:txLinClrLst/>
+    <dgm:txFillClrLst meth="repeat">
+      <a:schemeClr val="dk1"/>
+    </dgm:txFillClrLst>
+    <dgm:txEffectClrLst/>
+  </dgm:styleLbl>
+  <dgm:styleLbl name="conFgAcc1">
+    <dgm:fillClrLst meth="repeat">
+      <a:schemeClr val="lt1">
+        <a:alpha val="90000"/>
+      </a:schemeClr>
+    </dgm:fillClrLst>
+    <dgm:linClrLst meth="repeat">
+      <a:schemeClr val="accent1"/>
+    </dgm:linClrLst>
+    <dgm:effectClrLst/>
+    <dgm:txLinClrLst/>
+    <dgm:txFillClrLst meth="repeat">
+      <a:schemeClr val="dk1"/>
+    </dgm:txFillClrLst>
+    <dgm:txEffectClrLst/>
+  </dgm:styleLbl>
+  <dgm:styleLbl name="alignAcc1">
+    <dgm:fillClrLst meth="repeat">
+      <a:schemeClr val="lt1">
+        <a:alpha val="90000"/>
+      </a:schemeClr>
+    </dgm:fillClrLst>
+    <dgm:linClrLst meth="repeat">
+      <a:schemeClr val="accent1"/>
+    </dgm:linClrLst>
+    <dgm:effectClrLst/>
+    <dgm:txLinClrLst/>
+    <dgm:txFillClrLst meth="repeat">
+      <a:schemeClr val="dk1"/>
+    </dgm:txFillClrLst>
+    <dgm:txEffectClrLst/>
+  </dgm:styleLbl>
+  <dgm:styleLbl name="trAlignAcc1">
+    <dgm:fillClrLst meth="repeat">
+      <a:schemeClr val="lt1">
+        <a:alpha val="40000"/>
+      </a:schemeClr>
+    </dgm:fillClrLst>
+    <dgm:linClrLst meth="repeat">
+      <a:schemeClr val="accent1"/>
+    </dgm:linClrLst>
+    <dgm:effectClrLst/>
+    <dgm:txLinClrLst/>
+    <dgm:txFillClrLst meth="repeat">
+      <a:schemeClr val="dk1"/>
+    </dgm:txFillClrLst>
+    <dgm:txEffectClrLst/>
+  </dgm:styleLbl>
+  <dgm:styleLbl name="bgAcc1">
+    <dgm:fillClrLst meth="repeat">
+      <a:schemeClr val="lt1">
+        <a:alpha val="90000"/>
+      </a:schemeClr>
+    </dgm:fillClrLst>
+    <dgm:linClrLst meth="repeat">
+      <a:schemeClr val="accent1"/>
+    </dgm:linClrLst>
+    <dgm:effectClrLst/>
+    <dgm:txLinClrLst/>
+    <dgm:txFillClrLst meth="repeat">
+      <a:schemeClr val="dk1"/>
+    </dgm:txFillClrLst>
+    <dgm:txEffectClrLst/>
+  </dgm:styleLbl>
+  <dgm:styleLbl name="solidFgAcc1">
+    <dgm:fillClrLst meth="repeat">
+      <a:schemeClr val="lt1"/>
+    </dgm:fillClrLst>
+    <dgm:linClrLst meth="repeat">
+      <a:schemeClr val="accent1"/>
+    </dgm:linClrLst>
+    <dgm:effectClrLst/>
+    <dgm:txLinClrLst/>
+    <dgm:txFillClrLst meth="repeat">
+      <a:schemeClr val="dk1"/>
+    </dgm:txFillClrLst>
+    <dgm:txEffectClrLst/>
+  </dgm:styleLbl>
+  <dgm:styleLbl name="solidAlignAcc1">
+    <dgm:fillClrLst meth="repeat">
+      <a:schemeClr val="lt1"/>
+    </dgm:fillClrLst>
+    <dgm:linClrLst meth="repeat">
+      <a:schemeClr val="accent1"/>
+    </dgm:linClrLst>
+    <dgm:effectClrLst/>
+    <dgm:txLinClrLst/>
+    <dgm:txFillClrLst meth="repeat">
+      <a:schemeClr val="dk1"/>
+    </dgm:txFillClrLst>
+    <dgm:txEffectClrLst/>
+  </dgm:styleLbl>
+  <dgm:styleLbl name="solidBgAcc1">
+    <dgm:fillClrLst meth="repeat">
+      <a:schemeClr val="lt1"/>
+    </dgm:fillClrLst>
+    <dgm:linClrLst meth="repeat">
+      <a:schemeClr val="accent1"/>
+    </dgm:linClrLst>
+    <dgm:effectClrLst/>
+    <dgm:txLinClrLst/>
+    <dgm:txFillClrLst meth="repeat">
+      <a:schemeClr val="dk1"/>
+    </dgm:txFillClrLst>
+    <dgm:txEffectClrLst/>
+  </dgm:styleLbl>
+  <dgm:styleLbl name="fgAccFollowNode1">
+    <dgm:fillClrLst meth="repeat">
+      <a:schemeClr val="accent1">
+        <a:alpha val="90000"/>
+        <a:tint val="40000"/>
+      </a:schemeClr>
+    </dgm:fillClrLst>
+    <dgm:linClrLst meth="repeat">
+      <a:schemeClr val="accent1">
+        <a:alpha val="90000"/>
+        <a:tint val="40000"/>
+      </a:schemeClr>
+    </dgm:linClrLst>
+    <dgm:effectClrLst/>
+    <dgm:txLinClrLst/>
+    <dgm:txFillClrLst meth="repeat">
+      <a:schemeClr val="dk1"/>
+    </dgm:txFillClrLst>
+    <dgm:txEffectClrLst/>
+  </dgm:styleLbl>
+  <dgm:styleLbl name="alignAccFollowNode1">
+    <dgm:fillClrLst meth="repeat">
+      <a:schemeClr val="accent1">
+        <a:alpha val="90000"/>
+        <a:tint val="40000"/>
+      </a:schemeClr>
+    </dgm:fillClrLst>
+    <dgm:linClrLst meth="repeat">
+      <a:schemeClr val="accent1">
+        <a:alpha val="90000"/>
+        <a:tint val="40000"/>
+      </a:schemeClr>
+    </dgm:linClrLst>
+    <dgm:effectClrLst/>
+    <dgm:txLinClrLst/>
+    <dgm:txFillClrLst meth="repeat">
+      <a:schemeClr val="dk1"/>
+    </dgm:txFillClrLst>
+    <dgm:txEffectClrLst/>
+  </dgm:styleLbl>
+  <dgm:styleLbl name="bgAccFollowNode1">
+    <dgm:fillClrLst meth="repeat">
+      <a:schemeClr val="accent1">
+        <a:alpha val="90000"/>
+        <a:tint val="40000"/>
+      </a:schemeClr>
+    </dgm:fillClrLst>
+    <dgm:linClrLst meth="repeat">
+      <a:schemeClr val="accent1">
+        <a:alpha val="90000"/>
+        <a:tint val="40000"/>
+      </a:schemeClr>
+    </dgm:linClrLst>
+    <dgm:effectClrLst/>
+    <dgm:txLinClrLst/>
+    <dgm:txFillClrLst meth="repeat">
+      <a:schemeClr val="dk1"/>
+    </dgm:txFillClrLst>
+    <dgm:txEffectClrLst/>
+  </dgm:styleLbl>
+  <dgm:styleLbl name="fgAcc0">
+    <dgm:fillClrLst meth="repeat">
+      <a:schemeClr val="lt1">
+        <a:alpha val="90000"/>
+      </a:schemeClr>
+    </dgm:fillClrLst>
+    <dgm:linClrLst meth="repeat">
+      <a:schemeClr val="accent1"/>
+    </dgm:linClrLst>
+    <dgm:effectClrLst/>
+    <dgm:txLinClrLst/>
+    <dgm:txFillClrLst meth="repeat">
+      <a:schemeClr val="dk1"/>
+    </dgm:txFillClrLst>
+    <dgm:txEffectClrLst/>
+  </dgm:styleLbl>
+  <dgm:styleLbl name="fgAcc2">
+    <dgm:fillClrLst meth="repeat">
+      <a:schemeClr val="lt1">
+        <a:alpha val="90000"/>
+      </a:schemeClr>
+    </dgm:fillClrLst>
+    <dgm:linClrLst meth="repeat">
+      <a:schemeClr val="accent1"/>
+    </dgm:linClrLst>
+    <dgm:effectClrLst/>
+    <dgm:txLinClrLst/>
+    <dgm:txFillClrLst meth="repeat">
+      <a:schemeClr val="dk1"/>
+    </dgm:txFillClrLst>
+    <dgm:txEffectClrLst/>
+  </dgm:styleLbl>
+  <dgm:styleLbl name="fgAcc3">
+    <dgm:fillClrLst meth="repeat">
+      <a:schemeClr val="lt1">
+        <a:alpha val="90000"/>
+      </a:schemeClr>
+    </dgm:fillClrLst>
+    <dgm:linClrLst meth="repeat">
+      <a:schemeClr val="accent1"/>
+    </dgm:linClrLst>
+    <dgm:effectClrLst/>
+    <dgm:txLinClrLst/>
+    <dgm:txFillClrLst meth="repeat">
+      <a:schemeClr val="dk1"/>
+    </dgm:txFillClrLst>
+    <dgm:txEffectClrLst/>
+  </dgm:styleLbl>
+  <dgm:styleLbl name="fgAcc4">
+    <dgm:fillClrLst meth="repeat">
+      <a:schemeClr val="lt1">
+        <a:alpha val="90000"/>
+      </a:schemeClr>
+    </dgm:fillClrLst>
+    <dgm:linClrLst meth="repeat">
+      <a:schemeClr val="accent1"/>
+    </dgm:linClrLst>
+    <dgm:effectClrLst/>
+    <dgm:txLinClrLst/>
+    <dgm:txFillClrLst meth="repeat">
+      <a:schemeClr val="dk1"/>
+    </dgm:txFillClrLst>
+    <dgm:txEffectClrLst/>
+  </dgm:styleLbl>
+  <dgm:styleLbl name="bgShp">
+    <dgm:fillClrLst meth="repeat">
+      <a:schemeClr val="accent1">
+        <a:tint val="40000"/>
+      </a:schemeClr>
+    </dgm:fillClrLst>
+    <dgm:linClrLst meth="repeat">
+      <a:schemeClr val="accent1"/>
+    </dgm:linClrLst>
+    <dgm:effectClrLst/>
+    <dgm:txLinClrLst/>
+    <dgm:txFillClrLst meth="repeat">
+      <a:schemeClr val="dk1"/>
+    </dgm:txFillClrLst>
+    <dgm:txEffectClrLst/>
+  </dgm:styleLbl>
+  <dgm:styleLbl name="dkBgShp">
+    <dgm:fillClrLst meth="repeat">
+      <a:schemeClr val="accent1">
+        <a:shade val="80000"/>
+      </a:schemeClr>
+    </dgm:fillClrLst>
+    <dgm:linClrLst meth="repeat">
+      <a:schemeClr val="accent1"/>
+    </dgm:linClrLst>
+    <dgm:effectClrLst/>
+    <dgm:txLinClrLst/>
+    <dgm:txFillClrLst meth="repeat">
+      <a:schemeClr val="lt1"/>
+    </dgm:txFillClrLst>
+    <dgm:txEffectClrLst/>
+  </dgm:styleLbl>
+  <dgm:styleLbl name="trBgShp">
+    <dgm:fillClrLst meth="repeat">
+      <a:schemeClr val="accent1">
+        <a:tint val="50000"/>
+        <a:alpha val="40000"/>
+      </a:schemeClr>
+    </dgm:fillClrLst>
+    <dgm:linClrLst meth="repeat">
+      <a:schemeClr val="accent1"/>
+    </dgm:linClrLst>
+    <dgm:effectClrLst/>
+    <dgm:txLinClrLst/>
+    <dgm:txFillClrLst meth="repeat">
+      <a:schemeClr val="lt1"/>
+    </dgm:txFillClrLst>
+    <dgm:txEffectClrLst/>
+  </dgm:styleLbl>
+  <dgm:styleLbl name="fgShp">
+    <dgm:fillClrLst meth="repeat">
+      <a:schemeClr val="accent1">
+        <a:tint val="60000"/>
+      </a:schemeClr>
+    </dgm:fillClrLst>
+    <dgm:linClrLst meth="repeat">
+      <a:schemeClr val="lt1"/>
+    </dgm:linClrLst>
+    <dgm:effectClrLst/>
+    <dgm:txLinClrLst/>
+    <dgm:txFillClrLst meth="repeat">
+      <a:schemeClr val="dk1"/>
+    </dgm:txFillClrLst>
+    <dgm:txEffectClrLst/>
+  </dgm:styleLbl>
+  <dgm:styleLbl name="revTx">
+    <dgm:fillClrLst meth="repeat">
+      <a:schemeClr val="lt1">
+        <a:alpha val="0"/>
+      </a:schemeClr>
+    </dgm:fillClrLst>
+    <dgm:linClrLst meth="repeat">
+      <a:schemeClr val="dk1">
+        <a:alpha val="0"/>
+      </a:schemeClr>
+    </dgm:linClrLst>
+    <dgm:effectClrLst/>
+    <dgm:txLinClrLst/>
+    <dgm:txFillClrLst meth="repeat">
+      <a:schemeClr val="tx1"/>
+    </dgm:txFillClrLst>
+    <dgm:txEffectClrLst/>
+  </dgm:styleLbl>
+</dgm:colorsDef>
+</file>
+
 <file path=ppt/diagrams/data1.xml><?xml version="1.0" encoding="utf-8"?>
 <dgm:dataModel xmlns:dgm="http://schemas.openxmlformats.org/drawingml/2006/diagram" xmlns:a="http://schemas.openxmlformats.org/drawingml/2006/main">
   <dgm:ptLst>
@@ -2621,51 +3370,6 @@
       </dgm:t>
     </dgm:pt>
     <dgm:pt modelId="{5C89B159-644D-4857-91DC-433B2C4F7298}" type="sibTrans" cxnId="{48B55CF4-884B-4959-B5CA-409F26F0BFE1}">
-      <dgm:prSet/>
-      <dgm:spPr/>
-      <dgm:t>
-        <a:bodyPr/>
-        <a:lstStyle/>
-        <a:p>
-          <a:endParaRPr lang="zh-CN" altLang="en-US"/>
-        </a:p>
-      </dgm:t>
-    </dgm:pt>
-    <dgm:pt modelId="{D54C05E2-F58A-4BBB-8E38-6AB7D3D5B8DC}">
-      <dgm:prSet/>
-      <dgm:spPr/>
-      <dgm:t>
-        <a:bodyPr/>
-        <a:lstStyle/>
-        <a:p>
-          <a:r>
-            <a:rPr lang="zh-CN" altLang="en-US" dirty="0"/>
-            <a:t>拓展</a:t>
-          </a:r>
-          <a:r>
-            <a:rPr lang="zh-CN" altLang="en-US" dirty="0">
-              <a:solidFill>
-                <a:srgbClr val="FF0000"/>
-              </a:solidFill>
-            </a:rPr>
-            <a:t>应用领域</a:t>
-          </a:r>
-          <a:endParaRPr lang="zh-CN" altLang="en-US" dirty="0"/>
-        </a:p>
-      </dgm:t>
-    </dgm:pt>
-    <dgm:pt modelId="{7D39B7A1-7B8C-44A8-AC60-54EEA8A9AFB5}" type="parTrans" cxnId="{603D908A-5512-4BE6-AB6E-7AB8EF6A1D3F}">
-      <dgm:prSet/>
-      <dgm:spPr/>
-      <dgm:t>
-        <a:bodyPr/>
-        <a:lstStyle/>
-        <a:p>
-          <a:endParaRPr lang="zh-CN" altLang="en-US"/>
-        </a:p>
-      </dgm:t>
-    </dgm:pt>
-    <dgm:pt modelId="{550D6EC1-063B-42ED-B51A-11FBD2F6E2EA}" type="sibTrans" cxnId="{603D908A-5512-4BE6-AB6E-7AB8EF6A1D3F}">
       <dgm:prSet/>
       <dgm:spPr/>
       <dgm:t>
@@ -2735,7 +3439,19 @@
           </a:pPr>
           <a:r>
             <a:rPr lang="zh-CN" altLang="en-US" dirty="0"/>
-            <a:t>通过有效的避障算法，可以降低无人机与障碍物发生碰撞的风险，保障飞行任务的顺利执行。</a:t>
+            <a:t>通过有效的避障算法，可以降低无人机与障碍物发生碰撞的风险，保障</a:t>
+          </a:r>
+          <a:r>
+            <a:rPr lang="zh-CN" altLang="en-US" dirty="0">
+              <a:solidFill>
+                <a:srgbClr val="FF0000"/>
+              </a:solidFill>
+            </a:rPr>
+            <a:t>飞行任务的顺利执行</a:t>
+          </a:r>
+          <a:r>
+            <a:rPr lang="zh-CN" altLang="en-US" dirty="0"/>
+            <a:t>。</a:t>
           </a:r>
         </a:p>
       </dgm:t>
@@ -2762,46 +3478,6 @@
         </a:p>
       </dgm:t>
     </dgm:pt>
-    <dgm:pt modelId="{0DC70A94-150B-493B-9DFC-48F565B63D75}">
-      <dgm:prSet/>
-      <dgm:spPr/>
-      <dgm:t>
-        <a:bodyPr/>
-        <a:lstStyle/>
-        <a:p>
-          <a:r>
-            <a:rPr lang="zh-CN" altLang="en-US"/>
-            <a:t>使</a:t>
-          </a:r>
-          <a:r>
-            <a:rPr lang="zh-CN" altLang="en-US" dirty="0"/>
-            <a:t>无人机更更好地满足多样化的应用场景，包括城市、农田、森林等。</a:t>
-          </a:r>
-        </a:p>
-      </dgm:t>
-    </dgm:pt>
-    <dgm:pt modelId="{7B505F7D-9740-4A17-8F48-A5023286AFE7}" type="parTrans" cxnId="{CA08C658-78AC-456C-97CC-C09007BC3388}">
-      <dgm:prSet/>
-      <dgm:spPr/>
-      <dgm:t>
-        <a:bodyPr/>
-        <a:lstStyle/>
-        <a:p>
-          <a:endParaRPr lang="zh-CN" altLang="en-US"/>
-        </a:p>
-      </dgm:t>
-    </dgm:pt>
-    <dgm:pt modelId="{47A3E465-C1BF-4329-92E3-01F83F0FBE4E}" type="sibTrans" cxnId="{CA08C658-78AC-456C-97CC-C09007BC3388}">
-      <dgm:prSet/>
-      <dgm:spPr/>
-      <dgm:t>
-        <a:bodyPr/>
-        <a:lstStyle/>
-        <a:p>
-          <a:endParaRPr lang="zh-CN" altLang="en-US"/>
-        </a:p>
-      </dgm:t>
-    </dgm:pt>
     <dgm:pt modelId="{BF112A21-CA27-4DBB-8FAF-FF50890A7BAA}">
       <dgm:prSet/>
       <dgm:spPr/>
@@ -2810,12 +3486,20 @@
         <a:lstStyle/>
         <a:p>
           <a:r>
-            <a:rPr lang="zh-CN" altLang="en-US"/>
-            <a:t>在</a:t>
-          </a:r>
-          <a:r>
             <a:rPr lang="zh-CN" altLang="en-US" dirty="0"/>
-            <a:t>复杂环境中，无人机能够根据感知信息自主调整飞行轨迹，减少对人工干预的依赖，实现更加自主化的操作，提升效率。</a:t>
+            <a:t>在复杂环境中，无人机能够根据感知信息自主调整飞行轨迹，减少对人工干预的依赖，实现</a:t>
+          </a:r>
+          <a:r>
+            <a:rPr lang="zh-CN" altLang="en-US" dirty="0">
+              <a:solidFill>
+                <a:srgbClr val="FF0000"/>
+              </a:solidFill>
+            </a:rPr>
+            <a:t>更加自主化的操作</a:t>
+          </a:r>
+          <a:r>
+            <a:rPr lang="zh-CN" altLang="en-US" dirty="0"/>
+            <a:t>，提升效率。</a:t>
           </a:r>
         </a:p>
       </dgm:t>
@@ -2832,6 +3516,99 @@
       </dgm:t>
     </dgm:pt>
     <dgm:pt modelId="{D83C5EFC-0F7A-4E95-BB6D-0E15494D928C}" type="sibTrans" cxnId="{5F35173D-A210-4DF9-A328-EA4D109A2E14}">
+      <dgm:prSet/>
+      <dgm:spPr/>
+      <dgm:t>
+        <a:bodyPr/>
+        <a:lstStyle/>
+        <a:p>
+          <a:endParaRPr lang="zh-CN" altLang="en-US"/>
+        </a:p>
+      </dgm:t>
+    </dgm:pt>
+    <dgm:pt modelId="{1A0A8990-4CE0-4890-9978-5751B3016702}">
+      <dgm:prSet/>
+      <dgm:spPr/>
+      <dgm:t>
+        <a:bodyPr/>
+        <a:lstStyle/>
+        <a:p>
+          <a:r>
+            <a:rPr lang="zh-CN" altLang="en-US"/>
+            <a:t>拓展</a:t>
+          </a:r>
+          <a:r>
+            <a:rPr lang="zh-CN" altLang="en-US">
+              <a:solidFill>
+                <a:srgbClr val="FF0000"/>
+              </a:solidFill>
+            </a:rPr>
+            <a:t>应用领域</a:t>
+          </a:r>
+          <a:endParaRPr lang="zh-CN" altLang="en-US" dirty="0"/>
+        </a:p>
+      </dgm:t>
+    </dgm:pt>
+    <dgm:pt modelId="{116040B6-4DC8-4659-AF17-9D61F46A1C2D}" type="parTrans" cxnId="{5A4EEA2E-DD3F-4E31-9560-4BD4E73FB307}">
+      <dgm:prSet/>
+      <dgm:spPr/>
+      <dgm:t>
+        <a:bodyPr/>
+        <a:lstStyle/>
+        <a:p>
+          <a:endParaRPr lang="zh-CN" altLang="en-US"/>
+        </a:p>
+      </dgm:t>
+    </dgm:pt>
+    <dgm:pt modelId="{EB0F43D1-10C1-41D2-87BD-6B2F7EEFAFE1}" type="sibTrans" cxnId="{5A4EEA2E-DD3F-4E31-9560-4BD4E73FB307}">
+      <dgm:prSet/>
+      <dgm:spPr/>
+      <dgm:t>
+        <a:bodyPr/>
+        <a:lstStyle/>
+        <a:p>
+          <a:endParaRPr lang="zh-CN" altLang="en-US"/>
+        </a:p>
+      </dgm:t>
+    </dgm:pt>
+    <dgm:pt modelId="{F2654BB4-C8AC-412F-AC8C-EEBECE147251}">
+      <dgm:prSet/>
+      <dgm:spPr/>
+      <dgm:t>
+        <a:bodyPr/>
+        <a:lstStyle/>
+        <a:p>
+          <a:r>
+            <a:rPr lang="zh-CN" altLang="en-US" dirty="0"/>
+            <a:t>使无人机更更好地满足</a:t>
+          </a:r>
+          <a:r>
+            <a:rPr lang="zh-CN" altLang="en-US" dirty="0">
+              <a:solidFill>
+                <a:srgbClr val="FF0000"/>
+              </a:solidFill>
+            </a:rPr>
+            <a:t>多样化的应用场景</a:t>
+          </a:r>
+          <a:r>
+            <a:rPr lang="zh-CN" altLang="en-US" dirty="0"/>
+            <a:t>，包括城市、农田、森林等。</a:t>
+          </a:r>
+        </a:p>
+      </dgm:t>
+    </dgm:pt>
+    <dgm:pt modelId="{B6ABAFF3-0F4A-458F-A904-EFDCC6E580CA}" type="parTrans" cxnId="{6DD00DB0-6A58-43DF-9E66-B13C132F54E2}">
+      <dgm:prSet/>
+      <dgm:spPr/>
+      <dgm:t>
+        <a:bodyPr/>
+        <a:lstStyle/>
+        <a:p>
+          <a:endParaRPr lang="zh-CN" altLang="en-US"/>
+        </a:p>
+      </dgm:t>
+    </dgm:pt>
+    <dgm:pt modelId="{B10C9187-EFA0-4119-9355-6160F17A9692}" type="sibTrans" cxnId="{6DD00DB0-6A58-43DF-9E66-B13C132F54E2}">
       <dgm:prSet/>
       <dgm:spPr/>
       <dgm:t>
@@ -2877,37 +3654,12 @@
       <dgm:prSet presAssocID="{5C89B159-644D-4857-91DC-433B2C4F7298}" presName="sp" presStyleCnt="0"/>
       <dgm:spPr/>
     </dgm:pt>
-    <dgm:pt modelId="{6C9CC4A5-F98E-4856-89A1-B1469E965E43}" type="pres">
-      <dgm:prSet presAssocID="{D54C05E2-F58A-4BBB-8E38-6AB7D3D5B8DC}" presName="linNode" presStyleCnt="0"/>
-      <dgm:spPr/>
-    </dgm:pt>
-    <dgm:pt modelId="{E89F2311-A7EE-4170-B16B-4028ED39934E}" type="pres">
-      <dgm:prSet presAssocID="{D54C05E2-F58A-4BBB-8E38-6AB7D3D5B8DC}" presName="parentText" presStyleLbl="node1" presStyleIdx="1" presStyleCnt="3">
-        <dgm:presLayoutVars>
-          <dgm:chMax val="1"/>
-          <dgm:bulletEnabled val="1"/>
-        </dgm:presLayoutVars>
-      </dgm:prSet>
-      <dgm:spPr/>
-    </dgm:pt>
-    <dgm:pt modelId="{16D95C0A-81B3-4EB4-96C8-68D20CF6457F}" type="pres">
-      <dgm:prSet presAssocID="{D54C05E2-F58A-4BBB-8E38-6AB7D3D5B8DC}" presName="descendantText" presStyleLbl="alignAccFollowNode1" presStyleIdx="1" presStyleCnt="3">
-        <dgm:presLayoutVars>
-          <dgm:bulletEnabled val="1"/>
-        </dgm:presLayoutVars>
-      </dgm:prSet>
-      <dgm:spPr/>
-    </dgm:pt>
-    <dgm:pt modelId="{81A9380C-E6D2-4447-B01B-F696BB40A5CD}" type="pres">
-      <dgm:prSet presAssocID="{550D6EC1-063B-42ED-B51A-11FBD2F6E2EA}" presName="sp" presStyleCnt="0"/>
-      <dgm:spPr/>
-    </dgm:pt>
     <dgm:pt modelId="{9C09B6BF-5979-432C-89AD-51F4FBA79DD6}" type="pres">
       <dgm:prSet presAssocID="{2DC1CE6B-3D1C-4B15-BF40-5FBB3F645738}" presName="linNode" presStyleCnt="0"/>
       <dgm:spPr/>
     </dgm:pt>
     <dgm:pt modelId="{25FFC800-C553-4E88-8082-2594689A40E1}" type="pres">
-      <dgm:prSet presAssocID="{2DC1CE6B-3D1C-4B15-BF40-5FBB3F645738}" presName="parentText" presStyleLbl="node1" presStyleIdx="2" presStyleCnt="3">
+      <dgm:prSet presAssocID="{2DC1CE6B-3D1C-4B15-BF40-5FBB3F645738}" presName="parentText" presStyleLbl="node1" presStyleIdx="1" presStyleCnt="3">
         <dgm:presLayoutVars>
           <dgm:chMax val="1"/>
           <dgm:bulletEnabled val="1"/>
@@ -2916,7 +3668,32 @@
       <dgm:spPr/>
     </dgm:pt>
     <dgm:pt modelId="{4D71F7C3-D964-4403-AF1E-BE6E4A867AAF}" type="pres">
-      <dgm:prSet presAssocID="{2DC1CE6B-3D1C-4B15-BF40-5FBB3F645738}" presName="descendantText" presStyleLbl="alignAccFollowNode1" presStyleIdx="2" presStyleCnt="3">
+      <dgm:prSet presAssocID="{2DC1CE6B-3D1C-4B15-BF40-5FBB3F645738}" presName="descendantText" presStyleLbl="alignAccFollowNode1" presStyleIdx="1" presStyleCnt="3">
+        <dgm:presLayoutVars>
+          <dgm:bulletEnabled val="1"/>
+        </dgm:presLayoutVars>
+      </dgm:prSet>
+      <dgm:spPr/>
+    </dgm:pt>
+    <dgm:pt modelId="{30604E07-C87B-48C9-990A-706D02932D56}" type="pres">
+      <dgm:prSet presAssocID="{D1C462C8-B496-441E-B01F-5B0DE8F062E5}" presName="sp" presStyleCnt="0"/>
+      <dgm:spPr/>
+    </dgm:pt>
+    <dgm:pt modelId="{8E01CFC4-510D-4A20-B320-A27FE8914A4E}" type="pres">
+      <dgm:prSet presAssocID="{1A0A8990-4CE0-4890-9978-5751B3016702}" presName="linNode" presStyleCnt="0"/>
+      <dgm:spPr/>
+    </dgm:pt>
+    <dgm:pt modelId="{DB3EA26C-5FF1-41E0-95D7-B4AF017264D5}" type="pres">
+      <dgm:prSet presAssocID="{1A0A8990-4CE0-4890-9978-5751B3016702}" presName="parentText" presStyleLbl="node1" presStyleIdx="2" presStyleCnt="3">
+        <dgm:presLayoutVars>
+          <dgm:chMax val="1"/>
+          <dgm:bulletEnabled val="1"/>
+        </dgm:presLayoutVars>
+      </dgm:prSet>
+      <dgm:spPr/>
+    </dgm:pt>
+    <dgm:pt modelId="{68BD17F8-D7AC-42BB-9198-5BE94886BB1F}" type="pres">
+      <dgm:prSet presAssocID="{1A0A8990-4CE0-4890-9978-5751B3016702}" presName="descendantText" presStyleLbl="alignAccFollowNode1" presStyleIdx="2" presStyleCnt="3">
         <dgm:presLayoutVars>
           <dgm:bulletEnabled val="1"/>
         </dgm:presLayoutVars>
@@ -2926,29 +3703,29 @@
   </dgm:ptLst>
   <dgm:cxnLst>
     <dgm:cxn modelId="{B9491407-0A09-4CB7-ABB2-7CE0434BA443}" type="presOf" srcId="{04053290-34B9-410C-A869-244449F81455}" destId="{FD324EC9-C2BB-4ADD-A8FE-BF3D5E4DC94E}" srcOrd="0" destOrd="0" presId="urn:microsoft.com/office/officeart/2005/8/layout/vList5"/>
-    <dgm:cxn modelId="{80518431-7154-44EF-AA12-01D8D8054203}" srcId="{33B4962A-6D1F-47FC-8B89-48A9864AAEB2}" destId="{2DC1CE6B-3D1C-4B15-BF40-5FBB3F645738}" srcOrd="2" destOrd="0" parTransId="{1DBC966D-3D9B-4A90-AD6C-4D7AFF2B55FB}" sibTransId="{D1C462C8-B496-441E-B01F-5B0DE8F062E5}"/>
+    <dgm:cxn modelId="{5A4EEA2E-DD3F-4E31-9560-4BD4E73FB307}" srcId="{33B4962A-6D1F-47FC-8B89-48A9864AAEB2}" destId="{1A0A8990-4CE0-4890-9978-5751B3016702}" srcOrd="2" destOrd="0" parTransId="{116040B6-4DC8-4659-AF17-9D61F46A1C2D}" sibTransId="{EB0F43D1-10C1-41D2-87BD-6B2F7EEFAFE1}"/>
+    <dgm:cxn modelId="{80518431-7154-44EF-AA12-01D8D8054203}" srcId="{33B4962A-6D1F-47FC-8B89-48A9864AAEB2}" destId="{2DC1CE6B-3D1C-4B15-BF40-5FBB3F645738}" srcOrd="1" destOrd="0" parTransId="{1DBC966D-3D9B-4A90-AD6C-4D7AFF2B55FB}" sibTransId="{D1C462C8-B496-441E-B01F-5B0DE8F062E5}"/>
     <dgm:cxn modelId="{5F35173D-A210-4DF9-A328-EA4D109A2E14}" srcId="{2DC1CE6B-3D1C-4B15-BF40-5FBB3F645738}" destId="{BF112A21-CA27-4DBB-8FAF-FF50890A7BAA}" srcOrd="0" destOrd="0" parTransId="{8393A3EC-B341-4C1D-AAA0-AADC92BAB3CF}" sibTransId="{D83C5EFC-0F7A-4E95-BB6D-0E15494D928C}"/>
     <dgm:cxn modelId="{7A8B7D46-B245-4739-814D-13008DA80ECB}" type="presOf" srcId="{BF112A21-CA27-4DBB-8FAF-FF50890A7BAA}" destId="{4D71F7C3-D964-4403-AF1E-BE6E4A867AAF}" srcOrd="0" destOrd="0" presId="urn:microsoft.com/office/officeart/2005/8/layout/vList5"/>
     <dgm:cxn modelId="{7B02606A-6CCF-4AF1-9040-1B0BE8A1E34D}" srcId="{04053290-34B9-410C-A869-244449F81455}" destId="{B8BCEB95-9618-4BBC-8CAA-340FB45FD8A1}" srcOrd="0" destOrd="0" parTransId="{1C6637FA-82A8-4A3E-9E8B-371B7E01492D}" sibTransId="{7896B69E-1AEB-489D-84AE-BF82684EAB61}"/>
-    <dgm:cxn modelId="{CA08C658-78AC-456C-97CC-C09007BC3388}" srcId="{D54C05E2-F58A-4BBB-8E38-6AB7D3D5B8DC}" destId="{0DC70A94-150B-493B-9DFC-48F565B63D75}" srcOrd="0" destOrd="0" parTransId="{7B505F7D-9740-4A17-8F48-A5023286AFE7}" sibTransId="{47A3E465-C1BF-4329-92E3-01F83F0FBE4E}"/>
-    <dgm:cxn modelId="{603D908A-5512-4BE6-AB6E-7AB8EF6A1D3F}" srcId="{33B4962A-6D1F-47FC-8B89-48A9864AAEB2}" destId="{D54C05E2-F58A-4BBB-8E38-6AB7D3D5B8DC}" srcOrd="1" destOrd="0" parTransId="{7D39B7A1-7B8C-44A8-AC60-54EEA8A9AFB5}" sibTransId="{550D6EC1-063B-42ED-B51A-11FBD2F6E2EA}"/>
     <dgm:cxn modelId="{50391299-D6B9-411F-874E-8B54EF023A77}" type="presOf" srcId="{2DC1CE6B-3D1C-4B15-BF40-5FBB3F645738}" destId="{25FFC800-C553-4E88-8082-2594689A40E1}" srcOrd="0" destOrd="0" presId="urn:microsoft.com/office/officeart/2005/8/layout/vList5"/>
-    <dgm:cxn modelId="{1EAB2AB8-4B5C-4B66-B8A6-0C5F9415F9F3}" type="presOf" srcId="{0DC70A94-150B-493B-9DFC-48F565B63D75}" destId="{16D95C0A-81B3-4EB4-96C8-68D20CF6457F}" srcOrd="0" destOrd="0" presId="urn:microsoft.com/office/officeart/2005/8/layout/vList5"/>
-    <dgm:cxn modelId="{3AD823E5-F761-4DD7-B7BD-CABE1B1EF52E}" type="presOf" srcId="{D54C05E2-F58A-4BBB-8E38-6AB7D3D5B8DC}" destId="{E89F2311-A7EE-4170-B16B-4028ED39934E}" srcOrd="0" destOrd="0" presId="urn:microsoft.com/office/officeart/2005/8/layout/vList5"/>
+    <dgm:cxn modelId="{6DD00DB0-6A58-43DF-9E66-B13C132F54E2}" srcId="{1A0A8990-4CE0-4890-9978-5751B3016702}" destId="{F2654BB4-C8AC-412F-AC8C-EEBECE147251}" srcOrd="0" destOrd="0" parTransId="{B6ABAFF3-0F4A-458F-A904-EFDCC6E580CA}" sibTransId="{B10C9187-EFA0-4119-9355-6160F17A9692}"/>
     <dgm:cxn modelId="{532C3CEE-9993-44ED-9D37-953FA5BAFAA0}" type="presOf" srcId="{B8BCEB95-9618-4BBC-8CAA-340FB45FD8A1}" destId="{889E585E-7344-4ED7-AB00-81314583795F}" srcOrd="0" destOrd="0" presId="urn:microsoft.com/office/officeart/2005/8/layout/vList5"/>
     <dgm:cxn modelId="{48B55CF4-884B-4959-B5CA-409F26F0BFE1}" srcId="{33B4962A-6D1F-47FC-8B89-48A9864AAEB2}" destId="{04053290-34B9-410C-A869-244449F81455}" srcOrd="0" destOrd="0" parTransId="{5BBF70BE-FD0A-4996-A671-7CA78F7A3172}" sibTransId="{5C89B159-644D-4857-91DC-433B2C4F7298}"/>
+    <dgm:cxn modelId="{F0CF78FB-29CE-4D70-A360-20432F00B103}" type="presOf" srcId="{F2654BB4-C8AC-412F-AC8C-EEBECE147251}" destId="{68BD17F8-D7AC-42BB-9198-5BE94886BB1F}" srcOrd="0" destOrd="0" presId="urn:microsoft.com/office/officeart/2005/8/layout/vList5"/>
     <dgm:cxn modelId="{CC0B4CFD-2829-4A3A-854B-641014859C44}" type="presOf" srcId="{33B4962A-6D1F-47FC-8B89-48A9864AAEB2}" destId="{7AEE26A3-0A1E-408A-BD79-97713D11BBBB}" srcOrd="0" destOrd="0" presId="urn:microsoft.com/office/officeart/2005/8/layout/vList5"/>
+    <dgm:cxn modelId="{75104AFF-0282-46FA-B46B-7C4F7EF36D5A}" type="presOf" srcId="{1A0A8990-4CE0-4890-9978-5751B3016702}" destId="{DB3EA26C-5FF1-41E0-95D7-B4AF017264D5}" srcOrd="0" destOrd="0" presId="urn:microsoft.com/office/officeart/2005/8/layout/vList5"/>
     <dgm:cxn modelId="{459263AB-F7BA-4A83-AAEF-5701DA1474D7}" type="presParOf" srcId="{7AEE26A3-0A1E-408A-BD79-97713D11BBBB}" destId="{14B2CB67-EC0F-4446-A83A-C5802F7D91F7}" srcOrd="0" destOrd="0" presId="urn:microsoft.com/office/officeart/2005/8/layout/vList5"/>
     <dgm:cxn modelId="{4CEEF985-4F2B-453C-AB6E-A4437168B706}" type="presParOf" srcId="{14B2CB67-EC0F-4446-A83A-C5802F7D91F7}" destId="{FD324EC9-C2BB-4ADD-A8FE-BF3D5E4DC94E}" srcOrd="0" destOrd="0" presId="urn:microsoft.com/office/officeart/2005/8/layout/vList5"/>
     <dgm:cxn modelId="{140CC1F3-1DFE-4C77-83C1-3DFA3138C90F}" type="presParOf" srcId="{14B2CB67-EC0F-4446-A83A-C5802F7D91F7}" destId="{889E585E-7344-4ED7-AB00-81314583795F}" srcOrd="1" destOrd="0" presId="urn:microsoft.com/office/officeart/2005/8/layout/vList5"/>
     <dgm:cxn modelId="{A002F83F-9E8D-434E-B099-17E91D3B723B}" type="presParOf" srcId="{7AEE26A3-0A1E-408A-BD79-97713D11BBBB}" destId="{B86E8D59-B781-4207-9FC6-0F9D0E6B28BA}" srcOrd="1" destOrd="0" presId="urn:microsoft.com/office/officeart/2005/8/layout/vList5"/>
-    <dgm:cxn modelId="{7D1557D3-9155-4609-BF93-C54EF55FAB98}" type="presParOf" srcId="{7AEE26A3-0A1E-408A-BD79-97713D11BBBB}" destId="{6C9CC4A5-F98E-4856-89A1-B1469E965E43}" srcOrd="2" destOrd="0" presId="urn:microsoft.com/office/officeart/2005/8/layout/vList5"/>
-    <dgm:cxn modelId="{3238B4AB-141C-4FC5-AD26-648EDE6F49EF}" type="presParOf" srcId="{6C9CC4A5-F98E-4856-89A1-B1469E965E43}" destId="{E89F2311-A7EE-4170-B16B-4028ED39934E}" srcOrd="0" destOrd="0" presId="urn:microsoft.com/office/officeart/2005/8/layout/vList5"/>
-    <dgm:cxn modelId="{5E9CCF1C-BBBE-4648-868E-A1F9E078B7A2}" type="presParOf" srcId="{6C9CC4A5-F98E-4856-89A1-B1469E965E43}" destId="{16D95C0A-81B3-4EB4-96C8-68D20CF6457F}" srcOrd="1" destOrd="0" presId="urn:microsoft.com/office/officeart/2005/8/layout/vList5"/>
-    <dgm:cxn modelId="{8C36DEF5-311E-401D-8A2F-A6FB4057C0DE}" type="presParOf" srcId="{7AEE26A3-0A1E-408A-BD79-97713D11BBBB}" destId="{81A9380C-E6D2-4447-B01B-F696BB40A5CD}" srcOrd="3" destOrd="0" presId="urn:microsoft.com/office/officeart/2005/8/layout/vList5"/>
-    <dgm:cxn modelId="{50D83FAC-40C0-43AF-92E8-714BDC656E80}" type="presParOf" srcId="{7AEE26A3-0A1E-408A-BD79-97713D11BBBB}" destId="{9C09B6BF-5979-432C-89AD-51F4FBA79DD6}" srcOrd="4" destOrd="0" presId="urn:microsoft.com/office/officeart/2005/8/layout/vList5"/>
+    <dgm:cxn modelId="{50D83FAC-40C0-43AF-92E8-714BDC656E80}" type="presParOf" srcId="{7AEE26A3-0A1E-408A-BD79-97713D11BBBB}" destId="{9C09B6BF-5979-432C-89AD-51F4FBA79DD6}" srcOrd="2" destOrd="0" presId="urn:microsoft.com/office/officeart/2005/8/layout/vList5"/>
     <dgm:cxn modelId="{3E203498-8623-4FAE-8CB1-74D4D3CB44E2}" type="presParOf" srcId="{9C09B6BF-5979-432C-89AD-51F4FBA79DD6}" destId="{25FFC800-C553-4E88-8082-2594689A40E1}" srcOrd="0" destOrd="0" presId="urn:microsoft.com/office/officeart/2005/8/layout/vList5"/>
     <dgm:cxn modelId="{702F6EAA-34AC-487E-9E58-D8DC93B2F055}" type="presParOf" srcId="{9C09B6BF-5979-432C-89AD-51F4FBA79DD6}" destId="{4D71F7C3-D964-4403-AF1E-BE6E4A867AAF}" srcOrd="1" destOrd="0" presId="urn:microsoft.com/office/officeart/2005/8/layout/vList5"/>
+    <dgm:cxn modelId="{7C859289-B153-4C15-8295-82EA48B8DA6B}" type="presParOf" srcId="{7AEE26A3-0A1E-408A-BD79-97713D11BBBB}" destId="{30604E07-C87B-48C9-990A-706D02932D56}" srcOrd="3" destOrd="0" presId="urn:microsoft.com/office/officeart/2005/8/layout/vList5"/>
+    <dgm:cxn modelId="{4228EA36-7C24-43CD-9C0A-ED2482F78A58}" type="presParOf" srcId="{7AEE26A3-0A1E-408A-BD79-97713D11BBBB}" destId="{8E01CFC4-510D-4A20-B320-A27FE8914A4E}" srcOrd="4" destOrd="0" presId="urn:microsoft.com/office/officeart/2005/8/layout/vList5"/>
+    <dgm:cxn modelId="{73984B9C-DBC9-4A6D-B7F7-1D37391EFF9E}" type="presParOf" srcId="{8E01CFC4-510D-4A20-B320-A27FE8914A4E}" destId="{DB3EA26C-5FF1-41E0-95D7-B4AF017264D5}" srcOrd="0" destOrd="0" presId="urn:microsoft.com/office/officeart/2005/8/layout/vList5"/>
+    <dgm:cxn modelId="{7CC640E0-8041-42A3-AFD2-D3C571744D64}" type="presParOf" srcId="{8E01CFC4-510D-4A20-B320-A27FE8914A4E}" destId="{68BD17F8-D7AC-42BB-9198-5BE94886BB1F}" srcOrd="1" destOrd="0" presId="urn:microsoft.com/office/officeart/2005/8/layout/vList5"/>
   </dgm:cxnLst>
   <dgm:bg/>
   <dgm:whole/>
@@ -2961,6 +3738,664 @@
 </file>
 
 <file path=ppt/diagrams/data2.xml><?xml version="1.0" encoding="utf-8"?>
+<dgm:dataModel xmlns:dgm="http://schemas.openxmlformats.org/drawingml/2006/diagram" xmlns:a="http://schemas.openxmlformats.org/drawingml/2006/main">
+  <dgm:ptLst>
+    <dgm:pt modelId="{A2743025-E7D2-4CCB-A306-D6A6AFE34647}" type="doc">
+      <dgm:prSet loTypeId="urn:microsoft.com/office/officeart/2005/8/layout/vList5" loCatId="list" qsTypeId="urn:microsoft.com/office/officeart/2005/8/quickstyle/simple1" qsCatId="simple" csTypeId="urn:microsoft.com/office/officeart/2005/8/colors/accent1_2" csCatId="accent1" phldr="1"/>
+      <dgm:spPr/>
+      <dgm:t>
+        <a:bodyPr/>
+        <a:lstStyle/>
+        <a:p>
+          <a:endParaRPr lang="zh-CN" altLang="en-US"/>
+        </a:p>
+      </dgm:t>
+    </dgm:pt>
+    <dgm:pt modelId="{34B9614B-17DB-4D93-B0F0-B0B1A8FC1CDB}">
+      <dgm:prSet phldrT="[文本]"/>
+      <dgm:spPr/>
+      <dgm:t>
+        <a:bodyPr/>
+        <a:lstStyle/>
+        <a:p>
+          <a:pPr>
+            <a:buSzTx/>
+          </a:pPr>
+          <a:r>
+            <a:rPr lang="zh-CN" altLang="en-US" dirty="0">
+              <a:latin typeface="Segoe UI" panose="020B0502040204020203" pitchFamily="34" charset="0"/>
+            </a:rPr>
+            <a:t>规划</a:t>
+          </a:r>
+          <a:endParaRPr lang="zh-CN" altLang="en-US" dirty="0"/>
+        </a:p>
+      </dgm:t>
+    </dgm:pt>
+    <dgm:pt modelId="{F56FC17A-E6BF-429A-B1E8-F9C44413989C}" type="parTrans" cxnId="{32532DCA-C347-440C-BEC7-3E25D0064884}">
+      <dgm:prSet/>
+      <dgm:spPr/>
+      <dgm:t>
+        <a:bodyPr/>
+        <a:lstStyle/>
+        <a:p>
+          <a:endParaRPr lang="zh-CN" altLang="en-US"/>
+        </a:p>
+      </dgm:t>
+    </dgm:pt>
+    <dgm:pt modelId="{9F8D331C-2AB8-4586-8F0C-820CFF9898D9}" type="sibTrans" cxnId="{32532DCA-C347-440C-BEC7-3E25D0064884}">
+      <dgm:prSet/>
+      <dgm:spPr/>
+      <dgm:t>
+        <a:bodyPr/>
+        <a:lstStyle/>
+        <a:p>
+          <a:endParaRPr lang="zh-CN" altLang="en-US"/>
+        </a:p>
+      </dgm:t>
+    </dgm:pt>
+    <dgm:pt modelId="{4D6EEEF2-678E-4B47-ACB5-FBFAE885E133}">
+      <dgm:prSet custT="1"/>
+      <dgm:spPr/>
+      <dgm:t>
+        <a:bodyPr/>
+        <a:lstStyle/>
+        <a:p>
+          <a:r>
+            <a:rPr lang="en-US" sz="3200" dirty="0"/>
+            <a:t>2019</a:t>
+          </a:r>
+          <a:r>
+            <a:rPr lang="zh-CN" altLang="en-US" sz="3200" dirty="0"/>
+            <a:t>年，</a:t>
+          </a:r>
+          <a:r>
+            <a:rPr lang="en-US" altLang="zh-CN" sz="3200" dirty="0"/>
+            <a:t>D. Ye</a:t>
+          </a:r>
+          <a:r>
+            <a:rPr lang="zh-CN" altLang="en-US" sz="3200" dirty="0"/>
+            <a:t>等人，提出</a:t>
+          </a:r>
+          <a:r>
+            <a:rPr lang="zh-CN" altLang="en-US" sz="3200" dirty="0">
+              <a:solidFill>
+                <a:srgbClr val="FF0000"/>
+              </a:solidFill>
+            </a:rPr>
+            <a:t>改进人工势场法</a:t>
+          </a:r>
+          <a:r>
+            <a:rPr lang="zh-CN" altLang="en-US" sz="3200" dirty="0"/>
+            <a:t>。在斥力势场函数中加入了航迹点和目标点之间的距离，同时引入了协调力，解决了传统人工势场法的极小值问题。</a:t>
+          </a:r>
+          <a:endParaRPr lang="en-US" altLang="zh-CN" sz="3200" dirty="0"/>
+        </a:p>
+      </dgm:t>
+    </dgm:pt>
+    <dgm:pt modelId="{A594C7B5-FB20-4291-976E-A1FD40D9C368}" type="parTrans" cxnId="{C177ADF4-3E0C-456A-AC9E-A8FBF8814596}">
+      <dgm:prSet/>
+      <dgm:spPr/>
+      <dgm:t>
+        <a:bodyPr/>
+        <a:lstStyle/>
+        <a:p>
+          <a:endParaRPr lang="zh-CN" altLang="en-US"/>
+        </a:p>
+      </dgm:t>
+    </dgm:pt>
+    <dgm:pt modelId="{74D84453-CCAD-4C9D-9700-F15019A00F7D}" type="sibTrans" cxnId="{C177ADF4-3E0C-456A-AC9E-A8FBF8814596}">
+      <dgm:prSet/>
+      <dgm:spPr/>
+      <dgm:t>
+        <a:bodyPr/>
+        <a:lstStyle/>
+        <a:p>
+          <a:endParaRPr lang="zh-CN" altLang="en-US"/>
+        </a:p>
+      </dgm:t>
+    </dgm:pt>
+    <dgm:pt modelId="{E96B74B5-3472-46D9-84C0-1F04ED1DA9A5}">
+      <dgm:prSet custT="1"/>
+      <dgm:spPr/>
+      <dgm:t>
+        <a:bodyPr/>
+        <a:lstStyle/>
+        <a:p>
+          <a:r>
+            <a:rPr lang="en-US" sz="3200" dirty="0"/>
+            <a:t>2022</a:t>
+          </a:r>
+          <a:r>
+            <a:rPr lang="zh-CN" altLang="en-US" sz="3200" dirty="0"/>
+            <a:t>年，</a:t>
+          </a:r>
+          <a:r>
+            <a:rPr lang="en-US" altLang="zh-CN" sz="3200" dirty="0"/>
+            <a:t>K. Liu</a:t>
+          </a:r>
+          <a:r>
+            <a:rPr lang="zh-CN" altLang="en-US" sz="3200" dirty="0"/>
+            <a:t>等人，提出</a:t>
+          </a:r>
+          <a:r>
+            <a:rPr lang="zh-CN" altLang="en-US" sz="3200" dirty="0">
+              <a:solidFill>
+                <a:srgbClr val="FF0000"/>
+              </a:solidFill>
+            </a:rPr>
+            <a:t>改进 </a:t>
+          </a:r>
+          <a:r>
+            <a:rPr lang="en-US" altLang="zh-CN" sz="3200" dirty="0">
+              <a:solidFill>
+                <a:srgbClr val="FF0000"/>
+              </a:solidFill>
+            </a:rPr>
+            <a:t>RRT </a:t>
+          </a:r>
+          <a:r>
+            <a:rPr lang="zh-CN" altLang="en-US" sz="3200" dirty="0">
+              <a:solidFill>
+                <a:srgbClr val="FF0000"/>
+              </a:solidFill>
+            </a:rPr>
+            <a:t>算法</a:t>
+          </a:r>
+          <a:r>
+            <a:rPr lang="zh-CN" altLang="en-US" sz="3200" dirty="0"/>
+            <a:t>。依据无人机与障碍物之间的速度矢量关系，使用速度障碍方法对航迹进行重规划，快速规避障碍物。</a:t>
+          </a:r>
+          <a:endParaRPr lang="en-US" altLang="zh-CN" sz="3200" dirty="0"/>
+        </a:p>
+      </dgm:t>
+    </dgm:pt>
+    <dgm:pt modelId="{C2D90BE9-3284-4FDB-8EAE-1160BF0D7AC0}" type="parTrans" cxnId="{828732FB-BDA4-431C-8152-6E5AB58CDC4D}">
+      <dgm:prSet/>
+      <dgm:spPr/>
+      <dgm:t>
+        <a:bodyPr/>
+        <a:lstStyle/>
+        <a:p>
+          <a:endParaRPr lang="zh-CN" altLang="en-US"/>
+        </a:p>
+      </dgm:t>
+    </dgm:pt>
+    <dgm:pt modelId="{F811EEA3-56D4-4FB9-9AC7-D5FE1D2210B3}" type="sibTrans" cxnId="{828732FB-BDA4-431C-8152-6E5AB58CDC4D}">
+      <dgm:prSet/>
+      <dgm:spPr/>
+      <dgm:t>
+        <a:bodyPr/>
+        <a:lstStyle/>
+        <a:p>
+          <a:endParaRPr lang="zh-CN" altLang="en-US"/>
+        </a:p>
+      </dgm:t>
+    </dgm:pt>
+    <dgm:pt modelId="{5CA169CC-0145-4F38-B9D3-F49BEA8AD7C3}">
+      <dgm:prSet/>
+      <dgm:spPr/>
+      <dgm:t>
+        <a:bodyPr/>
+        <a:lstStyle/>
+        <a:p>
+          <a:r>
+            <a:rPr lang="zh-CN" altLang="en-US" dirty="0"/>
+            <a:t>感知</a:t>
+          </a:r>
+        </a:p>
+      </dgm:t>
+    </dgm:pt>
+    <dgm:pt modelId="{BBDDD462-B2E7-4533-B7C8-9778FD702F53}" type="parTrans" cxnId="{C7329C19-56F0-464A-90AF-63DC778F73C2}">
+      <dgm:prSet/>
+      <dgm:spPr/>
+      <dgm:t>
+        <a:bodyPr/>
+        <a:lstStyle/>
+        <a:p>
+          <a:endParaRPr lang="zh-CN" altLang="en-US"/>
+        </a:p>
+      </dgm:t>
+    </dgm:pt>
+    <dgm:pt modelId="{3292C879-9348-4016-B29A-280BB7952F89}" type="sibTrans" cxnId="{C7329C19-56F0-464A-90AF-63DC778F73C2}">
+      <dgm:prSet/>
+      <dgm:spPr/>
+      <dgm:t>
+        <a:bodyPr/>
+        <a:lstStyle/>
+        <a:p>
+          <a:endParaRPr lang="zh-CN" altLang="en-US"/>
+        </a:p>
+      </dgm:t>
+    </dgm:pt>
+    <dgm:pt modelId="{6D0D5221-E1C6-455F-BF39-023292CFF97B}">
+      <dgm:prSet phldrT="[文本]" custT="1"/>
+      <dgm:spPr/>
+      <dgm:t>
+        <a:bodyPr/>
+        <a:lstStyle/>
+        <a:p>
+          <a:pPr>
+            <a:buSzTx/>
+          </a:pPr>
+          <a:r>
+            <a:rPr lang="en-US" altLang="zh-CN" sz="3200" dirty="0">
+              <a:latin typeface="Segoe UI" panose="020B0502040204020203" pitchFamily="34" charset="0"/>
+            </a:rPr>
+            <a:t>2020</a:t>
+          </a:r>
+          <a:r>
+            <a:rPr lang="zh-CN" altLang="en-US" sz="3200" dirty="0">
+              <a:latin typeface="Segoe UI" panose="020B0502040204020203" pitchFamily="34" charset="0"/>
+            </a:rPr>
+            <a:t>年，</a:t>
+          </a:r>
+          <a:r>
+            <a:rPr lang="en-US" altLang="zh-CN" sz="3200" dirty="0">
+              <a:latin typeface="Segoe UI" panose="020B0502040204020203" pitchFamily="34" charset="0"/>
+            </a:rPr>
+            <a:t>S. Davide </a:t>
+          </a:r>
+          <a:r>
+            <a:rPr lang="en-US" altLang="zh-CN" sz="3200" dirty="0" err="1">
+              <a:latin typeface="Segoe UI" panose="020B0502040204020203" pitchFamily="34" charset="0"/>
+            </a:rPr>
+            <a:t>Falang</a:t>
+          </a:r>
+          <a:r>
+            <a:rPr lang="zh-CN" altLang="en-US" sz="3200" dirty="0">
+              <a:latin typeface="Segoe UI" panose="020B0502040204020203" pitchFamily="34" charset="0"/>
+            </a:rPr>
+            <a:t>等人，提出</a:t>
+          </a:r>
+          <a:r>
+            <a:rPr lang="zh-CN" altLang="en-US" sz="3200" dirty="0">
+              <a:solidFill>
+                <a:srgbClr val="FF0000"/>
+              </a:solidFill>
+              <a:latin typeface="Segoe UI" panose="020B0502040204020203" pitchFamily="34" charset="0"/>
+            </a:rPr>
+            <a:t>事件相机</a:t>
+          </a:r>
+          <a:r>
+            <a:rPr lang="zh-CN" altLang="en-US" sz="3200" dirty="0">
+              <a:latin typeface="Segoe UI" panose="020B0502040204020203" pitchFamily="34" charset="0"/>
+            </a:rPr>
+            <a:t>。同步分析每个像素点的明暗变化，确定是否有动态障碍物，将延时控制在毫秒级别。</a:t>
+          </a:r>
+          <a:endParaRPr lang="en-US" altLang="zh-CN" sz="3200" dirty="0"/>
+        </a:p>
+      </dgm:t>
+    </dgm:pt>
+    <dgm:pt modelId="{86170B67-9832-4F7A-B31A-F6455B75CA54}" type="parTrans" cxnId="{AE1F6CE0-B2A9-45F6-B2C3-CEBFACD33ACB}">
+      <dgm:prSet/>
+      <dgm:spPr/>
+      <dgm:t>
+        <a:bodyPr/>
+        <a:lstStyle/>
+        <a:p>
+          <a:endParaRPr lang="zh-CN" altLang="en-US"/>
+        </a:p>
+      </dgm:t>
+    </dgm:pt>
+    <dgm:pt modelId="{379AECBA-871C-4D60-83C1-FB2D962293ED}" type="sibTrans" cxnId="{AE1F6CE0-B2A9-45F6-B2C3-CEBFACD33ACB}">
+      <dgm:prSet/>
+      <dgm:spPr/>
+      <dgm:t>
+        <a:bodyPr/>
+        <a:lstStyle/>
+        <a:p>
+          <a:endParaRPr lang="zh-CN" altLang="en-US"/>
+        </a:p>
+      </dgm:t>
+    </dgm:pt>
+    <dgm:pt modelId="{68B6CAC0-2C98-4CF9-92F0-C545F5764D04}">
+      <dgm:prSet custT="1"/>
+      <dgm:spPr/>
+      <dgm:t>
+        <a:bodyPr/>
+        <a:lstStyle/>
+        <a:p>
+          <a:r>
+            <a:rPr lang="en-US" altLang="zh-CN" sz="3200" dirty="0"/>
+            <a:t>2022</a:t>
+          </a:r>
+          <a:r>
+            <a:rPr lang="zh-CN" altLang="en-US" sz="3200" dirty="0"/>
+            <a:t>年，</a:t>
+          </a:r>
+          <a:r>
+            <a:rPr lang="en-US" altLang="zh-CN" sz="3200" dirty="0"/>
+            <a:t>Y. Lei</a:t>
+          </a:r>
+          <a:r>
+            <a:rPr lang="zh-CN" altLang="en-US" sz="3200" dirty="0"/>
+            <a:t>等人，提 出</a:t>
+          </a:r>
+          <a:r>
+            <a:rPr lang="zh-CN" altLang="en-US" sz="3200" dirty="0">
+              <a:solidFill>
+                <a:srgbClr val="FF0000"/>
+              </a:solidFill>
+            </a:rPr>
+            <a:t>改进传统立体匹配算法</a:t>
+          </a:r>
+          <a:r>
+            <a:rPr lang="zh-CN" altLang="en-US" sz="3200" dirty="0"/>
+            <a:t>。在进行图像预处理之后提出一种改进的将 </a:t>
+          </a:r>
+          <a:r>
+            <a:rPr lang="en-US" altLang="en-US" sz="3200" dirty="0"/>
+            <a:t>FAST </a:t>
+          </a:r>
+          <a:r>
+            <a:rPr lang="zh-CN" altLang="en-US" sz="3200" dirty="0"/>
+            <a:t>和 </a:t>
+          </a:r>
+          <a:r>
+            <a:rPr lang="en-US" altLang="en-US" sz="3200" dirty="0"/>
+            <a:t>SIFT </a:t>
+          </a:r>
+          <a:r>
+            <a:rPr lang="zh-CN" altLang="en-US" sz="3200" dirty="0"/>
+            <a:t>相结合的传统立体匹配算法，提高了匹配率且保证了算法的实时性。</a:t>
+          </a:r>
+        </a:p>
+      </dgm:t>
+    </dgm:pt>
+    <dgm:pt modelId="{64A21BE1-02A6-44FE-9123-C8A3E38F9AB1}" type="parTrans" cxnId="{E3AD5E6F-F80C-4046-9F5E-99AF7E883B5D}">
+      <dgm:prSet/>
+      <dgm:spPr/>
+      <dgm:t>
+        <a:bodyPr/>
+        <a:lstStyle/>
+        <a:p>
+          <a:endParaRPr lang="zh-CN" altLang="en-US"/>
+        </a:p>
+      </dgm:t>
+    </dgm:pt>
+    <dgm:pt modelId="{3AF2232B-EB2F-4326-97C3-61B856EDF9FF}" type="sibTrans" cxnId="{E3AD5E6F-F80C-4046-9F5E-99AF7E883B5D}">
+      <dgm:prSet/>
+      <dgm:spPr/>
+      <dgm:t>
+        <a:bodyPr/>
+        <a:lstStyle/>
+        <a:p>
+          <a:endParaRPr lang="zh-CN" altLang="en-US"/>
+        </a:p>
+      </dgm:t>
+    </dgm:pt>
+    <dgm:pt modelId="{DD922F50-F258-4F96-A1CE-CF9B6B31B9A7}">
+      <dgm:prSet custT="1"/>
+      <dgm:spPr/>
+      <dgm:t>
+        <a:bodyPr/>
+        <a:lstStyle/>
+        <a:p>
+          <a:r>
+            <a:rPr lang="en-US" altLang="zh-CN" sz="3200" dirty="0"/>
+            <a:t>2019</a:t>
+          </a:r>
+          <a:r>
+            <a:rPr lang="zh-CN" altLang="en-US" sz="3200" dirty="0"/>
+            <a:t>年，</a:t>
+          </a:r>
+          <a:r>
+            <a:rPr lang="en-US" altLang="zh-CN" sz="3200" dirty="0"/>
+            <a:t>H. Zhu</a:t>
+          </a:r>
+          <a:r>
+            <a:rPr lang="zh-CN" altLang="en-US" sz="3200" dirty="0"/>
+            <a:t>等人，提出</a:t>
+          </a:r>
+          <a:r>
+            <a:rPr lang="zh-CN" altLang="en-US" sz="3200" dirty="0">
+              <a:solidFill>
+                <a:srgbClr val="FF0000"/>
+              </a:solidFill>
+            </a:rPr>
+            <a:t>概率</a:t>
+          </a:r>
+          <a:r>
+            <a:rPr lang="zh-CN" altLang="en-US" sz="3200" b="0" i="0" dirty="0">
+              <a:solidFill>
+                <a:srgbClr val="FF0000"/>
+              </a:solidFill>
+            </a:rPr>
+            <a:t>约束避障算法。</a:t>
+          </a:r>
+          <a:r>
+            <a:rPr lang="zh-CN" altLang="en-US" sz="3200" b="0" i="0" dirty="0"/>
+            <a:t>根据障碍物的位置和距离信息，计算发生碰撞的概率，通过约束碰撞概率在可接受阈值内，规划路径。</a:t>
+          </a:r>
+          <a:endParaRPr lang="en-US" altLang="zh-CN" sz="3200" dirty="0"/>
+        </a:p>
+      </dgm:t>
+    </dgm:pt>
+    <dgm:pt modelId="{D0C4EBB5-55D7-43C5-8C3E-E9B01473BE40}" type="parTrans" cxnId="{B3DB36F8-60EF-4E0C-B8B4-EFC1E0D3ECCF}">
+      <dgm:prSet/>
+      <dgm:spPr/>
+      <dgm:t>
+        <a:bodyPr/>
+        <a:lstStyle/>
+        <a:p>
+          <a:endParaRPr lang="zh-CN" altLang="en-US"/>
+        </a:p>
+      </dgm:t>
+    </dgm:pt>
+    <dgm:pt modelId="{2E0536CB-7FB4-4DF4-BF82-FE3EA2136BFD}" type="sibTrans" cxnId="{B3DB36F8-60EF-4E0C-B8B4-EFC1E0D3ECCF}">
+      <dgm:prSet/>
+      <dgm:spPr/>
+      <dgm:t>
+        <a:bodyPr/>
+        <a:lstStyle/>
+        <a:p>
+          <a:endParaRPr lang="zh-CN" altLang="en-US"/>
+        </a:p>
+      </dgm:t>
+    </dgm:pt>
+    <dgm:pt modelId="{93ABF4BD-578D-47BD-BD00-3C4BABCE4E5A}">
+      <dgm:prSet phldrT="[文本]" custT="1"/>
+      <dgm:spPr/>
+      <dgm:t>
+        <a:bodyPr/>
+        <a:lstStyle/>
+        <a:p>
+          <a:r>
+            <a:rPr lang="en-US" altLang="zh-CN" sz="3200" dirty="0"/>
+            <a:t>2021</a:t>
+          </a:r>
+          <a:r>
+            <a:rPr lang="zh-CN" altLang="en-US" sz="3200" dirty="0"/>
+            <a:t>年，</a:t>
+          </a:r>
+          <a:r>
+            <a:rPr lang="en-US" altLang="zh-CN" sz="3200" dirty="0"/>
+            <a:t>Y. Yu</a:t>
+          </a:r>
+          <a:r>
+            <a:rPr lang="zh-CN" altLang="en-US" sz="3200" dirty="0"/>
+            <a:t>等人，提出使用</a:t>
+          </a:r>
+          <a:r>
+            <a:rPr lang="zh-CN" altLang="en-US" sz="3200" dirty="0">
+              <a:solidFill>
+                <a:srgbClr val="FF0000"/>
+              </a:solidFill>
+            </a:rPr>
+            <a:t>双目相机</a:t>
+          </a:r>
+          <a:r>
+            <a:rPr lang="zh-CN" altLang="en-US" sz="3200" dirty="0"/>
+            <a:t>获取左右视图，选用</a:t>
+          </a:r>
+          <a:r>
+            <a:rPr lang="en-US" altLang="zh-CN" sz="3200" dirty="0">
+              <a:solidFill>
+                <a:srgbClr val="FF0000"/>
+              </a:solidFill>
+            </a:rPr>
+            <a:t>SGBM</a:t>
+          </a:r>
+          <a:r>
+            <a:rPr lang="zh-CN" altLang="en-US" sz="3200" dirty="0">
+              <a:solidFill>
+                <a:srgbClr val="FF0000"/>
+              </a:solidFill>
+            </a:rPr>
+            <a:t>算法</a:t>
+          </a:r>
+          <a:r>
+            <a:rPr lang="zh-CN" altLang="en-US" sz="3200" dirty="0"/>
+            <a:t>获取深度图并转换获得环境点云 。针对避障功能，选用</a:t>
+          </a:r>
+          <a:r>
+            <a:rPr lang="zh-CN" altLang="en-US" sz="3200" dirty="0">
+              <a:solidFill>
+                <a:srgbClr val="FF0000"/>
+              </a:solidFill>
+            </a:rPr>
+            <a:t>改进</a:t>
+          </a:r>
+          <a:r>
+            <a:rPr lang="zh-CN" altLang="zh-CN" sz="3200" dirty="0">
+              <a:solidFill>
+                <a:srgbClr val="FF0000"/>
+              </a:solidFill>
+            </a:rPr>
+            <a:t>向量场直方图法</a:t>
+          </a:r>
+          <a:r>
+            <a:rPr lang="zh-CN" altLang="en-US" sz="3200" dirty="0">
+              <a:solidFill>
+                <a:schemeClr val="tx1"/>
+              </a:solidFill>
+            </a:rPr>
+            <a:t>局部避障</a:t>
+          </a:r>
+          <a:r>
+            <a:rPr lang="zh-CN" altLang="en-US" sz="3200" dirty="0"/>
+            <a:t>。</a:t>
+          </a:r>
+          <a:endParaRPr lang="en-US" altLang="zh-CN" sz="3200" dirty="0"/>
+        </a:p>
+      </dgm:t>
+    </dgm:pt>
+    <dgm:pt modelId="{0F1D3A7E-D53C-4AAC-A3B5-C8B058108D17}" type="parTrans" cxnId="{5A3FD668-2080-4BCF-A35E-263D72B4CF4A}">
+      <dgm:prSet/>
+      <dgm:spPr/>
+      <dgm:t>
+        <a:bodyPr/>
+        <a:lstStyle/>
+        <a:p>
+          <a:endParaRPr lang="zh-CN" altLang="en-US"/>
+        </a:p>
+      </dgm:t>
+    </dgm:pt>
+    <dgm:pt modelId="{AA73C1AF-5ED3-4075-8CD2-F3541194B14C}" type="sibTrans" cxnId="{5A3FD668-2080-4BCF-A35E-263D72B4CF4A}">
+      <dgm:prSet/>
+      <dgm:spPr/>
+      <dgm:t>
+        <a:bodyPr/>
+        <a:lstStyle/>
+        <a:p>
+          <a:endParaRPr lang="zh-CN" altLang="en-US"/>
+        </a:p>
+      </dgm:t>
+    </dgm:pt>
+    <dgm:pt modelId="{4FEFCD08-783A-4FF0-AA3A-B9DF8A251898}" type="pres">
+      <dgm:prSet presAssocID="{A2743025-E7D2-4CCB-A306-D6A6AFE34647}" presName="Name0" presStyleCnt="0">
+        <dgm:presLayoutVars>
+          <dgm:dir/>
+          <dgm:animLvl val="lvl"/>
+          <dgm:resizeHandles val="exact"/>
+        </dgm:presLayoutVars>
+      </dgm:prSet>
+      <dgm:spPr/>
+    </dgm:pt>
+    <dgm:pt modelId="{CB1E41A5-37A2-4331-94B9-DBE07E80101D}" type="pres">
+      <dgm:prSet presAssocID="{5CA169CC-0145-4F38-B9D3-F49BEA8AD7C3}" presName="linNode" presStyleCnt="0"/>
+      <dgm:spPr/>
+    </dgm:pt>
+    <dgm:pt modelId="{DB1C40E5-0C5A-4DEA-8D73-471B6A3AE3B4}" type="pres">
+      <dgm:prSet presAssocID="{5CA169CC-0145-4F38-B9D3-F49BEA8AD7C3}" presName="parentText" presStyleLbl="node1" presStyleIdx="0" presStyleCnt="2" custScaleX="21775">
+        <dgm:presLayoutVars>
+          <dgm:chMax val="1"/>
+          <dgm:bulletEnabled val="1"/>
+        </dgm:presLayoutVars>
+      </dgm:prSet>
+      <dgm:spPr/>
+    </dgm:pt>
+    <dgm:pt modelId="{8B076812-89D8-4326-9898-314B97C7ED66}" type="pres">
+      <dgm:prSet presAssocID="{5CA169CC-0145-4F38-B9D3-F49BEA8AD7C3}" presName="descendantText" presStyleLbl="alignAccFollowNode1" presStyleIdx="0" presStyleCnt="2">
+        <dgm:presLayoutVars>
+          <dgm:bulletEnabled val="1"/>
+        </dgm:presLayoutVars>
+      </dgm:prSet>
+      <dgm:spPr/>
+    </dgm:pt>
+    <dgm:pt modelId="{A20D818C-6874-48B6-9E28-BEA8B828A1B3}" type="pres">
+      <dgm:prSet presAssocID="{3292C879-9348-4016-B29A-280BB7952F89}" presName="sp" presStyleCnt="0"/>
+      <dgm:spPr/>
+    </dgm:pt>
+    <dgm:pt modelId="{56D00D20-86C7-4670-A0E8-D4F5DB0FF6B4}" type="pres">
+      <dgm:prSet presAssocID="{34B9614B-17DB-4D93-B0F0-B0B1A8FC1CDB}" presName="linNode" presStyleCnt="0"/>
+      <dgm:spPr/>
+    </dgm:pt>
+    <dgm:pt modelId="{B54D2116-F772-487C-879E-1098CC43787A}" type="pres">
+      <dgm:prSet presAssocID="{34B9614B-17DB-4D93-B0F0-B0B1A8FC1CDB}" presName="parentText" presStyleLbl="node1" presStyleIdx="1" presStyleCnt="2" custScaleX="21775">
+        <dgm:presLayoutVars>
+          <dgm:chMax val="1"/>
+          <dgm:bulletEnabled val="1"/>
+        </dgm:presLayoutVars>
+      </dgm:prSet>
+      <dgm:spPr/>
+    </dgm:pt>
+    <dgm:pt modelId="{AB126D89-8763-4108-B836-DAB27D39D77C}" type="pres">
+      <dgm:prSet presAssocID="{34B9614B-17DB-4D93-B0F0-B0B1A8FC1CDB}" presName="descendantText" presStyleLbl="alignAccFollowNode1" presStyleIdx="1" presStyleCnt="2">
+        <dgm:presLayoutVars>
+          <dgm:bulletEnabled val="1"/>
+        </dgm:presLayoutVars>
+      </dgm:prSet>
+      <dgm:spPr/>
+    </dgm:pt>
+  </dgm:ptLst>
+  <dgm:cxnLst>
+    <dgm:cxn modelId="{262B0310-0FC7-41D8-9A94-8BCA4C3FB887}" type="presOf" srcId="{DD922F50-F258-4F96-A1CE-CF9B6B31B9A7}" destId="{AB126D89-8763-4108-B836-DAB27D39D77C}" srcOrd="0" destOrd="0" presId="urn:microsoft.com/office/officeart/2005/8/layout/vList5"/>
+    <dgm:cxn modelId="{96EA2C10-2EC1-4340-879F-AB4398BFD54A}" type="presOf" srcId="{6D0D5221-E1C6-455F-BF39-023292CFF97B}" destId="{8B076812-89D8-4326-9898-314B97C7ED66}" srcOrd="0" destOrd="1" presId="urn:microsoft.com/office/officeart/2005/8/layout/vList5"/>
+    <dgm:cxn modelId="{C7329C19-56F0-464A-90AF-63DC778F73C2}" srcId="{A2743025-E7D2-4CCB-A306-D6A6AFE34647}" destId="{5CA169CC-0145-4F38-B9D3-F49BEA8AD7C3}" srcOrd="0" destOrd="0" parTransId="{BBDDD462-B2E7-4533-B7C8-9778FD702F53}" sibTransId="{3292C879-9348-4016-B29A-280BB7952F89}"/>
+    <dgm:cxn modelId="{375A552F-2898-4DCF-9149-F6B216735BAB}" type="presOf" srcId="{4D6EEEF2-678E-4B47-ACB5-FBFAE885E133}" destId="{AB126D89-8763-4108-B836-DAB27D39D77C}" srcOrd="0" destOrd="1" presId="urn:microsoft.com/office/officeart/2005/8/layout/vList5"/>
+    <dgm:cxn modelId="{FC10D42F-D1C7-4BB2-B6D7-59C8635E3B79}" type="presOf" srcId="{93ABF4BD-578D-47BD-BD00-3C4BABCE4E5A}" destId="{8B076812-89D8-4326-9898-314B97C7ED66}" srcOrd="0" destOrd="0" presId="urn:microsoft.com/office/officeart/2005/8/layout/vList5"/>
+    <dgm:cxn modelId="{236CA142-E79E-439C-9D34-F1253E1152E3}" type="presOf" srcId="{5CA169CC-0145-4F38-B9D3-F49BEA8AD7C3}" destId="{DB1C40E5-0C5A-4DEA-8D73-471B6A3AE3B4}" srcOrd="0" destOrd="0" presId="urn:microsoft.com/office/officeart/2005/8/layout/vList5"/>
+    <dgm:cxn modelId="{5A3FD668-2080-4BCF-A35E-263D72B4CF4A}" srcId="{5CA169CC-0145-4F38-B9D3-F49BEA8AD7C3}" destId="{93ABF4BD-578D-47BD-BD00-3C4BABCE4E5A}" srcOrd="0" destOrd="0" parTransId="{0F1D3A7E-D53C-4AAC-A3B5-C8B058108D17}" sibTransId="{AA73C1AF-5ED3-4075-8CD2-F3541194B14C}"/>
+    <dgm:cxn modelId="{D421164A-D433-4238-8D4E-5B4DE8229ACE}" type="presOf" srcId="{34B9614B-17DB-4D93-B0F0-B0B1A8FC1CDB}" destId="{B54D2116-F772-487C-879E-1098CC43787A}" srcOrd="0" destOrd="0" presId="urn:microsoft.com/office/officeart/2005/8/layout/vList5"/>
+    <dgm:cxn modelId="{E3AD5E6F-F80C-4046-9F5E-99AF7E883B5D}" srcId="{5CA169CC-0145-4F38-B9D3-F49BEA8AD7C3}" destId="{68B6CAC0-2C98-4CF9-92F0-C545F5764D04}" srcOrd="2" destOrd="0" parTransId="{64A21BE1-02A6-44FE-9123-C8A3E38F9AB1}" sibTransId="{3AF2232B-EB2F-4326-97C3-61B856EDF9FF}"/>
+    <dgm:cxn modelId="{6E768751-D062-45D4-ADB2-481108E9CF14}" type="presOf" srcId="{68B6CAC0-2C98-4CF9-92F0-C545F5764D04}" destId="{8B076812-89D8-4326-9898-314B97C7ED66}" srcOrd="0" destOrd="2" presId="urn:microsoft.com/office/officeart/2005/8/layout/vList5"/>
+    <dgm:cxn modelId="{127F2FBC-0BF4-4BE0-BFB8-E6B14B6E7B96}" type="presOf" srcId="{E96B74B5-3472-46D9-84C0-1F04ED1DA9A5}" destId="{AB126D89-8763-4108-B836-DAB27D39D77C}" srcOrd="0" destOrd="2" presId="urn:microsoft.com/office/officeart/2005/8/layout/vList5"/>
+    <dgm:cxn modelId="{5521F3C6-59BF-4237-BB5B-E04C178EABDD}" type="presOf" srcId="{A2743025-E7D2-4CCB-A306-D6A6AFE34647}" destId="{4FEFCD08-783A-4FF0-AA3A-B9DF8A251898}" srcOrd="0" destOrd="0" presId="urn:microsoft.com/office/officeart/2005/8/layout/vList5"/>
+    <dgm:cxn modelId="{32532DCA-C347-440C-BEC7-3E25D0064884}" srcId="{A2743025-E7D2-4CCB-A306-D6A6AFE34647}" destId="{34B9614B-17DB-4D93-B0F0-B0B1A8FC1CDB}" srcOrd="1" destOrd="0" parTransId="{F56FC17A-E6BF-429A-B1E8-F9C44413989C}" sibTransId="{9F8D331C-2AB8-4586-8F0C-820CFF9898D9}"/>
+    <dgm:cxn modelId="{AE1F6CE0-B2A9-45F6-B2C3-CEBFACD33ACB}" srcId="{5CA169CC-0145-4F38-B9D3-F49BEA8AD7C3}" destId="{6D0D5221-E1C6-455F-BF39-023292CFF97B}" srcOrd="1" destOrd="0" parTransId="{86170B67-9832-4F7A-B31A-F6455B75CA54}" sibTransId="{379AECBA-871C-4D60-83C1-FB2D962293ED}"/>
+    <dgm:cxn modelId="{C177ADF4-3E0C-456A-AC9E-A8FBF8814596}" srcId="{34B9614B-17DB-4D93-B0F0-B0B1A8FC1CDB}" destId="{4D6EEEF2-678E-4B47-ACB5-FBFAE885E133}" srcOrd="1" destOrd="0" parTransId="{A594C7B5-FB20-4291-976E-A1FD40D9C368}" sibTransId="{74D84453-CCAD-4C9D-9700-F15019A00F7D}"/>
+    <dgm:cxn modelId="{B3DB36F8-60EF-4E0C-B8B4-EFC1E0D3ECCF}" srcId="{34B9614B-17DB-4D93-B0F0-B0B1A8FC1CDB}" destId="{DD922F50-F258-4F96-A1CE-CF9B6B31B9A7}" srcOrd="0" destOrd="0" parTransId="{D0C4EBB5-55D7-43C5-8C3E-E9B01473BE40}" sibTransId="{2E0536CB-7FB4-4DF4-BF82-FE3EA2136BFD}"/>
+    <dgm:cxn modelId="{828732FB-BDA4-431C-8152-6E5AB58CDC4D}" srcId="{34B9614B-17DB-4D93-B0F0-B0B1A8FC1CDB}" destId="{E96B74B5-3472-46D9-84C0-1F04ED1DA9A5}" srcOrd="2" destOrd="0" parTransId="{C2D90BE9-3284-4FDB-8EAE-1160BF0D7AC0}" sibTransId="{F811EEA3-56D4-4FB9-9AC7-D5FE1D2210B3}"/>
+    <dgm:cxn modelId="{ED0D33F3-6FFB-4001-9D23-76FB1D926AF8}" type="presParOf" srcId="{4FEFCD08-783A-4FF0-AA3A-B9DF8A251898}" destId="{CB1E41A5-37A2-4331-94B9-DBE07E80101D}" srcOrd="0" destOrd="0" presId="urn:microsoft.com/office/officeart/2005/8/layout/vList5"/>
+    <dgm:cxn modelId="{96F47835-F44F-4387-8B3E-9C8EC60499BF}" type="presParOf" srcId="{CB1E41A5-37A2-4331-94B9-DBE07E80101D}" destId="{DB1C40E5-0C5A-4DEA-8D73-471B6A3AE3B4}" srcOrd="0" destOrd="0" presId="urn:microsoft.com/office/officeart/2005/8/layout/vList5"/>
+    <dgm:cxn modelId="{EA49E68A-6D11-448F-8194-BCD0ED8312AF}" type="presParOf" srcId="{CB1E41A5-37A2-4331-94B9-DBE07E80101D}" destId="{8B076812-89D8-4326-9898-314B97C7ED66}" srcOrd="1" destOrd="0" presId="urn:microsoft.com/office/officeart/2005/8/layout/vList5"/>
+    <dgm:cxn modelId="{63C77864-C65E-4330-A7BB-A4DE1C7ADFD1}" type="presParOf" srcId="{4FEFCD08-783A-4FF0-AA3A-B9DF8A251898}" destId="{A20D818C-6874-48B6-9E28-BEA8B828A1B3}" srcOrd="1" destOrd="0" presId="urn:microsoft.com/office/officeart/2005/8/layout/vList5"/>
+    <dgm:cxn modelId="{BC7509F0-24EA-4B34-8A2B-1F4B625CB91A}" type="presParOf" srcId="{4FEFCD08-783A-4FF0-AA3A-B9DF8A251898}" destId="{56D00D20-86C7-4670-A0E8-D4F5DB0FF6B4}" srcOrd="2" destOrd="0" presId="urn:microsoft.com/office/officeart/2005/8/layout/vList5"/>
+    <dgm:cxn modelId="{78532FF0-5360-49F6-A6D6-020BD7424083}" type="presParOf" srcId="{56D00D20-86C7-4670-A0E8-D4F5DB0FF6B4}" destId="{B54D2116-F772-487C-879E-1098CC43787A}" srcOrd="0" destOrd="0" presId="urn:microsoft.com/office/officeart/2005/8/layout/vList5"/>
+    <dgm:cxn modelId="{F9010A40-5F7C-45AA-B2B8-9FAD47134148}" type="presParOf" srcId="{56D00D20-86C7-4670-A0E8-D4F5DB0FF6B4}" destId="{AB126D89-8763-4108-B836-DAB27D39D77C}" srcOrd="1" destOrd="0" presId="urn:microsoft.com/office/officeart/2005/8/layout/vList5"/>
+  </dgm:cxnLst>
+  <dgm:bg/>
+  <dgm:whole/>
+  <dgm:extLst>
+    <a:ext uri="http://schemas.microsoft.com/office/drawing/2008/diagram">
+      <dsp:dataModelExt xmlns:dsp="http://schemas.microsoft.com/office/drawing/2008/diagram" relId="rId6" minVer="http://schemas.openxmlformats.org/drawingml/2006/diagram"/>
+    </a:ext>
+  </dgm:extLst>
+</dgm:dataModel>
+</file>
+
+<file path=ppt/diagrams/data3.xml><?xml version="1.0" encoding="utf-8"?>
 <dgm:dataModel xmlns:dgm="http://schemas.openxmlformats.org/drawingml/2006/diagram" xmlns:a="http://schemas.openxmlformats.org/drawingml/2006/main">
   <dgm:ptLst>
     <dgm:pt modelId="{008D1A01-B93A-4FCB-B9FB-4845667A862D}" type="doc">
@@ -3107,7 +4542,15 @@
           </a:r>
           <a:r>
             <a:rPr lang="zh-CN" altLang="en-US" dirty="0"/>
-            <a:t>中搭建仿真环境，根据原理设计避障算法代码，控制虚拟无人机移动到目标位置。</a:t>
+            <a:t>和</a:t>
+          </a:r>
+          <a:r>
+            <a:rPr lang="en-US" altLang="zh-CN" dirty="0"/>
+            <a:t>ROS</a:t>
+          </a:r>
+          <a:r>
+            <a:rPr lang="zh-CN" altLang="en-US" dirty="0"/>
+            <a:t>中，搭建仿真环境，根据原理设计避障算法代码，控制虚拟无人机移动到目标位置。</a:t>
           </a:r>
         </a:p>
       </dgm:t>
@@ -3151,7 +4594,7 @@
           </a:r>
           <a:r>
             <a:rPr lang="zh-CN" altLang="en-US" dirty="0"/>
-            <a:t>中读取订阅的相机以及雷达的数据并分析，实时感知和定位环境中的障碍物。</a:t>
+            <a:t>中，订阅双目相机的数据，初步处理后分析，实时感知和定位环境中的障碍物，并能实现轨迹预测。</a:t>
           </a:r>
         </a:p>
       </dgm:t>
@@ -3195,11 +4638,19 @@
           </a:r>
           <a:r>
             <a:rPr lang="zh-CN" altLang="en-US" dirty="0"/>
-            <a:t>中操控实体无人机，以</a:t>
+            <a:t>中，操控实体无人机，以</a:t>
           </a:r>
           <a:r>
             <a:rPr lang="en-US" altLang="zh-CN" dirty="0"/>
             <a:t>C++</a:t>
+          </a:r>
+          <a:r>
+            <a:rPr lang="zh-CN" altLang="en-US" dirty="0"/>
+            <a:t>或</a:t>
+          </a:r>
+          <a:r>
+            <a:rPr lang="en-US" altLang="zh-CN" dirty="0"/>
+            <a:t>python</a:t>
           </a:r>
           <a:r>
             <a:rPr lang="zh-CN" altLang="en-US" dirty="0"/>
@@ -3366,7 +4817,7 @@
 </dgm:dataModel>
 </file>
 
-<file path=ppt/diagrams/data3.xml><?xml version="1.0" encoding="utf-8"?>
+<file path=ppt/diagrams/data4.xml><?xml version="1.0" encoding="utf-8"?>
 <dgm:dataModel xmlns:dgm="http://schemas.openxmlformats.org/drawingml/2006/diagram" xmlns:a="http://schemas.openxmlformats.org/drawingml/2006/main">
   <dgm:ptLst>
     <dgm:pt modelId="{15757339-D89B-4F82-B920-4F8D16113047}" type="doc">
@@ -3713,10 +5164,11 @@
         <a:p>
           <a:pPr>
             <a:buSzTx/>
-            <a:buNone/>
+            <a:buFont typeface="Arial" panose="020B0604020202020204" pitchFamily="34" charset="0"/>
+            <a:buChar char="•"/>
           </a:pPr>
           <a:r>
-            <a:rPr lang="zh-CN" altLang="en-US"/>
+            <a:rPr lang="zh-CN" altLang="en-US" dirty="0"/>
             <a:t>阅读文献，熟悉相关知识。</a:t>
           </a:r>
         </a:p>
@@ -3752,7 +5204,7 @@
         <a:lstStyle/>
         <a:p>
           <a:r>
-            <a:rPr lang="zh-CN" altLang="en-US"/>
+            <a:rPr lang="zh-CN" altLang="en-US" dirty="0"/>
             <a:t>在</a:t>
           </a:r>
           <a:r>
@@ -3760,8 +5212,8 @@
             <a:t>Matlab</a:t>
           </a:r>
           <a:r>
-            <a:rPr lang="zh-CN" altLang="en-US"/>
-            <a:t>中实现仿真避障算法，在</a:t>
+            <a:rPr lang="zh-CN" altLang="en-US" dirty="0"/>
+            <a:t>和</a:t>
           </a:r>
           <a:r>
             <a:rPr lang="en-US" altLang="zh-CN" dirty="0"/>
@@ -3769,7 +5221,7 @@
           </a:r>
           <a:r>
             <a:rPr lang="zh-CN" altLang="en-US" dirty="0"/>
-            <a:t>中操控无人机飞行，熟悉基本操作。</a:t>
+            <a:t>中，实现仿真避障算法。</a:t>
           </a:r>
         </a:p>
       </dgm:t>
@@ -3804,12 +5256,16 @@
         <a:lstStyle/>
         <a:p>
           <a:r>
-            <a:rPr lang="zh-CN" altLang="en-US"/>
-            <a:t>实现</a:t>
-          </a:r>
-          <a:r>
             <a:rPr lang="zh-CN" altLang="en-US" dirty="0"/>
-            <a:t>视觉建模，感知并确定环境中的障碍物。</a:t>
+            <a:t>在</a:t>
+          </a:r>
+          <a:r>
+            <a:rPr lang="en-US" altLang="zh-CN" dirty="0"/>
+            <a:t>ROS</a:t>
+          </a:r>
+          <a:r>
+            <a:rPr lang="zh-CN" altLang="en-US" dirty="0"/>
+            <a:t>中，操控无人机飞行，熟悉基本操作。</a:t>
           </a:r>
         </a:p>
       </dgm:t>
@@ -3844,12 +5300,8 @@
         <a:lstStyle/>
         <a:p>
           <a:r>
-            <a:rPr lang="zh-CN" altLang="en-US"/>
-            <a:t>设计</a:t>
-          </a:r>
-          <a:r>
             <a:rPr lang="zh-CN" altLang="en-US" dirty="0"/>
-            <a:t>并实现静态避障算法并进行控制。</a:t>
+            <a:t>实现双目视觉建模，感知和预测环境中的障碍物。</a:t>
           </a:r>
         </a:p>
       </dgm:t>
@@ -3884,12 +5336,8 @@
         <a:lstStyle/>
         <a:p>
           <a:r>
-            <a:rPr lang="zh-CN" altLang="en-US"/>
-            <a:t>设计</a:t>
-          </a:r>
-          <a:r>
             <a:rPr lang="zh-CN" altLang="en-US" dirty="0"/>
-            <a:t>并实现动态避障算法并进行控制。</a:t>
+            <a:t>设计并实现动态避障算法并进行控制。</a:t>
           </a:r>
         </a:p>
       </dgm:t>
@@ -4365,7 +5813,19 @@
           </a:pPr>
           <a:r>
             <a:rPr lang="zh-CN" altLang="en-US" sz="3300" kern="1200" dirty="0"/>
-            <a:t>通过有效的避障算法，可以降低无人机与障碍物发生碰撞的风险，保障飞行任务的顺利执行。</a:t>
+            <a:t>通过有效的避障算法，可以降低无人机与障碍物发生碰撞的风险，保障</a:t>
+          </a:r>
+          <a:r>
+            <a:rPr lang="zh-CN" altLang="en-US" sz="3300" kern="1200" dirty="0">
+              <a:solidFill>
+                <a:srgbClr val="FF0000"/>
+              </a:solidFill>
+            </a:rPr>
+            <a:t>飞行任务的顺利执行</a:t>
+          </a:r>
+          <a:r>
+            <a:rPr lang="zh-CN" altLang="en-US" sz="3300" kern="1200" dirty="0"/>
+            <a:t>。</a:t>
           </a:r>
         </a:p>
       </dsp:txBody>
@@ -4461,7 +5921,7 @@
         <a:ext cx="6377677" cy="2400866"/>
       </dsp:txXfrm>
     </dsp:sp>
-    <dsp:sp modelId="{16D95C0A-81B3-4EB4-96C8-68D20CF6457F}">
+    <dsp:sp modelId="{4D71F7C3-D964-4403-AF1E-BE6E4A867AAF}">
       <dsp:nvSpPr>
         <dsp:cNvPr id="0" name=""/>
         <dsp:cNvSpPr/>
@@ -4530,12 +5990,20 @@
             <a:buChar char="•"/>
           </a:pPr>
           <a:r>
-            <a:rPr lang="zh-CN" altLang="en-US" sz="3300" kern="1200"/>
-            <a:t>使</a:t>
-          </a:r>
-          <a:r>
             <a:rPr lang="zh-CN" altLang="en-US" sz="3300" kern="1200" dirty="0"/>
-            <a:t>无人机更更好地满足多样化的应用场景，包括城市、农田、森林等。</a:t>
+            <a:t>在复杂环境中，无人机能够根据感知信息自主调整飞行轨迹，减少对人工干预的依赖，实现</a:t>
+          </a:r>
+          <a:r>
+            <a:rPr lang="zh-CN" altLang="en-US" sz="3300" kern="1200" dirty="0">
+              <a:solidFill>
+                <a:srgbClr val="FF0000"/>
+              </a:solidFill>
+            </a:rPr>
+            <a:t>更加自主化的操作</a:t>
+          </a:r>
+          <a:r>
+            <a:rPr lang="zh-CN" altLang="en-US" sz="3300" kern="1200" dirty="0"/>
+            <a:t>，提升效率。</a:t>
           </a:r>
         </a:p>
       </dsp:txBody>
@@ -4544,7 +6012,7 @@
         <a:ext cx="11695988" cy="1920692"/>
       </dsp:txXfrm>
     </dsp:sp>
-    <dsp:sp modelId="{E89F2311-A7EE-4170-B16B-4028ED39934E}">
+    <dsp:sp modelId="{25FFC800-C553-4E88-8082-2594689A40E1}">
       <dsp:nvSpPr>
         <dsp:cNvPr id="0" name=""/>
         <dsp:cNvSpPr/>
@@ -4612,7 +6080,7 @@
           </a:pPr>
           <a:r>
             <a:rPr lang="zh-CN" altLang="en-US" sz="5800" kern="1200" dirty="0"/>
-            <a:t>拓展</a:t>
+            <a:t>提升</a:t>
           </a:r>
           <a:r>
             <a:rPr lang="zh-CN" altLang="en-US" sz="5800" kern="1200" dirty="0">
@@ -4620,7 +6088,7 @@
                 <a:srgbClr val="FF0000"/>
               </a:solidFill>
             </a:rPr>
-            <a:t>应用领域</a:t>
+            <a:t>自主飞行能力</a:t>
           </a:r>
           <a:endParaRPr lang="zh-CN" altLang="en-US" sz="5800" kern="1200" dirty="0"/>
         </a:p>
@@ -4630,7 +6098,7 @@
         <a:ext cx="6377677" cy="2400866"/>
       </dsp:txXfrm>
     </dsp:sp>
-    <dsp:sp modelId="{4D71F7C3-D964-4403-AF1E-BE6E4A867AAF}">
+    <dsp:sp modelId="{68BD17F8-D7AC-42BB-9198-5BE94886BB1F}">
       <dsp:nvSpPr>
         <dsp:cNvPr id="0" name=""/>
         <dsp:cNvSpPr/>
@@ -4699,12 +6167,20 @@
             <a:buChar char="•"/>
           </a:pPr>
           <a:r>
-            <a:rPr lang="zh-CN" altLang="en-US" sz="3300" kern="1200"/>
-            <a:t>在</a:t>
-          </a:r>
-          <a:r>
             <a:rPr lang="zh-CN" altLang="en-US" sz="3300" kern="1200" dirty="0"/>
-            <a:t>复杂环境中，无人机能够根据感知信息自主调整飞行轨迹，减少对人工干预的依赖，实现更加自主化的操作，提升效率。</a:t>
+            <a:t>使无人机更更好地满足</a:t>
+          </a:r>
+          <a:r>
+            <a:rPr lang="zh-CN" altLang="en-US" sz="3300" kern="1200" dirty="0">
+              <a:solidFill>
+                <a:srgbClr val="FF0000"/>
+              </a:solidFill>
+            </a:rPr>
+            <a:t>多样化的应用场景</a:t>
+          </a:r>
+          <a:r>
+            <a:rPr lang="zh-CN" altLang="en-US" sz="3300" kern="1200" dirty="0"/>
+            <a:t>，包括城市、农田、森林等。</a:t>
           </a:r>
         </a:p>
       </dsp:txBody>
@@ -4713,7 +6189,7 @@
         <a:ext cx="11695988" cy="1920692"/>
       </dsp:txXfrm>
     </dsp:sp>
-    <dsp:sp modelId="{25FFC800-C553-4E88-8082-2594689A40E1}">
+    <dsp:sp modelId="{DB3EA26C-5FF1-41E0-95D7-B4AF017264D5}">
       <dsp:nvSpPr>
         <dsp:cNvPr id="0" name=""/>
         <dsp:cNvSpPr/>
@@ -4780,16 +6256,16 @@
             <a:buNone/>
           </a:pPr>
           <a:r>
-            <a:rPr lang="zh-CN" altLang="en-US" sz="5800" kern="1200" dirty="0"/>
-            <a:t>提升</a:t>
-          </a:r>
-          <a:r>
-            <a:rPr lang="zh-CN" altLang="en-US" sz="5800" kern="1200" dirty="0">
+            <a:rPr lang="zh-CN" altLang="en-US" sz="5800" kern="1200"/>
+            <a:t>拓展</a:t>
+          </a:r>
+          <a:r>
+            <a:rPr lang="zh-CN" altLang="en-US" sz="5800" kern="1200">
               <a:solidFill>
                 <a:srgbClr val="FF0000"/>
               </a:solidFill>
             </a:rPr>
-            <a:t>自主飞行能力</a:t>
+            <a:t>应用领域</a:t>
           </a:r>
           <a:endParaRPr lang="zh-CN" altLang="en-US" sz="5800" kern="1200" dirty="0"/>
         </a:p>
@@ -4811,6 +6287,661 @@
       <dsp:cNvGrpSpPr/>
     </dsp:nvGrpSpPr>
     <dsp:grpSpPr/>
+    <dsp:sp modelId="{8B076812-89D8-4326-9898-314B97C7ED66}">
+      <dsp:nvSpPr>
+        <dsp:cNvPr id="0" name=""/>
+        <dsp:cNvSpPr/>
+      </dsp:nvSpPr>
+      <dsp:spPr>
+        <a:xfrm rot="5400000">
+          <a:off x="13647139" y="-6863786"/>
+          <a:ext cx="3763352" cy="18432000"/>
+        </a:xfrm>
+        <a:prstGeom prst="round2SameRect">
+          <a:avLst/>
+        </a:prstGeom>
+        <a:solidFill>
+          <a:schemeClr val="accent1">
+            <a:alpha val="90000"/>
+            <a:tint val="40000"/>
+            <a:hueOff val="0"/>
+            <a:satOff val="0"/>
+            <a:lumOff val="0"/>
+            <a:alphaOff val="0"/>
+          </a:schemeClr>
+        </a:solidFill>
+        <a:ln w="25400" cap="flat" cmpd="sng" algn="ctr">
+          <a:solidFill>
+            <a:schemeClr val="accent1">
+              <a:alpha val="90000"/>
+              <a:tint val="40000"/>
+              <a:hueOff val="0"/>
+              <a:satOff val="0"/>
+              <a:lumOff val="0"/>
+              <a:alphaOff val="0"/>
+            </a:schemeClr>
+          </a:solidFill>
+          <a:prstDash val="solid"/>
+        </a:ln>
+        <a:effectLst/>
+      </dsp:spPr>
+      <dsp:style>
+        <a:lnRef idx="2">
+          <a:scrgbClr r="0" g="0" b="0"/>
+        </a:lnRef>
+        <a:fillRef idx="1">
+          <a:scrgbClr r="0" g="0" b="0"/>
+        </a:fillRef>
+        <a:effectRef idx="0">
+          <a:scrgbClr r="0" g="0" b="0"/>
+        </a:effectRef>
+        <a:fontRef idx="minor"/>
+      </dsp:style>
+      <dsp:txBody>
+        <a:bodyPr spcFirstLastPara="0" vert="horz" wrap="square" lIns="247650" tIns="123825" rIns="247650" bIns="123825" numCol="1" spcCol="1270" anchor="ctr" anchorCtr="0">
+          <a:noAutofit/>
+        </a:bodyPr>
+        <a:lstStyle/>
+        <a:p>
+          <a:pPr marL="285750" lvl="1" indent="-285750" algn="l" defTabSz="1422400">
+            <a:lnSpc>
+              <a:spcPct val="90000"/>
+            </a:lnSpc>
+            <a:spcBef>
+              <a:spcPct val="0"/>
+            </a:spcBef>
+            <a:spcAft>
+              <a:spcPct val="15000"/>
+            </a:spcAft>
+            <a:buChar char="•"/>
+          </a:pPr>
+          <a:r>
+            <a:rPr lang="en-US" altLang="zh-CN" sz="3200" kern="1200" dirty="0"/>
+            <a:t>2021</a:t>
+          </a:r>
+          <a:r>
+            <a:rPr lang="zh-CN" altLang="en-US" sz="3200" kern="1200" dirty="0"/>
+            <a:t>年，</a:t>
+          </a:r>
+          <a:r>
+            <a:rPr lang="en-US" altLang="zh-CN" sz="3200" kern="1200" dirty="0"/>
+            <a:t>Y. Yu</a:t>
+          </a:r>
+          <a:r>
+            <a:rPr lang="zh-CN" altLang="en-US" sz="3200" kern="1200" dirty="0"/>
+            <a:t>等人，提出使用</a:t>
+          </a:r>
+          <a:r>
+            <a:rPr lang="zh-CN" altLang="en-US" sz="3200" kern="1200" dirty="0">
+              <a:solidFill>
+                <a:srgbClr val="FF0000"/>
+              </a:solidFill>
+            </a:rPr>
+            <a:t>双目相机</a:t>
+          </a:r>
+          <a:r>
+            <a:rPr lang="zh-CN" altLang="en-US" sz="3200" kern="1200" dirty="0"/>
+            <a:t>获取左右视图，选用</a:t>
+          </a:r>
+          <a:r>
+            <a:rPr lang="en-US" altLang="zh-CN" sz="3200" kern="1200" dirty="0">
+              <a:solidFill>
+                <a:srgbClr val="FF0000"/>
+              </a:solidFill>
+            </a:rPr>
+            <a:t>SGBM</a:t>
+          </a:r>
+          <a:r>
+            <a:rPr lang="zh-CN" altLang="en-US" sz="3200" kern="1200" dirty="0">
+              <a:solidFill>
+                <a:srgbClr val="FF0000"/>
+              </a:solidFill>
+            </a:rPr>
+            <a:t>算法</a:t>
+          </a:r>
+          <a:r>
+            <a:rPr lang="zh-CN" altLang="en-US" sz="3200" kern="1200" dirty="0"/>
+            <a:t>获取深度图并转换获得环境点云 。针对避障功能，选用</a:t>
+          </a:r>
+          <a:r>
+            <a:rPr lang="zh-CN" altLang="en-US" sz="3200" kern="1200" dirty="0">
+              <a:solidFill>
+                <a:srgbClr val="FF0000"/>
+              </a:solidFill>
+            </a:rPr>
+            <a:t>改进</a:t>
+          </a:r>
+          <a:r>
+            <a:rPr lang="zh-CN" altLang="zh-CN" sz="3200" kern="1200" dirty="0">
+              <a:solidFill>
+                <a:srgbClr val="FF0000"/>
+              </a:solidFill>
+            </a:rPr>
+            <a:t>向量场直方图法</a:t>
+          </a:r>
+          <a:r>
+            <a:rPr lang="zh-CN" altLang="en-US" sz="3200" kern="1200" dirty="0">
+              <a:solidFill>
+                <a:schemeClr val="tx1"/>
+              </a:solidFill>
+            </a:rPr>
+            <a:t>局部避障</a:t>
+          </a:r>
+          <a:r>
+            <a:rPr lang="zh-CN" altLang="en-US" sz="3200" kern="1200" dirty="0"/>
+            <a:t>。</a:t>
+          </a:r>
+          <a:endParaRPr lang="en-US" altLang="zh-CN" sz="3200" kern="1200" dirty="0"/>
+        </a:p>
+        <a:p>
+          <a:pPr marL="285750" lvl="1" indent="-285750" algn="l" defTabSz="1422400">
+            <a:lnSpc>
+              <a:spcPct val="90000"/>
+            </a:lnSpc>
+            <a:spcBef>
+              <a:spcPct val="0"/>
+            </a:spcBef>
+            <a:spcAft>
+              <a:spcPct val="15000"/>
+            </a:spcAft>
+            <a:buSzTx/>
+            <a:buChar char="•"/>
+          </a:pPr>
+          <a:r>
+            <a:rPr lang="en-US" altLang="zh-CN" sz="3200" kern="1200" dirty="0">
+              <a:latin typeface="Segoe UI" panose="020B0502040204020203" pitchFamily="34" charset="0"/>
+            </a:rPr>
+            <a:t>2020</a:t>
+          </a:r>
+          <a:r>
+            <a:rPr lang="zh-CN" altLang="en-US" sz="3200" kern="1200" dirty="0">
+              <a:latin typeface="Segoe UI" panose="020B0502040204020203" pitchFamily="34" charset="0"/>
+            </a:rPr>
+            <a:t>年，</a:t>
+          </a:r>
+          <a:r>
+            <a:rPr lang="en-US" altLang="zh-CN" sz="3200" kern="1200" dirty="0">
+              <a:latin typeface="Segoe UI" panose="020B0502040204020203" pitchFamily="34" charset="0"/>
+            </a:rPr>
+            <a:t>S. Davide </a:t>
+          </a:r>
+          <a:r>
+            <a:rPr lang="en-US" altLang="zh-CN" sz="3200" kern="1200" dirty="0" err="1">
+              <a:latin typeface="Segoe UI" panose="020B0502040204020203" pitchFamily="34" charset="0"/>
+            </a:rPr>
+            <a:t>Falang</a:t>
+          </a:r>
+          <a:r>
+            <a:rPr lang="zh-CN" altLang="en-US" sz="3200" kern="1200" dirty="0">
+              <a:latin typeface="Segoe UI" panose="020B0502040204020203" pitchFamily="34" charset="0"/>
+            </a:rPr>
+            <a:t>等人，提出</a:t>
+          </a:r>
+          <a:r>
+            <a:rPr lang="zh-CN" altLang="en-US" sz="3200" kern="1200" dirty="0">
+              <a:solidFill>
+                <a:srgbClr val="FF0000"/>
+              </a:solidFill>
+              <a:latin typeface="Segoe UI" panose="020B0502040204020203" pitchFamily="34" charset="0"/>
+            </a:rPr>
+            <a:t>事件相机</a:t>
+          </a:r>
+          <a:r>
+            <a:rPr lang="zh-CN" altLang="en-US" sz="3200" kern="1200" dirty="0">
+              <a:latin typeface="Segoe UI" panose="020B0502040204020203" pitchFamily="34" charset="0"/>
+            </a:rPr>
+            <a:t>。同步分析每个像素点的明暗变化，确定是否有动态障碍物，将延时控制在毫秒级别。</a:t>
+          </a:r>
+          <a:endParaRPr lang="en-US" altLang="zh-CN" sz="3200" kern="1200" dirty="0"/>
+        </a:p>
+        <a:p>
+          <a:pPr marL="285750" lvl="1" indent="-285750" algn="l" defTabSz="1422400">
+            <a:lnSpc>
+              <a:spcPct val="90000"/>
+            </a:lnSpc>
+            <a:spcBef>
+              <a:spcPct val="0"/>
+            </a:spcBef>
+            <a:spcAft>
+              <a:spcPct val="15000"/>
+            </a:spcAft>
+            <a:buChar char="•"/>
+          </a:pPr>
+          <a:r>
+            <a:rPr lang="en-US" altLang="zh-CN" sz="3200" kern="1200" dirty="0"/>
+            <a:t>2022</a:t>
+          </a:r>
+          <a:r>
+            <a:rPr lang="zh-CN" altLang="en-US" sz="3200" kern="1200" dirty="0"/>
+            <a:t>年，</a:t>
+          </a:r>
+          <a:r>
+            <a:rPr lang="en-US" altLang="zh-CN" sz="3200" kern="1200" dirty="0"/>
+            <a:t>Y. Lei</a:t>
+          </a:r>
+          <a:r>
+            <a:rPr lang="zh-CN" altLang="en-US" sz="3200" kern="1200" dirty="0"/>
+            <a:t>等人，提 出</a:t>
+          </a:r>
+          <a:r>
+            <a:rPr lang="zh-CN" altLang="en-US" sz="3200" kern="1200" dirty="0">
+              <a:solidFill>
+                <a:srgbClr val="FF0000"/>
+              </a:solidFill>
+            </a:rPr>
+            <a:t>改进传统立体匹配算法</a:t>
+          </a:r>
+          <a:r>
+            <a:rPr lang="zh-CN" altLang="en-US" sz="3200" kern="1200" dirty="0"/>
+            <a:t>。在进行图像预处理之后提出一种改进的将 </a:t>
+          </a:r>
+          <a:r>
+            <a:rPr lang="en-US" altLang="en-US" sz="3200" kern="1200" dirty="0"/>
+            <a:t>FAST </a:t>
+          </a:r>
+          <a:r>
+            <a:rPr lang="zh-CN" altLang="en-US" sz="3200" kern="1200" dirty="0"/>
+            <a:t>和 </a:t>
+          </a:r>
+          <a:r>
+            <a:rPr lang="en-US" altLang="en-US" sz="3200" kern="1200" dirty="0"/>
+            <a:t>SIFT </a:t>
+          </a:r>
+          <a:r>
+            <a:rPr lang="zh-CN" altLang="en-US" sz="3200" kern="1200" dirty="0"/>
+            <a:t>相结合的传统立体匹配算法，提高了匹配率且保证了算法的实时性。</a:t>
+          </a:r>
+        </a:p>
+      </dsp:txBody>
+      <dsp:txXfrm rot="-5400000">
+        <a:off x="6312815" y="654250"/>
+        <a:ext cx="18248288" cy="3395928"/>
+      </dsp:txXfrm>
+    </dsp:sp>
+    <dsp:sp modelId="{DB1C40E5-0C5A-4DEA-8D73-471B6A3AE3B4}">
+      <dsp:nvSpPr>
+        <dsp:cNvPr id="0" name=""/>
+        <dsp:cNvSpPr/>
+      </dsp:nvSpPr>
+      <dsp:spPr>
+        <a:xfrm>
+          <a:off x="4055183" y="117"/>
+          <a:ext cx="2257632" cy="4704191"/>
+        </a:xfrm>
+        <a:prstGeom prst="roundRect">
+          <a:avLst/>
+        </a:prstGeom>
+        <a:solidFill>
+          <a:schemeClr val="accent1">
+            <a:hueOff val="0"/>
+            <a:satOff val="0"/>
+            <a:lumOff val="0"/>
+            <a:alphaOff val="0"/>
+          </a:schemeClr>
+        </a:solidFill>
+        <a:ln w="25400" cap="flat" cmpd="sng" algn="ctr">
+          <a:solidFill>
+            <a:schemeClr val="lt1">
+              <a:hueOff val="0"/>
+              <a:satOff val="0"/>
+              <a:lumOff val="0"/>
+              <a:alphaOff val="0"/>
+            </a:schemeClr>
+          </a:solidFill>
+          <a:prstDash val="solid"/>
+        </a:ln>
+        <a:effectLst/>
+      </dsp:spPr>
+      <dsp:style>
+        <a:lnRef idx="2">
+          <a:scrgbClr r="0" g="0" b="0"/>
+        </a:lnRef>
+        <a:fillRef idx="1">
+          <a:scrgbClr r="0" g="0" b="0"/>
+        </a:fillRef>
+        <a:effectRef idx="0">
+          <a:scrgbClr r="0" g="0" b="0"/>
+        </a:effectRef>
+        <a:fontRef idx="minor">
+          <a:schemeClr val="lt1"/>
+        </a:fontRef>
+      </dsp:style>
+      <dsp:txBody>
+        <a:bodyPr spcFirstLastPara="0" vert="horz" wrap="square" lIns="247650" tIns="123825" rIns="247650" bIns="123825" numCol="1" spcCol="1270" anchor="ctr" anchorCtr="0">
+          <a:noAutofit/>
+        </a:bodyPr>
+        <a:lstStyle/>
+        <a:p>
+          <a:pPr marL="0" lvl="0" indent="0" algn="ctr" defTabSz="2889250">
+            <a:lnSpc>
+              <a:spcPct val="90000"/>
+            </a:lnSpc>
+            <a:spcBef>
+              <a:spcPct val="0"/>
+            </a:spcBef>
+            <a:spcAft>
+              <a:spcPct val="35000"/>
+            </a:spcAft>
+            <a:buNone/>
+          </a:pPr>
+          <a:r>
+            <a:rPr lang="zh-CN" altLang="en-US" sz="6500" kern="1200" dirty="0"/>
+            <a:t>感知</a:t>
+          </a:r>
+        </a:p>
+      </dsp:txBody>
+      <dsp:txXfrm>
+        <a:off x="4165392" y="110326"/>
+        <a:ext cx="2037214" cy="4483773"/>
+      </dsp:txXfrm>
+    </dsp:sp>
+    <dsp:sp modelId="{AB126D89-8763-4108-B836-DAB27D39D77C}">
+      <dsp:nvSpPr>
+        <dsp:cNvPr id="0" name=""/>
+        <dsp:cNvSpPr/>
+      </dsp:nvSpPr>
+      <dsp:spPr>
+        <a:xfrm rot="5400000">
+          <a:off x="13647139" y="-1924386"/>
+          <a:ext cx="3763352" cy="18432000"/>
+        </a:xfrm>
+        <a:prstGeom prst="round2SameRect">
+          <a:avLst/>
+        </a:prstGeom>
+        <a:solidFill>
+          <a:schemeClr val="accent1">
+            <a:alpha val="90000"/>
+            <a:tint val="40000"/>
+            <a:hueOff val="0"/>
+            <a:satOff val="0"/>
+            <a:lumOff val="0"/>
+            <a:alphaOff val="0"/>
+          </a:schemeClr>
+        </a:solidFill>
+        <a:ln w="25400" cap="flat" cmpd="sng" algn="ctr">
+          <a:solidFill>
+            <a:schemeClr val="accent1">
+              <a:alpha val="90000"/>
+              <a:tint val="40000"/>
+              <a:hueOff val="0"/>
+              <a:satOff val="0"/>
+              <a:lumOff val="0"/>
+              <a:alphaOff val="0"/>
+            </a:schemeClr>
+          </a:solidFill>
+          <a:prstDash val="solid"/>
+        </a:ln>
+        <a:effectLst/>
+      </dsp:spPr>
+      <dsp:style>
+        <a:lnRef idx="2">
+          <a:scrgbClr r="0" g="0" b="0"/>
+        </a:lnRef>
+        <a:fillRef idx="1">
+          <a:scrgbClr r="0" g="0" b="0"/>
+        </a:fillRef>
+        <a:effectRef idx="0">
+          <a:scrgbClr r="0" g="0" b="0"/>
+        </a:effectRef>
+        <a:fontRef idx="minor"/>
+      </dsp:style>
+      <dsp:txBody>
+        <a:bodyPr spcFirstLastPara="0" vert="horz" wrap="square" lIns="247650" tIns="123825" rIns="247650" bIns="123825" numCol="1" spcCol="1270" anchor="ctr" anchorCtr="0">
+          <a:noAutofit/>
+        </a:bodyPr>
+        <a:lstStyle/>
+        <a:p>
+          <a:pPr marL="285750" lvl="1" indent="-285750" algn="l" defTabSz="1422400">
+            <a:lnSpc>
+              <a:spcPct val="90000"/>
+            </a:lnSpc>
+            <a:spcBef>
+              <a:spcPct val="0"/>
+            </a:spcBef>
+            <a:spcAft>
+              <a:spcPct val="15000"/>
+            </a:spcAft>
+            <a:buChar char="•"/>
+          </a:pPr>
+          <a:r>
+            <a:rPr lang="en-US" altLang="zh-CN" sz="3200" kern="1200" dirty="0"/>
+            <a:t>2019</a:t>
+          </a:r>
+          <a:r>
+            <a:rPr lang="zh-CN" altLang="en-US" sz="3200" kern="1200" dirty="0"/>
+            <a:t>年，</a:t>
+          </a:r>
+          <a:r>
+            <a:rPr lang="en-US" altLang="zh-CN" sz="3200" kern="1200" dirty="0"/>
+            <a:t>H. Zhu</a:t>
+          </a:r>
+          <a:r>
+            <a:rPr lang="zh-CN" altLang="en-US" sz="3200" kern="1200" dirty="0"/>
+            <a:t>等人，提出</a:t>
+          </a:r>
+          <a:r>
+            <a:rPr lang="zh-CN" altLang="en-US" sz="3200" kern="1200" dirty="0">
+              <a:solidFill>
+                <a:srgbClr val="FF0000"/>
+              </a:solidFill>
+            </a:rPr>
+            <a:t>概率</a:t>
+          </a:r>
+          <a:r>
+            <a:rPr lang="zh-CN" altLang="en-US" sz="3200" b="0" i="0" kern="1200" dirty="0">
+              <a:solidFill>
+                <a:srgbClr val="FF0000"/>
+              </a:solidFill>
+            </a:rPr>
+            <a:t>约束避障算法。</a:t>
+          </a:r>
+          <a:r>
+            <a:rPr lang="zh-CN" altLang="en-US" sz="3200" b="0" i="0" kern="1200" dirty="0"/>
+            <a:t>根据障碍物的位置和距离信息，计算发生碰撞的概率，通过约束碰撞概率在可接受阈值内，规划路径。</a:t>
+          </a:r>
+          <a:endParaRPr lang="en-US" altLang="zh-CN" sz="3200" kern="1200" dirty="0"/>
+        </a:p>
+        <a:p>
+          <a:pPr marL="285750" lvl="1" indent="-285750" algn="l" defTabSz="1422400">
+            <a:lnSpc>
+              <a:spcPct val="90000"/>
+            </a:lnSpc>
+            <a:spcBef>
+              <a:spcPct val="0"/>
+            </a:spcBef>
+            <a:spcAft>
+              <a:spcPct val="15000"/>
+            </a:spcAft>
+            <a:buChar char="•"/>
+          </a:pPr>
+          <a:r>
+            <a:rPr lang="en-US" sz="3200" kern="1200" dirty="0"/>
+            <a:t>2019</a:t>
+          </a:r>
+          <a:r>
+            <a:rPr lang="zh-CN" altLang="en-US" sz="3200" kern="1200" dirty="0"/>
+            <a:t>年，</a:t>
+          </a:r>
+          <a:r>
+            <a:rPr lang="en-US" altLang="zh-CN" sz="3200" kern="1200" dirty="0"/>
+            <a:t>D. Ye</a:t>
+          </a:r>
+          <a:r>
+            <a:rPr lang="zh-CN" altLang="en-US" sz="3200" kern="1200" dirty="0"/>
+            <a:t>等人，提出</a:t>
+          </a:r>
+          <a:r>
+            <a:rPr lang="zh-CN" altLang="en-US" sz="3200" kern="1200" dirty="0">
+              <a:solidFill>
+                <a:srgbClr val="FF0000"/>
+              </a:solidFill>
+            </a:rPr>
+            <a:t>改进人工势场法</a:t>
+          </a:r>
+          <a:r>
+            <a:rPr lang="zh-CN" altLang="en-US" sz="3200" kern="1200" dirty="0"/>
+            <a:t>。在斥力势场函数中加入了航迹点和目标点之间的距离，同时引入了协调力，解决了传统人工势场法的极小值问题。</a:t>
+          </a:r>
+          <a:endParaRPr lang="en-US" altLang="zh-CN" sz="3200" kern="1200" dirty="0"/>
+        </a:p>
+        <a:p>
+          <a:pPr marL="285750" lvl="1" indent="-285750" algn="l" defTabSz="1422400">
+            <a:lnSpc>
+              <a:spcPct val="90000"/>
+            </a:lnSpc>
+            <a:spcBef>
+              <a:spcPct val="0"/>
+            </a:spcBef>
+            <a:spcAft>
+              <a:spcPct val="15000"/>
+            </a:spcAft>
+            <a:buChar char="•"/>
+          </a:pPr>
+          <a:r>
+            <a:rPr lang="en-US" sz="3200" kern="1200" dirty="0"/>
+            <a:t>2022</a:t>
+          </a:r>
+          <a:r>
+            <a:rPr lang="zh-CN" altLang="en-US" sz="3200" kern="1200" dirty="0"/>
+            <a:t>年，</a:t>
+          </a:r>
+          <a:r>
+            <a:rPr lang="en-US" altLang="zh-CN" sz="3200" kern="1200" dirty="0"/>
+            <a:t>K. Liu</a:t>
+          </a:r>
+          <a:r>
+            <a:rPr lang="zh-CN" altLang="en-US" sz="3200" kern="1200" dirty="0"/>
+            <a:t>等人，提出</a:t>
+          </a:r>
+          <a:r>
+            <a:rPr lang="zh-CN" altLang="en-US" sz="3200" kern="1200" dirty="0">
+              <a:solidFill>
+                <a:srgbClr val="FF0000"/>
+              </a:solidFill>
+            </a:rPr>
+            <a:t>改进 </a:t>
+          </a:r>
+          <a:r>
+            <a:rPr lang="en-US" altLang="zh-CN" sz="3200" kern="1200" dirty="0">
+              <a:solidFill>
+                <a:srgbClr val="FF0000"/>
+              </a:solidFill>
+            </a:rPr>
+            <a:t>RRT </a:t>
+          </a:r>
+          <a:r>
+            <a:rPr lang="zh-CN" altLang="en-US" sz="3200" kern="1200" dirty="0">
+              <a:solidFill>
+                <a:srgbClr val="FF0000"/>
+              </a:solidFill>
+            </a:rPr>
+            <a:t>算法</a:t>
+          </a:r>
+          <a:r>
+            <a:rPr lang="zh-CN" altLang="en-US" sz="3200" kern="1200" dirty="0"/>
+            <a:t>。依据无人机与障碍物之间的速度矢量关系，使用速度障碍方法对航迹进行重规划，快速规避障碍物。</a:t>
+          </a:r>
+          <a:endParaRPr lang="en-US" altLang="zh-CN" sz="3200" kern="1200" dirty="0"/>
+        </a:p>
+      </dsp:txBody>
+      <dsp:txXfrm rot="-5400000">
+        <a:off x="6312815" y="5593650"/>
+        <a:ext cx="18248288" cy="3395928"/>
+      </dsp:txXfrm>
+    </dsp:sp>
+    <dsp:sp modelId="{B54D2116-F772-487C-879E-1098CC43787A}">
+      <dsp:nvSpPr>
+        <dsp:cNvPr id="0" name=""/>
+        <dsp:cNvSpPr/>
+      </dsp:nvSpPr>
+      <dsp:spPr>
+        <a:xfrm>
+          <a:off x="4055183" y="4939518"/>
+          <a:ext cx="2257632" cy="4704191"/>
+        </a:xfrm>
+        <a:prstGeom prst="roundRect">
+          <a:avLst/>
+        </a:prstGeom>
+        <a:solidFill>
+          <a:schemeClr val="accent1">
+            <a:hueOff val="0"/>
+            <a:satOff val="0"/>
+            <a:lumOff val="0"/>
+            <a:alphaOff val="0"/>
+          </a:schemeClr>
+        </a:solidFill>
+        <a:ln w="25400" cap="flat" cmpd="sng" algn="ctr">
+          <a:solidFill>
+            <a:schemeClr val="lt1">
+              <a:hueOff val="0"/>
+              <a:satOff val="0"/>
+              <a:lumOff val="0"/>
+              <a:alphaOff val="0"/>
+            </a:schemeClr>
+          </a:solidFill>
+          <a:prstDash val="solid"/>
+        </a:ln>
+        <a:effectLst/>
+      </dsp:spPr>
+      <dsp:style>
+        <a:lnRef idx="2">
+          <a:scrgbClr r="0" g="0" b="0"/>
+        </a:lnRef>
+        <a:fillRef idx="1">
+          <a:scrgbClr r="0" g="0" b="0"/>
+        </a:fillRef>
+        <a:effectRef idx="0">
+          <a:scrgbClr r="0" g="0" b="0"/>
+        </a:effectRef>
+        <a:fontRef idx="minor">
+          <a:schemeClr val="lt1"/>
+        </a:fontRef>
+      </dsp:style>
+      <dsp:txBody>
+        <a:bodyPr spcFirstLastPara="0" vert="horz" wrap="square" lIns="247650" tIns="123825" rIns="247650" bIns="123825" numCol="1" spcCol="1270" anchor="ctr" anchorCtr="0">
+          <a:noAutofit/>
+        </a:bodyPr>
+        <a:lstStyle/>
+        <a:p>
+          <a:pPr marL="0" lvl="0" indent="0" algn="ctr" defTabSz="2889250">
+            <a:lnSpc>
+              <a:spcPct val="90000"/>
+            </a:lnSpc>
+            <a:spcBef>
+              <a:spcPct val="0"/>
+            </a:spcBef>
+            <a:spcAft>
+              <a:spcPct val="35000"/>
+            </a:spcAft>
+            <a:buSzTx/>
+            <a:buNone/>
+          </a:pPr>
+          <a:r>
+            <a:rPr lang="zh-CN" altLang="en-US" sz="6500" kern="1200" dirty="0">
+              <a:latin typeface="Segoe UI" panose="020B0502040204020203" pitchFamily="34" charset="0"/>
+            </a:rPr>
+            <a:t>规划</a:t>
+          </a:r>
+          <a:endParaRPr lang="zh-CN" altLang="en-US" sz="6500" kern="1200" dirty="0"/>
+        </a:p>
+      </dsp:txBody>
+      <dsp:txXfrm>
+        <a:off x="4165392" y="5049727"/>
+        <a:ext cx="2037214" cy="4483773"/>
+      </dsp:txXfrm>
+    </dsp:sp>
+  </dsp:spTree>
+</dsp:drawing>
+</file>
+
+<file path=ppt/diagrams/drawing3.xml><?xml version="1.0" encoding="utf-8"?>
+<dsp:drawing xmlns:dgm="http://schemas.openxmlformats.org/drawingml/2006/diagram" xmlns:dsp="http://schemas.microsoft.com/office/drawing/2008/diagram" xmlns:a="http://schemas.openxmlformats.org/drawingml/2006/main">
+  <dsp:spTree>
+    <dsp:nvGrpSpPr>
+      <dsp:cNvPr id="0" name=""/>
+      <dsp:cNvGrpSpPr/>
+    </dsp:nvGrpSpPr>
+    <dsp:grpSpPr/>
     <dsp:sp modelId="{F737D1FB-56EB-47F3-BC6E-D9DBEB0FFB9D}">
       <dsp:nvSpPr>
         <dsp:cNvPr id="0" name=""/>
@@ -4819,7 +6950,7 @@
       <dsp:spPr>
         <a:xfrm>
           <a:off x="0" y="7517896"/>
-          <a:ext cx="10985500" cy="2467541"/>
+          <a:ext cx="9280634" cy="2467541"/>
         </a:xfrm>
         <a:prstGeom prst="rect">
           <a:avLst/>
@@ -4885,7 +7016,7 @@
       </dsp:txBody>
       <dsp:txXfrm>
         <a:off x="0" y="7517896"/>
-        <a:ext cx="10985500" cy="1332472"/>
+        <a:ext cx="9280634" cy="1332472"/>
       </dsp:txXfrm>
     </dsp:sp>
     <dsp:sp modelId="{5176CBF4-170A-44C3-837A-5EF0ED612228}">
@@ -4896,7 +7027,7 @@
       <dsp:spPr>
         <a:xfrm>
           <a:off x="0" y="8801017"/>
-          <a:ext cx="10985500" cy="1135069"/>
+          <a:ext cx="9280634" cy="1135069"/>
         </a:xfrm>
         <a:prstGeom prst="rect">
           <a:avLst/>
@@ -4966,11 +7097,19 @@
           </a:r>
           <a:r>
             <a:rPr lang="zh-CN" altLang="en-US" sz="2600" kern="1200" dirty="0"/>
-            <a:t>中操控实体无人机，以</a:t>
+            <a:t>中，操控实体无人机，以</a:t>
           </a:r>
           <a:r>
             <a:rPr lang="en-US" altLang="zh-CN" sz="2600" kern="1200" dirty="0"/>
             <a:t>C++</a:t>
+          </a:r>
+          <a:r>
+            <a:rPr lang="zh-CN" altLang="en-US" sz="2600" kern="1200" dirty="0"/>
+            <a:t>或</a:t>
+          </a:r>
+          <a:r>
+            <a:rPr lang="en-US" altLang="zh-CN" sz="2600" kern="1200" dirty="0"/>
+            <a:t>python</a:t>
           </a:r>
           <a:r>
             <a:rPr lang="zh-CN" altLang="en-US" sz="2600" kern="1200" dirty="0"/>
@@ -4980,7 +7119,7 @@
       </dsp:txBody>
       <dsp:txXfrm>
         <a:off x="0" y="8801017"/>
-        <a:ext cx="10985500" cy="1135069"/>
+        <a:ext cx="9280634" cy="1135069"/>
       </dsp:txXfrm>
     </dsp:sp>
     <dsp:sp modelId="{D36A206D-8CA8-41A2-BA44-87DBEC325B84}">
@@ -4991,7 +7130,7 @@
       <dsp:spPr>
         <a:xfrm rot="10800000">
           <a:off x="0" y="3759830"/>
-          <a:ext cx="10985500" cy="3795078"/>
+          <a:ext cx="9280634" cy="3795078"/>
         </a:xfrm>
         <a:prstGeom prst="upArrowCallout">
           <a:avLst/>
@@ -5057,7 +7196,7 @@
       </dsp:txBody>
       <dsp:txXfrm rot="-10800000">
         <a:off x="0" y="3759830"/>
-        <a:ext cx="10985500" cy="1332072"/>
+        <a:ext cx="9280634" cy="1332072"/>
       </dsp:txXfrm>
     </dsp:sp>
     <dsp:sp modelId="{5B78774D-96DC-405D-8429-F10ABCD9D74F}">
@@ -5068,7 +7207,7 @@
       <dsp:spPr>
         <a:xfrm>
           <a:off x="0" y="5091903"/>
-          <a:ext cx="10985500" cy="1134728"/>
+          <a:ext cx="9280634" cy="1134728"/>
         </a:xfrm>
         <a:prstGeom prst="rect">
           <a:avLst/>
@@ -5138,13 +7277,13 @@
           </a:r>
           <a:r>
             <a:rPr lang="zh-CN" altLang="en-US" sz="2600" kern="1200" dirty="0"/>
-            <a:t>中读取订阅的相机以及雷达的数据并分析，实时感知和定位环境中的障碍物。</a:t>
+            <a:t>中，订阅双目相机的数据，初步处理后分析，实时感知和定位环境中的障碍物，并能实现轨迹预测。</a:t>
           </a:r>
         </a:p>
       </dsp:txBody>
       <dsp:txXfrm>
         <a:off x="0" y="5091903"/>
-        <a:ext cx="10985500" cy="1134728"/>
+        <a:ext cx="9280634" cy="1134728"/>
       </dsp:txXfrm>
     </dsp:sp>
     <dsp:sp modelId="{981005EC-6DCE-4B0C-8F39-E9FCBB936857}">
@@ -5155,7 +7294,7 @@
       <dsp:spPr>
         <a:xfrm rot="10800000">
           <a:off x="0" y="1765"/>
-          <a:ext cx="10985500" cy="3795078"/>
+          <a:ext cx="9280634" cy="3795078"/>
         </a:xfrm>
         <a:prstGeom prst="upArrowCallout">
           <a:avLst/>
@@ -5222,7 +7361,7 @@
       </dsp:txBody>
       <dsp:txXfrm rot="-10800000">
         <a:off x="0" y="1765"/>
-        <a:ext cx="10985500" cy="1332072"/>
+        <a:ext cx="9280634" cy="1332072"/>
       </dsp:txXfrm>
     </dsp:sp>
     <dsp:sp modelId="{7607D20C-D1EB-4914-8324-7E50937F39B9}">
@@ -5233,7 +7372,7 @@
       <dsp:spPr>
         <a:xfrm>
           <a:off x="0" y="1333837"/>
-          <a:ext cx="10985500" cy="1134728"/>
+          <a:ext cx="9280634" cy="1134728"/>
         </a:xfrm>
         <a:prstGeom prst="rect">
           <a:avLst/>
@@ -5304,20 +7443,28 @@
           </a:r>
           <a:r>
             <a:rPr lang="zh-CN" altLang="en-US" sz="2600" kern="1200" dirty="0"/>
-            <a:t>中搭建仿真环境，根据原理设计避障算法代码，控制虚拟无人机移动到目标位置。</a:t>
+            <a:t>和</a:t>
+          </a:r>
+          <a:r>
+            <a:rPr lang="en-US" altLang="zh-CN" sz="2600" kern="1200" dirty="0"/>
+            <a:t>ROS</a:t>
+          </a:r>
+          <a:r>
+            <a:rPr lang="zh-CN" altLang="en-US" sz="2600" kern="1200" dirty="0"/>
+            <a:t>中，搭建仿真环境，根据原理设计避障算法代码，控制虚拟无人机移动到目标位置。</a:t>
           </a:r>
         </a:p>
       </dsp:txBody>
       <dsp:txXfrm>
         <a:off x="0" y="1333837"/>
-        <a:ext cx="10985500" cy="1134728"/>
+        <a:ext cx="9280634" cy="1134728"/>
       </dsp:txXfrm>
     </dsp:sp>
   </dsp:spTree>
 </dsp:drawing>
 </file>
 
-<file path=ppt/diagrams/drawing3.xml><?xml version="1.0" encoding="utf-8"?>
+<file path=ppt/diagrams/drawing4.xml><?xml version="1.0" encoding="utf-8"?>
 <dsp:drawing xmlns:dgm="http://schemas.openxmlformats.org/drawingml/2006/diagram" xmlns:dsp="http://schemas.microsoft.com/office/drawing/2008/diagram" xmlns:a="http://schemas.openxmlformats.org/drawingml/2006/main">
   <dsp:spTree>
     <dsp:nvGrpSpPr>
@@ -5418,12 +7565,12 @@
         </a:fontRef>
       </dsp:style>
       <dsp:txBody>
-        <a:bodyPr spcFirstLastPara="0" vert="horz" wrap="square" lIns="118110" tIns="118110" rIns="118110" bIns="118110" numCol="1" spcCol="1270" anchor="t" anchorCtr="0">
+        <a:bodyPr spcFirstLastPara="0" vert="horz" wrap="square" lIns="133350" tIns="133350" rIns="133350" bIns="133350" numCol="1" spcCol="1270" anchor="t" anchorCtr="0">
           <a:noAutofit/>
         </a:bodyPr>
         <a:lstStyle/>
         <a:p>
-          <a:pPr marL="0" lvl="0" indent="0" algn="l" defTabSz="1377950">
+          <a:pPr marL="0" lvl="0" indent="0" algn="l" defTabSz="1555750">
             <a:lnSpc>
               <a:spcPct val="90000"/>
             </a:lnSpc>
@@ -5437,16 +7584,16 @@
             <a:buNone/>
           </a:pPr>
           <a:r>
-            <a:rPr lang="en-US" altLang="zh-CN" sz="3100" kern="1200" dirty="0"/>
+            <a:rPr lang="en-US" altLang="zh-CN" sz="3500" kern="1200" dirty="0"/>
             <a:t>10</a:t>
           </a:r>
           <a:r>
-            <a:rPr lang="zh-CN" altLang="en-US" sz="3100" kern="1200" dirty="0"/>
+            <a:rPr lang="zh-CN" altLang="en-US" sz="3500" kern="1200" dirty="0"/>
             <a:t>月</a:t>
           </a:r>
         </a:p>
         <a:p>
-          <a:pPr marL="228600" lvl="1" indent="-228600" algn="l" defTabSz="1066800">
+          <a:pPr marL="228600" lvl="1" indent="-228600" algn="l" defTabSz="1200150">
             <a:lnSpc>
               <a:spcPct val="90000"/>
             </a:lnSpc>
@@ -5457,10 +7604,11 @@
               <a:spcPct val="15000"/>
             </a:spcAft>
             <a:buSzTx/>
-            <a:buNone/>
+            <a:buFont typeface="Arial" panose="020B0604020202020204" pitchFamily="34" charset="0"/>
+            <a:buChar char="•"/>
           </a:pPr>
           <a:r>
-            <a:rPr lang="zh-CN" altLang="en-US" sz="2400" kern="1200"/>
+            <a:rPr lang="zh-CN" altLang="en-US" sz="2700" kern="1200" dirty="0"/>
             <a:t>阅读文献，熟悉相关知识。</a:t>
           </a:r>
         </a:p>
@@ -5563,12 +7711,12 @@
         </a:fontRef>
       </dsp:style>
       <dsp:txBody>
-        <a:bodyPr spcFirstLastPara="0" vert="horz" wrap="square" lIns="118110" tIns="118110" rIns="118110" bIns="118110" numCol="1" spcCol="1270" anchor="t" anchorCtr="0">
+        <a:bodyPr spcFirstLastPara="0" vert="horz" wrap="square" lIns="133350" tIns="133350" rIns="133350" bIns="133350" numCol="1" spcCol="1270" anchor="t" anchorCtr="0">
           <a:noAutofit/>
         </a:bodyPr>
         <a:lstStyle/>
         <a:p>
-          <a:pPr marL="0" lvl="0" indent="0" algn="l" defTabSz="1377950">
+          <a:pPr marL="0" lvl="0" indent="0" algn="l" defTabSz="1555750">
             <a:lnSpc>
               <a:spcPct val="90000"/>
             </a:lnSpc>
@@ -5581,16 +7729,16 @@
             <a:buNone/>
           </a:pPr>
           <a:r>
-            <a:rPr lang="en-US" altLang="zh-CN" sz="3100" kern="1200" dirty="0"/>
+            <a:rPr lang="en-US" altLang="zh-CN" sz="3500" kern="1200" dirty="0"/>
             <a:t>11</a:t>
           </a:r>
           <a:r>
-            <a:rPr lang="zh-CN" altLang="en-US" sz="3100" kern="1200" dirty="0"/>
+            <a:rPr lang="zh-CN" altLang="en-US" sz="3500" kern="1200" dirty="0"/>
             <a:t>月</a:t>
           </a:r>
         </a:p>
         <a:p>
-          <a:pPr marL="228600" lvl="1" indent="-228600" algn="l" defTabSz="1066800">
+          <a:pPr marL="228600" lvl="1" indent="-228600" algn="l" defTabSz="1200150">
             <a:lnSpc>
               <a:spcPct val="90000"/>
             </a:lnSpc>
@@ -5603,24 +7751,24 @@
             <a:buChar char="•"/>
           </a:pPr>
           <a:r>
-            <a:rPr lang="zh-CN" altLang="en-US" sz="2400" kern="1200"/>
+            <a:rPr lang="zh-CN" altLang="en-US" sz="2700" kern="1200" dirty="0"/>
             <a:t>在</a:t>
           </a:r>
           <a:r>
-            <a:rPr lang="en-US" altLang="zh-CN" sz="2400" kern="1200" dirty="0" err="1"/>
+            <a:rPr lang="en-US" altLang="zh-CN" sz="2700" kern="1200" dirty="0" err="1"/>
             <a:t>Matlab</a:t>
           </a:r>
           <a:r>
-            <a:rPr lang="zh-CN" altLang="en-US" sz="2400" kern="1200"/>
-            <a:t>中实现仿真避障算法，在</a:t>
-          </a:r>
-          <a:r>
-            <a:rPr lang="en-US" altLang="zh-CN" sz="2400" kern="1200" dirty="0"/>
+            <a:rPr lang="zh-CN" altLang="en-US" sz="2700" kern="1200" dirty="0"/>
+            <a:t>和</a:t>
+          </a:r>
+          <a:r>
+            <a:rPr lang="en-US" altLang="zh-CN" sz="2700" kern="1200" dirty="0"/>
             <a:t>ROS</a:t>
           </a:r>
           <a:r>
-            <a:rPr lang="zh-CN" altLang="en-US" sz="2400" kern="1200" dirty="0"/>
-            <a:t>中操控无人机飞行，熟悉基本操作。</a:t>
+            <a:rPr lang="zh-CN" altLang="en-US" sz="2700" kern="1200" dirty="0"/>
+            <a:t>中，实现仿真避障算法。</a:t>
           </a:r>
         </a:p>
       </dsp:txBody>
@@ -5722,12 +7870,12 @@
         </a:fontRef>
       </dsp:style>
       <dsp:txBody>
-        <a:bodyPr spcFirstLastPara="0" vert="horz" wrap="square" lIns="118110" tIns="118110" rIns="118110" bIns="118110" numCol="1" spcCol="1270" anchor="t" anchorCtr="0">
+        <a:bodyPr spcFirstLastPara="0" vert="horz" wrap="square" lIns="133350" tIns="133350" rIns="133350" bIns="133350" numCol="1" spcCol="1270" anchor="t" anchorCtr="0">
           <a:noAutofit/>
         </a:bodyPr>
         <a:lstStyle/>
         <a:p>
-          <a:pPr marL="0" lvl="0" indent="0" algn="l" defTabSz="1377950">
+          <a:pPr marL="0" lvl="0" indent="0" algn="l" defTabSz="1555750">
             <a:lnSpc>
               <a:spcPct val="90000"/>
             </a:lnSpc>
@@ -5740,16 +7888,16 @@
             <a:buNone/>
           </a:pPr>
           <a:r>
-            <a:rPr lang="en-US" altLang="zh-CN" sz="3100" kern="1200" dirty="0"/>
+            <a:rPr lang="en-US" altLang="zh-CN" sz="3500" kern="1200" dirty="0"/>
             <a:t>12</a:t>
           </a:r>
           <a:r>
-            <a:rPr lang="zh-CN" altLang="en-US" sz="3100" kern="1200" dirty="0"/>
+            <a:rPr lang="zh-CN" altLang="en-US" sz="3500" kern="1200" dirty="0"/>
             <a:t>月</a:t>
           </a:r>
         </a:p>
         <a:p>
-          <a:pPr marL="228600" lvl="1" indent="-228600" algn="l" defTabSz="1066800">
+          <a:pPr marL="228600" lvl="1" indent="-228600" algn="l" defTabSz="1200150">
             <a:lnSpc>
               <a:spcPct val="90000"/>
             </a:lnSpc>
@@ -5762,12 +7910,16 @@
             <a:buChar char="•"/>
           </a:pPr>
           <a:r>
-            <a:rPr lang="zh-CN" altLang="en-US" sz="2400" kern="1200"/>
-            <a:t>实现</a:t>
-          </a:r>
-          <a:r>
-            <a:rPr lang="zh-CN" altLang="en-US" sz="2400" kern="1200" dirty="0"/>
-            <a:t>视觉建模，感知并确定环境中的障碍物。</a:t>
+            <a:rPr lang="zh-CN" altLang="en-US" sz="2700" kern="1200" dirty="0"/>
+            <a:t>在</a:t>
+          </a:r>
+          <a:r>
+            <a:rPr lang="en-US" altLang="zh-CN" sz="2700" kern="1200" dirty="0"/>
+            <a:t>ROS</a:t>
+          </a:r>
+          <a:r>
+            <a:rPr lang="zh-CN" altLang="en-US" sz="2700" kern="1200" dirty="0"/>
+            <a:t>中，操控无人机飞行，熟悉基本操作。</a:t>
           </a:r>
         </a:p>
       </dsp:txBody>
@@ -5869,12 +8021,12 @@
         </a:fontRef>
       </dsp:style>
       <dsp:txBody>
-        <a:bodyPr spcFirstLastPara="0" vert="horz" wrap="square" lIns="118110" tIns="118110" rIns="118110" bIns="118110" numCol="1" spcCol="1270" anchor="t" anchorCtr="0">
+        <a:bodyPr spcFirstLastPara="0" vert="horz" wrap="square" lIns="133350" tIns="133350" rIns="133350" bIns="133350" numCol="1" spcCol="1270" anchor="t" anchorCtr="0">
           <a:noAutofit/>
         </a:bodyPr>
         <a:lstStyle/>
         <a:p>
-          <a:pPr marL="0" lvl="0" indent="0" algn="l" defTabSz="1377950">
+          <a:pPr marL="0" lvl="0" indent="0" algn="l" defTabSz="1555750">
             <a:lnSpc>
               <a:spcPct val="90000"/>
             </a:lnSpc>
@@ -5887,16 +8039,16 @@
             <a:buNone/>
           </a:pPr>
           <a:r>
-            <a:rPr lang="en-US" altLang="zh-CN" sz="3100" kern="1200" dirty="0"/>
+            <a:rPr lang="en-US" altLang="zh-CN" sz="3500" kern="1200" dirty="0"/>
             <a:t>1</a:t>
           </a:r>
           <a:r>
-            <a:rPr lang="zh-CN" altLang="en-US" sz="3100" kern="1200" dirty="0"/>
+            <a:rPr lang="zh-CN" altLang="en-US" sz="3500" kern="1200" dirty="0"/>
             <a:t>月</a:t>
           </a:r>
         </a:p>
         <a:p>
-          <a:pPr marL="228600" lvl="1" indent="-228600" algn="l" defTabSz="1066800">
+          <a:pPr marL="228600" lvl="1" indent="-228600" algn="l" defTabSz="1200150">
             <a:lnSpc>
               <a:spcPct val="90000"/>
             </a:lnSpc>
@@ -5909,12 +8061,8 @@
             <a:buChar char="•"/>
           </a:pPr>
           <a:r>
-            <a:rPr lang="zh-CN" altLang="en-US" sz="2400" kern="1200"/>
-            <a:t>设计</a:t>
-          </a:r>
-          <a:r>
-            <a:rPr lang="zh-CN" altLang="en-US" sz="2400" kern="1200" dirty="0"/>
-            <a:t>并实现静态避障算法并进行控制。</a:t>
+            <a:rPr lang="zh-CN" altLang="en-US" sz="2700" kern="1200" dirty="0"/>
+            <a:t>实现双目视觉建模，感知和预测环境中的障碍物。</a:t>
           </a:r>
         </a:p>
       </dsp:txBody>
@@ -6016,12 +8164,12 @@
         </a:fontRef>
       </dsp:style>
       <dsp:txBody>
-        <a:bodyPr spcFirstLastPara="0" vert="horz" wrap="square" lIns="118110" tIns="118110" rIns="118110" bIns="118110" numCol="1" spcCol="1270" anchor="t" anchorCtr="0">
+        <a:bodyPr spcFirstLastPara="0" vert="horz" wrap="square" lIns="133350" tIns="133350" rIns="133350" bIns="133350" numCol="1" spcCol="1270" anchor="t" anchorCtr="0">
           <a:noAutofit/>
         </a:bodyPr>
         <a:lstStyle/>
         <a:p>
-          <a:pPr marL="0" lvl="0" indent="0" algn="l" defTabSz="1377950">
+          <a:pPr marL="0" lvl="0" indent="0" algn="l" defTabSz="1555750">
             <a:lnSpc>
               <a:spcPct val="90000"/>
             </a:lnSpc>
@@ -6034,16 +8182,16 @@
             <a:buNone/>
           </a:pPr>
           <a:r>
-            <a:rPr lang="en-US" altLang="zh-CN" sz="3100" kern="1200" dirty="0"/>
+            <a:rPr lang="en-US" altLang="zh-CN" sz="3500" kern="1200" dirty="0"/>
             <a:t>2</a:t>
           </a:r>
           <a:r>
-            <a:rPr lang="zh-CN" altLang="en-US" sz="3100" kern="1200" dirty="0"/>
+            <a:rPr lang="zh-CN" altLang="en-US" sz="3500" kern="1200" dirty="0"/>
             <a:t>月</a:t>
           </a:r>
         </a:p>
         <a:p>
-          <a:pPr marL="228600" lvl="1" indent="-228600" algn="l" defTabSz="1066800">
+          <a:pPr marL="228600" lvl="1" indent="-228600" algn="l" defTabSz="1200150">
             <a:lnSpc>
               <a:spcPct val="90000"/>
             </a:lnSpc>
@@ -6056,12 +8204,8 @@
             <a:buChar char="•"/>
           </a:pPr>
           <a:r>
-            <a:rPr lang="zh-CN" altLang="en-US" sz="2400" kern="1200"/>
-            <a:t>设计</a:t>
-          </a:r>
-          <a:r>
-            <a:rPr lang="zh-CN" altLang="en-US" sz="2400" kern="1200" dirty="0"/>
-            <a:t>并实现动态避障算法并进行控制。</a:t>
+            <a:rPr lang="zh-CN" altLang="en-US" sz="2700" kern="1200" dirty="0"/>
+            <a:t>设计并实现动态避障算法并进行控制。</a:t>
           </a:r>
         </a:p>
       </dsp:txBody>
@@ -6163,12 +8307,12 @@
         </a:fontRef>
       </dsp:style>
       <dsp:txBody>
-        <a:bodyPr spcFirstLastPara="0" vert="horz" wrap="square" lIns="118110" tIns="118110" rIns="118110" bIns="118110" numCol="1" spcCol="1270" anchor="t" anchorCtr="0">
+        <a:bodyPr spcFirstLastPara="0" vert="horz" wrap="square" lIns="133350" tIns="133350" rIns="133350" bIns="133350" numCol="1" spcCol="1270" anchor="t" anchorCtr="0">
           <a:noAutofit/>
         </a:bodyPr>
         <a:lstStyle/>
         <a:p>
-          <a:pPr marL="0" lvl="0" indent="0" algn="l" defTabSz="1377950">
+          <a:pPr marL="0" lvl="0" indent="0" algn="l" defTabSz="1555750">
             <a:lnSpc>
               <a:spcPct val="90000"/>
             </a:lnSpc>
@@ -6181,16 +8325,16 @@
             <a:buNone/>
           </a:pPr>
           <a:r>
-            <a:rPr lang="en-US" altLang="zh-CN" sz="3100" kern="1200" dirty="0"/>
+            <a:rPr lang="en-US" altLang="zh-CN" sz="3500" kern="1200" dirty="0"/>
             <a:t>3</a:t>
           </a:r>
           <a:r>
-            <a:rPr lang="zh-CN" altLang="en-US" sz="3100" kern="1200" dirty="0"/>
+            <a:rPr lang="zh-CN" altLang="en-US" sz="3500" kern="1200" dirty="0"/>
             <a:t>月</a:t>
           </a:r>
         </a:p>
         <a:p>
-          <a:pPr marL="228600" lvl="1" indent="-228600" algn="l" defTabSz="1066800">
+          <a:pPr marL="228600" lvl="1" indent="-228600" algn="l" defTabSz="1200150">
             <a:lnSpc>
               <a:spcPct val="90000"/>
             </a:lnSpc>
@@ -6203,11 +8347,11 @@
             <a:buChar char="•"/>
           </a:pPr>
           <a:r>
-            <a:rPr lang="zh-CN" altLang="en-US" sz="2400" kern="1200"/>
+            <a:rPr lang="zh-CN" altLang="en-US" sz="2700" kern="1200"/>
             <a:t>优化</a:t>
           </a:r>
           <a:r>
-            <a:rPr lang="zh-CN" altLang="en-US" sz="2400" kern="1200" dirty="0"/>
+            <a:rPr lang="zh-CN" altLang="en-US" sz="2700" kern="1200" dirty="0"/>
             <a:t>与维护系统，总结与反思。</a:t>
           </a:r>
         </a:p>
@@ -6310,12 +8454,12 @@
         </a:fontRef>
       </dsp:style>
       <dsp:txBody>
-        <a:bodyPr spcFirstLastPara="0" vert="horz" wrap="square" lIns="118110" tIns="118110" rIns="118110" bIns="118110" numCol="1" spcCol="1270" anchor="t" anchorCtr="0">
+        <a:bodyPr spcFirstLastPara="0" vert="horz" wrap="square" lIns="133350" tIns="133350" rIns="133350" bIns="133350" numCol="1" spcCol="1270" anchor="t" anchorCtr="0">
           <a:noAutofit/>
         </a:bodyPr>
         <a:lstStyle/>
         <a:p>
-          <a:pPr marL="0" lvl="0" indent="0" algn="l" defTabSz="1377950">
+          <a:pPr marL="0" lvl="0" indent="0" algn="l" defTabSz="1555750">
             <a:lnSpc>
               <a:spcPct val="90000"/>
             </a:lnSpc>
@@ -6328,16 +8472,16 @@
             <a:buNone/>
           </a:pPr>
           <a:r>
-            <a:rPr lang="en-US" altLang="zh-CN" sz="3100" kern="1200" dirty="0"/>
+            <a:rPr lang="en-US" altLang="zh-CN" sz="3500" kern="1200" dirty="0"/>
             <a:t>4</a:t>
           </a:r>
           <a:r>
-            <a:rPr lang="zh-CN" altLang="en-US" sz="3100" kern="1200" dirty="0"/>
+            <a:rPr lang="zh-CN" altLang="en-US" sz="3500" kern="1200" dirty="0"/>
             <a:t>月</a:t>
           </a:r>
         </a:p>
         <a:p>
-          <a:pPr marL="228600" lvl="1" indent="-228600" algn="l" defTabSz="1066800">
+          <a:pPr marL="228600" lvl="1" indent="-228600" algn="l" defTabSz="1200150">
             <a:lnSpc>
               <a:spcPct val="90000"/>
             </a:lnSpc>
@@ -6350,11 +8494,11 @@
             <a:buChar char="•"/>
           </a:pPr>
           <a:r>
-            <a:rPr lang="zh-CN" altLang="en-US" sz="2400" kern="1200"/>
+            <a:rPr lang="zh-CN" altLang="en-US" sz="2700" kern="1200"/>
             <a:t>整理</a:t>
           </a:r>
           <a:r>
-            <a:rPr lang="zh-CN" altLang="en-US" sz="2400" kern="1200" dirty="0"/>
+            <a:rPr lang="zh-CN" altLang="en-US" sz="2700" kern="1200" dirty="0"/>
             <a:t>材料，润色毕业论文。</a:t>
           </a:r>
         </a:p>
@@ -6415,12 +8559,12 @@
         </a:fontRef>
       </dsp:style>
       <dsp:txBody>
-        <a:bodyPr spcFirstLastPara="0" vert="horz" wrap="square" lIns="118110" tIns="118110" rIns="118110" bIns="118110" numCol="1" spcCol="1270" anchor="t" anchorCtr="0">
+        <a:bodyPr spcFirstLastPara="0" vert="horz" wrap="square" lIns="133350" tIns="133350" rIns="133350" bIns="133350" numCol="1" spcCol="1270" anchor="t" anchorCtr="0">
           <a:noAutofit/>
         </a:bodyPr>
         <a:lstStyle/>
         <a:p>
-          <a:pPr marL="0" lvl="0" indent="0" algn="l" defTabSz="1377950">
+          <a:pPr marL="0" lvl="0" indent="0" algn="l" defTabSz="1555750">
             <a:lnSpc>
               <a:spcPct val="90000"/>
             </a:lnSpc>
@@ -6433,16 +8577,16 @@
             <a:buNone/>
           </a:pPr>
           <a:r>
-            <a:rPr lang="en-US" altLang="zh-CN" sz="3100" kern="1200" dirty="0"/>
+            <a:rPr lang="en-US" altLang="zh-CN" sz="3500" kern="1200" dirty="0"/>
             <a:t>5</a:t>
           </a:r>
           <a:r>
-            <a:rPr lang="zh-CN" altLang="en-US" sz="3100" kern="1200" dirty="0"/>
+            <a:rPr lang="zh-CN" altLang="en-US" sz="3500" kern="1200" dirty="0"/>
             <a:t>月</a:t>
           </a:r>
         </a:p>
         <a:p>
-          <a:pPr marL="228600" lvl="1" indent="-228600" algn="l" defTabSz="1066800">
+          <a:pPr marL="228600" lvl="1" indent="-228600" algn="l" defTabSz="1200150">
             <a:lnSpc>
               <a:spcPct val="90000"/>
             </a:lnSpc>
@@ -6455,11 +8599,11 @@
             <a:buChar char="•"/>
           </a:pPr>
           <a:r>
-            <a:rPr lang="zh-CN" altLang="en-US" sz="2400" kern="1200"/>
+            <a:rPr lang="zh-CN" altLang="en-US" sz="2700" kern="1200"/>
             <a:t>准备</a:t>
           </a:r>
           <a:r>
-            <a:rPr lang="zh-CN" altLang="en-US" sz="2400" kern="1200" dirty="0"/>
+            <a:rPr lang="zh-CN" altLang="en-US" sz="2700" kern="1200" dirty="0"/>
             <a:t>最终答辩。</a:t>
           </a:r>
         </a:p>
@@ -6707,6 +8851,239 @@
 </file>
 
 <file path=ppt/diagrams/layout2.xml><?xml version="1.0" encoding="utf-8"?>
+<dgm:layoutDef xmlns:dgm="http://schemas.openxmlformats.org/drawingml/2006/diagram" xmlns:a="http://schemas.openxmlformats.org/drawingml/2006/main" uniqueId="urn:microsoft.com/office/officeart/2005/8/layout/vList5">
+  <dgm:title val=""/>
+  <dgm:desc val=""/>
+  <dgm:catLst>
+    <dgm:cat type="list" pri="15000"/>
+    <dgm:cat type="convert" pri="2000"/>
+  </dgm:catLst>
+  <dgm:sampData>
+    <dgm:dataModel>
+      <dgm:ptLst>
+        <dgm:pt modelId="0" type="doc"/>
+        <dgm:pt modelId="1">
+          <dgm:prSet phldr="1"/>
+        </dgm:pt>
+        <dgm:pt modelId="11">
+          <dgm:prSet phldr="1"/>
+        </dgm:pt>
+        <dgm:pt modelId="12">
+          <dgm:prSet phldr="1"/>
+        </dgm:pt>
+        <dgm:pt modelId="2">
+          <dgm:prSet phldr="1"/>
+        </dgm:pt>
+        <dgm:pt modelId="21">
+          <dgm:prSet phldr="1"/>
+        </dgm:pt>
+        <dgm:pt modelId="22">
+          <dgm:prSet phldr="1"/>
+        </dgm:pt>
+        <dgm:pt modelId="3">
+          <dgm:prSet phldr="1"/>
+        </dgm:pt>
+        <dgm:pt modelId="31">
+          <dgm:prSet phldr="1"/>
+        </dgm:pt>
+        <dgm:pt modelId="32">
+          <dgm:prSet phldr="1"/>
+        </dgm:pt>
+      </dgm:ptLst>
+      <dgm:cxnLst>
+        <dgm:cxn modelId="4" srcId="0" destId="1" srcOrd="0" destOrd="0"/>
+        <dgm:cxn modelId="5" srcId="0" destId="2" srcOrd="1" destOrd="0"/>
+        <dgm:cxn modelId="6" srcId="0" destId="3" srcOrd="2" destOrd="0"/>
+        <dgm:cxn modelId="13" srcId="1" destId="11" srcOrd="0" destOrd="0"/>
+        <dgm:cxn modelId="14" srcId="1" destId="12" srcOrd="1" destOrd="0"/>
+        <dgm:cxn modelId="23" srcId="2" destId="21" srcOrd="0" destOrd="0"/>
+        <dgm:cxn modelId="24" srcId="2" destId="22" srcOrd="1" destOrd="0"/>
+        <dgm:cxn modelId="33" srcId="3" destId="31" srcOrd="0" destOrd="0"/>
+        <dgm:cxn modelId="34" srcId="3" destId="32" srcOrd="1" destOrd="0"/>
+      </dgm:cxnLst>
+      <dgm:bg/>
+      <dgm:whole/>
+    </dgm:dataModel>
+  </dgm:sampData>
+  <dgm:styleData>
+    <dgm:dataModel>
+      <dgm:ptLst>
+        <dgm:pt modelId="0" type="doc"/>
+        <dgm:pt modelId="1"/>
+        <dgm:pt modelId="11"/>
+        <dgm:pt modelId="2"/>
+        <dgm:pt modelId="21"/>
+      </dgm:ptLst>
+      <dgm:cxnLst>
+        <dgm:cxn modelId="4" srcId="0" destId="1" srcOrd="0" destOrd="0"/>
+        <dgm:cxn modelId="5" srcId="0" destId="2" srcOrd="1" destOrd="0"/>
+        <dgm:cxn modelId="13" srcId="1" destId="11" srcOrd="0" destOrd="0"/>
+        <dgm:cxn modelId="23" srcId="2" destId="21" srcOrd="0" destOrd="0"/>
+      </dgm:cxnLst>
+      <dgm:bg/>
+      <dgm:whole/>
+    </dgm:dataModel>
+  </dgm:styleData>
+  <dgm:clrData>
+    <dgm:dataModel>
+      <dgm:ptLst>
+        <dgm:pt modelId="0" type="doc"/>
+        <dgm:pt modelId="1"/>
+        <dgm:pt modelId="11"/>
+        <dgm:pt modelId="2"/>
+        <dgm:pt modelId="21"/>
+        <dgm:pt modelId="3"/>
+        <dgm:pt modelId="31"/>
+        <dgm:pt modelId="4"/>
+        <dgm:pt modelId="41"/>
+      </dgm:ptLst>
+      <dgm:cxnLst>
+        <dgm:cxn modelId="5" srcId="0" destId="1" srcOrd="0" destOrd="0"/>
+        <dgm:cxn modelId="6" srcId="0" destId="2" srcOrd="1" destOrd="0"/>
+        <dgm:cxn modelId="7" srcId="0" destId="3" srcOrd="2" destOrd="0"/>
+        <dgm:cxn modelId="8" srcId="0" destId="4" srcOrd="3" destOrd="0"/>
+        <dgm:cxn modelId="13" srcId="1" destId="11" srcOrd="0" destOrd="0"/>
+        <dgm:cxn modelId="23" srcId="2" destId="21" srcOrd="0" destOrd="0"/>
+        <dgm:cxn modelId="33" srcId="3" destId="31" srcOrd="0" destOrd="0"/>
+        <dgm:cxn modelId="43" srcId="4" destId="41" srcOrd="0" destOrd="0"/>
+      </dgm:cxnLst>
+      <dgm:bg/>
+      <dgm:whole/>
+    </dgm:dataModel>
+  </dgm:clrData>
+  <dgm:layoutNode name="Name0">
+    <dgm:varLst>
+      <dgm:dir/>
+      <dgm:animLvl val="lvl"/>
+      <dgm:resizeHandles val="exact"/>
+    </dgm:varLst>
+    <dgm:choose name="Name1">
+      <dgm:if name="Name2" func="var" arg="dir" op="equ" val="norm">
+        <dgm:alg type="lin">
+          <dgm:param type="linDir" val="fromT"/>
+          <dgm:param type="nodeHorzAlign" val="l"/>
+        </dgm:alg>
+      </dgm:if>
+      <dgm:else name="Name3">
+        <dgm:alg type="lin">
+          <dgm:param type="linDir" val="fromT"/>
+          <dgm:param type="nodeHorzAlign" val="r"/>
+        </dgm:alg>
+      </dgm:else>
+    </dgm:choose>
+    <dgm:shape xmlns:r="http://schemas.openxmlformats.org/officeDocument/2006/relationships" r:blip="">
+      <dgm:adjLst/>
+    </dgm:shape>
+    <dgm:presOf/>
+    <dgm:constrLst>
+      <dgm:constr type="h" for="ch" forName="linNode" refType="h"/>
+      <dgm:constr type="w" for="ch" forName="linNode" refType="w"/>
+      <dgm:constr type="h" for="ch" forName="sp" refType="h" fact="0.05"/>
+      <dgm:constr type="primFontSz" for="des" forName="parentText" op="equ" val="65"/>
+      <dgm:constr type="secFontSz" for="des" forName="descendantText" op="equ"/>
+    </dgm:constrLst>
+    <dgm:ruleLst/>
+    <dgm:forEach name="Name4" axis="ch" ptType="node">
+      <dgm:layoutNode name="linNode">
+        <dgm:choose name="Name5">
+          <dgm:if name="Name6" func="var" arg="dir" op="equ" val="norm">
+            <dgm:alg type="lin">
+              <dgm:param type="linDir" val="fromL"/>
+            </dgm:alg>
+          </dgm:if>
+          <dgm:else name="Name7">
+            <dgm:alg type="lin">
+              <dgm:param type="linDir" val="fromR"/>
+            </dgm:alg>
+          </dgm:else>
+        </dgm:choose>
+        <dgm:shape xmlns:r="http://schemas.openxmlformats.org/officeDocument/2006/relationships" r:blip="">
+          <dgm:adjLst/>
+        </dgm:shape>
+        <dgm:presOf/>
+        <dgm:constrLst>
+          <dgm:constr type="w" for="ch" forName="parentText" refType="w" fact="0.36"/>
+          <dgm:constr type="w" for="ch" forName="descendantText" refType="w" fact="0.64"/>
+          <dgm:constr type="h" for="ch" forName="parentText" refType="h"/>
+          <dgm:constr type="h" for="ch" forName="descendantText" refType="h" refFor="ch" refForName="parentText" fact="0.8"/>
+        </dgm:constrLst>
+        <dgm:ruleLst/>
+        <dgm:layoutNode name="parentText">
+          <dgm:varLst>
+            <dgm:chMax val="1"/>
+            <dgm:bulletEnabled val="1"/>
+          </dgm:varLst>
+          <dgm:alg type="tx"/>
+          <dgm:shape xmlns:r="http://schemas.openxmlformats.org/officeDocument/2006/relationships" type="roundRect" r:blip="" zOrderOff="3">
+            <dgm:adjLst/>
+          </dgm:shape>
+          <dgm:presOf axis="self" ptType="node"/>
+          <dgm:constrLst>
+            <dgm:constr type="tMarg" refType="primFontSz" fact="0.15"/>
+            <dgm:constr type="bMarg" refType="primFontSz" fact="0.15"/>
+            <dgm:constr type="lMarg" refType="primFontSz" fact="0.3"/>
+            <dgm:constr type="rMarg" refType="primFontSz" fact="0.3"/>
+          </dgm:constrLst>
+          <dgm:ruleLst>
+            <dgm:rule type="primFontSz" val="5" fact="NaN" max="NaN"/>
+          </dgm:ruleLst>
+        </dgm:layoutNode>
+        <dgm:choose name="Name8">
+          <dgm:if name="Name9" axis="ch" ptType="node" func="cnt" op="gte" val="1">
+            <dgm:layoutNode name="descendantText" styleLbl="alignAccFollowNode1">
+              <dgm:varLst>
+                <dgm:bulletEnabled val="1"/>
+              </dgm:varLst>
+              <dgm:alg type="tx">
+                <dgm:param type="stBulletLvl" val="1"/>
+                <dgm:param type="txAnchorVertCh" val="mid"/>
+              </dgm:alg>
+              <dgm:choose name="Name10">
+                <dgm:if name="Name11" func="var" arg="dir" op="equ" val="norm">
+                  <dgm:shape xmlns:r="http://schemas.openxmlformats.org/officeDocument/2006/relationships" rot="90" type="round2SameRect" r:blip="">
+                    <dgm:adjLst/>
+                  </dgm:shape>
+                </dgm:if>
+                <dgm:else name="Name12">
+                  <dgm:shape xmlns:r="http://schemas.openxmlformats.org/officeDocument/2006/relationships" rot="-90" type="round2SameRect" r:blip="">
+                    <dgm:adjLst/>
+                  </dgm:shape>
+                </dgm:else>
+              </dgm:choose>
+              <dgm:presOf axis="des" ptType="node"/>
+              <dgm:constrLst>
+                <dgm:constr type="secFontSz" val="65"/>
+                <dgm:constr type="primFontSz" refType="secFontSz"/>
+                <dgm:constr type="lMarg" refType="secFontSz" fact="0.3"/>
+                <dgm:constr type="rMarg" refType="secFontSz" fact="0.3"/>
+                <dgm:constr type="tMarg" refType="secFontSz" fact="0.15"/>
+                <dgm:constr type="bMarg" refType="secFontSz" fact="0.15"/>
+              </dgm:constrLst>
+              <dgm:ruleLst>
+                <dgm:rule type="secFontSz" val="5" fact="NaN" max="NaN"/>
+              </dgm:ruleLst>
+            </dgm:layoutNode>
+          </dgm:if>
+          <dgm:else name="Name13"/>
+        </dgm:choose>
+      </dgm:layoutNode>
+      <dgm:forEach name="Name14" axis="followSib" ptType="sibTrans" cnt="1">
+        <dgm:layoutNode name="sp">
+          <dgm:alg type="sp"/>
+          <dgm:shape xmlns:r="http://schemas.openxmlformats.org/officeDocument/2006/relationships" r:blip="">
+            <dgm:adjLst/>
+          </dgm:shape>
+          <dgm:presOf/>
+          <dgm:constrLst/>
+          <dgm:ruleLst/>
+        </dgm:layoutNode>
+      </dgm:forEach>
+    </dgm:forEach>
+  </dgm:layoutNode>
+</dgm:layoutDef>
+</file>
+
+<file path=ppt/diagrams/layout3.xml><?xml version="1.0" encoding="utf-8"?>
 <dgm:layoutDef xmlns:dgm="http://schemas.openxmlformats.org/drawingml/2006/diagram" xmlns:a="http://schemas.openxmlformats.org/drawingml/2006/main" uniqueId="urn:microsoft.com/office/officeart/2005/8/layout/process4">
   <dgm:title val=""/>
   <dgm:desc val=""/>
@@ -7059,7 +9436,7 @@
 </dgm:layoutDef>
 </file>
 
-<file path=ppt/diagrams/layout3.xml><?xml version="1.0" encoding="utf-8"?>
+<file path=ppt/diagrams/layout4.xml><?xml version="1.0" encoding="utf-8"?>
 <dgm:layoutDef xmlns:dgm="http://schemas.openxmlformats.org/drawingml/2006/diagram" xmlns:a="http://schemas.openxmlformats.org/drawingml/2006/main" uniqueId="urn:microsoft.com/office/officeart/2005/8/layout/bProcess4">
   <dgm:title val=""/>
   <dgm:desc val=""/>
@@ -9360,6 +11737,1040 @@
 </file>
 
 <file path=ppt/diagrams/quickStyle3.xml><?xml version="1.0" encoding="utf-8"?>
+<dgm:styleDef xmlns:dgm="http://schemas.openxmlformats.org/drawingml/2006/diagram" xmlns:a="http://schemas.openxmlformats.org/drawingml/2006/main" uniqueId="urn:microsoft.com/office/officeart/2005/8/quickstyle/simple1">
+  <dgm:title val=""/>
+  <dgm:desc val=""/>
+  <dgm:catLst>
+    <dgm:cat type="simple" pri="10100"/>
+  </dgm:catLst>
+  <dgm:scene3d>
+    <a:camera prst="orthographicFront"/>
+    <a:lightRig rig="threePt" dir="t"/>
+  </dgm:scene3d>
+  <dgm:styleLbl name="node0">
+    <dgm:scene3d>
+      <a:camera prst="orthographicFront"/>
+      <a:lightRig rig="threePt" dir="t"/>
+    </dgm:scene3d>
+    <dgm:sp3d/>
+    <dgm:txPr/>
+    <dgm:style>
+      <a:lnRef idx="2">
+        <a:scrgbClr r="0" g="0" b="0"/>
+      </a:lnRef>
+      <a:fillRef idx="1">
+        <a:scrgbClr r="0" g="0" b="0"/>
+      </a:fillRef>
+      <a:effectRef idx="0">
+        <a:scrgbClr r="0" g="0" b="0"/>
+      </a:effectRef>
+      <a:fontRef idx="minor">
+        <a:schemeClr val="lt1"/>
+      </a:fontRef>
+    </dgm:style>
+  </dgm:styleLbl>
+  <dgm:styleLbl name="lnNode1">
+    <dgm:scene3d>
+      <a:camera prst="orthographicFront"/>
+      <a:lightRig rig="threePt" dir="t"/>
+    </dgm:scene3d>
+    <dgm:sp3d/>
+    <dgm:txPr/>
+    <dgm:style>
+      <a:lnRef idx="2">
+        <a:scrgbClr r="0" g="0" b="0"/>
+      </a:lnRef>
+      <a:fillRef idx="1">
+        <a:scrgbClr r="0" g="0" b="0"/>
+      </a:fillRef>
+      <a:effectRef idx="0">
+        <a:scrgbClr r="0" g="0" b="0"/>
+      </a:effectRef>
+      <a:fontRef idx="minor">
+        <a:schemeClr val="lt1"/>
+      </a:fontRef>
+    </dgm:style>
+  </dgm:styleLbl>
+  <dgm:styleLbl name="vennNode1">
+    <dgm:scene3d>
+      <a:camera prst="orthographicFront"/>
+      <a:lightRig rig="threePt" dir="t"/>
+    </dgm:scene3d>
+    <dgm:sp3d/>
+    <dgm:txPr/>
+    <dgm:style>
+      <a:lnRef idx="2">
+        <a:scrgbClr r="0" g="0" b="0"/>
+      </a:lnRef>
+      <a:fillRef idx="1">
+        <a:scrgbClr r="0" g="0" b="0"/>
+      </a:fillRef>
+      <a:effectRef idx="0">
+        <a:scrgbClr r="0" g="0" b="0"/>
+      </a:effectRef>
+      <a:fontRef idx="minor">
+        <a:schemeClr val="tx1"/>
+      </a:fontRef>
+    </dgm:style>
+  </dgm:styleLbl>
+  <dgm:styleLbl name="alignNode1">
+    <dgm:scene3d>
+      <a:camera prst="orthographicFront"/>
+      <a:lightRig rig="threePt" dir="t"/>
+    </dgm:scene3d>
+    <dgm:sp3d/>
+    <dgm:txPr/>
+    <dgm:style>
+      <a:lnRef idx="2">
+        <a:scrgbClr r="0" g="0" b="0"/>
+      </a:lnRef>
+      <a:fillRef idx="1">
+        <a:scrgbClr r="0" g="0" b="0"/>
+      </a:fillRef>
+      <a:effectRef idx="0">
+        <a:scrgbClr r="0" g="0" b="0"/>
+      </a:effectRef>
+      <a:fontRef idx="minor">
+        <a:schemeClr val="lt1"/>
+      </a:fontRef>
+    </dgm:style>
+  </dgm:styleLbl>
+  <dgm:styleLbl name="node1">
+    <dgm:scene3d>
+      <a:camera prst="orthographicFront"/>
+      <a:lightRig rig="threePt" dir="t"/>
+    </dgm:scene3d>
+    <dgm:sp3d/>
+    <dgm:txPr/>
+    <dgm:style>
+      <a:lnRef idx="2">
+        <a:scrgbClr r="0" g="0" b="0"/>
+      </a:lnRef>
+      <a:fillRef idx="1">
+        <a:scrgbClr r="0" g="0" b="0"/>
+      </a:fillRef>
+      <a:effectRef idx="0">
+        <a:scrgbClr r="0" g="0" b="0"/>
+      </a:effectRef>
+      <a:fontRef idx="minor">
+        <a:schemeClr val="lt1"/>
+      </a:fontRef>
+    </dgm:style>
+  </dgm:styleLbl>
+  <dgm:styleLbl name="node2">
+    <dgm:scene3d>
+      <a:camera prst="orthographicFront"/>
+      <a:lightRig rig="threePt" dir="t"/>
+    </dgm:scene3d>
+    <dgm:sp3d/>
+    <dgm:txPr/>
+    <dgm:style>
+      <a:lnRef idx="2">
+        <a:scrgbClr r="0" g="0" b="0"/>
+      </a:lnRef>
+      <a:fillRef idx="1">
+        <a:scrgbClr r="0" g="0" b="0"/>
+      </a:fillRef>
+      <a:effectRef idx="0">
+        <a:scrgbClr r="0" g="0" b="0"/>
+      </a:effectRef>
+      <a:fontRef idx="minor">
+        <a:schemeClr val="lt1"/>
+      </a:fontRef>
+    </dgm:style>
+  </dgm:styleLbl>
+  <dgm:styleLbl name="node3">
+    <dgm:scene3d>
+      <a:camera prst="orthographicFront"/>
+      <a:lightRig rig="threePt" dir="t"/>
+    </dgm:scene3d>
+    <dgm:sp3d/>
+    <dgm:txPr/>
+    <dgm:style>
+      <a:lnRef idx="2">
+        <a:scrgbClr r="0" g="0" b="0"/>
+      </a:lnRef>
+      <a:fillRef idx="1">
+        <a:scrgbClr r="0" g="0" b="0"/>
+      </a:fillRef>
+      <a:effectRef idx="0">
+        <a:scrgbClr r="0" g="0" b="0"/>
+      </a:effectRef>
+      <a:fontRef idx="minor">
+        <a:schemeClr val="lt1"/>
+      </a:fontRef>
+    </dgm:style>
+  </dgm:styleLbl>
+  <dgm:styleLbl name="node4">
+    <dgm:scene3d>
+      <a:camera prst="orthographicFront"/>
+      <a:lightRig rig="threePt" dir="t"/>
+    </dgm:scene3d>
+    <dgm:sp3d/>
+    <dgm:txPr/>
+    <dgm:style>
+      <a:lnRef idx="2">
+        <a:scrgbClr r="0" g="0" b="0"/>
+      </a:lnRef>
+      <a:fillRef idx="1">
+        <a:scrgbClr r="0" g="0" b="0"/>
+      </a:fillRef>
+      <a:effectRef idx="0">
+        <a:scrgbClr r="0" g="0" b="0"/>
+      </a:effectRef>
+      <a:fontRef idx="minor">
+        <a:schemeClr val="lt1"/>
+      </a:fontRef>
+    </dgm:style>
+  </dgm:styleLbl>
+  <dgm:styleLbl name="fgImgPlace1">
+    <dgm:scene3d>
+      <a:camera prst="orthographicFront"/>
+      <a:lightRig rig="threePt" dir="t"/>
+    </dgm:scene3d>
+    <dgm:sp3d/>
+    <dgm:txPr/>
+    <dgm:style>
+      <a:lnRef idx="2">
+        <a:scrgbClr r="0" g="0" b="0"/>
+      </a:lnRef>
+      <a:fillRef idx="1">
+        <a:scrgbClr r="0" g="0" b="0"/>
+      </a:fillRef>
+      <a:effectRef idx="0">
+        <a:scrgbClr r="0" g="0" b="0"/>
+      </a:effectRef>
+      <a:fontRef idx="minor"/>
+    </dgm:style>
+  </dgm:styleLbl>
+  <dgm:styleLbl name="alignImgPlace1">
+    <dgm:scene3d>
+      <a:camera prst="orthographicFront"/>
+      <a:lightRig rig="threePt" dir="t"/>
+    </dgm:scene3d>
+    <dgm:sp3d/>
+    <dgm:txPr/>
+    <dgm:style>
+      <a:lnRef idx="2">
+        <a:scrgbClr r="0" g="0" b="0"/>
+      </a:lnRef>
+      <a:fillRef idx="1">
+        <a:scrgbClr r="0" g="0" b="0"/>
+      </a:fillRef>
+      <a:effectRef idx="0">
+        <a:scrgbClr r="0" g="0" b="0"/>
+      </a:effectRef>
+      <a:fontRef idx="minor"/>
+    </dgm:style>
+  </dgm:styleLbl>
+  <dgm:styleLbl name="bgImgPlace1">
+    <dgm:scene3d>
+      <a:camera prst="orthographicFront"/>
+      <a:lightRig rig="threePt" dir="t"/>
+    </dgm:scene3d>
+    <dgm:sp3d/>
+    <dgm:txPr/>
+    <dgm:style>
+      <a:lnRef idx="2">
+        <a:scrgbClr r="0" g="0" b="0"/>
+      </a:lnRef>
+      <a:fillRef idx="1">
+        <a:scrgbClr r="0" g="0" b="0"/>
+      </a:fillRef>
+      <a:effectRef idx="0">
+        <a:scrgbClr r="0" g="0" b="0"/>
+      </a:effectRef>
+      <a:fontRef idx="minor"/>
+    </dgm:style>
+  </dgm:styleLbl>
+  <dgm:styleLbl name="sibTrans2D1">
+    <dgm:scene3d>
+      <a:camera prst="orthographicFront"/>
+      <a:lightRig rig="threePt" dir="t"/>
+    </dgm:scene3d>
+    <dgm:sp3d/>
+    <dgm:txPr/>
+    <dgm:style>
+      <a:lnRef idx="0">
+        <a:scrgbClr r="0" g="0" b="0"/>
+      </a:lnRef>
+      <a:fillRef idx="1">
+        <a:scrgbClr r="0" g="0" b="0"/>
+      </a:fillRef>
+      <a:effectRef idx="0">
+        <a:scrgbClr r="0" g="0" b="0"/>
+      </a:effectRef>
+      <a:fontRef idx="minor">
+        <a:schemeClr val="lt1"/>
+      </a:fontRef>
+    </dgm:style>
+  </dgm:styleLbl>
+  <dgm:styleLbl name="fgSibTrans2D1">
+    <dgm:scene3d>
+      <a:camera prst="orthographicFront"/>
+      <a:lightRig rig="threePt" dir="t"/>
+    </dgm:scene3d>
+    <dgm:sp3d/>
+    <dgm:txPr/>
+    <dgm:style>
+      <a:lnRef idx="0">
+        <a:scrgbClr r="0" g="0" b="0"/>
+      </a:lnRef>
+      <a:fillRef idx="1">
+        <a:scrgbClr r="0" g="0" b="0"/>
+      </a:fillRef>
+      <a:effectRef idx="0">
+        <a:scrgbClr r="0" g="0" b="0"/>
+      </a:effectRef>
+      <a:fontRef idx="minor">
+        <a:schemeClr val="lt1"/>
+      </a:fontRef>
+    </dgm:style>
+  </dgm:styleLbl>
+  <dgm:styleLbl name="bgSibTrans2D1">
+    <dgm:scene3d>
+      <a:camera prst="orthographicFront"/>
+      <a:lightRig rig="threePt" dir="t"/>
+    </dgm:scene3d>
+    <dgm:sp3d/>
+    <dgm:txPr/>
+    <dgm:style>
+      <a:lnRef idx="0">
+        <a:scrgbClr r="0" g="0" b="0"/>
+      </a:lnRef>
+      <a:fillRef idx="1">
+        <a:scrgbClr r="0" g="0" b="0"/>
+      </a:fillRef>
+      <a:effectRef idx="0">
+        <a:scrgbClr r="0" g="0" b="0"/>
+      </a:effectRef>
+      <a:fontRef idx="minor">
+        <a:schemeClr val="lt1"/>
+      </a:fontRef>
+    </dgm:style>
+  </dgm:styleLbl>
+  <dgm:styleLbl name="sibTrans1D1">
+    <dgm:scene3d>
+      <a:camera prst="orthographicFront"/>
+      <a:lightRig rig="threePt" dir="t"/>
+    </dgm:scene3d>
+    <dgm:sp3d/>
+    <dgm:txPr/>
+    <dgm:style>
+      <a:lnRef idx="1">
+        <a:scrgbClr r="0" g="0" b="0"/>
+      </a:lnRef>
+      <a:fillRef idx="0">
+        <a:scrgbClr r="0" g="0" b="0"/>
+      </a:fillRef>
+      <a:effectRef idx="0">
+        <a:scrgbClr r="0" g="0" b="0"/>
+      </a:effectRef>
+      <a:fontRef idx="minor"/>
+    </dgm:style>
+  </dgm:styleLbl>
+  <dgm:styleLbl name="callout">
+    <dgm:scene3d>
+      <a:camera prst="orthographicFront"/>
+      <a:lightRig rig="threePt" dir="t"/>
+    </dgm:scene3d>
+    <dgm:sp3d/>
+    <dgm:txPr/>
+    <dgm:style>
+      <a:lnRef idx="2">
+        <a:scrgbClr r="0" g="0" b="0"/>
+      </a:lnRef>
+      <a:fillRef idx="1">
+        <a:scrgbClr r="0" g="0" b="0"/>
+      </a:fillRef>
+      <a:effectRef idx="0">
+        <a:scrgbClr r="0" g="0" b="0"/>
+      </a:effectRef>
+      <a:fontRef idx="minor"/>
+    </dgm:style>
+  </dgm:styleLbl>
+  <dgm:styleLbl name="asst0">
+    <dgm:scene3d>
+      <a:camera prst="orthographicFront"/>
+      <a:lightRig rig="threePt" dir="t"/>
+    </dgm:scene3d>
+    <dgm:sp3d/>
+    <dgm:txPr/>
+    <dgm:style>
+      <a:lnRef idx="2">
+        <a:scrgbClr r="0" g="0" b="0"/>
+      </a:lnRef>
+      <a:fillRef idx="1">
+        <a:scrgbClr r="0" g="0" b="0"/>
+      </a:fillRef>
+      <a:effectRef idx="0">
+        <a:scrgbClr r="0" g="0" b="0"/>
+      </a:effectRef>
+      <a:fontRef idx="minor">
+        <a:schemeClr val="lt1"/>
+      </a:fontRef>
+    </dgm:style>
+  </dgm:styleLbl>
+  <dgm:styleLbl name="asst1">
+    <dgm:scene3d>
+      <a:camera prst="orthographicFront"/>
+      <a:lightRig rig="threePt" dir="t"/>
+    </dgm:scene3d>
+    <dgm:sp3d/>
+    <dgm:txPr/>
+    <dgm:style>
+      <a:lnRef idx="2">
+        <a:scrgbClr r="0" g="0" b="0"/>
+      </a:lnRef>
+      <a:fillRef idx="1">
+        <a:scrgbClr r="0" g="0" b="0"/>
+      </a:fillRef>
+      <a:effectRef idx="0">
+        <a:scrgbClr r="0" g="0" b="0"/>
+      </a:effectRef>
+      <a:fontRef idx="minor">
+        <a:schemeClr val="lt1"/>
+      </a:fontRef>
+    </dgm:style>
+  </dgm:styleLbl>
+  <dgm:styleLbl name="asst2">
+    <dgm:scene3d>
+      <a:camera prst="orthographicFront"/>
+      <a:lightRig rig="threePt" dir="t"/>
+    </dgm:scene3d>
+    <dgm:sp3d/>
+    <dgm:txPr/>
+    <dgm:style>
+      <a:lnRef idx="2">
+        <a:scrgbClr r="0" g="0" b="0"/>
+      </a:lnRef>
+      <a:fillRef idx="1">
+        <a:scrgbClr r="0" g="0" b="0"/>
+      </a:fillRef>
+      <a:effectRef idx="0">
+        <a:scrgbClr r="0" g="0" b="0"/>
+      </a:effectRef>
+      <a:fontRef idx="minor">
+        <a:schemeClr val="lt1"/>
+      </a:fontRef>
+    </dgm:style>
+  </dgm:styleLbl>
+  <dgm:styleLbl name="asst3">
+    <dgm:scene3d>
+      <a:camera prst="orthographicFront"/>
+      <a:lightRig rig="threePt" dir="t"/>
+    </dgm:scene3d>
+    <dgm:sp3d/>
+    <dgm:txPr/>
+    <dgm:style>
+      <a:lnRef idx="2">
+        <a:scrgbClr r="0" g="0" b="0"/>
+      </a:lnRef>
+      <a:fillRef idx="1">
+        <a:scrgbClr r="0" g="0" b="0"/>
+      </a:fillRef>
+      <a:effectRef idx="0">
+        <a:scrgbClr r="0" g="0" b="0"/>
+      </a:effectRef>
+      <a:fontRef idx="minor">
+        <a:schemeClr val="lt1"/>
+      </a:fontRef>
+    </dgm:style>
+  </dgm:styleLbl>
+  <dgm:styleLbl name="asst4">
+    <dgm:scene3d>
+      <a:camera prst="orthographicFront"/>
+      <a:lightRig rig="threePt" dir="t"/>
+    </dgm:scene3d>
+    <dgm:sp3d/>
+    <dgm:txPr/>
+    <dgm:style>
+      <a:lnRef idx="2">
+        <a:scrgbClr r="0" g="0" b="0"/>
+      </a:lnRef>
+      <a:fillRef idx="1">
+        <a:scrgbClr r="0" g="0" b="0"/>
+      </a:fillRef>
+      <a:effectRef idx="0">
+        <a:scrgbClr r="0" g="0" b="0"/>
+      </a:effectRef>
+      <a:fontRef idx="minor">
+        <a:schemeClr val="lt1"/>
+      </a:fontRef>
+    </dgm:style>
+  </dgm:styleLbl>
+  <dgm:styleLbl name="parChTrans2D1">
+    <dgm:scene3d>
+      <a:camera prst="orthographicFront"/>
+      <a:lightRig rig="threePt" dir="t"/>
+    </dgm:scene3d>
+    <dgm:sp3d/>
+    <dgm:txPr/>
+    <dgm:style>
+      <a:lnRef idx="2">
+        <a:scrgbClr r="0" g="0" b="0"/>
+      </a:lnRef>
+      <a:fillRef idx="1">
+        <a:scrgbClr r="0" g="0" b="0"/>
+      </a:fillRef>
+      <a:effectRef idx="0">
+        <a:scrgbClr r="0" g="0" b="0"/>
+      </a:effectRef>
+      <a:fontRef idx="minor">
+        <a:schemeClr val="lt1"/>
+      </a:fontRef>
+    </dgm:style>
+  </dgm:styleLbl>
+  <dgm:styleLbl name="parChTrans2D2">
+    <dgm:scene3d>
+      <a:camera prst="orthographicFront"/>
+      <a:lightRig rig="threePt" dir="t"/>
+    </dgm:scene3d>
+    <dgm:sp3d/>
+    <dgm:txPr/>
+    <dgm:style>
+      <a:lnRef idx="2">
+        <a:scrgbClr r="0" g="0" b="0"/>
+      </a:lnRef>
+      <a:fillRef idx="1">
+        <a:scrgbClr r="0" g="0" b="0"/>
+      </a:fillRef>
+      <a:effectRef idx="0">
+        <a:scrgbClr r="0" g="0" b="0"/>
+      </a:effectRef>
+      <a:fontRef idx="minor">
+        <a:schemeClr val="lt1"/>
+      </a:fontRef>
+    </dgm:style>
+  </dgm:styleLbl>
+  <dgm:styleLbl name="parChTrans2D3">
+    <dgm:scene3d>
+      <a:camera prst="orthographicFront"/>
+      <a:lightRig rig="threePt" dir="t"/>
+    </dgm:scene3d>
+    <dgm:sp3d/>
+    <dgm:txPr/>
+    <dgm:style>
+      <a:lnRef idx="2">
+        <a:scrgbClr r="0" g="0" b="0"/>
+      </a:lnRef>
+      <a:fillRef idx="1">
+        <a:scrgbClr r="0" g="0" b="0"/>
+      </a:fillRef>
+      <a:effectRef idx="0">
+        <a:scrgbClr r="0" g="0" b="0"/>
+      </a:effectRef>
+      <a:fontRef idx="minor">
+        <a:schemeClr val="lt1"/>
+      </a:fontRef>
+    </dgm:style>
+  </dgm:styleLbl>
+  <dgm:styleLbl name="parChTrans2D4">
+    <dgm:scene3d>
+      <a:camera prst="orthographicFront"/>
+      <a:lightRig rig="threePt" dir="t"/>
+    </dgm:scene3d>
+    <dgm:sp3d/>
+    <dgm:txPr/>
+    <dgm:style>
+      <a:lnRef idx="2">
+        <a:scrgbClr r="0" g="0" b="0"/>
+      </a:lnRef>
+      <a:fillRef idx="1">
+        <a:scrgbClr r="0" g="0" b="0"/>
+      </a:fillRef>
+      <a:effectRef idx="0">
+        <a:scrgbClr r="0" g="0" b="0"/>
+      </a:effectRef>
+      <a:fontRef idx="minor">
+        <a:schemeClr val="lt1"/>
+      </a:fontRef>
+    </dgm:style>
+  </dgm:styleLbl>
+  <dgm:styleLbl name="parChTrans1D1">
+    <dgm:scene3d>
+      <a:camera prst="orthographicFront"/>
+      <a:lightRig rig="threePt" dir="t"/>
+    </dgm:scene3d>
+    <dgm:sp3d/>
+    <dgm:txPr/>
+    <dgm:style>
+      <a:lnRef idx="2">
+        <a:scrgbClr r="0" g="0" b="0"/>
+      </a:lnRef>
+      <a:fillRef idx="0">
+        <a:scrgbClr r="0" g="0" b="0"/>
+      </a:fillRef>
+      <a:effectRef idx="0">
+        <a:scrgbClr r="0" g="0" b="0"/>
+      </a:effectRef>
+      <a:fontRef idx="minor"/>
+    </dgm:style>
+  </dgm:styleLbl>
+  <dgm:styleLbl name="parChTrans1D2">
+    <dgm:scene3d>
+      <a:camera prst="orthographicFront"/>
+      <a:lightRig rig="threePt" dir="t"/>
+    </dgm:scene3d>
+    <dgm:sp3d/>
+    <dgm:txPr/>
+    <dgm:style>
+      <a:lnRef idx="2">
+        <a:scrgbClr r="0" g="0" b="0"/>
+      </a:lnRef>
+      <a:fillRef idx="0">
+        <a:scrgbClr r="0" g="0" b="0"/>
+      </a:fillRef>
+      <a:effectRef idx="0">
+        <a:scrgbClr r="0" g="0" b="0"/>
+      </a:effectRef>
+      <a:fontRef idx="minor"/>
+    </dgm:style>
+  </dgm:styleLbl>
+  <dgm:styleLbl name="parChTrans1D3">
+    <dgm:scene3d>
+      <a:camera prst="orthographicFront"/>
+      <a:lightRig rig="threePt" dir="t"/>
+    </dgm:scene3d>
+    <dgm:sp3d/>
+    <dgm:txPr/>
+    <dgm:style>
+      <a:lnRef idx="2">
+        <a:scrgbClr r="0" g="0" b="0"/>
+      </a:lnRef>
+      <a:fillRef idx="0">
+        <a:scrgbClr r="0" g="0" b="0"/>
+      </a:fillRef>
+      <a:effectRef idx="0">
+        <a:scrgbClr r="0" g="0" b="0"/>
+      </a:effectRef>
+      <a:fontRef idx="minor"/>
+    </dgm:style>
+  </dgm:styleLbl>
+  <dgm:styleLbl name="parChTrans1D4">
+    <dgm:scene3d>
+      <a:camera prst="orthographicFront"/>
+      <a:lightRig rig="threePt" dir="t"/>
+    </dgm:scene3d>
+    <dgm:sp3d/>
+    <dgm:txPr/>
+    <dgm:style>
+      <a:lnRef idx="2">
+        <a:scrgbClr r="0" g="0" b="0"/>
+      </a:lnRef>
+      <a:fillRef idx="0">
+        <a:scrgbClr r="0" g="0" b="0"/>
+      </a:fillRef>
+      <a:effectRef idx="0">
+        <a:scrgbClr r="0" g="0" b="0"/>
+      </a:effectRef>
+      <a:fontRef idx="minor"/>
+    </dgm:style>
+  </dgm:styleLbl>
+  <dgm:styleLbl name="fgAcc1">
+    <dgm:scene3d>
+      <a:camera prst="orthographicFront"/>
+      <a:lightRig rig="threePt" dir="t"/>
+    </dgm:scene3d>
+    <dgm:sp3d/>
+    <dgm:txPr/>
+    <dgm:style>
+      <a:lnRef idx="2">
+        <a:scrgbClr r="0" g="0" b="0"/>
+      </a:lnRef>
+      <a:fillRef idx="1">
+        <a:scrgbClr r="0" g="0" b="0"/>
+      </a:fillRef>
+      <a:effectRef idx="0">
+        <a:scrgbClr r="0" g="0" b="0"/>
+      </a:effectRef>
+      <a:fontRef idx="minor"/>
+    </dgm:style>
+  </dgm:styleLbl>
+  <dgm:styleLbl name="conFgAcc1">
+    <dgm:scene3d>
+      <a:camera prst="orthographicFront"/>
+      <a:lightRig rig="threePt" dir="t"/>
+    </dgm:scene3d>
+    <dgm:sp3d/>
+    <dgm:txPr/>
+    <dgm:style>
+      <a:lnRef idx="2">
+        <a:scrgbClr r="0" g="0" b="0"/>
+      </a:lnRef>
+      <a:fillRef idx="1">
+        <a:scrgbClr r="0" g="0" b="0"/>
+      </a:fillRef>
+      <a:effectRef idx="0">
+        <a:scrgbClr r="0" g="0" b="0"/>
+      </a:effectRef>
+      <a:fontRef idx="minor"/>
+    </dgm:style>
+  </dgm:styleLbl>
+  <dgm:styleLbl name="alignAcc1">
+    <dgm:scene3d>
+      <a:camera prst="orthographicFront"/>
+      <a:lightRig rig="threePt" dir="t"/>
+    </dgm:scene3d>
+    <dgm:sp3d/>
+    <dgm:txPr/>
+    <dgm:style>
+      <a:lnRef idx="2">
+        <a:scrgbClr r="0" g="0" b="0"/>
+      </a:lnRef>
+      <a:fillRef idx="1">
+        <a:scrgbClr r="0" g="0" b="0"/>
+      </a:fillRef>
+      <a:effectRef idx="0">
+        <a:scrgbClr r="0" g="0" b="0"/>
+      </a:effectRef>
+      <a:fontRef idx="minor"/>
+    </dgm:style>
+  </dgm:styleLbl>
+  <dgm:styleLbl name="trAlignAcc1">
+    <dgm:scene3d>
+      <a:camera prst="orthographicFront"/>
+      <a:lightRig rig="threePt" dir="t"/>
+    </dgm:scene3d>
+    <dgm:sp3d/>
+    <dgm:txPr/>
+    <dgm:style>
+      <a:lnRef idx="1">
+        <a:scrgbClr r="0" g="0" b="0"/>
+      </a:lnRef>
+      <a:fillRef idx="1">
+        <a:scrgbClr r="0" g="0" b="0"/>
+      </a:fillRef>
+      <a:effectRef idx="0">
+        <a:scrgbClr r="0" g="0" b="0"/>
+      </a:effectRef>
+      <a:fontRef idx="minor"/>
+    </dgm:style>
+  </dgm:styleLbl>
+  <dgm:styleLbl name="bgAcc1">
+    <dgm:scene3d>
+      <a:camera prst="orthographicFront"/>
+      <a:lightRig rig="threePt" dir="t"/>
+    </dgm:scene3d>
+    <dgm:sp3d/>
+    <dgm:txPr/>
+    <dgm:style>
+      <a:lnRef idx="2">
+        <a:scrgbClr r="0" g="0" b="0"/>
+      </a:lnRef>
+      <a:fillRef idx="1">
+        <a:scrgbClr r="0" g="0" b="0"/>
+      </a:fillRef>
+      <a:effectRef idx="0">
+        <a:scrgbClr r="0" g="0" b="0"/>
+      </a:effectRef>
+      <a:fontRef idx="minor"/>
+    </dgm:style>
+  </dgm:styleLbl>
+  <dgm:styleLbl name="solidFgAcc1">
+    <dgm:scene3d>
+      <a:camera prst="orthographicFront"/>
+      <a:lightRig rig="threePt" dir="t"/>
+    </dgm:scene3d>
+    <dgm:sp3d/>
+    <dgm:txPr/>
+    <dgm:style>
+      <a:lnRef idx="2">
+        <a:scrgbClr r="0" g="0" b="0"/>
+      </a:lnRef>
+      <a:fillRef idx="1">
+        <a:scrgbClr r="0" g="0" b="0"/>
+      </a:fillRef>
+      <a:effectRef idx="0">
+        <a:scrgbClr r="0" g="0" b="0"/>
+      </a:effectRef>
+      <a:fontRef idx="minor"/>
+    </dgm:style>
+  </dgm:styleLbl>
+  <dgm:styleLbl name="solidAlignAcc1">
+    <dgm:scene3d>
+      <a:camera prst="orthographicFront"/>
+      <a:lightRig rig="threePt" dir="t"/>
+    </dgm:scene3d>
+    <dgm:sp3d/>
+    <dgm:txPr/>
+    <dgm:style>
+      <a:lnRef idx="2">
+        <a:scrgbClr r="0" g="0" b="0"/>
+      </a:lnRef>
+      <a:fillRef idx="1">
+        <a:scrgbClr r="0" g="0" b="0"/>
+      </a:fillRef>
+      <a:effectRef idx="0">
+        <a:scrgbClr r="0" g="0" b="0"/>
+      </a:effectRef>
+      <a:fontRef idx="minor"/>
+    </dgm:style>
+  </dgm:styleLbl>
+  <dgm:styleLbl name="solidBgAcc1">
+    <dgm:scene3d>
+      <a:camera prst="orthographicFront"/>
+      <a:lightRig rig="threePt" dir="t"/>
+    </dgm:scene3d>
+    <dgm:sp3d/>
+    <dgm:txPr/>
+    <dgm:style>
+      <a:lnRef idx="2">
+        <a:scrgbClr r="0" g="0" b="0"/>
+      </a:lnRef>
+      <a:fillRef idx="1">
+        <a:scrgbClr r="0" g="0" b="0"/>
+      </a:fillRef>
+      <a:effectRef idx="0">
+        <a:scrgbClr r="0" g="0" b="0"/>
+      </a:effectRef>
+      <a:fontRef idx="minor"/>
+    </dgm:style>
+  </dgm:styleLbl>
+  <dgm:styleLbl name="fgAccFollowNode1">
+    <dgm:scene3d>
+      <a:camera prst="orthographicFront"/>
+      <a:lightRig rig="threePt" dir="t"/>
+    </dgm:scene3d>
+    <dgm:sp3d/>
+    <dgm:txPr/>
+    <dgm:style>
+      <a:lnRef idx="2">
+        <a:scrgbClr r="0" g="0" b="0"/>
+      </a:lnRef>
+      <a:fillRef idx="1">
+        <a:scrgbClr r="0" g="0" b="0"/>
+      </a:fillRef>
+      <a:effectRef idx="0">
+        <a:scrgbClr r="0" g="0" b="0"/>
+      </a:effectRef>
+      <a:fontRef idx="minor"/>
+    </dgm:style>
+  </dgm:styleLbl>
+  <dgm:styleLbl name="alignAccFollowNode1">
+    <dgm:scene3d>
+      <a:camera prst="orthographicFront"/>
+      <a:lightRig rig="threePt" dir="t"/>
+    </dgm:scene3d>
+    <dgm:sp3d/>
+    <dgm:txPr/>
+    <dgm:style>
+      <a:lnRef idx="2">
+        <a:scrgbClr r="0" g="0" b="0"/>
+      </a:lnRef>
+      <a:fillRef idx="1">
+        <a:scrgbClr r="0" g="0" b="0"/>
+      </a:fillRef>
+      <a:effectRef idx="0">
+        <a:scrgbClr r="0" g="0" b="0"/>
+      </a:effectRef>
+      <a:fontRef idx="minor"/>
+    </dgm:style>
+  </dgm:styleLbl>
+  <dgm:styleLbl name="bgAccFollowNode1">
+    <dgm:scene3d>
+      <a:camera prst="orthographicFront"/>
+      <a:lightRig rig="threePt" dir="t"/>
+    </dgm:scene3d>
+    <dgm:sp3d/>
+    <dgm:txPr/>
+    <dgm:style>
+      <a:lnRef idx="2">
+        <a:scrgbClr r="0" g="0" b="0"/>
+      </a:lnRef>
+      <a:fillRef idx="1">
+        <a:scrgbClr r="0" g="0" b="0"/>
+      </a:fillRef>
+      <a:effectRef idx="0">
+        <a:scrgbClr r="0" g="0" b="0"/>
+      </a:effectRef>
+      <a:fontRef idx="minor"/>
+    </dgm:style>
+  </dgm:styleLbl>
+  <dgm:styleLbl name="fgAcc0">
+    <dgm:scene3d>
+      <a:camera prst="orthographicFront"/>
+      <a:lightRig rig="threePt" dir="t"/>
+    </dgm:scene3d>
+    <dgm:sp3d/>
+    <dgm:txPr/>
+    <dgm:style>
+      <a:lnRef idx="2">
+        <a:scrgbClr r="0" g="0" b="0"/>
+      </a:lnRef>
+      <a:fillRef idx="1">
+        <a:scrgbClr r="0" g="0" b="0"/>
+      </a:fillRef>
+      <a:effectRef idx="0">
+        <a:scrgbClr r="0" g="0" b="0"/>
+      </a:effectRef>
+      <a:fontRef idx="minor"/>
+    </dgm:style>
+  </dgm:styleLbl>
+  <dgm:styleLbl name="fgAcc2">
+    <dgm:scene3d>
+      <a:camera prst="orthographicFront"/>
+      <a:lightRig rig="threePt" dir="t"/>
+    </dgm:scene3d>
+    <dgm:sp3d/>
+    <dgm:txPr/>
+    <dgm:style>
+      <a:lnRef idx="2">
+        <a:scrgbClr r="0" g="0" b="0"/>
+      </a:lnRef>
+      <a:fillRef idx="1">
+        <a:scrgbClr r="0" g="0" b="0"/>
+      </a:fillRef>
+      <a:effectRef idx="0">
+        <a:scrgbClr r="0" g="0" b="0"/>
+      </a:effectRef>
+      <a:fontRef idx="minor"/>
+    </dgm:style>
+  </dgm:styleLbl>
+  <dgm:styleLbl name="fgAcc3">
+    <dgm:scene3d>
+      <a:camera prst="orthographicFront"/>
+      <a:lightRig rig="threePt" dir="t"/>
+    </dgm:scene3d>
+    <dgm:sp3d/>
+    <dgm:txPr/>
+    <dgm:style>
+      <a:lnRef idx="2">
+        <a:scrgbClr r="0" g="0" b="0"/>
+      </a:lnRef>
+      <a:fillRef idx="1">
+        <a:scrgbClr r="0" g="0" b="0"/>
+      </a:fillRef>
+      <a:effectRef idx="0">
+        <a:scrgbClr r="0" g="0" b="0"/>
+      </a:effectRef>
+      <a:fontRef idx="minor"/>
+    </dgm:style>
+  </dgm:styleLbl>
+  <dgm:styleLbl name="fgAcc4">
+    <dgm:scene3d>
+      <a:camera prst="orthographicFront"/>
+      <a:lightRig rig="threePt" dir="t"/>
+    </dgm:scene3d>
+    <dgm:sp3d/>
+    <dgm:txPr/>
+    <dgm:style>
+      <a:lnRef idx="2">
+        <a:scrgbClr r="0" g="0" b="0"/>
+      </a:lnRef>
+      <a:fillRef idx="1">
+        <a:scrgbClr r="0" g="0" b="0"/>
+      </a:fillRef>
+      <a:effectRef idx="0">
+        <a:scrgbClr r="0" g="0" b="0"/>
+      </a:effectRef>
+      <a:fontRef idx="minor"/>
+    </dgm:style>
+  </dgm:styleLbl>
+  <dgm:styleLbl name="bgShp">
+    <dgm:scene3d>
+      <a:camera prst="orthographicFront"/>
+      <a:lightRig rig="threePt" dir="t"/>
+    </dgm:scene3d>
+    <dgm:sp3d/>
+    <dgm:txPr/>
+    <dgm:style>
+      <a:lnRef idx="0">
+        <a:scrgbClr r="0" g="0" b="0"/>
+      </a:lnRef>
+      <a:fillRef idx="1">
+        <a:scrgbClr r="0" g="0" b="0"/>
+      </a:fillRef>
+      <a:effectRef idx="0">
+        <a:scrgbClr r="0" g="0" b="0"/>
+      </a:effectRef>
+      <a:fontRef idx="minor"/>
+    </dgm:style>
+  </dgm:styleLbl>
+  <dgm:styleLbl name="dkBgShp">
+    <dgm:scene3d>
+      <a:camera prst="orthographicFront"/>
+      <a:lightRig rig="threePt" dir="t"/>
+    </dgm:scene3d>
+    <dgm:sp3d/>
+    <dgm:txPr/>
+    <dgm:style>
+      <a:lnRef idx="0">
+        <a:scrgbClr r="0" g="0" b="0"/>
+      </a:lnRef>
+      <a:fillRef idx="1">
+        <a:scrgbClr r="0" g="0" b="0"/>
+      </a:fillRef>
+      <a:effectRef idx="0">
+        <a:scrgbClr r="0" g="0" b="0"/>
+      </a:effectRef>
+      <a:fontRef idx="minor"/>
+    </dgm:style>
+  </dgm:styleLbl>
+  <dgm:styleLbl name="trBgShp">
+    <dgm:scene3d>
+      <a:camera prst="orthographicFront"/>
+      <a:lightRig rig="threePt" dir="t"/>
+    </dgm:scene3d>
+    <dgm:sp3d/>
+    <dgm:txPr/>
+    <dgm:style>
+      <a:lnRef idx="0">
+        <a:scrgbClr r="0" g="0" b="0"/>
+      </a:lnRef>
+      <a:fillRef idx="1">
+        <a:scrgbClr r="0" g="0" b="0"/>
+      </a:fillRef>
+      <a:effectRef idx="0">
+        <a:scrgbClr r="0" g="0" b="0"/>
+      </a:effectRef>
+      <a:fontRef idx="minor"/>
+    </dgm:style>
+  </dgm:styleLbl>
+  <dgm:styleLbl name="fgShp">
+    <dgm:scene3d>
+      <a:camera prst="orthographicFront"/>
+      <a:lightRig rig="threePt" dir="t"/>
+    </dgm:scene3d>
+    <dgm:sp3d/>
+    <dgm:txPr/>
+    <dgm:style>
+      <a:lnRef idx="2">
+        <a:scrgbClr r="0" g="0" b="0"/>
+      </a:lnRef>
+      <a:fillRef idx="1">
+        <a:scrgbClr r="0" g="0" b="0"/>
+      </a:fillRef>
+      <a:effectRef idx="0">
+        <a:scrgbClr r="0" g="0" b="0"/>
+      </a:effectRef>
+      <a:fontRef idx="minor"/>
+    </dgm:style>
+  </dgm:styleLbl>
+  <dgm:styleLbl name="revTx">
+    <dgm:scene3d>
+      <a:camera prst="orthographicFront"/>
+      <a:lightRig rig="threePt" dir="t"/>
+    </dgm:scene3d>
+    <dgm:sp3d/>
+    <dgm:txPr/>
+    <dgm:style>
+      <a:lnRef idx="0">
+        <a:scrgbClr r="0" g="0" b="0"/>
+      </a:lnRef>
+      <a:fillRef idx="0">
+        <a:scrgbClr r="0" g="0" b="0"/>
+      </a:fillRef>
+      <a:effectRef idx="0">
+        <a:scrgbClr r="0" g="0" b="0"/>
+      </a:effectRef>
+      <a:fontRef idx="minor"/>
+    </dgm:style>
+  </dgm:styleLbl>
+</dgm:styleDef>
+</file>
+
+<file path=ppt/diagrams/quickStyle4.xml><?xml version="1.0" encoding="utf-8"?>
 <dgm:styleDef xmlns:dgm="http://schemas.openxmlformats.org/drawingml/2006/diagram" xmlns:a="http://schemas.openxmlformats.org/drawingml/2006/main" uniqueId="urn:microsoft.com/office/officeart/2005/8/quickstyle/simple1">
   <dgm:title val=""/>
   <dgm:desc val=""/>
@@ -13395,7 +16806,7 @@
           </a:ln>
           <a:extLst>
             <a:ext uri="{C572A759-6A51-4108-AA02-DFA0A04FC94B}">
-              <ma14:wrappingTextBoxFlag xmlns="" xmlns:m="http://schemas.openxmlformats.org/officeDocument/2006/math" xmlns:a14="http://schemas.microsoft.com/office/drawing/2010/main" xmlns:ma14="http://schemas.microsoft.com/office/mac/drawingml/2011/main" val="1"/>
+              <ma14:wrappingTextBoxFlag xmlns:ma14="http://schemas.microsoft.com/office/mac/drawingml/2011/main" xmlns:a14="http://schemas.microsoft.com/office/drawing/2010/main" xmlns:m="http://schemas.openxmlformats.org/officeDocument/2006/math" xmlns="" val="1"/>
             </a:ext>
           </a:extLst>
         </p:spPr>
@@ -13434,7 +16845,7 @@
           </a:ln>
           <a:extLst>
             <a:ext uri="{C572A759-6A51-4108-AA02-DFA0A04FC94B}">
-              <ma14:wrappingTextBoxFlag xmlns="" xmlns:m="http://schemas.openxmlformats.org/officeDocument/2006/math" xmlns:a14="http://schemas.microsoft.com/office/drawing/2010/main" xmlns:ma14="http://schemas.microsoft.com/office/mac/drawingml/2011/main" val="1"/>
+              <ma14:wrappingTextBoxFlag xmlns:ma14="http://schemas.microsoft.com/office/mac/drawingml/2011/main" xmlns:a14="http://schemas.microsoft.com/office/drawing/2010/main" xmlns:m="http://schemas.openxmlformats.org/officeDocument/2006/math" xmlns="" val="1"/>
             </a:ext>
           </a:extLst>
         </p:spPr>
@@ -14320,7 +17731,7 @@
           </a:prstGeom>
           <a:extLst>
             <a:ext uri="{C572A759-6A51-4108-AA02-DFA0A04FC94B}">
-              <ma14:wrappingTextBoxFlag xmlns="" xmlns:m="http://schemas.openxmlformats.org/officeDocument/2006/math" xmlns:a14="http://schemas.microsoft.com/office/drawing/2010/main" xmlns:ma14="http://schemas.microsoft.com/office/mac/drawingml/2011/main" val="1"/>
+              <ma14:wrappingTextBoxFlag xmlns:ma14="http://schemas.microsoft.com/office/mac/drawingml/2011/main" xmlns:a14="http://schemas.microsoft.com/office/drawing/2010/main" xmlns:m="http://schemas.openxmlformats.org/officeDocument/2006/math" xmlns="" val="1"/>
             </a:ext>
           </a:extLst>
         </p:spPr>
@@ -14354,7 +17765,15 @@
           <a:p>
             <a:r>
               <a:rPr dirty="0"/>
-              <a:t>时间：2023年11月17日      </a:t>
+              <a:t>时间：2023年11月</a:t>
+            </a:r>
+            <a:r>
+              <a:rPr lang="en-US" dirty="0"/>
+              <a:t>21</a:t>
+            </a:r>
+            <a:r>
+              <a:rPr dirty="0"/>
+              <a:t>日      </a:t>
             </a:r>
           </a:p>
         </p:txBody>
@@ -14423,10 +17842,10 @@
       </p:sp>
       <p:pic>
         <p:nvPicPr>
-          <p:cNvPr id="3" name="Picture 2">
+          <p:cNvPr id="2" name="Picture 4">
             <a:extLst>
               <a:ext uri="{FF2B5EF4-FFF2-40B4-BE49-F238E27FC236}">
-                <a16:creationId xmlns:a16="http://schemas.microsoft.com/office/drawing/2014/main" id="{21333B87-91B1-1F48-9523-4BCC3B9B40CF}"/>
+                <a16:creationId xmlns:a16="http://schemas.microsoft.com/office/drawing/2014/main" id="{51B0E2A7-D196-96E3-2811-A851C12D3F88}"/>
               </a:ext>
             </a:extLst>
           </p:cNvPr>
@@ -14450,8 +17869,8 @@
         </p:blipFill>
         <p:spPr bwMode="auto">
           <a:xfrm>
-            <a:off x="10251528" y="4527278"/>
-            <a:ext cx="9779218" cy="6519479"/>
+            <a:off x="10278510" y="5236726"/>
+            <a:ext cx="10381306" cy="5870807"/>
           </a:xfrm>
           <a:prstGeom prst="rect">
             <a:avLst/>
@@ -14478,6 +17897,221 @@
 </file>
 
 <file path=ppt/slides/slide10.xml><?xml version="1.0" encoding="utf-8"?>
+<p:sld xmlns:a="http://schemas.openxmlformats.org/drawingml/2006/main" xmlns:r="http://schemas.openxmlformats.org/officeDocument/2006/relationships" xmlns:p="http://schemas.openxmlformats.org/presentationml/2006/main">
+  <p:cSld>
+    <p:spTree>
+      <p:nvGrpSpPr>
+        <p:cNvPr id="1" name=""/>
+        <p:cNvGrpSpPr/>
+        <p:nvPr/>
+      </p:nvGrpSpPr>
+      <p:grpSpPr>
+        <a:xfrm>
+          <a:off x="0" y="0"/>
+          <a:ext cx="0" cy="0"/>
+          <a:chOff x="0" y="0"/>
+          <a:chExt cx="0" cy="0"/>
+        </a:xfrm>
+      </p:grpSpPr>
+      <p:sp>
+        <p:nvSpPr>
+          <p:cNvPr id="195" name="完成毕业设计（论文）所具备的条件因素"/>
+          <p:cNvSpPr txBox="1">
+            <a:spLocks noGrp="1"/>
+          </p:cNvSpPr>
+          <p:nvPr>
+            <p:ph type="title"/>
+          </p:nvPr>
+        </p:nvSpPr>
+        <p:spPr>
+          <a:prstGeom prst="rect">
+            <a:avLst/>
+          </a:prstGeom>
+        </p:spPr>
+        <p:txBody>
+          <a:bodyPr/>
+          <a:lstStyle>
+            <a:lvl1pPr defTabSz="1560536">
+              <a:defRPr sz="7424" spc="-148"/>
+            </a:lvl1pPr>
+          </a:lstStyle>
+          <a:p>
+            <a:r>
+              <a:rPr dirty="0" err="1"/>
+              <a:t>所具备的条件因素</a:t>
+            </a:r>
+            <a:endParaRPr dirty="0"/>
+          </a:p>
+        </p:txBody>
+      </p:sp>
+      <p:sp>
+        <p:nvSpPr>
+          <p:cNvPr id="197" name="保证机器设备的正常运行，包括T265双目相机和LDS-50C激光雷达。…"/>
+          <p:cNvSpPr txBox="1">
+            <a:spLocks noGrp="1"/>
+          </p:cNvSpPr>
+          <p:nvPr>
+            <p:ph type="body" idx="1"/>
+          </p:nvPr>
+        </p:nvSpPr>
+        <p:spPr>
+          <a:prstGeom prst="rect">
+            <a:avLst/>
+          </a:prstGeom>
+        </p:spPr>
+        <p:txBody>
+          <a:bodyPr/>
+          <a:lstStyle/>
+          <a:p>
+            <a:pPr>
+              <a:buSzTx/>
+            </a:pPr>
+            <a:r>
+              <a:rPr lang="zh-CN" altLang="en-US" dirty="0"/>
+              <a:t>实验室的条件完备。</a:t>
+            </a:r>
+            <a:endParaRPr lang="en-US" dirty="0"/>
+          </a:p>
+          <a:p>
+            <a:pPr>
+              <a:buSzTx/>
+            </a:pPr>
+            <a:r>
+              <a:rPr lang="zh-CN" altLang="en-US" dirty="0"/>
+              <a:t>无人机与主机</a:t>
+            </a:r>
+            <a:r>
+              <a:rPr dirty="0" err="1"/>
+              <a:t>设备的正常运行</a:t>
+            </a:r>
+            <a:r>
+              <a:rPr dirty="0"/>
+              <a:t>。</a:t>
+            </a:r>
+          </a:p>
+          <a:p>
+            <a:pPr>
+              <a:buSzTx/>
+            </a:pPr>
+            <a:r>
+              <a:rPr dirty="0" err="1"/>
+              <a:t>ROS系统以及各个节点的稳定性和可靠性</a:t>
+            </a:r>
+            <a:r>
+              <a:rPr dirty="0"/>
+              <a:t>。</a:t>
+            </a:r>
+          </a:p>
+          <a:p>
+            <a:pPr>
+              <a:buSzTx/>
+            </a:pPr>
+            <a:r>
+              <a:rPr dirty="0" err="1"/>
+              <a:t>实验数据的准确及时采集和存储</a:t>
+            </a:r>
+            <a:r>
+              <a:rPr dirty="0"/>
+              <a:t>。</a:t>
+            </a:r>
+          </a:p>
+        </p:txBody>
+      </p:sp>
+    </p:spTree>
+  </p:cSld>
+  <p:clrMapOvr>
+    <a:masterClrMapping/>
+  </p:clrMapOvr>
+  <p:transition spd="med"/>
+</p:sld>
+</file>
+
+<file path=ppt/slides/slide11.xml><?xml version="1.0" encoding="utf-8"?>
+<p:sld xmlns:a="http://schemas.openxmlformats.org/drawingml/2006/main" xmlns:r="http://schemas.openxmlformats.org/officeDocument/2006/relationships" xmlns:p="http://schemas.openxmlformats.org/presentationml/2006/main">
+  <p:cSld>
+    <p:spTree>
+      <p:nvGrpSpPr>
+        <p:cNvPr id="1" name=""/>
+        <p:cNvGrpSpPr/>
+        <p:nvPr/>
+      </p:nvGrpSpPr>
+      <p:grpSpPr>
+        <a:xfrm>
+          <a:off x="0" y="0"/>
+          <a:ext cx="0" cy="0"/>
+          <a:chOff x="0" y="0"/>
+          <a:chExt cx="0" cy="0"/>
+        </a:xfrm>
+      </p:grpSpPr>
+      <p:sp>
+        <p:nvSpPr>
+          <p:cNvPr id="199" name="参考文献"/>
+          <p:cNvSpPr txBox="1">
+            <a:spLocks noGrp="1"/>
+          </p:cNvSpPr>
+          <p:nvPr>
+            <p:ph type="title"/>
+          </p:nvPr>
+        </p:nvSpPr>
+        <p:spPr>
+          <a:prstGeom prst="rect">
+            <a:avLst/>
+          </a:prstGeom>
+        </p:spPr>
+        <p:txBody>
+          <a:bodyPr/>
+          <a:lstStyle>
+            <a:lvl1pPr defTabSz="1560536">
+              <a:defRPr sz="7424" spc="-148"/>
+            </a:lvl1pPr>
+          </a:lstStyle>
+          <a:p>
+            <a:r>
+              <a:t>参考文献</a:t>
+            </a:r>
+          </a:p>
+        </p:txBody>
+      </p:sp>
+      <p:pic>
+        <p:nvPicPr>
+          <p:cNvPr id="4" name="图片 3">
+            <a:extLst>
+              <a:ext uri="{FF2B5EF4-FFF2-40B4-BE49-F238E27FC236}">
+                <a16:creationId xmlns:a16="http://schemas.microsoft.com/office/drawing/2014/main" id="{94FC0D7D-279A-38EC-E0C8-6979D2962D43}"/>
+              </a:ext>
+            </a:extLst>
+          </p:cNvPr>
+          <p:cNvPicPr>
+            <a:picLocks noChangeAspect="1"/>
+          </p:cNvPicPr>
+          <p:nvPr/>
+        </p:nvPicPr>
+        <p:blipFill>
+          <a:blip r:embed="rId2"/>
+          <a:stretch>
+            <a:fillRect/>
+          </a:stretch>
+        </p:blipFill>
+        <p:spPr>
+          <a:xfrm>
+            <a:off x="3054689" y="2695546"/>
+            <a:ext cx="18274621" cy="10279474"/>
+          </a:xfrm>
+          <a:prstGeom prst="rect">
+            <a:avLst/>
+          </a:prstGeom>
+        </p:spPr>
+      </p:pic>
+    </p:spTree>
+  </p:cSld>
+  <p:clrMapOvr>
+    <a:masterClrMapping/>
+  </p:clrMapOvr>
+  <p:transition spd="med"/>
+</p:sld>
+</file>
+
+<file path=ppt/slides/slide12.xml><?xml version="1.0" encoding="utf-8"?>
 <p:sld xmlns:a="http://schemas.openxmlformats.org/drawingml/2006/main" xmlns:r="http://schemas.openxmlformats.org/officeDocument/2006/relationships" xmlns:p="http://schemas.openxmlformats.org/presentationml/2006/main">
   <p:cSld>
     <p:spTree>
@@ -14567,7 +18201,94 @@
       </p:grpSpPr>
       <p:sp>
         <p:nvSpPr>
-          <p:cNvPr id="179" name="研究目的和意义"/>
+          <p:cNvPr id="2" name="标题 1">
+            <a:extLst>
+              <a:ext uri="{FF2B5EF4-FFF2-40B4-BE49-F238E27FC236}">
+                <a16:creationId xmlns:a16="http://schemas.microsoft.com/office/drawing/2014/main" id="{CCAFC34E-3D1A-E554-A956-A253E630F242}"/>
+              </a:ext>
+            </a:extLst>
+          </p:cNvPr>
+          <p:cNvSpPr>
+            <a:spLocks noGrp="1"/>
+          </p:cNvSpPr>
+          <p:nvPr>
+            <p:ph type="title"/>
+          </p:nvPr>
+        </p:nvSpPr>
+        <p:spPr/>
+        <p:txBody>
+          <a:bodyPr/>
+          <a:lstStyle/>
+          <a:p>
+            <a:r>
+              <a:rPr lang="zh-CN" altLang="en-US" dirty="0"/>
+              <a:t>研究目的和意义</a:t>
+            </a:r>
+          </a:p>
+        </p:txBody>
+      </p:sp>
+      <p:graphicFrame>
+        <p:nvGraphicFramePr>
+          <p:cNvPr id="5" name="图示 4">
+            <a:extLst>
+              <a:ext uri="{FF2B5EF4-FFF2-40B4-BE49-F238E27FC236}">
+                <a16:creationId xmlns:a16="http://schemas.microsoft.com/office/drawing/2014/main" id="{DE922A90-6A73-0561-3BF4-8B953B3A27EC}"/>
+              </a:ext>
+            </a:extLst>
+          </p:cNvPr>
+          <p:cNvGraphicFramePr/>
+          <p:nvPr>
+            <p:extLst>
+              <p:ext uri="{D42A27DB-BD31-4B8C-83A1-F6EECF244321}">
+                <p14:modId xmlns:p14="http://schemas.microsoft.com/office/powerpoint/2010/main" val="3654443638"/>
+              </p:ext>
+            </p:extLst>
+          </p:nvPr>
+        </p:nvGraphicFramePr>
+        <p:xfrm>
+          <a:off x="2973333" y="3523566"/>
+          <a:ext cx="18437333" cy="8256011"/>
+        </p:xfrm>
+        <a:graphic>
+          <a:graphicData uri="http://schemas.openxmlformats.org/drawingml/2006/diagram">
+            <dgm:relIds xmlns:dgm="http://schemas.openxmlformats.org/drawingml/2006/diagram" xmlns:r="http://schemas.openxmlformats.org/officeDocument/2006/relationships" r:dm="rId2" r:lo="rId3" r:qs="rId4" r:cs="rId5"/>
+          </a:graphicData>
+        </a:graphic>
+      </p:graphicFrame>
+    </p:spTree>
+    <p:extLst>
+      <p:ext uri="{BB962C8B-B14F-4D97-AF65-F5344CB8AC3E}">
+        <p14:creationId xmlns:p14="http://schemas.microsoft.com/office/powerpoint/2010/main" val="2792810982"/>
+      </p:ext>
+    </p:extLst>
+  </p:cSld>
+  <p:clrMapOvr>
+    <a:masterClrMapping/>
+  </p:clrMapOvr>
+  <p:transition spd="med"/>
+</p:sld>
+</file>
+
+<file path=ppt/slides/slide3.xml><?xml version="1.0" encoding="utf-8"?>
+<p:sld xmlns:a="http://schemas.openxmlformats.org/drawingml/2006/main" xmlns:r="http://schemas.openxmlformats.org/officeDocument/2006/relationships" xmlns:p="http://schemas.openxmlformats.org/presentationml/2006/main">
+  <p:cSld>
+    <p:spTree>
+      <p:nvGrpSpPr>
+        <p:cNvPr id="1" name=""/>
+        <p:cNvGrpSpPr/>
+        <p:nvPr/>
+      </p:nvGrpSpPr>
+      <p:grpSpPr>
+        <a:xfrm>
+          <a:off x="0" y="0"/>
+          <a:ext cx="0" cy="0"/>
+          <a:chOff x="0" y="0"/>
+          <a:chExt cx="0" cy="0"/>
+        </a:xfrm>
+      </p:grpSpPr>
+      <p:sp>
+        <p:nvSpPr>
+          <p:cNvPr id="175" name="国内外研究概况"/>
           <p:cNvSpPr txBox="1">
             <a:spLocks noGrp="1"/>
           </p:cNvSpPr>
@@ -14603,7 +18324,92 @@
             </a:pPr>
             <a:r>
               <a:rPr dirty="0" err="1"/>
-              <a:t>研究目的</a:t>
+              <a:t>国内外研究概况</a:t>
+            </a:r>
+            <a:endParaRPr dirty="0"/>
+          </a:p>
+        </p:txBody>
+      </p:sp>
+      <p:graphicFrame>
+        <p:nvGraphicFramePr>
+          <p:cNvPr id="2" name="图示 1">
+            <a:extLst>
+              <a:ext uri="{FF2B5EF4-FFF2-40B4-BE49-F238E27FC236}">
+                <a16:creationId xmlns:a16="http://schemas.microsoft.com/office/drawing/2014/main" id="{27B5173E-0FE9-1D66-1447-ADC51B1FAA04}"/>
+              </a:ext>
+            </a:extLst>
+          </p:cNvPr>
+          <p:cNvGraphicFramePr/>
+          <p:nvPr>
+            <p:extLst>
+              <p:ext uri="{D42A27DB-BD31-4B8C-83A1-F6EECF244321}">
+                <p14:modId xmlns:p14="http://schemas.microsoft.com/office/powerpoint/2010/main" val="2842286788"/>
+              </p:ext>
+            </p:extLst>
+          </p:nvPr>
+        </p:nvGraphicFramePr>
+        <p:xfrm>
+          <a:off x="-2037348" y="2705168"/>
+          <a:ext cx="28800000" cy="9643827"/>
+        </p:xfrm>
+        <a:graphic>
+          <a:graphicData uri="http://schemas.openxmlformats.org/drawingml/2006/diagram">
+            <dgm:relIds xmlns:dgm="http://schemas.openxmlformats.org/drawingml/2006/diagram" xmlns:r="http://schemas.openxmlformats.org/officeDocument/2006/relationships" r:dm="rId2" r:lo="rId3" r:qs="rId4" r:cs="rId5"/>
+          </a:graphicData>
+        </a:graphic>
+      </p:graphicFrame>
+    </p:spTree>
+  </p:cSld>
+  <p:clrMapOvr>
+    <a:masterClrMapping/>
+  </p:clrMapOvr>
+  <p:transition spd="med"/>
+</p:sld>
+</file>
+
+<file path=ppt/slides/slide4.xml><?xml version="1.0" encoding="utf-8"?>
+<p:sld xmlns:a="http://schemas.openxmlformats.org/drawingml/2006/main" xmlns:r="http://schemas.openxmlformats.org/officeDocument/2006/relationships" xmlns:p="http://schemas.openxmlformats.org/presentationml/2006/main">
+  <p:cSld>
+    <p:spTree>
+      <p:nvGrpSpPr>
+        <p:cNvPr id="1" name=""/>
+        <p:cNvGrpSpPr/>
+        <p:nvPr/>
+      </p:nvGrpSpPr>
+      <p:grpSpPr>
+        <a:xfrm>
+          <a:off x="0" y="0"/>
+          <a:ext cx="0" cy="0"/>
+          <a:chOff x="0" y="0"/>
+          <a:chExt cx="0" cy="0"/>
+        </a:xfrm>
+      </p:grpSpPr>
+      <p:sp>
+        <p:nvSpPr>
+          <p:cNvPr id="183" name="研究方法"/>
+          <p:cNvSpPr txBox="1">
+            <a:spLocks noGrp="1"/>
+          </p:cNvSpPr>
+          <p:nvPr>
+            <p:ph type="title"/>
+          </p:nvPr>
+        </p:nvSpPr>
+        <p:spPr>
+          <a:prstGeom prst="rect">
+            <a:avLst/>
+          </a:prstGeom>
+        </p:spPr>
+        <p:txBody>
+          <a:bodyPr/>
+          <a:lstStyle>
+            <a:lvl1pPr defTabSz="1560536">
+              <a:defRPr sz="7424" spc="-148"/>
+            </a:lvl1pPr>
+          </a:lstStyle>
+          <a:p>
+            <a:r>
+              <a:rPr dirty="0" err="1"/>
+              <a:t>研究方法</a:t>
             </a:r>
             <a:endParaRPr dirty="0"/>
           </a:p>
@@ -14611,7 +18417,7 @@
       </p:sp>
       <p:sp>
         <p:nvSpPr>
-          <p:cNvPr id="181" name="首先在于提高无人机在飞行过程中的安全性。通过有效的避障算法，可以降低无人机与障碍物发生碰撞的风险，保障飞行任务的顺利执行。…"/>
+          <p:cNvPr id="185" name="通过机器搭载的T265双目相机和LDS-50C激光雷达感知环境中的障碍物，设计A*等避障算法实时规划运动路径，以确保无人机在复杂环境中安全稳定地到达目的地。…"/>
           <p:cNvSpPr txBox="1">
             <a:spLocks noGrp="1"/>
           </p:cNvSpPr>
@@ -14621,8 +18427,8 @@
         </p:nvSpPr>
         <p:spPr>
           <a:xfrm>
-            <a:off x="1206500" y="2512663"/>
-            <a:ext cx="10985500" cy="8986341"/>
+            <a:off x="1367683" y="3208537"/>
+            <a:ext cx="10824317" cy="3391855"/>
           </a:xfrm>
           <a:prstGeom prst="rect">
             <a:avLst/>
@@ -14630,24 +18436,858 @@
         </p:spPr>
         <p:txBody>
           <a:bodyPr>
-            <a:normAutofit/>
+            <a:noAutofit/>
           </a:bodyPr>
           <a:lstStyle/>
           <a:p>
-            <a:pPr marL="0" indent="0">
+            <a:pPr marL="0" indent="0" defTabSz="2389572">
+              <a:lnSpc>
+                <a:spcPct val="160000"/>
+              </a:lnSpc>
+              <a:spcBef>
+                <a:spcPts val="4400"/>
+              </a:spcBef>
               <a:buSzTx/>
               <a:buNone/>
+              <a:defRPr sz="4704"/>
             </a:pPr>
             <a:r>
-              <a:rPr lang="zh-CN" altLang="en-US" dirty="0"/>
-              <a:t>近年来，随着无人机技术的迅速发展，无人机在各领域的应用日益广泛。</a:t>
+              <a:rPr sz="3600" dirty="0" err="1"/>
+              <a:t>通过</a:t>
+            </a:r>
+            <a:r>
+              <a:rPr lang="en-US" sz="3600" dirty="0"/>
+              <a:t> </a:t>
+            </a:r>
+            <a:r>
+              <a:rPr lang="en-US" altLang="zh-CN" sz="3600" dirty="0"/>
+              <a:t>Prometheus450 </a:t>
+            </a:r>
+            <a:r>
+              <a:rPr sz="3600" dirty="0" err="1"/>
+              <a:t>搭载的</a:t>
+            </a:r>
+            <a:r>
+              <a:rPr lang="en-US" sz="3600" dirty="0"/>
+              <a:t> </a:t>
+            </a:r>
+            <a:r>
+              <a:rPr sz="3600" dirty="0">
+                <a:solidFill>
+                  <a:srgbClr val="FF0000"/>
+                </a:solidFill>
+              </a:rPr>
+              <a:t>T265</a:t>
+            </a:r>
+            <a:r>
+              <a:rPr lang="en-US" sz="3600" dirty="0">
+                <a:solidFill>
+                  <a:srgbClr val="FF0000"/>
+                </a:solidFill>
+              </a:rPr>
+              <a:t> </a:t>
+            </a:r>
+            <a:r>
+              <a:rPr sz="3600" dirty="0" err="1">
+                <a:solidFill>
+                  <a:srgbClr val="FF0000"/>
+                </a:solidFill>
+              </a:rPr>
+              <a:t>双目相机</a:t>
+            </a:r>
+            <a:r>
+              <a:rPr sz="3600" dirty="0" err="1"/>
+              <a:t>和</a:t>
+            </a:r>
+            <a:r>
+              <a:rPr lang="en-US" sz="3600" dirty="0"/>
+              <a:t> </a:t>
+            </a:r>
+            <a:r>
+              <a:rPr lang="en-US" sz="3600" dirty="0">
+                <a:solidFill>
+                  <a:srgbClr val="FF0000"/>
+                </a:solidFill>
+              </a:rPr>
+              <a:t>D435</a:t>
+            </a:r>
+            <a:r>
+              <a:rPr lang="en-US" altLang="zh-CN" sz="3600" dirty="0">
+                <a:solidFill>
+                  <a:srgbClr val="FF0000"/>
+                </a:solidFill>
+              </a:rPr>
+              <a:t>i </a:t>
+            </a:r>
+            <a:r>
+              <a:rPr lang="zh-CN" altLang="en-US" sz="3600" dirty="0">
+                <a:solidFill>
+                  <a:srgbClr val="FF0000"/>
+                </a:solidFill>
+              </a:rPr>
+              <a:t>深度相机</a:t>
+            </a:r>
+            <a:r>
+              <a:rPr sz="3600" dirty="0" err="1"/>
+              <a:t>感知环境中的障碍物，设计避障算法实时规划运动路径，以确保无人机在复杂环境中安全稳定地到达目的地</a:t>
+            </a:r>
+            <a:r>
+              <a:rPr sz="3600" dirty="0"/>
+              <a:t>。</a:t>
             </a:r>
           </a:p>
+        </p:txBody>
+      </p:sp>
+      <p:pic>
+        <p:nvPicPr>
+          <p:cNvPr id="5" name="图片 4">
+            <a:extLst>
+              <a:ext uri="{FF2B5EF4-FFF2-40B4-BE49-F238E27FC236}">
+                <a16:creationId xmlns:a16="http://schemas.microsoft.com/office/drawing/2014/main" id="{E2D9EF3F-0D0F-8327-B374-4A18DF09E926}"/>
+              </a:ext>
+            </a:extLst>
+          </p:cNvPr>
+          <p:cNvPicPr>
+            <a:picLocks noChangeAspect="1"/>
+          </p:cNvPicPr>
+          <p:nvPr/>
+        </p:nvPicPr>
+        <p:blipFill>
+          <a:blip r:embed="rId2"/>
+          <a:stretch>
+            <a:fillRect/>
+          </a:stretch>
+        </p:blipFill>
+        <p:spPr>
+          <a:xfrm>
+            <a:off x="3447038" y="6858000"/>
+            <a:ext cx="17489923" cy="4701292"/>
+          </a:xfrm>
+          <a:prstGeom prst="rect">
+            <a:avLst/>
+          </a:prstGeom>
+        </p:spPr>
+      </p:pic>
+      <p:pic>
+        <p:nvPicPr>
+          <p:cNvPr id="7" name="Picture 2">
+            <a:extLst>
+              <a:ext uri="{FF2B5EF4-FFF2-40B4-BE49-F238E27FC236}">
+                <a16:creationId xmlns:a16="http://schemas.microsoft.com/office/drawing/2014/main" id="{77FE96F6-0DAE-4C7E-3F4A-3021C22FDBF5}"/>
+              </a:ext>
+            </a:extLst>
+          </p:cNvPr>
+          <p:cNvPicPr>
+            <a:picLocks noChangeAspect="1" noChangeArrowheads="1"/>
+          </p:cNvPicPr>
+          <p:nvPr/>
+        </p:nvPicPr>
+        <p:blipFill>
+          <a:blip r:embed="rId3">
+            <a:extLst>
+              <a:ext uri="{28A0092B-C50C-407E-A947-70E740481C1C}">
+                <a14:useLocalDpi xmlns:a14="http://schemas.microsoft.com/office/drawing/2010/main" val="0"/>
+              </a:ext>
+            </a:extLst>
+          </a:blip>
+          <a:srcRect/>
+          <a:stretch>
+            <a:fillRect/>
+          </a:stretch>
+        </p:blipFill>
+        <p:spPr bwMode="auto">
+          <a:xfrm>
+            <a:off x="13122519" y="1079500"/>
+            <a:ext cx="7814442" cy="5209628"/>
+          </a:xfrm>
+          <a:prstGeom prst="rect">
+            <a:avLst/>
+          </a:prstGeom>
+          <a:noFill/>
+          <a:extLst>
+            <a:ext uri="{909E8E84-426E-40DD-AFC4-6F175D3DCCD1}">
+              <a14:hiddenFill xmlns:a14="http://schemas.microsoft.com/office/drawing/2010/main">
+                <a:solidFill>
+                  <a:srgbClr val="FFFFFF"/>
+                </a:solidFill>
+              </a14:hiddenFill>
+            </a:ext>
+          </a:extLst>
+        </p:spPr>
+      </p:pic>
+    </p:spTree>
+  </p:cSld>
+  <p:clrMapOvr>
+    <a:masterClrMapping/>
+  </p:clrMapOvr>
+  <p:transition spd="med"/>
+</p:sld>
+</file>
+
+<file path=ppt/slides/slide5.xml><?xml version="1.0" encoding="utf-8"?>
+<p:sld xmlns:a="http://schemas.openxmlformats.org/drawingml/2006/main" xmlns:r="http://schemas.openxmlformats.org/officeDocument/2006/relationships" xmlns:p="http://schemas.openxmlformats.org/presentationml/2006/main">
+  <p:cSld>
+    <p:spTree>
+      <p:nvGrpSpPr>
+        <p:cNvPr id="1" name=""/>
+        <p:cNvGrpSpPr/>
+        <p:nvPr/>
+      </p:nvGrpSpPr>
+      <p:grpSpPr>
+        <a:xfrm>
+          <a:off x="0" y="0"/>
+          <a:ext cx="0" cy="0"/>
+          <a:chOff x="0" y="0"/>
+          <a:chExt cx="0" cy="0"/>
+        </a:xfrm>
+      </p:grpSpPr>
+      <p:sp>
+        <p:nvSpPr>
+          <p:cNvPr id="2" name="标题 1">
+            <a:extLst>
+              <a:ext uri="{FF2B5EF4-FFF2-40B4-BE49-F238E27FC236}">
+                <a16:creationId xmlns:a16="http://schemas.microsoft.com/office/drawing/2014/main" id="{3F092BAD-BD0D-A2E5-DC81-CA8B7F447472}"/>
+              </a:ext>
+            </a:extLst>
+          </p:cNvPr>
+          <p:cNvSpPr>
+            <a:spLocks noGrp="1"/>
+          </p:cNvSpPr>
+          <p:nvPr>
+            <p:ph type="title"/>
+          </p:nvPr>
+        </p:nvSpPr>
+        <p:spPr/>
+        <p:txBody>
+          <a:bodyPr/>
+          <a:lstStyle/>
           <a:p>
-            <a:pPr marL="0" indent="0">
-              <a:buSzTx/>
-              <a:buNone/>
-            </a:pPr>
+            <a:r>
+              <a:rPr lang="zh-CN" altLang="en-US" dirty="0"/>
+              <a:t>感知：双目相机</a:t>
+            </a:r>
+          </a:p>
+        </p:txBody>
+      </p:sp>
+      <mc:AlternateContent xmlns:mc="http://schemas.openxmlformats.org/markup-compatibility/2006">
+        <mc:Choice xmlns:a14="http://schemas.microsoft.com/office/drawing/2010/main" Requires="a14">
+          <p:sp>
+            <p:nvSpPr>
+              <p:cNvPr id="4" name="文本占位符 3">
+                <a:extLst>
+                  <a:ext uri="{FF2B5EF4-FFF2-40B4-BE49-F238E27FC236}">
+                    <a16:creationId xmlns:a16="http://schemas.microsoft.com/office/drawing/2014/main" id="{04F532CD-DAC0-68EC-E529-C5F1C3F7945A}"/>
+                  </a:ext>
+                </a:extLst>
+              </p:cNvPr>
+              <p:cNvSpPr>
+                <a:spLocks noGrp="1"/>
+              </p:cNvSpPr>
+              <p:nvPr>
+                <p:ph type="body" idx="1"/>
+              </p:nvPr>
+            </p:nvSpPr>
+            <p:spPr>
+              <a:xfrm>
+                <a:off x="1221553" y="3349218"/>
+                <a:ext cx="10985500" cy="3697326"/>
+              </a:xfrm>
+            </p:spPr>
+            <p:txBody>
+              <a:bodyPr>
+                <a:normAutofit/>
+              </a:bodyPr>
+              <a:lstStyle/>
+              <a:p>
+                <a:pPr>
+                  <a:lnSpc>
+                    <a:spcPct val="150000"/>
+                  </a:lnSpc>
+                </a:pPr>
+                <a:r>
+                  <a:rPr lang="zh-CN" altLang="en-US" sz="3600" dirty="0">
+                    <a:solidFill>
+                      <a:srgbClr val="FF0000"/>
+                    </a:solidFill>
+                  </a:rPr>
+                  <a:t>平行式模型</a:t>
+                </a:r>
+                <a:r>
+                  <a:rPr lang="zh-CN" altLang="en-US" sz="3600" dirty="0"/>
+                  <a:t>是建立在两个成像平面互相平行的基础之上，</a:t>
+                </a:r>
+                <a:r>
+                  <a:rPr lang="en-US" altLang="zh-CN" sz="3600" dirty="0"/>
+                  <a:t>P</a:t>
+                </a:r>
+                <a:r>
+                  <a:rPr lang="zh-CN" altLang="en-US" sz="3600" dirty="0"/>
+                  <a:t>点和两个在成像平面上的投影点</a:t>
+                </a:r>
+                <a14:m>
+                  <m:oMath xmlns:m="http://schemas.openxmlformats.org/officeDocument/2006/math">
+                    <m:sSub>
+                      <m:sSubPr>
+                        <m:ctrlPr>
+                          <a:rPr lang="en-US" altLang="zh-CN" sz="3600" b="0" i="1" smtClean="0">
+                            <a:latin typeface="Cambria Math" panose="02040503050406030204" pitchFamily="18" charset="0"/>
+                          </a:rPr>
+                        </m:ctrlPr>
+                      </m:sSubPr>
+                      <m:e>
+                        <m:r>
+                          <a:rPr lang="en-US" altLang="zh-CN" sz="3600" b="0" i="1" smtClean="0">
+                            <a:latin typeface="Cambria Math" panose="02040503050406030204" pitchFamily="18" charset="0"/>
+                          </a:rPr>
+                          <m:t>𝑝</m:t>
+                        </m:r>
+                      </m:e>
+                      <m:sub>
+                        <m:r>
+                          <a:rPr lang="en-US" altLang="zh-CN" sz="3600" b="0" i="1" smtClean="0">
+                            <a:latin typeface="Cambria Math" panose="02040503050406030204" pitchFamily="18" charset="0"/>
+                          </a:rPr>
+                          <m:t>𝑙</m:t>
+                        </m:r>
+                      </m:sub>
+                    </m:sSub>
+                  </m:oMath>
+                </a14:m>
+                <a:r>
+                  <a:rPr lang="zh-CN" altLang="en-US" sz="3600" dirty="0"/>
+                  <a:t>和 </a:t>
+                </a:r>
+                <a14:m>
+                  <m:oMath xmlns:m="http://schemas.openxmlformats.org/officeDocument/2006/math">
+                    <m:sSub>
+                      <m:sSubPr>
+                        <m:ctrlPr>
+                          <a:rPr lang="en-US" altLang="zh-CN" sz="3600" b="0" i="1" smtClean="0">
+                            <a:latin typeface="Cambria Math" panose="02040503050406030204" pitchFamily="18" charset="0"/>
+                          </a:rPr>
+                        </m:ctrlPr>
+                      </m:sSubPr>
+                      <m:e>
+                        <m:r>
+                          <a:rPr lang="en-US" altLang="zh-CN" sz="3600" b="0" i="1" smtClean="0">
+                            <a:latin typeface="Cambria Math" panose="02040503050406030204" pitchFamily="18" charset="0"/>
+                          </a:rPr>
+                          <m:t>𝑝</m:t>
+                        </m:r>
+                      </m:e>
+                      <m:sub>
+                        <m:r>
+                          <a:rPr lang="en-US" altLang="zh-CN" sz="3600" b="0" i="1" smtClean="0">
+                            <a:latin typeface="Cambria Math" panose="02040503050406030204" pitchFamily="18" charset="0"/>
+                          </a:rPr>
+                          <m:t>𝑟</m:t>
+                        </m:r>
+                      </m:sub>
+                    </m:sSub>
+                  </m:oMath>
+                </a14:m>
+                <a:r>
+                  <a:rPr lang="zh-CN" altLang="en-US" sz="3600" dirty="0"/>
+                  <a:t>形成三角形，通过</a:t>
+                </a:r>
+                <a:r>
+                  <a:rPr lang="zh-CN" altLang="en-US" sz="3600" dirty="0">
+                    <a:solidFill>
+                      <a:srgbClr val="FF0000"/>
+                    </a:solidFill>
+                  </a:rPr>
+                  <a:t>相似三角形原理</a:t>
+                </a:r>
+                <a:r>
+                  <a:rPr lang="zh-CN" altLang="en-US" sz="3600" dirty="0"/>
+                  <a:t>计算得出目标物体的三维信息。</a:t>
+                </a:r>
+              </a:p>
+            </p:txBody>
+          </p:sp>
+        </mc:Choice>
+        <mc:Fallback>
+          <p:sp>
+            <p:nvSpPr>
+              <p:cNvPr id="4" name="文本占位符 3">
+                <a:extLst>
+                  <a:ext uri="{FF2B5EF4-FFF2-40B4-BE49-F238E27FC236}">
+                    <a16:creationId xmlns:a16="http://schemas.microsoft.com/office/drawing/2014/main" id="{04F532CD-DAC0-68EC-E529-C5F1C3F7945A}"/>
+                  </a:ext>
+                </a:extLst>
+              </p:cNvPr>
+              <p:cNvSpPr>
+                <a:spLocks noGrp="1" noRot="1" noChangeAspect="1" noMove="1" noResize="1" noEditPoints="1" noAdjustHandles="1" noChangeArrowheads="1" noChangeShapeType="1" noTextEdit="1"/>
+              </p:cNvSpPr>
+              <p:nvPr>
+                <p:ph type="body" idx="1"/>
+              </p:nvPr>
+            </p:nvSpPr>
+            <p:spPr>
+              <a:xfrm>
+                <a:off x="1221553" y="3349218"/>
+                <a:ext cx="10985500" cy="3697326"/>
+              </a:xfrm>
+              <a:blipFill>
+                <a:blip r:embed="rId2"/>
+                <a:stretch>
+                  <a:fillRect l="-2386" r="-111"/>
+                </a:stretch>
+              </a:blipFill>
+            </p:spPr>
+            <p:txBody>
+              <a:bodyPr/>
+              <a:lstStyle/>
+              <a:p>
+                <a:r>
+                  <a:rPr lang="zh-CN" altLang="en-US">
+                    <a:noFill/>
+                  </a:rPr>
+                  <a:t> </a:t>
+                </a:r>
+              </a:p>
+            </p:txBody>
+          </p:sp>
+        </mc:Fallback>
+      </mc:AlternateContent>
+      <p:pic>
+        <p:nvPicPr>
+          <p:cNvPr id="8" name="图片 7">
+            <a:extLst>
+              <a:ext uri="{FF2B5EF4-FFF2-40B4-BE49-F238E27FC236}">
+                <a16:creationId xmlns:a16="http://schemas.microsoft.com/office/drawing/2014/main" id="{86E1D034-D9D8-DF59-6077-9BEEB0F7262E}"/>
+              </a:ext>
+            </a:extLst>
+          </p:cNvPr>
+          <p:cNvPicPr>
+            <a:picLocks noChangeAspect="1"/>
+          </p:cNvPicPr>
+          <p:nvPr/>
+        </p:nvPicPr>
+        <p:blipFill>
+          <a:blip r:embed="rId3"/>
+          <a:stretch>
+            <a:fillRect/>
+          </a:stretch>
+        </p:blipFill>
+        <p:spPr>
+          <a:xfrm>
+            <a:off x="1912589" y="8475975"/>
+            <a:ext cx="3907192" cy="3015196"/>
+          </a:xfrm>
+          <a:prstGeom prst="rect">
+            <a:avLst/>
+          </a:prstGeom>
+        </p:spPr>
+      </p:pic>
+      <p:grpSp>
+        <p:nvGrpSpPr>
+          <p:cNvPr id="15" name="组合 14">
+            <a:extLst>
+              <a:ext uri="{FF2B5EF4-FFF2-40B4-BE49-F238E27FC236}">
+                <a16:creationId xmlns:a16="http://schemas.microsoft.com/office/drawing/2014/main" id="{1451903A-D428-5BC8-6CBA-AD79DE7B0337}"/>
+              </a:ext>
+            </a:extLst>
+          </p:cNvPr>
+          <p:cNvGrpSpPr/>
+          <p:nvPr/>
+        </p:nvGrpSpPr>
+        <p:grpSpPr>
+          <a:xfrm>
+            <a:off x="14007064" y="4248504"/>
+            <a:ext cx="7323680" cy="6679305"/>
+            <a:chOff x="14007064" y="4248504"/>
+            <a:chExt cx="7323680" cy="6679305"/>
+          </a:xfrm>
+        </p:grpSpPr>
+        <p:pic>
+          <p:nvPicPr>
+            <p:cNvPr id="6" name="图片 5">
+              <a:extLst>
+                <a:ext uri="{FF2B5EF4-FFF2-40B4-BE49-F238E27FC236}">
+                  <a16:creationId xmlns:a16="http://schemas.microsoft.com/office/drawing/2014/main" id="{E03E72EE-66DB-A152-66CF-ACD6BEE2FFD1}"/>
+                </a:ext>
+              </a:extLst>
+            </p:cNvPr>
+            <p:cNvPicPr>
+              <a:picLocks noChangeAspect="1"/>
+            </p:cNvPicPr>
+            <p:nvPr/>
+          </p:nvPicPr>
+          <p:blipFill rotWithShape="1">
+            <a:blip r:embed="rId4"/>
+            <a:srcRect b="7659"/>
+            <a:stretch/>
+          </p:blipFill>
+          <p:spPr>
+            <a:xfrm>
+              <a:off x="14007064" y="4248504"/>
+              <a:ext cx="7323680" cy="6503579"/>
+            </a:xfrm>
+            <a:prstGeom prst="rect">
+              <a:avLst/>
+            </a:prstGeom>
+          </p:spPr>
+        </p:pic>
+        <p:sp>
+          <p:nvSpPr>
+            <p:cNvPr id="9" name="文本框 8">
+              <a:extLst>
+                <a:ext uri="{FF2B5EF4-FFF2-40B4-BE49-F238E27FC236}">
+                  <a16:creationId xmlns:a16="http://schemas.microsoft.com/office/drawing/2014/main" id="{A343A5FF-15F2-F3A4-63EA-8EFD98038E6F}"/>
+                </a:ext>
+              </a:extLst>
+            </p:cNvPr>
+            <p:cNvSpPr txBox="1"/>
+            <p:nvPr/>
+          </p:nvSpPr>
+          <p:spPr>
+            <a:xfrm>
+              <a:off x="16746023" y="9567360"/>
+              <a:ext cx="922881" cy="1012072"/>
+            </a:xfrm>
+            <a:prstGeom prst="rect">
+              <a:avLst/>
+            </a:prstGeom>
+            <a:noFill/>
+            <a:ln w="12700" cap="flat">
+              <a:noFill/>
+              <a:miter lim="400000"/>
+            </a:ln>
+            <a:effectLst/>
+            <a:sp3d/>
+          </p:spPr>
+          <p:style>
+            <a:lnRef idx="0">
+              <a:scrgbClr r="0" g="0" b="0"/>
+            </a:lnRef>
+            <a:fillRef idx="0">
+              <a:scrgbClr r="0" g="0" b="0"/>
+            </a:fillRef>
+            <a:effectRef idx="0">
+              <a:scrgbClr r="0" g="0" b="0"/>
+            </a:effectRef>
+            <a:fontRef idx="none"/>
+          </p:style>
+          <p:txBody>
+            <a:bodyPr rot="0" spcFirstLastPara="1" vertOverflow="overflow" horzOverflow="overflow" vert="horz" wrap="square" lIns="50800" tIns="50800" rIns="50800" bIns="50800" numCol="1" spcCol="38100" rtlCol="0" anchor="ctr">
+              <a:spAutoFit/>
+            </a:bodyPr>
+            <a:lstStyle/>
+            <a:p>
+              <a:pPr marL="0" marR="0" indent="0" algn="l" defTabSz="2438338" rtl="0" fontAlgn="auto" latinLnBrk="0" hangingPunct="0">
+                <a:lnSpc>
+                  <a:spcPct val="90000"/>
+                </a:lnSpc>
+                <a:spcBef>
+                  <a:spcPts val="4500"/>
+                </a:spcBef>
+                <a:spcAft>
+                  <a:spcPts val="0"/>
+                </a:spcAft>
+                <a:buClrTx/>
+                <a:buSzTx/>
+                <a:buFontTx/>
+                <a:buNone/>
+                <a:tabLst/>
+              </a:pPr>
+              <a:r>
+                <a:rPr lang="zh-CN" altLang="en-US" sz="2400" dirty="0"/>
+                <a:t>基线</a:t>
+              </a:r>
+              <a:endParaRPr kumimoji="0" lang="zh-CN" altLang="en-US" sz="2400" b="0" i="0" u="none" strike="noStrike" cap="none" spc="0" normalizeH="0" baseline="0" dirty="0">
+                <a:ln>
+                  <a:noFill/>
+                </a:ln>
+                <a:solidFill>
+                  <a:srgbClr val="000000"/>
+                </a:solidFill>
+                <a:effectLst/>
+                <a:uFillTx/>
+                <a:latin typeface="+mn-lt"/>
+                <a:ea typeface="+mn-ea"/>
+                <a:cs typeface="+mn-cs"/>
+                <a:sym typeface="Helvetica Neue"/>
+              </a:endParaRPr>
+            </a:p>
+          </p:txBody>
+        </p:sp>
+        <p:sp>
+          <p:nvSpPr>
+            <p:cNvPr id="10" name="文本框 9">
+              <a:extLst>
+                <a:ext uri="{FF2B5EF4-FFF2-40B4-BE49-F238E27FC236}">
+                  <a16:creationId xmlns:a16="http://schemas.microsoft.com/office/drawing/2014/main" id="{AAEC9518-B634-E5EF-4F11-BE47ED299B33}"/>
+                </a:ext>
+              </a:extLst>
+            </p:cNvPr>
+            <p:cNvSpPr txBox="1"/>
+            <p:nvPr/>
+          </p:nvSpPr>
+          <p:spPr>
+            <a:xfrm>
+              <a:off x="19152889" y="9915737"/>
+              <a:ext cx="1160378" cy="1012072"/>
+            </a:xfrm>
+            <a:prstGeom prst="rect">
+              <a:avLst/>
+            </a:prstGeom>
+            <a:noFill/>
+            <a:ln w="12700" cap="flat">
+              <a:noFill/>
+              <a:miter lim="400000"/>
+            </a:ln>
+            <a:effectLst/>
+            <a:sp3d/>
+          </p:spPr>
+          <p:style>
+            <a:lnRef idx="0">
+              <a:scrgbClr r="0" g="0" b="0"/>
+            </a:lnRef>
+            <a:fillRef idx="0">
+              <a:scrgbClr r="0" g="0" b="0"/>
+            </a:fillRef>
+            <a:effectRef idx="0">
+              <a:scrgbClr r="0" g="0" b="0"/>
+            </a:effectRef>
+            <a:fontRef idx="none"/>
+          </p:style>
+          <p:txBody>
+            <a:bodyPr rot="0" spcFirstLastPara="1" vertOverflow="overflow" horzOverflow="overflow" vert="horz" wrap="square" lIns="50800" tIns="50800" rIns="50800" bIns="50800" numCol="1" spcCol="38100" rtlCol="0" anchor="ctr">
+              <a:spAutoFit/>
+            </a:bodyPr>
+            <a:lstStyle/>
+            <a:p>
+              <a:pPr marL="0" marR="0" indent="0" algn="l" defTabSz="2438338" rtl="0" fontAlgn="auto" latinLnBrk="0" hangingPunct="0">
+                <a:lnSpc>
+                  <a:spcPct val="90000"/>
+                </a:lnSpc>
+                <a:spcBef>
+                  <a:spcPts val="4500"/>
+                </a:spcBef>
+                <a:spcAft>
+                  <a:spcPts val="0"/>
+                </a:spcAft>
+                <a:buClrTx/>
+                <a:buSzTx/>
+                <a:buFontTx/>
+                <a:buNone/>
+                <a:tabLst/>
+              </a:pPr>
+              <a:r>
+                <a:rPr kumimoji="0" lang="zh-CN" altLang="en-US" sz="2400" b="0" i="0" u="none" strike="noStrike" cap="none" spc="0" normalizeH="0" baseline="0" dirty="0">
+                  <a:ln>
+                    <a:noFill/>
+                  </a:ln>
+                  <a:solidFill>
+                    <a:srgbClr val="000000"/>
+                  </a:solidFill>
+                  <a:effectLst/>
+                  <a:uFillTx/>
+                  <a:latin typeface="+mn-lt"/>
+                  <a:ea typeface="+mn-ea"/>
+                  <a:cs typeface="+mn-cs"/>
+                  <a:sym typeface="Helvetica Neue"/>
+                </a:rPr>
+                <a:t>光心</a:t>
+              </a:r>
+            </a:p>
+          </p:txBody>
+        </p:sp>
+        <p:sp>
+          <p:nvSpPr>
+            <p:cNvPr id="12" name="文本框 11">
+              <a:extLst>
+                <a:ext uri="{FF2B5EF4-FFF2-40B4-BE49-F238E27FC236}">
+                  <a16:creationId xmlns:a16="http://schemas.microsoft.com/office/drawing/2014/main" id="{8A68CA37-B3AD-F89C-2227-513ACD3667D2}"/>
+                </a:ext>
+              </a:extLst>
+            </p:cNvPr>
+            <p:cNvSpPr txBox="1"/>
+            <p:nvPr/>
+          </p:nvSpPr>
+          <p:spPr>
+            <a:xfrm>
+              <a:off x="14358060" y="7183446"/>
+              <a:ext cx="1517729" cy="1012072"/>
+            </a:xfrm>
+            <a:prstGeom prst="rect">
+              <a:avLst/>
+            </a:prstGeom>
+            <a:noFill/>
+            <a:ln w="12700" cap="flat">
+              <a:noFill/>
+              <a:miter lim="400000"/>
+            </a:ln>
+            <a:effectLst/>
+            <a:sp3d/>
+          </p:spPr>
+          <p:style>
+            <a:lnRef idx="0">
+              <a:scrgbClr r="0" g="0" b="0"/>
+            </a:lnRef>
+            <a:fillRef idx="0">
+              <a:scrgbClr r="0" g="0" b="0"/>
+            </a:fillRef>
+            <a:effectRef idx="0">
+              <a:scrgbClr r="0" g="0" b="0"/>
+            </a:effectRef>
+            <a:fontRef idx="none"/>
+          </p:style>
+          <p:txBody>
+            <a:bodyPr rot="0" spcFirstLastPara="1" vertOverflow="overflow" horzOverflow="overflow" vert="horz" wrap="square" lIns="50800" tIns="50800" rIns="50800" bIns="50800" numCol="1" spcCol="38100" rtlCol="0" anchor="ctr">
+              <a:spAutoFit/>
+            </a:bodyPr>
+            <a:lstStyle/>
+            <a:p>
+              <a:pPr marL="0" marR="0" indent="0" algn="l" defTabSz="2438338" rtl="0" fontAlgn="auto" latinLnBrk="0" hangingPunct="0">
+                <a:lnSpc>
+                  <a:spcPct val="90000"/>
+                </a:lnSpc>
+                <a:spcBef>
+                  <a:spcPts val="4500"/>
+                </a:spcBef>
+                <a:spcAft>
+                  <a:spcPts val="0"/>
+                </a:spcAft>
+                <a:buClrTx/>
+                <a:buSzTx/>
+                <a:buFontTx/>
+                <a:buNone/>
+                <a:tabLst/>
+              </a:pPr>
+              <a:r>
+                <a:rPr lang="zh-CN" altLang="en-US" sz="2400" dirty="0"/>
+                <a:t>投影平面</a:t>
+              </a:r>
+              <a:endParaRPr kumimoji="0" lang="zh-CN" altLang="en-US" sz="2400" b="0" i="0" u="none" strike="noStrike" cap="none" spc="0" normalizeH="0" baseline="0" dirty="0">
+                <a:ln>
+                  <a:noFill/>
+                </a:ln>
+                <a:solidFill>
+                  <a:srgbClr val="000000"/>
+                </a:solidFill>
+                <a:effectLst/>
+                <a:uFillTx/>
+                <a:latin typeface="+mn-lt"/>
+                <a:ea typeface="+mn-ea"/>
+                <a:cs typeface="+mn-cs"/>
+                <a:sym typeface="Helvetica Neue"/>
+              </a:endParaRPr>
+            </a:p>
+          </p:txBody>
+        </p:sp>
+      </p:grpSp>
+      <p:pic>
+        <p:nvPicPr>
+          <p:cNvPr id="14" name="图片 13">
+            <a:extLst>
+              <a:ext uri="{FF2B5EF4-FFF2-40B4-BE49-F238E27FC236}">
+                <a16:creationId xmlns:a16="http://schemas.microsoft.com/office/drawing/2014/main" id="{E81711E1-436B-31A8-0FB2-F06CF2F4FA48}"/>
+              </a:ext>
+            </a:extLst>
+          </p:cNvPr>
+          <p:cNvPicPr>
+            <a:picLocks noChangeAspect="1"/>
+          </p:cNvPicPr>
+          <p:nvPr/>
+        </p:nvPicPr>
+        <p:blipFill>
+          <a:blip r:embed="rId5"/>
+          <a:stretch>
+            <a:fillRect/>
+          </a:stretch>
+        </p:blipFill>
+        <p:spPr>
+          <a:xfrm>
+            <a:off x="6714303" y="7883099"/>
+            <a:ext cx="5828693" cy="4200948"/>
+          </a:xfrm>
+          <a:prstGeom prst="rect">
+            <a:avLst/>
+          </a:prstGeom>
+        </p:spPr>
+      </p:pic>
+    </p:spTree>
+    <p:extLst>
+      <p:ext uri="{BB962C8B-B14F-4D97-AF65-F5344CB8AC3E}">
+        <p14:creationId xmlns:p14="http://schemas.microsoft.com/office/powerpoint/2010/main" val="2976019255"/>
+      </p:ext>
+    </p:extLst>
+  </p:cSld>
+  <p:clrMapOvr>
+    <a:masterClrMapping/>
+  </p:clrMapOvr>
+  <p:transition spd="med"/>
+</p:sld>
+</file>
+
+<file path=ppt/slides/slide6.xml><?xml version="1.0" encoding="utf-8"?>
+<p:sld xmlns:a="http://schemas.openxmlformats.org/drawingml/2006/main" xmlns:r="http://schemas.openxmlformats.org/officeDocument/2006/relationships" xmlns:p="http://schemas.openxmlformats.org/presentationml/2006/main">
+  <p:cSld>
+    <p:spTree>
+      <p:nvGrpSpPr>
+        <p:cNvPr id="1" name=""/>
+        <p:cNvGrpSpPr/>
+        <p:nvPr/>
+      </p:nvGrpSpPr>
+      <p:grpSpPr>
+        <a:xfrm>
+          <a:off x="0" y="0"/>
+          <a:ext cx="0" cy="0"/>
+          <a:chOff x="0" y="0"/>
+          <a:chExt cx="0" cy="0"/>
+        </a:xfrm>
+      </p:grpSpPr>
+      <p:sp>
+        <p:nvSpPr>
+          <p:cNvPr id="2" name="标题 1">
+            <a:extLst>
+              <a:ext uri="{FF2B5EF4-FFF2-40B4-BE49-F238E27FC236}">
+                <a16:creationId xmlns:a16="http://schemas.microsoft.com/office/drawing/2014/main" id="{80E578FC-6573-CBDF-E397-ED91280DFBC1}"/>
+              </a:ext>
+            </a:extLst>
+          </p:cNvPr>
+          <p:cNvSpPr>
+            <a:spLocks noGrp="1"/>
+          </p:cNvSpPr>
+          <p:nvPr>
+            <p:ph type="title"/>
+          </p:nvPr>
+        </p:nvSpPr>
+        <p:spPr/>
+        <p:txBody>
+          <a:bodyPr/>
+          <a:lstStyle/>
+          <a:p>
+            <a:r>
+              <a:rPr lang="zh-CN" altLang="en-US" dirty="0"/>
+              <a:t>规划：人工势场法</a:t>
+            </a:r>
+          </a:p>
+        </p:txBody>
+      </p:sp>
+      <p:sp>
+        <p:nvSpPr>
+          <p:cNvPr id="4" name="文本占位符 3">
+            <a:extLst>
+              <a:ext uri="{FF2B5EF4-FFF2-40B4-BE49-F238E27FC236}">
+                <a16:creationId xmlns:a16="http://schemas.microsoft.com/office/drawing/2014/main" id="{41E30DA0-C1AA-82F9-59BD-84BC2B21A741}"/>
+              </a:ext>
+            </a:extLst>
+          </p:cNvPr>
+          <p:cNvSpPr>
+            <a:spLocks noGrp="1"/>
+          </p:cNvSpPr>
+          <p:nvPr>
+            <p:ph type="body" idx="1"/>
+          </p:nvPr>
+        </p:nvSpPr>
+        <p:spPr/>
+        <p:txBody>
+          <a:bodyPr/>
+          <a:lstStyle/>
+          <a:p>
             <a:r>
               <a:rPr lang="zh-CN" altLang="en-US" b="0" i="0" dirty="0">
                 <a:solidFill>
@@ -14717,445 +19357,7 @@
             <a:endParaRPr lang="en-US" altLang="zh-CN" dirty="0"/>
           </a:p>
           <a:p>
-            <a:pPr marL="0" indent="0">
-              <a:buSzTx/>
-              <a:buNone/>
-            </a:pPr>
-            <a:r>
-              <a:rPr lang="zh-CN" altLang="en-US" b="0" i="0" dirty="0">
-                <a:solidFill>
-                  <a:srgbClr val="121212"/>
-                </a:solidFill>
-                <a:effectLst/>
-                <a:latin typeface="-apple-system"/>
-              </a:rPr>
-              <a:t>无人机需要实时，提前产生控制量，从而躲避障碍物。</a:t>
-            </a:r>
-            <a:r>
-              <a:rPr lang="zh-CN" altLang="en-US" dirty="0"/>
-              <a:t>这极大地增加了运动规划相关算法的难度，导致现有算法对运动障碍物的避障效果欠佳。</a:t>
-            </a:r>
-            <a:endParaRPr lang="en-US" altLang="zh-CN" b="0" i="0" dirty="0">
-              <a:solidFill>
-                <a:srgbClr val="121212"/>
-              </a:solidFill>
-              <a:effectLst/>
-              <a:latin typeface="-apple-system"/>
-            </a:endParaRPr>
-          </a:p>
-        </p:txBody>
-      </p:sp>
-      <p:pic>
-        <p:nvPicPr>
-          <p:cNvPr id="8" name="Picture 4">
-            <a:extLst>
-              <a:ext uri="{FF2B5EF4-FFF2-40B4-BE49-F238E27FC236}">
-                <a16:creationId xmlns:a16="http://schemas.microsoft.com/office/drawing/2014/main" id="{E79EEFF5-C34A-F940-9EEE-63F7390D028E}"/>
-              </a:ext>
-            </a:extLst>
-          </p:cNvPr>
-          <p:cNvPicPr>
-            <a:picLocks noChangeAspect="1" noChangeArrowheads="1"/>
-          </p:cNvPicPr>
-          <p:nvPr/>
-        </p:nvPicPr>
-        <p:blipFill>
-          <a:blip r:embed="rId2">
-            <a:extLst>
-              <a:ext uri="{28A0092B-C50C-407E-A947-70E740481C1C}">
-                <a14:useLocalDpi xmlns:a14="http://schemas.microsoft.com/office/drawing/2010/main" val="0"/>
-              </a:ext>
-            </a:extLst>
-          </a:blip>
-          <a:srcRect/>
-          <a:stretch>
-            <a:fillRect/>
-          </a:stretch>
-        </p:blipFill>
-        <p:spPr bwMode="auto">
-          <a:xfrm>
-            <a:off x="12734616" y="3730393"/>
-            <a:ext cx="10381306" cy="5870807"/>
-          </a:xfrm>
-          <a:prstGeom prst="rect">
-            <a:avLst/>
-          </a:prstGeom>
-          <a:noFill/>
-          <a:extLst>
-            <a:ext uri="{909E8E84-426E-40DD-AFC4-6F175D3DCCD1}">
-              <a14:hiddenFill xmlns:a14="http://schemas.microsoft.com/office/drawing/2010/main">
-                <a:solidFill>
-                  <a:srgbClr val="FFFFFF"/>
-                </a:solidFill>
-              </a14:hiddenFill>
-            </a:ext>
-          </a:extLst>
-        </p:spPr>
-      </p:pic>
-    </p:spTree>
-  </p:cSld>
-  <p:clrMapOvr>
-    <a:masterClrMapping/>
-  </p:clrMapOvr>
-  <p:transition spd="med"/>
-</p:sld>
-</file>
-
-<file path=ppt/slides/slide3.xml><?xml version="1.0" encoding="utf-8"?>
-<p:sld xmlns:a="http://schemas.openxmlformats.org/drawingml/2006/main" xmlns:r="http://schemas.openxmlformats.org/officeDocument/2006/relationships" xmlns:p="http://schemas.openxmlformats.org/presentationml/2006/main">
-  <p:cSld>
-    <p:spTree>
-      <p:nvGrpSpPr>
-        <p:cNvPr id="1" name=""/>
-        <p:cNvGrpSpPr/>
-        <p:nvPr/>
-      </p:nvGrpSpPr>
-      <p:grpSpPr>
-        <a:xfrm>
-          <a:off x="0" y="0"/>
-          <a:ext cx="0" cy="0"/>
-          <a:chOff x="0" y="0"/>
-          <a:chExt cx="0" cy="0"/>
-        </a:xfrm>
-      </p:grpSpPr>
-      <p:sp>
-        <p:nvSpPr>
-          <p:cNvPr id="2" name="标题 1">
-            <a:extLst>
-              <a:ext uri="{FF2B5EF4-FFF2-40B4-BE49-F238E27FC236}">
-                <a16:creationId xmlns:a16="http://schemas.microsoft.com/office/drawing/2014/main" id="{CCAFC34E-3D1A-E554-A956-A253E630F242}"/>
-              </a:ext>
-            </a:extLst>
-          </p:cNvPr>
-          <p:cNvSpPr>
-            <a:spLocks noGrp="1"/>
-          </p:cNvSpPr>
-          <p:nvPr>
-            <p:ph type="title"/>
-          </p:nvPr>
-        </p:nvSpPr>
-        <p:spPr/>
-        <p:txBody>
-          <a:bodyPr/>
-          <a:lstStyle/>
-          <a:p>
-            <a:r>
-              <a:rPr lang="zh-CN" altLang="en-US" dirty="0"/>
-              <a:t>研究意义</a:t>
-            </a:r>
-          </a:p>
-        </p:txBody>
-      </p:sp>
-      <p:graphicFrame>
-        <p:nvGraphicFramePr>
-          <p:cNvPr id="5" name="图示 4">
-            <a:extLst>
-              <a:ext uri="{FF2B5EF4-FFF2-40B4-BE49-F238E27FC236}">
-                <a16:creationId xmlns:a16="http://schemas.microsoft.com/office/drawing/2014/main" id="{DE922A90-6A73-0561-3BF4-8B953B3A27EC}"/>
-              </a:ext>
-            </a:extLst>
-          </p:cNvPr>
-          <p:cNvGraphicFramePr/>
-          <p:nvPr>
-            <p:extLst>
-              <p:ext uri="{D42A27DB-BD31-4B8C-83A1-F6EECF244321}">
-                <p14:modId xmlns:p14="http://schemas.microsoft.com/office/powerpoint/2010/main" val="644747247"/>
-              </p:ext>
-            </p:extLst>
-          </p:nvPr>
-        </p:nvGraphicFramePr>
-        <p:xfrm>
-          <a:off x="2973333" y="3523566"/>
-          <a:ext cx="18437333" cy="8256011"/>
-        </p:xfrm>
-        <a:graphic>
-          <a:graphicData uri="http://schemas.openxmlformats.org/drawingml/2006/diagram">
-            <dgm:relIds xmlns:dgm="http://schemas.openxmlformats.org/drawingml/2006/diagram" xmlns:r="http://schemas.openxmlformats.org/officeDocument/2006/relationships" r:dm="rId2" r:lo="rId3" r:qs="rId4" r:cs="rId5"/>
-          </a:graphicData>
-        </a:graphic>
-      </p:graphicFrame>
-    </p:spTree>
-    <p:extLst>
-      <p:ext uri="{BB962C8B-B14F-4D97-AF65-F5344CB8AC3E}">
-        <p14:creationId xmlns:p14="http://schemas.microsoft.com/office/powerpoint/2010/main" val="2792810982"/>
-      </p:ext>
-    </p:extLst>
-  </p:cSld>
-  <p:clrMapOvr>
-    <a:masterClrMapping/>
-  </p:clrMapOvr>
-  <p:transition spd="med"/>
-</p:sld>
-</file>
-
-<file path=ppt/slides/slide4.xml><?xml version="1.0" encoding="utf-8"?>
-<p:sld xmlns:a="http://schemas.openxmlformats.org/drawingml/2006/main" xmlns:r="http://schemas.openxmlformats.org/officeDocument/2006/relationships" xmlns:p="http://schemas.openxmlformats.org/presentationml/2006/main">
-  <p:cSld>
-    <p:spTree>
-      <p:nvGrpSpPr>
-        <p:cNvPr id="1" name=""/>
-        <p:cNvGrpSpPr/>
-        <p:nvPr/>
-      </p:nvGrpSpPr>
-      <p:grpSpPr>
-        <a:xfrm>
-          <a:off x="0" y="0"/>
-          <a:ext cx="0" cy="0"/>
-          <a:chOff x="0" y="0"/>
-          <a:chExt cx="0" cy="0"/>
-        </a:xfrm>
-      </p:grpSpPr>
-      <p:sp>
-        <p:nvSpPr>
-          <p:cNvPr id="175" name="国内外研究概况"/>
-          <p:cNvSpPr txBox="1">
-            <a:spLocks noGrp="1"/>
-          </p:cNvSpPr>
-          <p:nvPr>
-            <p:ph type="title"/>
-          </p:nvPr>
-        </p:nvSpPr>
-        <p:spPr>
-          <a:prstGeom prst="rect">
-            <a:avLst/>
-          </a:prstGeom>
-        </p:spPr>
-        <p:txBody>
-          <a:bodyPr/>
-          <a:lstStyle/>
-          <a:p>
-            <a:pPr defTabSz="269747">
-              <a:lnSpc>
-                <a:spcPct val="100000"/>
-              </a:lnSpc>
-              <a:defRPr sz="708" b="0" spc="0">
-                <a:latin typeface="Times Roman"/>
-                <a:ea typeface="Times Roman"/>
-                <a:cs typeface="Times Roman"/>
-                <a:sym typeface="Times Roman"/>
-              </a:defRPr>
-            </a:pPr>
-            <a:endParaRPr dirty="0"/>
-          </a:p>
-          <a:p>
-            <a:pPr defTabSz="1438619">
-              <a:defRPr sz="6843" spc="-136"/>
-            </a:pPr>
-            <a:r>
-              <a:rPr dirty="0" err="1"/>
-              <a:t>国内外研究概况</a:t>
-            </a:r>
-            <a:endParaRPr dirty="0"/>
-          </a:p>
-        </p:txBody>
-      </p:sp>
-      <p:sp>
-        <p:nvSpPr>
-          <p:cNvPr id="177" name="全局避障算法的原理是在环境及障碍物已知的情况下，寻找一条从起点到终点并能避开所有障碍物的最短路径。目前，全局避障算法主要包括有 A*搜索算法、RRT算法和粒子群算法等。…"/>
-          <p:cNvSpPr txBox="1">
-            <a:spLocks noGrp="1"/>
-          </p:cNvSpPr>
-          <p:nvPr>
-            <p:ph type="body" idx="1"/>
-          </p:nvPr>
-        </p:nvSpPr>
-        <p:spPr>
-          <a:xfrm>
-            <a:off x="1206500" y="3239507"/>
-            <a:ext cx="21971000" cy="8256012"/>
-          </a:xfrm>
-          <a:prstGeom prst="rect">
-            <a:avLst/>
-          </a:prstGeom>
-        </p:spPr>
-        <p:txBody>
-          <a:bodyPr>
-            <a:normAutofit/>
-          </a:bodyPr>
-          <a:lstStyle/>
-          <a:p>
-            <a:pPr marL="0" indent="0">
-              <a:buSzTx/>
-              <a:buNone/>
-            </a:pPr>
-            <a:r>
-              <a:rPr lang="en-US" altLang="zh-CN" sz="3600" dirty="0">
-                <a:latin typeface="Segoe UI" panose="020B0502040204020203" pitchFamily="34" charset="0"/>
-              </a:rPr>
-              <a:t>2020</a:t>
-            </a:r>
-            <a:r>
-              <a:rPr lang="zh-CN" altLang="en-US" sz="3600" dirty="0">
-                <a:latin typeface="Segoe UI" panose="020B0502040204020203" pitchFamily="34" charset="0"/>
-              </a:rPr>
-              <a:t>年，</a:t>
-            </a:r>
-            <a:r>
-              <a:rPr lang="en-US" altLang="zh-CN" sz="3600" dirty="0">
-                <a:latin typeface="Segoe UI" panose="020B0502040204020203" pitchFamily="34" charset="0"/>
-              </a:rPr>
-              <a:t>S. Davide </a:t>
-            </a:r>
-            <a:r>
-              <a:rPr lang="en-US" altLang="zh-CN" sz="3600" dirty="0" err="1">
-                <a:latin typeface="Segoe UI" panose="020B0502040204020203" pitchFamily="34" charset="0"/>
-              </a:rPr>
-              <a:t>Falanga</a:t>
-            </a:r>
-            <a:r>
-              <a:rPr lang="en-US" altLang="zh-CN" sz="3600" dirty="0">
-                <a:latin typeface="Segoe UI" panose="020B0502040204020203" pitchFamily="34" charset="0"/>
-              </a:rPr>
-              <a:t> et.al. </a:t>
-            </a:r>
-            <a:r>
-              <a:rPr lang="zh-CN" altLang="en-US" sz="3600" dirty="0">
-                <a:latin typeface="Segoe UI" panose="020B0502040204020203" pitchFamily="34" charset="0"/>
-              </a:rPr>
-              <a:t>：基于事件相机（同步分析每个像素点的明暗变化，确定是否有动态障碍物），将延时控制在毫秒级别。</a:t>
-            </a:r>
-            <a:endParaRPr sz="3600" dirty="0"/>
-          </a:p>
-        </p:txBody>
-      </p:sp>
-    </p:spTree>
-  </p:cSld>
-  <p:clrMapOvr>
-    <a:masterClrMapping/>
-  </p:clrMapOvr>
-  <p:transition spd="med"/>
-</p:sld>
-</file>
-
-<file path=ppt/slides/slide5.xml><?xml version="1.0" encoding="utf-8"?>
-<p:sld xmlns:a="http://schemas.openxmlformats.org/drawingml/2006/main" xmlns:r="http://schemas.openxmlformats.org/officeDocument/2006/relationships" xmlns:p="http://schemas.openxmlformats.org/presentationml/2006/main">
-  <p:cSld>
-    <p:spTree>
-      <p:nvGrpSpPr>
-        <p:cNvPr id="1" name=""/>
-        <p:cNvGrpSpPr/>
-        <p:nvPr/>
-      </p:nvGrpSpPr>
-      <p:grpSpPr>
-        <a:xfrm>
-          <a:off x="0" y="0"/>
-          <a:ext cx="0" cy="0"/>
-          <a:chOff x="0" y="0"/>
-          <a:chExt cx="0" cy="0"/>
-        </a:xfrm>
-      </p:grpSpPr>
-      <p:sp>
-        <p:nvSpPr>
-          <p:cNvPr id="183" name="研究方法"/>
-          <p:cNvSpPr txBox="1">
-            <a:spLocks noGrp="1"/>
-          </p:cNvSpPr>
-          <p:nvPr>
-            <p:ph type="title"/>
-          </p:nvPr>
-        </p:nvSpPr>
-        <p:spPr>
-          <a:prstGeom prst="rect">
-            <a:avLst/>
-          </a:prstGeom>
-        </p:spPr>
-        <p:txBody>
-          <a:bodyPr/>
-          <a:lstStyle>
-            <a:lvl1pPr defTabSz="1560536">
-              <a:defRPr sz="7424" spc="-148"/>
-            </a:lvl1pPr>
-          </a:lstStyle>
-          <a:p>
-            <a:r>
-              <a:rPr dirty="0" err="1"/>
-              <a:t>研究方法</a:t>
-            </a:r>
-            <a:endParaRPr dirty="0"/>
-          </a:p>
-        </p:txBody>
-      </p:sp>
-      <p:sp>
-        <p:nvSpPr>
-          <p:cNvPr id="185" name="通过机器搭载的T265双目相机和LDS-50C激光雷达感知环境中的障碍物，设计A*等避障算法实时规划运动路径，以确保无人机在复杂环境中安全稳定地到达目的地。…"/>
-          <p:cNvSpPr txBox="1">
-            <a:spLocks noGrp="1"/>
-          </p:cNvSpPr>
-          <p:nvPr>
-            <p:ph type="body" idx="1"/>
-          </p:nvPr>
-        </p:nvSpPr>
-        <p:spPr>
-          <a:xfrm>
-            <a:off x="1367684" y="2782865"/>
-            <a:ext cx="10034314" cy="3391855"/>
-          </a:xfrm>
-          <a:prstGeom prst="rect">
-            <a:avLst/>
-          </a:prstGeom>
-        </p:spPr>
-        <p:txBody>
-          <a:bodyPr>
-            <a:normAutofit/>
-          </a:bodyPr>
-          <a:lstStyle/>
-          <a:p>
-            <a:pPr marL="0" indent="0" defTabSz="2389572">
-              <a:spcBef>
-                <a:spcPts val="4400"/>
-              </a:spcBef>
-              <a:buSzTx/>
-              <a:buNone/>
-              <a:defRPr sz="4704"/>
-            </a:pPr>
-            <a:r>
-              <a:rPr dirty="0"/>
-              <a:t>通过机器搭载的</a:t>
-            </a:r>
-            <a:r>
-              <a:rPr dirty="0">
-                <a:solidFill>
-                  <a:srgbClr val="FF0000"/>
-                </a:solidFill>
-              </a:rPr>
-              <a:t>T265双目相机</a:t>
-            </a:r>
-            <a:r>
-              <a:rPr dirty="0"/>
-              <a:t>和</a:t>
-            </a:r>
-            <a:r>
-              <a:rPr lang="en-US" dirty="0">
-                <a:solidFill>
-                  <a:srgbClr val="FF0000"/>
-                </a:solidFill>
-              </a:rPr>
-              <a:t>D435</a:t>
-            </a:r>
-            <a:r>
-              <a:rPr lang="en-US" altLang="zh-CN" dirty="0">
-                <a:solidFill>
-                  <a:srgbClr val="FF0000"/>
-                </a:solidFill>
-              </a:rPr>
-              <a:t>i</a:t>
-            </a:r>
-            <a:r>
-              <a:rPr lang="zh-CN" altLang="en-US" dirty="0">
-                <a:solidFill>
-                  <a:srgbClr val="FF0000"/>
-                </a:solidFill>
-              </a:rPr>
-              <a:t>深度相机</a:t>
-            </a:r>
-            <a:r>
-              <a:rPr dirty="0" err="1"/>
-              <a:t>感知环境中的障碍物，设计避障算法实时规划运动路径，以确保无人机在复杂环境中安全稳定地到达目的地</a:t>
-            </a:r>
-            <a:r>
-              <a:rPr dirty="0"/>
-              <a:t>。</a:t>
-            </a:r>
+            <a:endParaRPr lang="zh-CN" altLang="en-US" dirty="0"/>
           </a:p>
         </p:txBody>
       </p:sp>
@@ -15164,7 +19366,7 @@
           <p:cNvPr id="5" name="图片 4">
             <a:extLst>
               <a:ext uri="{FF2B5EF4-FFF2-40B4-BE49-F238E27FC236}">
-                <a16:creationId xmlns:a16="http://schemas.microsoft.com/office/drawing/2014/main" id="{E2D9EF3F-0D0F-8327-B374-4A18DF09E926}"/>
+                <a16:creationId xmlns:a16="http://schemas.microsoft.com/office/drawing/2014/main" id="{31EEF007-D14B-C746-5321-B698E5F09A37}"/>
               </a:ext>
             </a:extLst>
           </p:cNvPr>
@@ -15181,38 +19383,8 @@
         </p:blipFill>
         <p:spPr>
           <a:xfrm>
-            <a:off x="6380886" y="5491545"/>
-            <a:ext cx="11622227" cy="3124055"/>
-          </a:xfrm>
-          <a:prstGeom prst="rect">
-            <a:avLst/>
-          </a:prstGeom>
-        </p:spPr>
-      </p:pic>
-      <p:pic>
-        <p:nvPicPr>
-          <p:cNvPr id="6" name="图片 5">
-            <a:extLst>
-              <a:ext uri="{FF2B5EF4-FFF2-40B4-BE49-F238E27FC236}">
-                <a16:creationId xmlns:a16="http://schemas.microsoft.com/office/drawing/2014/main" id="{23B7226A-1972-70A0-D2EB-EB57A7F1918C}"/>
-              </a:ext>
-            </a:extLst>
-          </p:cNvPr>
-          <p:cNvPicPr>
-            <a:picLocks noChangeAspect="1"/>
-          </p:cNvPicPr>
-          <p:nvPr/>
-        </p:nvPicPr>
-        <p:blipFill>
-          <a:blip r:embed="rId3"/>
-          <a:stretch>
-            <a:fillRect/>
-          </a:stretch>
-        </p:blipFill>
-        <p:spPr>
-          <a:xfrm>
-            <a:off x="13560844" y="9060342"/>
-            <a:ext cx="8884538" cy="3689593"/>
+            <a:off x="10897575" y="1211484"/>
+            <a:ext cx="10212145" cy="4240925"/>
           </a:xfrm>
           <a:prstGeom prst="rect">
             <a:avLst/>
@@ -15220,6 +19392,11 @@
         </p:spPr>
       </p:pic>
     </p:spTree>
+    <p:extLst>
+      <p:ext uri="{BB962C8B-B14F-4D97-AF65-F5344CB8AC3E}">
+        <p14:creationId xmlns:p14="http://schemas.microsoft.com/office/powerpoint/2010/main" val="279231415"/>
+      </p:ext>
+    </p:extLst>
   </p:cSld>
   <p:clrMapOvr>
     <a:masterClrMapping/>
@@ -15228,7 +19405,7 @@
 </p:sld>
 </file>
 
-<file path=ppt/slides/slide6.xml><?xml version="1.0" encoding="utf-8"?>
+<file path=ppt/slides/slide7.xml><?xml version="1.0" encoding="utf-8"?>
 <p:sld xmlns:a="http://schemas.openxmlformats.org/drawingml/2006/main" xmlns:r="http://schemas.openxmlformats.org/officeDocument/2006/relationships" xmlns:p="http://schemas.openxmlformats.org/presentationml/2006/main">
   <p:cSld>
     <p:spTree>
@@ -15269,10 +19446,9 @@
           </a:lstStyle>
           <a:p>
             <a:r>
-              <a:rPr dirty="0" err="1"/>
-              <a:t>思路与预期成果</a:t>
+              <a:rPr lang="zh-CN" altLang="en-US" dirty="0"/>
+              <a:t>思路</a:t>
             </a:r>
-            <a:endParaRPr dirty="0"/>
           </a:p>
         </p:txBody>
       </p:sp>
@@ -15288,78 +19464,69 @@
         </p:nvSpPr>
         <p:spPr>
           <a:xfrm>
-            <a:off x="1206500" y="2512663"/>
-            <a:ext cx="10475748" cy="9991853"/>
+            <a:off x="1206500" y="3427067"/>
+            <a:ext cx="10475748" cy="8192123"/>
           </a:xfrm>
           <a:prstGeom prst="rect">
             <a:avLst/>
           </a:prstGeom>
         </p:spPr>
         <p:txBody>
-          <a:bodyPr/>
+          <a:bodyPr>
+            <a:normAutofit/>
+          </a:bodyPr>
           <a:lstStyle/>
           <a:p>
             <a:pPr marL="0" indent="0">
+              <a:lnSpc>
+                <a:spcPct val="100000"/>
+              </a:lnSpc>
               <a:buSzTx/>
               <a:buNone/>
             </a:pPr>
             <a:r>
               <a:rPr lang="zh-CN" altLang="en-US" dirty="0"/>
+              <a:t>在</a:t>
+            </a:r>
+            <a:r>
+              <a:rPr lang="zh-CN" altLang="en-US" dirty="0">
+                <a:solidFill>
+                  <a:srgbClr val="FF0000"/>
+                </a:solidFill>
+              </a:rPr>
+              <a:t>照明条件良好</a:t>
+            </a:r>
+            <a:r>
+              <a:rPr lang="zh-CN" altLang="en-US" dirty="0"/>
+              <a:t>的</a:t>
+            </a:r>
+            <a:r>
+              <a:rPr lang="zh-CN" altLang="en-US" dirty="0">
+                <a:solidFill>
+                  <a:srgbClr val="FF0000"/>
+                </a:solidFill>
+              </a:rPr>
               <a:t>室内</a:t>
             </a:r>
             <a:r>
-              <a:rPr dirty="0"/>
-              <a:t>实验室中会分别设置2个静态与2个动态的障碍物，我们将在无人机上实现基于双目视觉</a:t>
+              <a:rPr dirty="0" err="1">
+                <a:solidFill>
+                  <a:srgbClr val="FF0000"/>
+                </a:solidFill>
+              </a:rPr>
+              <a:t>实验室</a:t>
+            </a:r>
+            <a:r>
+              <a:rPr dirty="0" err="1"/>
+              <a:t>中</a:t>
             </a:r>
             <a:r>
               <a:rPr lang="zh-CN" altLang="en-US" dirty="0"/>
-              <a:t>和</a:t>
-            </a:r>
-            <a:r>
-              <a:rPr dirty="0" err="1"/>
-              <a:t>深度相机的环境感知，得到环境中各障碍物到无人机本体的距离</a:t>
-            </a:r>
-            <a:r>
-              <a:rPr lang="zh-CN" altLang="en-US" dirty="0"/>
-              <a:t>，并预测障碍物可能的路径</a:t>
+              <a:t>，</a:t>
             </a:r>
             <a:r>
               <a:rPr dirty="0"/>
-              <a:t>，然后根据设计好的避障算法，规划出一条合理的能避开障碍物的路径，并按照规划的路径行进，最终到达设置好的目的地。</a:t>
-            </a:r>
-          </a:p>
-          <a:p>
-            <a:pPr marL="0" indent="0">
-              <a:buSzTx/>
-              <a:buNone/>
-            </a:pPr>
-            <a:r>
-              <a:rPr dirty="0" err="1"/>
-              <a:t>原则上，对环境中障碍物的</a:t>
-            </a:r>
-            <a:r>
-              <a:rPr lang="zh-CN" altLang="en-US" dirty="0"/>
-              <a:t>识别</a:t>
-            </a:r>
-            <a:r>
-              <a:rPr dirty="0"/>
-              <a:t>率达到8</a:t>
-            </a:r>
-            <a:r>
-              <a:rPr lang="en-US" dirty="0"/>
-              <a:t>0</a:t>
-            </a:r>
-            <a:r>
-              <a:rPr dirty="0"/>
-              <a:t>%以上，对障碍物距离的感知准确度达到80%以上，动态避障成功率达到80%以上，对路径计算的时间控制在</a:t>
-            </a:r>
-            <a:r>
-              <a:rPr lang="en-US" dirty="0"/>
-              <a:t>3</a:t>
-            </a:r>
-            <a:r>
-              <a:rPr dirty="0"/>
-              <a:t>秒以下。</a:t>
+              <a:t>分别设置2个静态与2个动态的障碍物，我们将在无人机上实现环境感知，然后根据设计好的避障算法，规划出一条合理的能避开障碍物的路径，并按照规划的路径行进。</a:t>
             </a:r>
           </a:p>
         </p:txBody>
@@ -15377,14 +19544,14 @@
           <p:nvPr>
             <p:extLst>
               <p:ext uri="{D42A27DB-BD31-4B8C-83A1-F6EECF244321}">
-                <p14:modId xmlns:p14="http://schemas.microsoft.com/office/powerpoint/2010/main" val="4124079945"/>
+                <p14:modId xmlns:p14="http://schemas.microsoft.com/office/powerpoint/2010/main" val="3449064648"/>
               </p:ext>
             </p:extLst>
           </p:nvPr>
         </p:nvGraphicFramePr>
         <p:xfrm>
-          <a:off x="12192000" y="2782865"/>
-          <a:ext cx="10985500" cy="9987203"/>
+          <a:off x="12701754" y="2649297"/>
+          <a:ext cx="9280634" cy="9987203"/>
         </p:xfrm>
         <a:graphic>
           <a:graphicData uri="http://schemas.openxmlformats.org/drawingml/2006/diagram">
@@ -15401,7 +19568,198 @@
 </p:sld>
 </file>
 
-<file path=ppt/slides/slide7.xml><?xml version="1.0" encoding="utf-8"?>
+<file path=ppt/slides/slide8.xml><?xml version="1.0" encoding="utf-8"?>
+<p:sld xmlns:a="http://schemas.openxmlformats.org/drawingml/2006/main" xmlns:r="http://schemas.openxmlformats.org/officeDocument/2006/relationships" xmlns:p="http://schemas.openxmlformats.org/presentationml/2006/main">
+  <p:cSld>
+    <p:spTree>
+      <p:nvGrpSpPr>
+        <p:cNvPr id="1" name=""/>
+        <p:cNvGrpSpPr/>
+        <p:nvPr/>
+      </p:nvGrpSpPr>
+      <p:grpSpPr>
+        <a:xfrm>
+          <a:off x="0" y="0"/>
+          <a:ext cx="0" cy="0"/>
+          <a:chOff x="0" y="0"/>
+          <a:chExt cx="0" cy="0"/>
+        </a:xfrm>
+      </p:grpSpPr>
+      <p:sp>
+        <p:nvSpPr>
+          <p:cNvPr id="2" name="标题 1">
+            <a:extLst>
+              <a:ext uri="{FF2B5EF4-FFF2-40B4-BE49-F238E27FC236}">
+                <a16:creationId xmlns:a16="http://schemas.microsoft.com/office/drawing/2014/main" id="{BD48C606-0939-320F-D4E0-1572D255C407}"/>
+              </a:ext>
+            </a:extLst>
+          </p:cNvPr>
+          <p:cNvSpPr>
+            <a:spLocks noGrp="1"/>
+          </p:cNvSpPr>
+          <p:nvPr>
+            <p:ph type="title"/>
+          </p:nvPr>
+        </p:nvSpPr>
+        <p:spPr/>
+        <p:txBody>
+          <a:bodyPr/>
+          <a:lstStyle/>
+          <a:p>
+            <a:r>
+              <a:rPr lang="zh-CN" altLang="en-US" dirty="0"/>
+              <a:t>预期成果</a:t>
+            </a:r>
+          </a:p>
+        </p:txBody>
+      </p:sp>
+      <p:sp>
+        <p:nvSpPr>
+          <p:cNvPr id="4" name="文本占位符 3">
+            <a:extLst>
+              <a:ext uri="{FF2B5EF4-FFF2-40B4-BE49-F238E27FC236}">
+                <a16:creationId xmlns:a16="http://schemas.microsoft.com/office/drawing/2014/main" id="{A9FC9B4C-65F4-047D-92C8-53B15F313F8C}"/>
+              </a:ext>
+            </a:extLst>
+          </p:cNvPr>
+          <p:cNvSpPr>
+            <a:spLocks noGrp="1"/>
+          </p:cNvSpPr>
+          <p:nvPr>
+            <p:ph type="body" idx="1"/>
+          </p:nvPr>
+        </p:nvSpPr>
+        <p:spPr/>
+        <p:txBody>
+          <a:bodyPr/>
+          <a:lstStyle/>
+          <a:p>
+            <a:r>
+              <a:rPr lang="zh-CN" altLang="en-US" dirty="0"/>
+              <a:t>对环境中的</a:t>
+            </a:r>
+            <a:r>
+              <a:rPr lang="zh-CN" altLang="en-US" dirty="0">
+                <a:solidFill>
+                  <a:srgbClr val="FF0000"/>
+                </a:solidFill>
+              </a:rPr>
+              <a:t>障碍物的识别率</a:t>
+            </a:r>
+            <a:r>
+              <a:rPr lang="zh-CN" altLang="en-US" dirty="0"/>
+              <a:t>达到</a:t>
+            </a:r>
+            <a:r>
+              <a:rPr lang="en-US" altLang="zh-CN" dirty="0"/>
+              <a:t>80%</a:t>
+            </a:r>
+            <a:r>
+              <a:rPr lang="zh-CN" altLang="en-US" dirty="0"/>
+              <a:t>以上</a:t>
+            </a:r>
+            <a:endParaRPr lang="en-US" altLang="zh-CN" dirty="0"/>
+          </a:p>
+          <a:p>
+            <a:r>
+              <a:rPr lang="zh-CN" altLang="en-US" dirty="0"/>
+              <a:t>对障碍物</a:t>
+            </a:r>
+            <a:r>
+              <a:rPr lang="zh-CN" altLang="en-US" dirty="0">
+                <a:solidFill>
+                  <a:srgbClr val="FF0000"/>
+                </a:solidFill>
+              </a:rPr>
+              <a:t>距离的感知准确度</a:t>
+            </a:r>
+            <a:r>
+              <a:rPr lang="zh-CN" altLang="en-US" dirty="0"/>
+              <a:t>达到</a:t>
+            </a:r>
+            <a:r>
+              <a:rPr lang="en-US" altLang="zh-CN" dirty="0"/>
+              <a:t>80%</a:t>
+            </a:r>
+            <a:r>
+              <a:rPr lang="zh-CN" altLang="en-US" dirty="0"/>
+              <a:t>以上</a:t>
+            </a:r>
+            <a:endParaRPr lang="en-US" altLang="zh-CN" dirty="0"/>
+          </a:p>
+          <a:p>
+            <a:r>
+              <a:rPr lang="zh-CN" altLang="en-US" dirty="0"/>
+              <a:t>动态</a:t>
+            </a:r>
+            <a:r>
+              <a:rPr lang="zh-CN" altLang="en-US" dirty="0">
+                <a:solidFill>
+                  <a:srgbClr val="FF0000"/>
+                </a:solidFill>
+              </a:rPr>
+              <a:t>避障的成功率</a:t>
+            </a:r>
+            <a:r>
+              <a:rPr lang="zh-CN" altLang="en-US" dirty="0"/>
+              <a:t>达到</a:t>
+            </a:r>
+            <a:r>
+              <a:rPr lang="en-US" altLang="zh-CN" dirty="0"/>
+              <a:t>80%</a:t>
+            </a:r>
+            <a:r>
+              <a:rPr lang="zh-CN" altLang="en-US" dirty="0"/>
+              <a:t>以上</a:t>
+            </a:r>
+            <a:endParaRPr lang="en-US" altLang="zh-CN" dirty="0"/>
+          </a:p>
+          <a:p>
+            <a:r>
+              <a:rPr lang="zh-CN" altLang="en-US" dirty="0"/>
+              <a:t>对</a:t>
+            </a:r>
+            <a:r>
+              <a:rPr lang="zh-CN" altLang="en-US" dirty="0">
+                <a:solidFill>
+                  <a:srgbClr val="FF0000"/>
+                </a:solidFill>
+              </a:rPr>
+              <a:t>路径的计算时间</a:t>
+            </a:r>
+            <a:r>
+              <a:rPr lang="zh-CN" altLang="en-US" dirty="0"/>
+              <a:t>控制在</a:t>
+            </a:r>
+            <a:r>
+              <a:rPr lang="en-US" altLang="zh-CN" dirty="0"/>
+              <a:t>3</a:t>
+            </a:r>
+            <a:r>
+              <a:rPr lang="zh-CN" altLang="en-US" dirty="0"/>
+              <a:t>秒以下</a:t>
+            </a:r>
+          </a:p>
+          <a:p>
+            <a:endParaRPr lang="zh-CN" altLang="en-US" dirty="0"/>
+          </a:p>
+        </p:txBody>
+      </p:sp>
+    </p:spTree>
+    <p:extLst>
+      <p:ext uri="{BB962C8B-B14F-4D97-AF65-F5344CB8AC3E}">
+        <p14:creationId xmlns:p14="http://schemas.microsoft.com/office/powerpoint/2010/main" val="3913578957"/>
+      </p:ext>
+    </p:extLst>
+  </p:cSld>
+  <p:clrMapOvr>
+    <a:masterClrMapping/>
+  </p:clrMapOvr>
+  <p:transition spd="med"/>
+</p:sld>
+</file>
+
+<file path=ppt/slides/slide9.xml><?xml version="1.0" encoding="utf-8"?>
 <p:sld xmlns:a="http://schemas.openxmlformats.org/drawingml/2006/main" xmlns:r="http://schemas.openxmlformats.org/officeDocument/2006/relationships" xmlns:p="http://schemas.openxmlformats.org/presentationml/2006/main">
   <p:cSld>
     <p:spTree>
@@ -15442,8 +19800,10 @@
           </a:lstStyle>
           <a:p>
             <a:r>
-              <a:t>任务完成的阶段内容及时间安排</a:t>
+              <a:rPr dirty="0" err="1"/>
+              <a:t>阶段内容及时间安排</a:t>
             </a:r>
+            <a:endParaRPr dirty="0"/>
           </a:p>
         </p:txBody>
       </p:sp>
@@ -15460,7 +19820,7 @@
           <p:nvPr>
             <p:extLst>
               <p:ext uri="{D42A27DB-BD31-4B8C-83A1-F6EECF244321}">
-                <p14:modId xmlns:p14="http://schemas.microsoft.com/office/powerpoint/2010/main" val="2833123479"/>
+                <p14:modId xmlns:p14="http://schemas.microsoft.com/office/powerpoint/2010/main" val="3424139342"/>
               </p:ext>
             </p:extLst>
           </p:nvPr>
@@ -15475,210 +19835,6 @@
           </a:graphicData>
         </a:graphic>
       </p:graphicFrame>
-    </p:spTree>
-  </p:cSld>
-  <p:clrMapOvr>
-    <a:masterClrMapping/>
-  </p:clrMapOvr>
-  <p:transition spd="med"/>
-</p:sld>
-</file>
-
-<file path=ppt/slides/slide8.xml><?xml version="1.0" encoding="utf-8"?>
-<p:sld xmlns:a="http://schemas.openxmlformats.org/drawingml/2006/main" xmlns:r="http://schemas.openxmlformats.org/officeDocument/2006/relationships" xmlns:p="http://schemas.openxmlformats.org/presentationml/2006/main">
-  <p:cSld>
-    <p:spTree>
-      <p:nvGrpSpPr>
-        <p:cNvPr id="1" name=""/>
-        <p:cNvGrpSpPr/>
-        <p:nvPr/>
-      </p:nvGrpSpPr>
-      <p:grpSpPr>
-        <a:xfrm>
-          <a:off x="0" y="0"/>
-          <a:ext cx="0" cy="0"/>
-          <a:chOff x="0" y="0"/>
-          <a:chExt cx="0" cy="0"/>
-        </a:xfrm>
-      </p:grpSpPr>
-      <p:sp>
-        <p:nvSpPr>
-          <p:cNvPr id="195" name="完成毕业设计（论文）所具备的条件因素"/>
-          <p:cNvSpPr txBox="1">
-            <a:spLocks noGrp="1"/>
-          </p:cNvSpPr>
-          <p:nvPr>
-            <p:ph type="title"/>
-          </p:nvPr>
-        </p:nvSpPr>
-        <p:spPr>
-          <a:prstGeom prst="rect">
-            <a:avLst/>
-          </a:prstGeom>
-        </p:spPr>
-        <p:txBody>
-          <a:bodyPr/>
-          <a:lstStyle>
-            <a:lvl1pPr defTabSz="1560536">
-              <a:defRPr sz="7424" spc="-148"/>
-            </a:lvl1pPr>
-          </a:lstStyle>
-          <a:p>
-            <a:r>
-              <a:rPr dirty="0" err="1"/>
-              <a:t>完成毕业设计所具备的条件因素</a:t>
-            </a:r>
-            <a:endParaRPr dirty="0"/>
-          </a:p>
-        </p:txBody>
-      </p:sp>
-      <p:sp>
-        <p:nvSpPr>
-          <p:cNvPr id="197" name="保证机器设备的正常运行，包括T265双目相机和LDS-50C激光雷达。…"/>
-          <p:cNvSpPr txBox="1">
-            <a:spLocks noGrp="1"/>
-          </p:cNvSpPr>
-          <p:nvPr>
-            <p:ph type="body" idx="1"/>
-          </p:nvPr>
-        </p:nvSpPr>
-        <p:spPr>
-          <a:prstGeom prst="rect">
-            <a:avLst/>
-          </a:prstGeom>
-        </p:spPr>
-        <p:txBody>
-          <a:bodyPr/>
-          <a:lstStyle/>
-          <a:p>
-            <a:pPr marL="0" indent="0">
-              <a:buSzTx/>
-              <a:buNone/>
-            </a:pPr>
-            <a:r>
-              <a:rPr dirty="0" err="1"/>
-              <a:t>保证机器设备的正常运行</a:t>
-            </a:r>
-            <a:r>
-              <a:rPr dirty="0"/>
-              <a:t>。</a:t>
-            </a:r>
-          </a:p>
-          <a:p>
-            <a:pPr marL="0" indent="0">
-              <a:buSzTx/>
-              <a:buNone/>
-            </a:pPr>
-            <a:r>
-              <a:rPr dirty="0" err="1"/>
-              <a:t>确保ROS系统以及各个节点的稳定性和可靠性</a:t>
-            </a:r>
-            <a:r>
-              <a:rPr dirty="0"/>
-              <a:t>。</a:t>
-            </a:r>
-          </a:p>
-          <a:p>
-            <a:pPr marL="0" indent="0">
-              <a:buSzTx/>
-              <a:buNone/>
-            </a:pPr>
-            <a:r>
-              <a:rPr dirty="0" err="1"/>
-              <a:t>确保实验数据的准确及时采集和存储</a:t>
-            </a:r>
-            <a:r>
-              <a:rPr dirty="0"/>
-              <a:t>。</a:t>
-            </a:r>
-          </a:p>
-        </p:txBody>
-      </p:sp>
-    </p:spTree>
-  </p:cSld>
-  <p:clrMapOvr>
-    <a:masterClrMapping/>
-  </p:clrMapOvr>
-  <p:transition spd="med"/>
-</p:sld>
-</file>
-
-<file path=ppt/slides/slide9.xml><?xml version="1.0" encoding="utf-8"?>
-<p:sld xmlns:a="http://schemas.openxmlformats.org/drawingml/2006/main" xmlns:r="http://schemas.openxmlformats.org/officeDocument/2006/relationships" xmlns:p="http://schemas.openxmlformats.org/presentationml/2006/main">
-  <p:cSld>
-    <p:spTree>
-      <p:nvGrpSpPr>
-        <p:cNvPr id="1" name=""/>
-        <p:cNvGrpSpPr/>
-        <p:nvPr/>
-      </p:nvGrpSpPr>
-      <p:grpSpPr>
-        <a:xfrm>
-          <a:off x="0" y="0"/>
-          <a:ext cx="0" cy="0"/>
-          <a:chOff x="0" y="0"/>
-          <a:chExt cx="0" cy="0"/>
-        </a:xfrm>
-      </p:grpSpPr>
-      <p:sp>
-        <p:nvSpPr>
-          <p:cNvPr id="199" name="参考文献"/>
-          <p:cNvSpPr txBox="1">
-            <a:spLocks noGrp="1"/>
-          </p:cNvSpPr>
-          <p:nvPr>
-            <p:ph type="title"/>
-          </p:nvPr>
-        </p:nvSpPr>
-        <p:spPr>
-          <a:prstGeom prst="rect">
-            <a:avLst/>
-          </a:prstGeom>
-        </p:spPr>
-        <p:txBody>
-          <a:bodyPr/>
-          <a:lstStyle>
-            <a:lvl1pPr defTabSz="1560536">
-              <a:defRPr sz="7424" spc="-148"/>
-            </a:lvl1pPr>
-          </a:lstStyle>
-          <a:p>
-            <a:r>
-              <a:t>参考文献</a:t>
-            </a:r>
-          </a:p>
-        </p:txBody>
-      </p:sp>
-      <p:pic>
-        <p:nvPicPr>
-          <p:cNvPr id="3" name="图片 2">
-            <a:extLst>
-              <a:ext uri="{FF2B5EF4-FFF2-40B4-BE49-F238E27FC236}">
-                <a16:creationId xmlns:a16="http://schemas.microsoft.com/office/drawing/2014/main" id="{B575F72F-5D11-5344-5395-B17AC4F84413}"/>
-              </a:ext>
-            </a:extLst>
-          </p:cNvPr>
-          <p:cNvPicPr>
-            <a:picLocks noChangeAspect="1"/>
-          </p:cNvPicPr>
-          <p:nvPr/>
-        </p:nvPicPr>
-        <p:blipFill>
-          <a:blip r:embed="rId2"/>
-          <a:stretch>
-            <a:fillRect/>
-          </a:stretch>
-        </p:blipFill>
-        <p:spPr>
-          <a:xfrm>
-            <a:off x="3192000" y="2679780"/>
-            <a:ext cx="18000000" cy="10125000"/>
-          </a:xfrm>
-          <a:prstGeom prst="rect">
-            <a:avLst/>
-          </a:prstGeom>
-        </p:spPr>
-      </p:pic>
     </p:spTree>
   </p:cSld>
   <p:clrMapOvr>

--- a/报告论文/开题报告/开题报告-华羽霄.pptx
+++ b/报告论文/开题报告/开题报告-华羽霄.pptx
@@ -3317,6 +3317,753 @@
 </dgm:colorsDef>
 </file>
 
+<file path=ppt/diagrams/colors5.xml><?xml version="1.0" encoding="utf-8"?>
+<dgm:colorsDef xmlns:dgm="http://schemas.openxmlformats.org/drawingml/2006/diagram" xmlns:a="http://schemas.openxmlformats.org/drawingml/2006/main" uniqueId="urn:microsoft.com/office/officeart/2005/8/colors/accent1_2">
+  <dgm:title val=""/>
+  <dgm:desc val=""/>
+  <dgm:catLst>
+    <dgm:cat type="accent1" pri="11200"/>
+  </dgm:catLst>
+  <dgm:styleLbl name="node0">
+    <dgm:fillClrLst meth="repeat">
+      <a:schemeClr val="accent1"/>
+    </dgm:fillClrLst>
+    <dgm:linClrLst meth="repeat">
+      <a:schemeClr val="lt1"/>
+    </dgm:linClrLst>
+    <dgm:effectClrLst/>
+    <dgm:txLinClrLst/>
+    <dgm:txFillClrLst/>
+    <dgm:txEffectClrLst/>
+  </dgm:styleLbl>
+  <dgm:styleLbl name="alignNode1">
+    <dgm:fillClrLst meth="repeat">
+      <a:schemeClr val="accent1"/>
+    </dgm:fillClrLst>
+    <dgm:linClrLst meth="repeat">
+      <a:schemeClr val="accent1"/>
+    </dgm:linClrLst>
+    <dgm:effectClrLst/>
+    <dgm:txLinClrLst/>
+    <dgm:txFillClrLst/>
+    <dgm:txEffectClrLst/>
+  </dgm:styleLbl>
+  <dgm:styleLbl name="node1">
+    <dgm:fillClrLst meth="repeat">
+      <a:schemeClr val="accent1"/>
+    </dgm:fillClrLst>
+    <dgm:linClrLst meth="repeat">
+      <a:schemeClr val="lt1"/>
+    </dgm:linClrLst>
+    <dgm:effectClrLst/>
+    <dgm:txLinClrLst/>
+    <dgm:txFillClrLst/>
+    <dgm:txEffectClrLst/>
+  </dgm:styleLbl>
+  <dgm:styleLbl name="lnNode1">
+    <dgm:fillClrLst meth="repeat">
+      <a:schemeClr val="accent1"/>
+    </dgm:fillClrLst>
+    <dgm:linClrLst meth="repeat">
+      <a:schemeClr val="lt1"/>
+    </dgm:linClrLst>
+    <dgm:effectClrLst/>
+    <dgm:txLinClrLst/>
+    <dgm:txFillClrLst/>
+    <dgm:txEffectClrLst/>
+  </dgm:styleLbl>
+  <dgm:styleLbl name="vennNode1">
+    <dgm:fillClrLst meth="repeat">
+      <a:schemeClr val="accent1">
+        <a:alpha val="50000"/>
+      </a:schemeClr>
+    </dgm:fillClrLst>
+    <dgm:linClrLst meth="repeat">
+      <a:schemeClr val="lt1"/>
+    </dgm:linClrLst>
+    <dgm:effectClrLst/>
+    <dgm:txLinClrLst/>
+    <dgm:txFillClrLst/>
+    <dgm:txEffectClrLst/>
+  </dgm:styleLbl>
+  <dgm:styleLbl name="node2">
+    <dgm:fillClrLst meth="repeat">
+      <a:schemeClr val="accent1"/>
+    </dgm:fillClrLst>
+    <dgm:linClrLst meth="repeat">
+      <a:schemeClr val="lt1"/>
+    </dgm:linClrLst>
+    <dgm:effectClrLst/>
+    <dgm:txLinClrLst/>
+    <dgm:txFillClrLst/>
+    <dgm:txEffectClrLst/>
+  </dgm:styleLbl>
+  <dgm:styleLbl name="node3">
+    <dgm:fillClrLst meth="repeat">
+      <a:schemeClr val="accent1"/>
+    </dgm:fillClrLst>
+    <dgm:linClrLst meth="repeat">
+      <a:schemeClr val="lt1"/>
+    </dgm:linClrLst>
+    <dgm:effectClrLst/>
+    <dgm:txLinClrLst/>
+    <dgm:txFillClrLst/>
+    <dgm:txEffectClrLst/>
+  </dgm:styleLbl>
+  <dgm:styleLbl name="node4">
+    <dgm:fillClrLst meth="repeat">
+      <a:schemeClr val="accent1"/>
+    </dgm:fillClrLst>
+    <dgm:linClrLst meth="repeat">
+      <a:schemeClr val="lt1"/>
+    </dgm:linClrLst>
+    <dgm:effectClrLst/>
+    <dgm:txLinClrLst/>
+    <dgm:txFillClrLst/>
+    <dgm:txEffectClrLst/>
+  </dgm:styleLbl>
+  <dgm:styleLbl name="fgImgPlace1">
+    <dgm:fillClrLst meth="repeat">
+      <a:schemeClr val="accent1">
+        <a:tint val="50000"/>
+      </a:schemeClr>
+    </dgm:fillClrLst>
+    <dgm:linClrLst meth="repeat">
+      <a:schemeClr val="lt1"/>
+    </dgm:linClrLst>
+    <dgm:effectClrLst/>
+    <dgm:txLinClrLst/>
+    <dgm:txFillClrLst meth="repeat">
+      <a:schemeClr val="lt1"/>
+    </dgm:txFillClrLst>
+    <dgm:txEffectClrLst/>
+  </dgm:styleLbl>
+  <dgm:styleLbl name="alignImgPlace1">
+    <dgm:fillClrLst meth="repeat">
+      <a:schemeClr val="accent1">
+        <a:tint val="50000"/>
+      </a:schemeClr>
+    </dgm:fillClrLst>
+    <dgm:linClrLst meth="repeat">
+      <a:schemeClr val="lt1"/>
+    </dgm:linClrLst>
+    <dgm:effectClrLst/>
+    <dgm:txLinClrLst/>
+    <dgm:txFillClrLst meth="repeat">
+      <a:schemeClr val="lt1"/>
+    </dgm:txFillClrLst>
+    <dgm:txEffectClrLst/>
+  </dgm:styleLbl>
+  <dgm:styleLbl name="bgImgPlace1">
+    <dgm:fillClrLst meth="repeat">
+      <a:schemeClr val="accent1">
+        <a:tint val="50000"/>
+      </a:schemeClr>
+    </dgm:fillClrLst>
+    <dgm:linClrLst meth="repeat">
+      <a:schemeClr val="lt1"/>
+    </dgm:linClrLst>
+    <dgm:effectClrLst/>
+    <dgm:txLinClrLst/>
+    <dgm:txFillClrLst meth="repeat">
+      <a:schemeClr val="lt1"/>
+    </dgm:txFillClrLst>
+    <dgm:txEffectClrLst/>
+  </dgm:styleLbl>
+  <dgm:styleLbl name="sibTrans2D1">
+    <dgm:fillClrLst meth="repeat">
+      <a:schemeClr val="accent1">
+        <a:tint val="60000"/>
+      </a:schemeClr>
+    </dgm:fillClrLst>
+    <dgm:linClrLst meth="repeat">
+      <a:schemeClr val="accent1">
+        <a:tint val="60000"/>
+      </a:schemeClr>
+    </dgm:linClrLst>
+    <dgm:effectClrLst/>
+    <dgm:txLinClrLst/>
+    <dgm:txFillClrLst/>
+    <dgm:txEffectClrLst/>
+  </dgm:styleLbl>
+  <dgm:styleLbl name="fgSibTrans2D1">
+    <dgm:fillClrLst meth="repeat">
+      <a:schemeClr val="accent1">
+        <a:tint val="60000"/>
+      </a:schemeClr>
+    </dgm:fillClrLst>
+    <dgm:linClrLst meth="repeat">
+      <a:schemeClr val="accent1">
+        <a:tint val="60000"/>
+      </a:schemeClr>
+    </dgm:linClrLst>
+    <dgm:effectClrLst/>
+    <dgm:txLinClrLst/>
+    <dgm:txFillClrLst/>
+    <dgm:txEffectClrLst/>
+  </dgm:styleLbl>
+  <dgm:styleLbl name="bgSibTrans2D1">
+    <dgm:fillClrLst meth="repeat">
+      <a:schemeClr val="accent1">
+        <a:tint val="60000"/>
+      </a:schemeClr>
+    </dgm:fillClrLst>
+    <dgm:linClrLst meth="repeat">
+      <a:schemeClr val="accent1">
+        <a:tint val="60000"/>
+      </a:schemeClr>
+    </dgm:linClrLst>
+    <dgm:effectClrLst/>
+    <dgm:txLinClrLst/>
+    <dgm:txFillClrLst/>
+    <dgm:txEffectClrLst/>
+  </dgm:styleLbl>
+  <dgm:styleLbl name="sibTrans1D1">
+    <dgm:fillClrLst meth="repeat">
+      <a:schemeClr val="accent1"/>
+    </dgm:fillClrLst>
+    <dgm:linClrLst meth="repeat">
+      <a:schemeClr val="accent1"/>
+    </dgm:linClrLst>
+    <dgm:effectClrLst/>
+    <dgm:txLinClrLst/>
+    <dgm:txFillClrLst meth="repeat">
+      <a:schemeClr val="tx1"/>
+    </dgm:txFillClrLst>
+    <dgm:txEffectClrLst/>
+  </dgm:styleLbl>
+  <dgm:styleLbl name="callout">
+    <dgm:fillClrLst meth="repeat">
+      <a:schemeClr val="accent1"/>
+    </dgm:fillClrLst>
+    <dgm:linClrLst meth="repeat">
+      <a:schemeClr val="accent1">
+        <a:tint val="50000"/>
+      </a:schemeClr>
+    </dgm:linClrLst>
+    <dgm:effectClrLst/>
+    <dgm:txLinClrLst/>
+    <dgm:txFillClrLst meth="repeat">
+      <a:schemeClr val="tx1"/>
+    </dgm:txFillClrLst>
+    <dgm:txEffectClrLst/>
+  </dgm:styleLbl>
+  <dgm:styleLbl name="asst0">
+    <dgm:fillClrLst meth="repeat">
+      <a:schemeClr val="accent1"/>
+    </dgm:fillClrLst>
+    <dgm:linClrLst meth="repeat">
+      <a:schemeClr val="lt1"/>
+    </dgm:linClrLst>
+    <dgm:effectClrLst/>
+    <dgm:txLinClrLst/>
+    <dgm:txFillClrLst/>
+    <dgm:txEffectClrLst/>
+  </dgm:styleLbl>
+  <dgm:styleLbl name="asst1">
+    <dgm:fillClrLst meth="repeat">
+      <a:schemeClr val="accent1"/>
+    </dgm:fillClrLst>
+    <dgm:linClrLst meth="repeat">
+      <a:schemeClr val="lt1"/>
+    </dgm:linClrLst>
+    <dgm:effectClrLst/>
+    <dgm:txLinClrLst/>
+    <dgm:txFillClrLst/>
+    <dgm:txEffectClrLst/>
+  </dgm:styleLbl>
+  <dgm:styleLbl name="asst2">
+    <dgm:fillClrLst meth="repeat">
+      <a:schemeClr val="accent1"/>
+    </dgm:fillClrLst>
+    <dgm:linClrLst meth="repeat">
+      <a:schemeClr val="lt1"/>
+    </dgm:linClrLst>
+    <dgm:effectClrLst/>
+    <dgm:txLinClrLst/>
+    <dgm:txFillClrLst/>
+    <dgm:txEffectClrLst/>
+  </dgm:styleLbl>
+  <dgm:styleLbl name="asst3">
+    <dgm:fillClrLst meth="repeat">
+      <a:schemeClr val="accent1"/>
+    </dgm:fillClrLst>
+    <dgm:linClrLst meth="repeat">
+      <a:schemeClr val="lt1"/>
+    </dgm:linClrLst>
+    <dgm:effectClrLst/>
+    <dgm:txLinClrLst/>
+    <dgm:txFillClrLst/>
+    <dgm:txEffectClrLst/>
+  </dgm:styleLbl>
+  <dgm:styleLbl name="asst4">
+    <dgm:fillClrLst meth="repeat">
+      <a:schemeClr val="accent1"/>
+    </dgm:fillClrLst>
+    <dgm:linClrLst meth="repeat">
+      <a:schemeClr val="lt1"/>
+    </dgm:linClrLst>
+    <dgm:effectClrLst/>
+    <dgm:txLinClrLst/>
+    <dgm:txFillClrLst/>
+    <dgm:txEffectClrLst/>
+  </dgm:styleLbl>
+  <dgm:styleLbl name="parChTrans2D1">
+    <dgm:fillClrLst meth="repeat">
+      <a:schemeClr val="accent1">
+        <a:tint val="60000"/>
+      </a:schemeClr>
+    </dgm:fillClrLst>
+    <dgm:linClrLst meth="repeat">
+      <a:schemeClr val="accent1">
+        <a:tint val="60000"/>
+      </a:schemeClr>
+    </dgm:linClrLst>
+    <dgm:effectClrLst/>
+    <dgm:txLinClrLst/>
+    <dgm:txFillClrLst meth="repeat">
+      <a:schemeClr val="lt1"/>
+    </dgm:txFillClrLst>
+    <dgm:txEffectClrLst/>
+  </dgm:styleLbl>
+  <dgm:styleLbl name="parChTrans2D2">
+    <dgm:fillClrLst meth="repeat">
+      <a:schemeClr val="accent1"/>
+    </dgm:fillClrLst>
+    <dgm:linClrLst meth="repeat">
+      <a:schemeClr val="accent1"/>
+    </dgm:linClrLst>
+    <dgm:effectClrLst/>
+    <dgm:txLinClrLst/>
+    <dgm:txFillClrLst meth="repeat">
+      <a:schemeClr val="lt1"/>
+    </dgm:txFillClrLst>
+    <dgm:txEffectClrLst/>
+  </dgm:styleLbl>
+  <dgm:styleLbl name="parChTrans2D3">
+    <dgm:fillClrLst meth="repeat">
+      <a:schemeClr val="accent1"/>
+    </dgm:fillClrLst>
+    <dgm:linClrLst meth="repeat">
+      <a:schemeClr val="accent1"/>
+    </dgm:linClrLst>
+    <dgm:effectClrLst/>
+    <dgm:txLinClrLst/>
+    <dgm:txFillClrLst meth="repeat">
+      <a:schemeClr val="lt1"/>
+    </dgm:txFillClrLst>
+    <dgm:txEffectClrLst/>
+  </dgm:styleLbl>
+  <dgm:styleLbl name="parChTrans2D4">
+    <dgm:fillClrLst meth="repeat">
+      <a:schemeClr val="accent1"/>
+    </dgm:fillClrLst>
+    <dgm:linClrLst meth="repeat">
+      <a:schemeClr val="accent1"/>
+    </dgm:linClrLst>
+    <dgm:effectClrLst/>
+    <dgm:txLinClrLst/>
+    <dgm:txFillClrLst meth="repeat">
+      <a:schemeClr val="lt1"/>
+    </dgm:txFillClrLst>
+    <dgm:txEffectClrLst/>
+  </dgm:styleLbl>
+  <dgm:styleLbl name="parChTrans1D1">
+    <dgm:fillClrLst meth="repeat">
+      <a:schemeClr val="accent1"/>
+    </dgm:fillClrLst>
+    <dgm:linClrLst meth="repeat">
+      <a:schemeClr val="accent1">
+        <a:shade val="60000"/>
+      </a:schemeClr>
+    </dgm:linClrLst>
+    <dgm:effectClrLst/>
+    <dgm:txLinClrLst/>
+    <dgm:txFillClrLst meth="repeat">
+      <a:schemeClr val="tx1"/>
+    </dgm:txFillClrLst>
+    <dgm:txEffectClrLst/>
+  </dgm:styleLbl>
+  <dgm:styleLbl name="parChTrans1D2">
+    <dgm:fillClrLst meth="repeat">
+      <a:schemeClr val="accent1"/>
+    </dgm:fillClrLst>
+    <dgm:linClrLst meth="repeat">
+      <a:schemeClr val="accent1">
+        <a:shade val="60000"/>
+      </a:schemeClr>
+    </dgm:linClrLst>
+    <dgm:effectClrLst/>
+    <dgm:txLinClrLst/>
+    <dgm:txFillClrLst meth="repeat">
+      <a:schemeClr val="tx1"/>
+    </dgm:txFillClrLst>
+    <dgm:txEffectClrLst/>
+  </dgm:styleLbl>
+  <dgm:styleLbl name="parChTrans1D3">
+    <dgm:fillClrLst meth="repeat">
+      <a:schemeClr val="accent1"/>
+    </dgm:fillClrLst>
+    <dgm:linClrLst meth="repeat">
+      <a:schemeClr val="accent1">
+        <a:shade val="80000"/>
+      </a:schemeClr>
+    </dgm:linClrLst>
+    <dgm:effectClrLst/>
+    <dgm:txLinClrLst/>
+    <dgm:txFillClrLst meth="repeat">
+      <a:schemeClr val="tx1"/>
+    </dgm:txFillClrLst>
+    <dgm:txEffectClrLst/>
+  </dgm:styleLbl>
+  <dgm:styleLbl name="parChTrans1D4">
+    <dgm:fillClrLst meth="repeat">
+      <a:schemeClr val="accent1"/>
+    </dgm:fillClrLst>
+    <dgm:linClrLst meth="repeat">
+      <a:schemeClr val="accent1">
+        <a:shade val="80000"/>
+      </a:schemeClr>
+    </dgm:linClrLst>
+    <dgm:effectClrLst/>
+    <dgm:txLinClrLst/>
+    <dgm:txFillClrLst meth="repeat">
+      <a:schemeClr val="tx1"/>
+    </dgm:txFillClrLst>
+    <dgm:txEffectClrLst/>
+  </dgm:styleLbl>
+  <dgm:styleLbl name="fgAcc1">
+    <dgm:fillClrLst meth="repeat">
+      <a:schemeClr val="lt1">
+        <a:alpha val="90000"/>
+      </a:schemeClr>
+    </dgm:fillClrLst>
+    <dgm:linClrLst meth="repeat">
+      <a:schemeClr val="accent1"/>
+    </dgm:linClrLst>
+    <dgm:effectClrLst/>
+    <dgm:txLinClrLst/>
+    <dgm:txFillClrLst meth="repeat">
+      <a:schemeClr val="dk1"/>
+    </dgm:txFillClrLst>
+    <dgm:txEffectClrLst/>
+  </dgm:styleLbl>
+  <dgm:styleLbl name="conFgAcc1">
+    <dgm:fillClrLst meth="repeat">
+      <a:schemeClr val="lt1">
+        <a:alpha val="90000"/>
+      </a:schemeClr>
+    </dgm:fillClrLst>
+    <dgm:linClrLst meth="repeat">
+      <a:schemeClr val="accent1"/>
+    </dgm:linClrLst>
+    <dgm:effectClrLst/>
+    <dgm:txLinClrLst/>
+    <dgm:txFillClrLst meth="repeat">
+      <a:schemeClr val="dk1"/>
+    </dgm:txFillClrLst>
+    <dgm:txEffectClrLst/>
+  </dgm:styleLbl>
+  <dgm:styleLbl name="alignAcc1">
+    <dgm:fillClrLst meth="repeat">
+      <a:schemeClr val="lt1">
+        <a:alpha val="90000"/>
+      </a:schemeClr>
+    </dgm:fillClrLst>
+    <dgm:linClrLst meth="repeat">
+      <a:schemeClr val="accent1"/>
+    </dgm:linClrLst>
+    <dgm:effectClrLst/>
+    <dgm:txLinClrLst/>
+    <dgm:txFillClrLst meth="repeat">
+      <a:schemeClr val="dk1"/>
+    </dgm:txFillClrLst>
+    <dgm:txEffectClrLst/>
+  </dgm:styleLbl>
+  <dgm:styleLbl name="trAlignAcc1">
+    <dgm:fillClrLst meth="repeat">
+      <a:schemeClr val="lt1">
+        <a:alpha val="40000"/>
+      </a:schemeClr>
+    </dgm:fillClrLst>
+    <dgm:linClrLst meth="repeat">
+      <a:schemeClr val="accent1"/>
+    </dgm:linClrLst>
+    <dgm:effectClrLst/>
+    <dgm:txLinClrLst/>
+    <dgm:txFillClrLst meth="repeat">
+      <a:schemeClr val="dk1"/>
+    </dgm:txFillClrLst>
+    <dgm:txEffectClrLst/>
+  </dgm:styleLbl>
+  <dgm:styleLbl name="bgAcc1">
+    <dgm:fillClrLst meth="repeat">
+      <a:schemeClr val="lt1">
+        <a:alpha val="90000"/>
+      </a:schemeClr>
+    </dgm:fillClrLst>
+    <dgm:linClrLst meth="repeat">
+      <a:schemeClr val="accent1"/>
+    </dgm:linClrLst>
+    <dgm:effectClrLst/>
+    <dgm:txLinClrLst/>
+    <dgm:txFillClrLst meth="repeat">
+      <a:schemeClr val="dk1"/>
+    </dgm:txFillClrLst>
+    <dgm:txEffectClrLst/>
+  </dgm:styleLbl>
+  <dgm:styleLbl name="solidFgAcc1">
+    <dgm:fillClrLst meth="repeat">
+      <a:schemeClr val="lt1"/>
+    </dgm:fillClrLst>
+    <dgm:linClrLst meth="repeat">
+      <a:schemeClr val="accent1"/>
+    </dgm:linClrLst>
+    <dgm:effectClrLst/>
+    <dgm:txLinClrLst/>
+    <dgm:txFillClrLst meth="repeat">
+      <a:schemeClr val="dk1"/>
+    </dgm:txFillClrLst>
+    <dgm:txEffectClrLst/>
+  </dgm:styleLbl>
+  <dgm:styleLbl name="solidAlignAcc1">
+    <dgm:fillClrLst meth="repeat">
+      <a:schemeClr val="lt1"/>
+    </dgm:fillClrLst>
+    <dgm:linClrLst meth="repeat">
+      <a:schemeClr val="accent1"/>
+    </dgm:linClrLst>
+    <dgm:effectClrLst/>
+    <dgm:txLinClrLst/>
+    <dgm:txFillClrLst meth="repeat">
+      <a:schemeClr val="dk1"/>
+    </dgm:txFillClrLst>
+    <dgm:txEffectClrLst/>
+  </dgm:styleLbl>
+  <dgm:styleLbl name="solidBgAcc1">
+    <dgm:fillClrLst meth="repeat">
+      <a:schemeClr val="lt1"/>
+    </dgm:fillClrLst>
+    <dgm:linClrLst meth="repeat">
+      <a:schemeClr val="accent1"/>
+    </dgm:linClrLst>
+    <dgm:effectClrLst/>
+    <dgm:txLinClrLst/>
+    <dgm:txFillClrLst meth="repeat">
+      <a:schemeClr val="dk1"/>
+    </dgm:txFillClrLst>
+    <dgm:txEffectClrLst/>
+  </dgm:styleLbl>
+  <dgm:styleLbl name="fgAccFollowNode1">
+    <dgm:fillClrLst meth="repeat">
+      <a:schemeClr val="accent1">
+        <a:alpha val="90000"/>
+        <a:tint val="40000"/>
+      </a:schemeClr>
+    </dgm:fillClrLst>
+    <dgm:linClrLst meth="repeat">
+      <a:schemeClr val="accent1">
+        <a:alpha val="90000"/>
+        <a:tint val="40000"/>
+      </a:schemeClr>
+    </dgm:linClrLst>
+    <dgm:effectClrLst/>
+    <dgm:txLinClrLst/>
+    <dgm:txFillClrLst meth="repeat">
+      <a:schemeClr val="dk1"/>
+    </dgm:txFillClrLst>
+    <dgm:txEffectClrLst/>
+  </dgm:styleLbl>
+  <dgm:styleLbl name="alignAccFollowNode1">
+    <dgm:fillClrLst meth="repeat">
+      <a:schemeClr val="accent1">
+        <a:alpha val="90000"/>
+        <a:tint val="40000"/>
+      </a:schemeClr>
+    </dgm:fillClrLst>
+    <dgm:linClrLst meth="repeat">
+      <a:schemeClr val="accent1">
+        <a:alpha val="90000"/>
+        <a:tint val="40000"/>
+      </a:schemeClr>
+    </dgm:linClrLst>
+    <dgm:effectClrLst/>
+    <dgm:txLinClrLst/>
+    <dgm:txFillClrLst meth="repeat">
+      <a:schemeClr val="dk1"/>
+    </dgm:txFillClrLst>
+    <dgm:txEffectClrLst/>
+  </dgm:styleLbl>
+  <dgm:styleLbl name="bgAccFollowNode1">
+    <dgm:fillClrLst meth="repeat">
+      <a:schemeClr val="accent1">
+        <a:alpha val="90000"/>
+        <a:tint val="40000"/>
+      </a:schemeClr>
+    </dgm:fillClrLst>
+    <dgm:linClrLst meth="repeat">
+      <a:schemeClr val="accent1">
+        <a:alpha val="90000"/>
+        <a:tint val="40000"/>
+      </a:schemeClr>
+    </dgm:linClrLst>
+    <dgm:effectClrLst/>
+    <dgm:txLinClrLst/>
+    <dgm:txFillClrLst meth="repeat">
+      <a:schemeClr val="dk1"/>
+    </dgm:txFillClrLst>
+    <dgm:txEffectClrLst/>
+  </dgm:styleLbl>
+  <dgm:styleLbl name="fgAcc0">
+    <dgm:fillClrLst meth="repeat">
+      <a:schemeClr val="lt1">
+        <a:alpha val="90000"/>
+      </a:schemeClr>
+    </dgm:fillClrLst>
+    <dgm:linClrLst meth="repeat">
+      <a:schemeClr val="accent1"/>
+    </dgm:linClrLst>
+    <dgm:effectClrLst/>
+    <dgm:txLinClrLst/>
+    <dgm:txFillClrLst meth="repeat">
+      <a:schemeClr val="dk1"/>
+    </dgm:txFillClrLst>
+    <dgm:txEffectClrLst/>
+  </dgm:styleLbl>
+  <dgm:styleLbl name="fgAcc2">
+    <dgm:fillClrLst meth="repeat">
+      <a:schemeClr val="lt1">
+        <a:alpha val="90000"/>
+      </a:schemeClr>
+    </dgm:fillClrLst>
+    <dgm:linClrLst meth="repeat">
+      <a:schemeClr val="accent1"/>
+    </dgm:linClrLst>
+    <dgm:effectClrLst/>
+    <dgm:txLinClrLst/>
+    <dgm:txFillClrLst meth="repeat">
+      <a:schemeClr val="dk1"/>
+    </dgm:txFillClrLst>
+    <dgm:txEffectClrLst/>
+  </dgm:styleLbl>
+  <dgm:styleLbl name="fgAcc3">
+    <dgm:fillClrLst meth="repeat">
+      <a:schemeClr val="lt1">
+        <a:alpha val="90000"/>
+      </a:schemeClr>
+    </dgm:fillClrLst>
+    <dgm:linClrLst meth="repeat">
+      <a:schemeClr val="accent1"/>
+    </dgm:linClrLst>
+    <dgm:effectClrLst/>
+    <dgm:txLinClrLst/>
+    <dgm:txFillClrLst meth="repeat">
+      <a:schemeClr val="dk1"/>
+    </dgm:txFillClrLst>
+    <dgm:txEffectClrLst/>
+  </dgm:styleLbl>
+  <dgm:styleLbl name="fgAcc4">
+    <dgm:fillClrLst meth="repeat">
+      <a:schemeClr val="lt1">
+        <a:alpha val="90000"/>
+      </a:schemeClr>
+    </dgm:fillClrLst>
+    <dgm:linClrLst meth="repeat">
+      <a:schemeClr val="accent1"/>
+    </dgm:linClrLst>
+    <dgm:effectClrLst/>
+    <dgm:txLinClrLst/>
+    <dgm:txFillClrLst meth="repeat">
+      <a:schemeClr val="dk1"/>
+    </dgm:txFillClrLst>
+    <dgm:txEffectClrLst/>
+  </dgm:styleLbl>
+  <dgm:styleLbl name="bgShp">
+    <dgm:fillClrLst meth="repeat">
+      <a:schemeClr val="accent1">
+        <a:tint val="40000"/>
+      </a:schemeClr>
+    </dgm:fillClrLst>
+    <dgm:linClrLst meth="repeat">
+      <a:schemeClr val="accent1"/>
+    </dgm:linClrLst>
+    <dgm:effectClrLst/>
+    <dgm:txLinClrLst/>
+    <dgm:txFillClrLst meth="repeat">
+      <a:schemeClr val="dk1"/>
+    </dgm:txFillClrLst>
+    <dgm:txEffectClrLst/>
+  </dgm:styleLbl>
+  <dgm:styleLbl name="dkBgShp">
+    <dgm:fillClrLst meth="repeat">
+      <a:schemeClr val="accent1">
+        <a:shade val="80000"/>
+      </a:schemeClr>
+    </dgm:fillClrLst>
+    <dgm:linClrLst meth="repeat">
+      <a:schemeClr val="accent1"/>
+    </dgm:linClrLst>
+    <dgm:effectClrLst/>
+    <dgm:txLinClrLst/>
+    <dgm:txFillClrLst meth="repeat">
+      <a:schemeClr val="lt1"/>
+    </dgm:txFillClrLst>
+    <dgm:txEffectClrLst/>
+  </dgm:styleLbl>
+  <dgm:styleLbl name="trBgShp">
+    <dgm:fillClrLst meth="repeat">
+      <a:schemeClr val="accent1">
+        <a:tint val="50000"/>
+        <a:alpha val="40000"/>
+      </a:schemeClr>
+    </dgm:fillClrLst>
+    <dgm:linClrLst meth="repeat">
+      <a:schemeClr val="accent1"/>
+    </dgm:linClrLst>
+    <dgm:effectClrLst/>
+    <dgm:txLinClrLst/>
+    <dgm:txFillClrLst meth="repeat">
+      <a:schemeClr val="lt1"/>
+    </dgm:txFillClrLst>
+    <dgm:txEffectClrLst/>
+  </dgm:styleLbl>
+  <dgm:styleLbl name="fgShp">
+    <dgm:fillClrLst meth="repeat">
+      <a:schemeClr val="accent1">
+        <a:tint val="60000"/>
+      </a:schemeClr>
+    </dgm:fillClrLst>
+    <dgm:linClrLst meth="repeat">
+      <a:schemeClr val="lt1"/>
+    </dgm:linClrLst>
+    <dgm:effectClrLst/>
+    <dgm:txLinClrLst/>
+    <dgm:txFillClrLst meth="repeat">
+      <a:schemeClr val="dk1"/>
+    </dgm:txFillClrLst>
+    <dgm:txEffectClrLst/>
+  </dgm:styleLbl>
+  <dgm:styleLbl name="revTx">
+    <dgm:fillClrLst meth="repeat">
+      <a:schemeClr val="lt1">
+        <a:alpha val="0"/>
+      </a:schemeClr>
+    </dgm:fillClrLst>
+    <dgm:linClrLst meth="repeat">
+      <a:schemeClr val="dk1">
+        <a:alpha val="0"/>
+      </a:schemeClr>
+    </dgm:linClrLst>
+    <dgm:effectClrLst/>
+    <dgm:txLinClrLst/>
+    <dgm:txFillClrLst meth="repeat">
+      <a:schemeClr val="tx1"/>
+    </dgm:txFillClrLst>
+    <dgm:txEffectClrLst/>
+  </dgm:styleLbl>
+</dgm:colorsDef>
+</file>
+
 <file path=ppt/diagrams/data1.xml><?xml version="1.0" encoding="utf-8"?>
 <dgm:dataModel xmlns:dgm="http://schemas.openxmlformats.org/drawingml/2006/diagram" xmlns:a="http://schemas.openxmlformats.org/drawingml/2006/main">
   <dgm:ptLst>
@@ -4326,7 +5073,7 @@
       <dgm:spPr/>
     </dgm:pt>
     <dgm:pt modelId="{8B076812-89D8-4326-9898-314B97C7ED66}" type="pres">
-      <dgm:prSet presAssocID="{5CA169CC-0145-4F38-B9D3-F49BEA8AD7C3}" presName="descendantText" presStyleLbl="alignAccFollowNode1" presStyleIdx="0" presStyleCnt="2">
+      <dgm:prSet presAssocID="{5CA169CC-0145-4F38-B9D3-F49BEA8AD7C3}" presName="descendantText" presStyleLbl="alignAccFollowNode1" presStyleIdx="0" presStyleCnt="2" custLinFactNeighborX="155" custLinFactNeighborY="-12503">
         <dgm:presLayoutVars>
           <dgm:bulletEnabled val="1"/>
         </dgm:presLayoutVars>
@@ -4351,7 +5098,7 @@
       <dgm:spPr/>
     </dgm:pt>
     <dgm:pt modelId="{AB126D89-8763-4108-B836-DAB27D39D77C}" type="pres">
-      <dgm:prSet presAssocID="{34B9614B-17DB-4D93-B0F0-B0B1A8FC1CDB}" presName="descendantText" presStyleLbl="alignAccFollowNode1" presStyleIdx="1" presStyleCnt="2">
+      <dgm:prSet presAssocID="{34B9614B-17DB-4D93-B0F0-B0B1A8FC1CDB}" presName="descendantText" presStyleLbl="alignAccFollowNode1" presStyleIdx="1" presStyleCnt="2" custLinFactNeighborX="155" custLinFactNeighborY="-10452">
         <dgm:presLayoutVars>
           <dgm:bulletEnabled val="1"/>
         </dgm:presLayoutVars>
@@ -4646,15 +5393,7 @@
           </a:r>
           <a:r>
             <a:rPr lang="zh-CN" altLang="en-US" dirty="0"/>
-            <a:t>或</a:t>
-          </a:r>
-          <a:r>
-            <a:rPr lang="en-US" altLang="zh-CN" dirty="0"/>
-            <a:t>python</a:t>
-          </a:r>
-          <a:r>
-            <a:rPr lang="zh-CN" altLang="en-US" dirty="0"/>
-            <a:t>语言搭建各个节点，逐步实现动态避障算法。</a:t>
+            <a:t>为主要编程语言搭建各个节点，逐步实现动态避障算法。</a:t>
           </a:r>
         </a:p>
       </dgm:t>
@@ -4820,6 +5559,408 @@
 <file path=ppt/diagrams/data4.xml><?xml version="1.0" encoding="utf-8"?>
 <dgm:dataModel xmlns:dgm="http://schemas.openxmlformats.org/drawingml/2006/diagram" xmlns:a="http://schemas.openxmlformats.org/drawingml/2006/main">
   <dgm:ptLst>
+    <dgm:pt modelId="{5B950A66-8786-4D08-AD7C-80E18F617159}" type="doc">
+      <dgm:prSet loTypeId="urn:microsoft.com/office/officeart/2005/8/layout/vList5" loCatId="list" qsTypeId="urn:microsoft.com/office/officeart/2005/8/quickstyle/simple1" qsCatId="simple" csTypeId="urn:microsoft.com/office/officeart/2005/8/colors/accent1_2" csCatId="accent1" phldr="1"/>
+      <dgm:spPr/>
+      <dgm:t>
+        <a:bodyPr/>
+        <a:lstStyle/>
+        <a:p>
+          <a:endParaRPr lang="zh-CN" altLang="en-US"/>
+        </a:p>
+      </dgm:t>
+    </dgm:pt>
+    <dgm:pt modelId="{9A1EF914-854C-4D75-870B-653369DBAFA3}">
+      <dgm:prSet phldrT="[文本]"/>
+      <dgm:spPr/>
+      <dgm:t>
+        <a:bodyPr/>
+        <a:lstStyle/>
+        <a:p>
+          <a:r>
+            <a:rPr lang="zh-CN" altLang="en-US" dirty="0"/>
+            <a:t>对环境中的</a:t>
+          </a:r>
+          <a:r>
+            <a:rPr lang="zh-CN" altLang="en-US" dirty="0">
+              <a:solidFill>
+                <a:srgbClr val="FF0000"/>
+              </a:solidFill>
+            </a:rPr>
+            <a:t>障碍物的识别率</a:t>
+          </a:r>
+          <a:r>
+            <a:rPr lang="zh-CN" altLang="en-US" dirty="0"/>
+            <a:t>达到</a:t>
+          </a:r>
+          <a:r>
+            <a:rPr lang="en-US" altLang="zh-CN" dirty="0"/>
+            <a:t>80%</a:t>
+          </a:r>
+          <a:r>
+            <a:rPr lang="zh-CN" altLang="en-US" dirty="0"/>
+            <a:t>以上</a:t>
+          </a:r>
+        </a:p>
+      </dgm:t>
+    </dgm:pt>
+    <dgm:pt modelId="{2CFDBAD4-427E-4968-BCEB-5EF26B26008B}" type="parTrans" cxnId="{000920F9-BD1A-44E6-8171-F0DBE8AD07D8}">
+      <dgm:prSet/>
+      <dgm:spPr/>
+      <dgm:t>
+        <a:bodyPr/>
+        <a:lstStyle/>
+        <a:p>
+          <a:endParaRPr lang="zh-CN" altLang="en-US"/>
+        </a:p>
+      </dgm:t>
+    </dgm:pt>
+    <dgm:pt modelId="{3CFB3DBC-3E42-48D4-A378-6266BAB95AC0}" type="sibTrans" cxnId="{000920F9-BD1A-44E6-8171-F0DBE8AD07D8}">
+      <dgm:prSet/>
+      <dgm:spPr/>
+      <dgm:t>
+        <a:bodyPr/>
+        <a:lstStyle/>
+        <a:p>
+          <a:endParaRPr lang="zh-CN" altLang="en-US"/>
+        </a:p>
+      </dgm:t>
+    </dgm:pt>
+    <dgm:pt modelId="{8DB5D099-E94E-41B1-A8D0-BD04B354D192}">
+      <dgm:prSet/>
+      <dgm:spPr/>
+      <dgm:t>
+        <a:bodyPr/>
+        <a:lstStyle/>
+        <a:p>
+          <a:r>
+            <a:rPr lang="zh-CN" altLang="en-US" dirty="0"/>
+            <a:t>对障碍物</a:t>
+          </a:r>
+          <a:r>
+            <a:rPr lang="zh-CN" altLang="en-US" dirty="0">
+              <a:solidFill>
+                <a:srgbClr val="FF0000"/>
+              </a:solidFill>
+            </a:rPr>
+            <a:t>距离的感知准确度</a:t>
+          </a:r>
+          <a:r>
+            <a:rPr lang="zh-CN" altLang="en-US" dirty="0"/>
+            <a:t>达到</a:t>
+          </a:r>
+          <a:r>
+            <a:rPr lang="en-US" altLang="zh-CN" dirty="0"/>
+            <a:t>80%</a:t>
+          </a:r>
+          <a:r>
+            <a:rPr lang="zh-CN" altLang="en-US" dirty="0"/>
+            <a:t>以上</a:t>
+          </a:r>
+          <a:endParaRPr lang="en-US" altLang="zh-CN" dirty="0"/>
+        </a:p>
+      </dgm:t>
+    </dgm:pt>
+    <dgm:pt modelId="{49D673CC-6C91-4D56-A93C-8EC6620977A8}" type="parTrans" cxnId="{F1C72ABD-C3F3-43FD-8DCC-0926FEBE4C04}">
+      <dgm:prSet/>
+      <dgm:spPr/>
+      <dgm:t>
+        <a:bodyPr/>
+        <a:lstStyle/>
+        <a:p>
+          <a:endParaRPr lang="zh-CN" altLang="en-US"/>
+        </a:p>
+      </dgm:t>
+    </dgm:pt>
+    <dgm:pt modelId="{AABD1DD3-EB13-4ECD-AD9E-9F7A4E05D15E}" type="sibTrans" cxnId="{F1C72ABD-C3F3-43FD-8DCC-0926FEBE4C04}">
+      <dgm:prSet/>
+      <dgm:spPr/>
+      <dgm:t>
+        <a:bodyPr/>
+        <a:lstStyle/>
+        <a:p>
+          <a:endParaRPr lang="zh-CN" altLang="en-US"/>
+        </a:p>
+      </dgm:t>
+    </dgm:pt>
+    <dgm:pt modelId="{755F4403-4E3D-42BC-B2BF-2180672D0CE0}">
+      <dgm:prSet/>
+      <dgm:spPr/>
+      <dgm:t>
+        <a:bodyPr/>
+        <a:lstStyle/>
+        <a:p>
+          <a:r>
+            <a:rPr lang="zh-CN" altLang="en-US" dirty="0"/>
+            <a:t>动态</a:t>
+          </a:r>
+          <a:r>
+            <a:rPr lang="zh-CN" altLang="en-US" dirty="0">
+              <a:solidFill>
+                <a:srgbClr val="FF0000"/>
+              </a:solidFill>
+            </a:rPr>
+            <a:t>避障的成功率</a:t>
+          </a:r>
+          <a:r>
+            <a:rPr lang="zh-CN" altLang="en-US" dirty="0"/>
+            <a:t>达到</a:t>
+          </a:r>
+          <a:r>
+            <a:rPr lang="en-US" altLang="zh-CN" dirty="0"/>
+            <a:t>80%</a:t>
+          </a:r>
+          <a:r>
+            <a:rPr lang="zh-CN" altLang="en-US" dirty="0"/>
+            <a:t>以上</a:t>
+          </a:r>
+          <a:endParaRPr lang="en-US" altLang="zh-CN" dirty="0"/>
+        </a:p>
+      </dgm:t>
+    </dgm:pt>
+    <dgm:pt modelId="{C12CBEA0-796F-41BA-B122-9795C3B010FF}" type="parTrans" cxnId="{D1E7D175-0740-4B34-89D8-7AE9ED016C43}">
+      <dgm:prSet/>
+      <dgm:spPr/>
+      <dgm:t>
+        <a:bodyPr/>
+        <a:lstStyle/>
+        <a:p>
+          <a:endParaRPr lang="zh-CN" altLang="en-US"/>
+        </a:p>
+      </dgm:t>
+    </dgm:pt>
+    <dgm:pt modelId="{F1F72123-C0E9-4646-9464-904B2D1F747F}" type="sibTrans" cxnId="{D1E7D175-0740-4B34-89D8-7AE9ED016C43}">
+      <dgm:prSet/>
+      <dgm:spPr/>
+      <dgm:t>
+        <a:bodyPr/>
+        <a:lstStyle/>
+        <a:p>
+          <a:endParaRPr lang="zh-CN" altLang="en-US"/>
+        </a:p>
+      </dgm:t>
+    </dgm:pt>
+    <dgm:pt modelId="{F444ABB9-200F-496D-ACC1-8512923B7184}">
+      <dgm:prSet/>
+      <dgm:spPr/>
+      <dgm:t>
+        <a:bodyPr/>
+        <a:lstStyle/>
+        <a:p>
+          <a:r>
+            <a:rPr lang="zh-CN" altLang="en-US" dirty="0"/>
+            <a:t>对</a:t>
+          </a:r>
+          <a:r>
+            <a:rPr lang="zh-CN" altLang="en-US" dirty="0">
+              <a:solidFill>
+                <a:srgbClr val="FF0000"/>
+              </a:solidFill>
+            </a:rPr>
+            <a:t>路径的计算时间</a:t>
+          </a:r>
+          <a:r>
+            <a:rPr lang="zh-CN" altLang="en-US" dirty="0"/>
+            <a:t>控制在</a:t>
+          </a:r>
+          <a:r>
+            <a:rPr lang="en-US" altLang="zh-CN" dirty="0"/>
+            <a:t>3</a:t>
+          </a:r>
+          <a:r>
+            <a:rPr lang="zh-CN" altLang="en-US" dirty="0"/>
+            <a:t>秒以下</a:t>
+          </a:r>
+        </a:p>
+      </dgm:t>
+    </dgm:pt>
+    <dgm:pt modelId="{5CBEE7E3-9B61-4C3A-AF57-7F1439D7B034}" type="parTrans" cxnId="{0E6D6843-AC38-4C38-AC10-D3BC19C7DD81}">
+      <dgm:prSet/>
+      <dgm:spPr/>
+      <dgm:t>
+        <a:bodyPr/>
+        <a:lstStyle/>
+        <a:p>
+          <a:endParaRPr lang="zh-CN" altLang="en-US"/>
+        </a:p>
+      </dgm:t>
+    </dgm:pt>
+    <dgm:pt modelId="{30DFEBD5-836A-4C58-B264-5BD0649E1B22}" type="sibTrans" cxnId="{0E6D6843-AC38-4C38-AC10-D3BC19C7DD81}">
+      <dgm:prSet/>
+      <dgm:spPr/>
+      <dgm:t>
+        <a:bodyPr/>
+        <a:lstStyle/>
+        <a:p>
+          <a:endParaRPr lang="zh-CN" altLang="en-US"/>
+        </a:p>
+      </dgm:t>
+    </dgm:pt>
+    <dgm:pt modelId="{F2BA974F-4A1D-41FA-8257-12B9F7081EC0}">
+      <dgm:prSet phldrT="[文本]"/>
+      <dgm:spPr/>
+      <dgm:t>
+        <a:bodyPr/>
+        <a:lstStyle/>
+        <a:p>
+          <a:r>
+            <a:rPr lang="zh-CN" altLang="en-US" dirty="0"/>
+            <a:t>感知</a:t>
+          </a:r>
+        </a:p>
+      </dgm:t>
+    </dgm:pt>
+    <dgm:pt modelId="{72F4959F-9C13-40DC-BC86-08C62BB19A56}" type="parTrans" cxnId="{9B188EB4-EDFF-4E2C-A5D2-B878DDE46109}">
+      <dgm:prSet/>
+      <dgm:spPr/>
+      <dgm:t>
+        <a:bodyPr/>
+        <a:lstStyle/>
+        <a:p>
+          <a:endParaRPr lang="zh-CN" altLang="en-US"/>
+        </a:p>
+      </dgm:t>
+    </dgm:pt>
+    <dgm:pt modelId="{33A81F90-1355-4F16-A5FE-A7FB241660F9}" type="sibTrans" cxnId="{9B188EB4-EDFF-4E2C-A5D2-B878DDE46109}">
+      <dgm:prSet/>
+      <dgm:spPr/>
+      <dgm:t>
+        <a:bodyPr/>
+        <a:lstStyle/>
+        <a:p>
+          <a:endParaRPr lang="zh-CN" altLang="en-US"/>
+        </a:p>
+      </dgm:t>
+    </dgm:pt>
+    <dgm:pt modelId="{277FEBB3-772E-4BD2-B204-84D9D3C939CF}">
+      <dgm:prSet/>
+      <dgm:spPr/>
+      <dgm:t>
+        <a:bodyPr/>
+        <a:lstStyle/>
+        <a:p>
+          <a:r>
+            <a:rPr lang="zh-CN" altLang="en-US" dirty="0"/>
+            <a:t>规划</a:t>
+          </a:r>
+          <a:endParaRPr lang="en-US" altLang="zh-CN" dirty="0"/>
+        </a:p>
+      </dgm:t>
+    </dgm:pt>
+    <dgm:pt modelId="{30FCA6D1-ACE8-4BDD-A443-A112AC2EB4C7}" type="parTrans" cxnId="{4FDE2C9D-07FD-4238-8302-004CE8146DC6}">
+      <dgm:prSet/>
+      <dgm:spPr/>
+      <dgm:t>
+        <a:bodyPr/>
+        <a:lstStyle/>
+        <a:p>
+          <a:endParaRPr lang="zh-CN" altLang="en-US"/>
+        </a:p>
+      </dgm:t>
+    </dgm:pt>
+    <dgm:pt modelId="{4AD40C0D-9FD7-4986-BC6E-D6AC2F709598}" type="sibTrans" cxnId="{4FDE2C9D-07FD-4238-8302-004CE8146DC6}">
+      <dgm:prSet/>
+      <dgm:spPr/>
+      <dgm:t>
+        <a:bodyPr/>
+        <a:lstStyle/>
+        <a:p>
+          <a:endParaRPr lang="zh-CN" altLang="en-US"/>
+        </a:p>
+      </dgm:t>
+    </dgm:pt>
+    <dgm:pt modelId="{7B99FA04-A752-46B4-953B-368EA8E8DF75}" type="pres">
+      <dgm:prSet presAssocID="{5B950A66-8786-4D08-AD7C-80E18F617159}" presName="Name0" presStyleCnt="0">
+        <dgm:presLayoutVars>
+          <dgm:dir/>
+          <dgm:animLvl val="lvl"/>
+          <dgm:resizeHandles val="exact"/>
+        </dgm:presLayoutVars>
+      </dgm:prSet>
+      <dgm:spPr/>
+    </dgm:pt>
+    <dgm:pt modelId="{B7CA6852-8220-473D-9170-D9DEF29441BD}" type="pres">
+      <dgm:prSet presAssocID="{F2BA974F-4A1D-41FA-8257-12B9F7081EC0}" presName="linNode" presStyleCnt="0"/>
+      <dgm:spPr/>
+    </dgm:pt>
+    <dgm:pt modelId="{C0AEAE2E-2162-4AFF-BECF-739AF517381C}" type="pres">
+      <dgm:prSet presAssocID="{F2BA974F-4A1D-41FA-8257-12B9F7081EC0}" presName="parentText" presStyleLbl="node1" presStyleIdx="0" presStyleCnt="2">
+        <dgm:presLayoutVars>
+          <dgm:chMax val="1"/>
+          <dgm:bulletEnabled val="1"/>
+        </dgm:presLayoutVars>
+      </dgm:prSet>
+      <dgm:spPr/>
+    </dgm:pt>
+    <dgm:pt modelId="{D2971760-05CE-4E16-8D7E-06B6A5806417}" type="pres">
+      <dgm:prSet presAssocID="{F2BA974F-4A1D-41FA-8257-12B9F7081EC0}" presName="descendantText" presStyleLbl="alignAccFollowNode1" presStyleIdx="0" presStyleCnt="2">
+        <dgm:presLayoutVars>
+          <dgm:bulletEnabled val="1"/>
+        </dgm:presLayoutVars>
+      </dgm:prSet>
+      <dgm:spPr/>
+    </dgm:pt>
+    <dgm:pt modelId="{2D7FB8D6-F11B-4229-B08A-3BA7685F7673}" type="pres">
+      <dgm:prSet presAssocID="{33A81F90-1355-4F16-A5FE-A7FB241660F9}" presName="sp" presStyleCnt="0"/>
+      <dgm:spPr/>
+    </dgm:pt>
+    <dgm:pt modelId="{6F61C989-69BF-4C0D-AC72-198FE9E793DD}" type="pres">
+      <dgm:prSet presAssocID="{277FEBB3-772E-4BD2-B204-84D9D3C939CF}" presName="linNode" presStyleCnt="0"/>
+      <dgm:spPr/>
+    </dgm:pt>
+    <dgm:pt modelId="{FD8F9DA3-AC31-4B6F-8BB4-B166586969D0}" type="pres">
+      <dgm:prSet presAssocID="{277FEBB3-772E-4BD2-B204-84D9D3C939CF}" presName="parentText" presStyleLbl="node1" presStyleIdx="1" presStyleCnt="2">
+        <dgm:presLayoutVars>
+          <dgm:chMax val="1"/>
+          <dgm:bulletEnabled val="1"/>
+        </dgm:presLayoutVars>
+      </dgm:prSet>
+      <dgm:spPr/>
+    </dgm:pt>
+    <dgm:pt modelId="{F6F19EDB-E2F2-465E-9027-15F6E06E7829}" type="pres">
+      <dgm:prSet presAssocID="{277FEBB3-772E-4BD2-B204-84D9D3C939CF}" presName="descendantText" presStyleLbl="alignAccFollowNode1" presStyleIdx="1" presStyleCnt="2">
+        <dgm:presLayoutVars>
+          <dgm:bulletEnabled val="1"/>
+        </dgm:presLayoutVars>
+      </dgm:prSet>
+      <dgm:spPr/>
+    </dgm:pt>
+  </dgm:ptLst>
+  <dgm:cxnLst>
+    <dgm:cxn modelId="{2FBB6A0E-E382-4996-B94D-77D40D4B43DB}" type="presOf" srcId="{755F4403-4E3D-42BC-B2BF-2180672D0CE0}" destId="{F6F19EDB-E2F2-465E-9027-15F6E06E7829}" srcOrd="0" destOrd="0" presId="urn:microsoft.com/office/officeart/2005/8/layout/vList5"/>
+    <dgm:cxn modelId="{42767517-67FE-4985-8EC0-AD24EDED5896}" type="presOf" srcId="{F444ABB9-200F-496D-ACC1-8512923B7184}" destId="{F6F19EDB-E2F2-465E-9027-15F6E06E7829}" srcOrd="0" destOrd="1" presId="urn:microsoft.com/office/officeart/2005/8/layout/vList5"/>
+    <dgm:cxn modelId="{756D8D20-9DFF-48E6-8525-6C39402090AF}" type="presOf" srcId="{F2BA974F-4A1D-41FA-8257-12B9F7081EC0}" destId="{C0AEAE2E-2162-4AFF-BECF-739AF517381C}" srcOrd="0" destOrd="0" presId="urn:microsoft.com/office/officeart/2005/8/layout/vList5"/>
+    <dgm:cxn modelId="{8329E15F-AB63-4B96-AD11-130649634F3F}" type="presOf" srcId="{277FEBB3-772E-4BD2-B204-84D9D3C939CF}" destId="{FD8F9DA3-AC31-4B6F-8BB4-B166586969D0}" srcOrd="0" destOrd="0" presId="urn:microsoft.com/office/officeart/2005/8/layout/vList5"/>
+    <dgm:cxn modelId="{0E6D6843-AC38-4C38-AC10-D3BC19C7DD81}" srcId="{277FEBB3-772E-4BD2-B204-84D9D3C939CF}" destId="{F444ABB9-200F-496D-ACC1-8512923B7184}" srcOrd="1" destOrd="0" parTransId="{5CBEE7E3-9B61-4C3A-AF57-7F1439D7B034}" sibTransId="{30DFEBD5-836A-4C58-B264-5BD0649E1B22}"/>
+    <dgm:cxn modelId="{C1042454-85EA-4182-ABAB-6E5E2033CFD7}" type="presOf" srcId="{9A1EF914-854C-4D75-870B-653369DBAFA3}" destId="{D2971760-05CE-4E16-8D7E-06B6A5806417}" srcOrd="0" destOrd="0" presId="urn:microsoft.com/office/officeart/2005/8/layout/vList5"/>
+    <dgm:cxn modelId="{D1E7D175-0740-4B34-89D8-7AE9ED016C43}" srcId="{277FEBB3-772E-4BD2-B204-84D9D3C939CF}" destId="{755F4403-4E3D-42BC-B2BF-2180672D0CE0}" srcOrd="0" destOrd="0" parTransId="{C12CBEA0-796F-41BA-B122-9795C3B010FF}" sibTransId="{F1F72123-C0E9-4646-9464-904B2D1F747F}"/>
+    <dgm:cxn modelId="{044B727E-781D-442E-A3FF-93617A533364}" type="presOf" srcId="{5B950A66-8786-4D08-AD7C-80E18F617159}" destId="{7B99FA04-A752-46B4-953B-368EA8E8DF75}" srcOrd="0" destOrd="0" presId="urn:microsoft.com/office/officeart/2005/8/layout/vList5"/>
+    <dgm:cxn modelId="{4FDE2C9D-07FD-4238-8302-004CE8146DC6}" srcId="{5B950A66-8786-4D08-AD7C-80E18F617159}" destId="{277FEBB3-772E-4BD2-B204-84D9D3C939CF}" srcOrd="1" destOrd="0" parTransId="{30FCA6D1-ACE8-4BDD-A443-A112AC2EB4C7}" sibTransId="{4AD40C0D-9FD7-4986-BC6E-D6AC2F709598}"/>
+    <dgm:cxn modelId="{5A5BE8AB-8325-4846-B2CF-B160B1B892C2}" type="presOf" srcId="{8DB5D099-E94E-41B1-A8D0-BD04B354D192}" destId="{D2971760-05CE-4E16-8D7E-06B6A5806417}" srcOrd="0" destOrd="1" presId="urn:microsoft.com/office/officeart/2005/8/layout/vList5"/>
+    <dgm:cxn modelId="{9B188EB4-EDFF-4E2C-A5D2-B878DDE46109}" srcId="{5B950A66-8786-4D08-AD7C-80E18F617159}" destId="{F2BA974F-4A1D-41FA-8257-12B9F7081EC0}" srcOrd="0" destOrd="0" parTransId="{72F4959F-9C13-40DC-BC86-08C62BB19A56}" sibTransId="{33A81F90-1355-4F16-A5FE-A7FB241660F9}"/>
+    <dgm:cxn modelId="{F1C72ABD-C3F3-43FD-8DCC-0926FEBE4C04}" srcId="{F2BA974F-4A1D-41FA-8257-12B9F7081EC0}" destId="{8DB5D099-E94E-41B1-A8D0-BD04B354D192}" srcOrd="1" destOrd="0" parTransId="{49D673CC-6C91-4D56-A93C-8EC6620977A8}" sibTransId="{AABD1DD3-EB13-4ECD-AD9E-9F7A4E05D15E}"/>
+    <dgm:cxn modelId="{000920F9-BD1A-44E6-8171-F0DBE8AD07D8}" srcId="{F2BA974F-4A1D-41FA-8257-12B9F7081EC0}" destId="{9A1EF914-854C-4D75-870B-653369DBAFA3}" srcOrd="0" destOrd="0" parTransId="{2CFDBAD4-427E-4968-BCEB-5EF26B26008B}" sibTransId="{3CFB3DBC-3E42-48D4-A378-6266BAB95AC0}"/>
+    <dgm:cxn modelId="{E11A59B3-933D-4DC2-AB09-38F2F8BEC601}" type="presParOf" srcId="{7B99FA04-A752-46B4-953B-368EA8E8DF75}" destId="{B7CA6852-8220-473D-9170-D9DEF29441BD}" srcOrd="0" destOrd="0" presId="urn:microsoft.com/office/officeart/2005/8/layout/vList5"/>
+    <dgm:cxn modelId="{029829C4-3AC4-4AAB-8B75-B4FBD55A72EF}" type="presParOf" srcId="{B7CA6852-8220-473D-9170-D9DEF29441BD}" destId="{C0AEAE2E-2162-4AFF-BECF-739AF517381C}" srcOrd="0" destOrd="0" presId="urn:microsoft.com/office/officeart/2005/8/layout/vList5"/>
+    <dgm:cxn modelId="{696F6D69-C645-4039-BD03-26184D3A6AC1}" type="presParOf" srcId="{B7CA6852-8220-473D-9170-D9DEF29441BD}" destId="{D2971760-05CE-4E16-8D7E-06B6A5806417}" srcOrd="1" destOrd="0" presId="urn:microsoft.com/office/officeart/2005/8/layout/vList5"/>
+    <dgm:cxn modelId="{870705FB-7D9D-44B9-A8CA-9064FA8708A0}" type="presParOf" srcId="{7B99FA04-A752-46B4-953B-368EA8E8DF75}" destId="{2D7FB8D6-F11B-4229-B08A-3BA7685F7673}" srcOrd="1" destOrd="0" presId="urn:microsoft.com/office/officeart/2005/8/layout/vList5"/>
+    <dgm:cxn modelId="{AF98FE71-F517-4853-9F82-D8119E659134}" type="presParOf" srcId="{7B99FA04-A752-46B4-953B-368EA8E8DF75}" destId="{6F61C989-69BF-4C0D-AC72-198FE9E793DD}" srcOrd="2" destOrd="0" presId="urn:microsoft.com/office/officeart/2005/8/layout/vList5"/>
+    <dgm:cxn modelId="{DFCA62D6-75E3-4BBE-A556-B79AB12D37DE}" type="presParOf" srcId="{6F61C989-69BF-4C0D-AC72-198FE9E793DD}" destId="{FD8F9DA3-AC31-4B6F-8BB4-B166586969D0}" srcOrd="0" destOrd="0" presId="urn:microsoft.com/office/officeart/2005/8/layout/vList5"/>
+    <dgm:cxn modelId="{163D1A90-AC6C-476D-8CF9-0AAD0A3E0D92}" type="presParOf" srcId="{6F61C989-69BF-4C0D-AC72-198FE9E793DD}" destId="{F6F19EDB-E2F2-465E-9027-15F6E06E7829}" srcOrd="1" destOrd="0" presId="urn:microsoft.com/office/officeart/2005/8/layout/vList5"/>
+  </dgm:cxnLst>
+  <dgm:bg/>
+  <dgm:whole/>
+  <dgm:extLst>
+    <a:ext uri="http://schemas.microsoft.com/office/drawing/2008/diagram">
+      <dsp:dataModelExt xmlns:dsp="http://schemas.microsoft.com/office/drawing/2008/diagram" relId="rId6" minVer="http://schemas.openxmlformats.org/drawingml/2006/diagram"/>
+    </a:ext>
+  </dgm:extLst>
+</dgm:dataModel>
+</file>
+
+<file path=ppt/diagrams/data5.xml><?xml version="1.0" encoding="utf-8"?>
+<dgm:dataModel xmlns:dgm="http://schemas.openxmlformats.org/drawingml/2006/diagram" xmlns:a="http://schemas.openxmlformats.org/drawingml/2006/main">
+  <dgm:ptLst>
     <dgm:pt modelId="{15757339-D89B-4F82-B920-4F8D16113047}" type="doc">
       <dgm:prSet loTypeId="urn:microsoft.com/office/officeart/2005/8/layout/bProcess4" loCatId="process" qsTypeId="urn:microsoft.com/office/officeart/2005/8/quickstyle/simple1" qsCatId="simple" csTypeId="urn:microsoft.com/office/officeart/2005/8/colors/accent1_2" csCatId="accent1" phldr="1"/>
       <dgm:spPr/>
@@ -5196,58 +6337,6 @@
         </a:p>
       </dgm:t>
     </dgm:pt>
-    <dgm:pt modelId="{FB4E33D3-C1FC-4F94-954B-A5081C933CEC}">
-      <dgm:prSet/>
-      <dgm:spPr/>
-      <dgm:t>
-        <a:bodyPr/>
-        <a:lstStyle/>
-        <a:p>
-          <a:r>
-            <a:rPr lang="zh-CN" altLang="en-US" dirty="0"/>
-            <a:t>在</a:t>
-          </a:r>
-          <a:r>
-            <a:rPr lang="en-US" altLang="zh-CN" dirty="0" err="1"/>
-            <a:t>Matlab</a:t>
-          </a:r>
-          <a:r>
-            <a:rPr lang="zh-CN" altLang="en-US" dirty="0"/>
-            <a:t>和</a:t>
-          </a:r>
-          <a:r>
-            <a:rPr lang="en-US" altLang="zh-CN" dirty="0"/>
-            <a:t>ROS</a:t>
-          </a:r>
-          <a:r>
-            <a:rPr lang="zh-CN" altLang="en-US" dirty="0"/>
-            <a:t>中，实现仿真避障算法。</a:t>
-          </a:r>
-        </a:p>
-      </dgm:t>
-    </dgm:pt>
-    <dgm:pt modelId="{D470403E-6EEE-4E12-A700-901CE9951603}" type="parTrans" cxnId="{56319B5A-73EF-44AF-85B4-D388820466F2}">
-      <dgm:prSet/>
-      <dgm:spPr/>
-      <dgm:t>
-        <a:bodyPr/>
-        <a:lstStyle/>
-        <a:p>
-          <a:endParaRPr lang="zh-CN" altLang="en-US"/>
-        </a:p>
-      </dgm:t>
-    </dgm:pt>
-    <dgm:pt modelId="{3C0B51F8-7938-40C3-89B7-4EE2CA71619E}" type="sibTrans" cxnId="{56319B5A-73EF-44AF-85B4-D388820466F2}">
-      <dgm:prSet/>
-      <dgm:spPr/>
-      <dgm:t>
-        <a:bodyPr/>
-        <a:lstStyle/>
-        <a:p>
-          <a:endParaRPr lang="zh-CN" altLang="en-US"/>
-        </a:p>
-      </dgm:t>
-    </dgm:pt>
     <dgm:pt modelId="{1BA748B5-14FF-4A8A-8A06-55A912AB67A6}">
       <dgm:prSet/>
       <dgm:spPr/>
@@ -5260,12 +6349,20 @@
             <a:t>在</a:t>
           </a:r>
           <a:r>
+            <a:rPr lang="en-US" altLang="zh-CN" dirty="0" err="1"/>
+            <a:t>Matlab</a:t>
+          </a:r>
+          <a:r>
+            <a:rPr lang="zh-CN" altLang="en-US" dirty="0"/>
+            <a:t>和</a:t>
+          </a:r>
+          <a:r>
             <a:rPr lang="en-US" altLang="zh-CN" dirty="0"/>
             <a:t>ROS</a:t>
           </a:r>
           <a:r>
             <a:rPr lang="zh-CN" altLang="en-US" dirty="0"/>
-            <a:t>中，操控无人机飞行，熟悉基本操作。</a:t>
+            <a:t>中，实现仿真避障算法。</a:t>
           </a:r>
         </a:p>
       </dgm:t>
@@ -5301,7 +6398,7 @@
         <a:p>
           <a:r>
             <a:rPr lang="zh-CN" altLang="en-US" dirty="0"/>
-            <a:t>实现双目视觉建模，感知和预测环境中的障碍物。</a:t>
+            <a:t>实现双目视觉建模，感知环境中的障碍物并预测轨迹。</a:t>
           </a:r>
         </a:p>
       </dgm:t>
@@ -5474,6 +6571,51 @@
       </dgm:t>
     </dgm:pt>
     <dgm:pt modelId="{22B69DE0-5F8E-4F3F-8E4E-558378BE9A25}" type="sibTrans" cxnId="{1497C0DE-D3EB-4717-A3A7-62A4127C4C0C}">
+      <dgm:prSet/>
+      <dgm:spPr/>
+      <dgm:t>
+        <a:bodyPr/>
+        <a:lstStyle/>
+        <a:p>
+          <a:endParaRPr lang="zh-CN" altLang="en-US"/>
+        </a:p>
+      </dgm:t>
+    </dgm:pt>
+    <dgm:pt modelId="{2B211034-E2EA-408B-AB22-25AE493A15DF}">
+      <dgm:prSet/>
+      <dgm:spPr/>
+      <dgm:t>
+        <a:bodyPr/>
+        <a:lstStyle/>
+        <a:p>
+          <a:r>
+            <a:rPr lang="zh-CN" altLang="en-US"/>
+            <a:t>在</a:t>
+          </a:r>
+          <a:r>
+            <a:rPr lang="en-US" altLang="zh-CN"/>
+            <a:t>ROS</a:t>
+          </a:r>
+          <a:r>
+            <a:rPr lang="zh-CN" altLang="en-US"/>
+            <a:t>中，操控无人机飞行，熟悉基本操作。</a:t>
+          </a:r>
+          <a:endParaRPr lang="zh-CN" altLang="en-US" dirty="0"/>
+        </a:p>
+      </dgm:t>
+    </dgm:pt>
+    <dgm:pt modelId="{581DE9CE-E24E-475F-B62B-21301513DC74}" type="parTrans" cxnId="{FE81E211-A27C-49D6-A5E4-C7D8AC70C003}">
+      <dgm:prSet/>
+      <dgm:spPr/>
+      <dgm:t>
+        <a:bodyPr/>
+        <a:lstStyle/>
+        <a:p>
+          <a:endParaRPr lang="zh-CN" altLang="en-US"/>
+        </a:p>
+      </dgm:t>
+    </dgm:pt>
+    <dgm:pt modelId="{F1D9BB83-EE2D-429F-97F7-BAE09CBD632F}" type="sibTrans" cxnId="{FE81E211-A27C-49D6-A5E4-C7D8AC70C003}">
       <dgm:prSet/>
       <dgm:spPr/>
       <dgm:t>
@@ -5651,12 +6793,13 @@
     </dgm:pt>
   </dgm:ptLst>
   <dgm:cxnLst>
+    <dgm:cxn modelId="{A030D90C-2723-4D86-B618-46DFAA8EDB91}" type="presOf" srcId="{2B211034-E2EA-408B-AB22-25AE493A15DF}" destId="{87E861DC-936E-43ED-BA0A-6DEB4A5CD9A4}" srcOrd="0" destOrd="1" presId="urn:microsoft.com/office/officeart/2005/8/layout/bProcess4"/>
     <dgm:cxn modelId="{C75BE210-8137-40FA-A705-A3A0E9AE5BD9}" srcId="{15757339-D89B-4F82-B920-4F8D16113047}" destId="{D82B1272-BED7-42B3-B3C7-212374A75509}" srcOrd="3" destOrd="0" parTransId="{EB67D86F-DA0B-4D13-91CE-0DF5A066BAEA}" sibTransId="{561DBA8E-B55C-4BBA-85A7-8A97009E07DE}"/>
+    <dgm:cxn modelId="{FE81E211-A27C-49D6-A5E4-C7D8AC70C003}" srcId="{D25C019F-0949-4FEE-BC9A-CC42A9654A40}" destId="{2B211034-E2EA-408B-AB22-25AE493A15DF}" srcOrd="0" destOrd="0" parTransId="{581DE9CE-E24E-475F-B62B-21301513DC74}" sibTransId="{F1D9BB83-EE2D-429F-97F7-BAE09CBD632F}"/>
     <dgm:cxn modelId="{71BCC113-8543-4D20-A0D2-A410B1628DCF}" srcId="{15757339-D89B-4F82-B920-4F8D16113047}" destId="{D25C019F-0949-4FEE-BC9A-CC42A9654A40}" srcOrd="1" destOrd="0" parTransId="{1F18CA8C-BCDF-450D-B828-A17C3F02CC8D}" sibTransId="{33CB6F0E-88C6-4F9F-A0B2-ACB2CF7E5DB4}"/>
     <dgm:cxn modelId="{05B15915-32FB-4D79-888A-FBEDB1D0426B}" type="presOf" srcId="{33CB6F0E-88C6-4F9F-A0B2-ACB2CF7E5DB4}" destId="{62DEB471-C482-4F97-A646-C53D708CA960}" srcOrd="0" destOrd="0" presId="urn:microsoft.com/office/officeart/2005/8/layout/bProcess4"/>
     <dgm:cxn modelId="{34A6D21A-BF21-4EE5-963A-D871BD85710D}" srcId="{9B4A535A-EA8E-4F2C-A17F-13AA508D6675}" destId="{9B7FE816-4B37-4320-9B21-81410B4ABEF3}" srcOrd="0" destOrd="0" parTransId="{0D83BB3F-6002-42AE-88F2-A04C47C148BE}" sibTransId="{0F67DE92-027A-4366-AAA3-35DCC05757E8}"/>
     <dgm:cxn modelId="{2B5DD31A-2E8D-4826-9134-866A383E4EBB}" type="presOf" srcId="{D82B1272-BED7-42B3-B3C7-212374A75509}" destId="{1D076195-1D76-43AE-A121-16967928EEA6}" srcOrd="0" destOrd="0" presId="urn:microsoft.com/office/officeart/2005/8/layout/bProcess4"/>
-    <dgm:cxn modelId="{88D0D522-DDB0-481B-927D-4874717AC856}" type="presOf" srcId="{FB4E33D3-C1FC-4F94-954B-A5081C933CEC}" destId="{87E861DC-936E-43ED-BA0A-6DEB4A5CD9A4}" srcOrd="0" destOrd="1" presId="urn:microsoft.com/office/officeart/2005/8/layout/bProcess4"/>
     <dgm:cxn modelId="{F43C382F-D2BF-4DD9-88D7-1A22969CC088}" srcId="{AA7A3C68-9B0A-4AC3-ACDF-3873F6B76E80}" destId="{A36766E8-F18C-4CCA-B474-EC4EF9F0279D}" srcOrd="0" destOrd="0" parTransId="{348F8255-51E6-437B-A9A4-E42B0A9D43A0}" sibTransId="{0D940297-1444-4F83-8CFC-4F20FC752D41}"/>
     <dgm:cxn modelId="{3554E331-5662-4EFE-821A-C0AB0887D3CF}" srcId="{D82B1272-BED7-42B3-B3C7-212374A75509}" destId="{29193085-71E4-4F18-8898-77242626013B}" srcOrd="0" destOrd="0" parTransId="{0E8ADA2F-5E17-4F96-B5A1-393CFD44DEBE}" sibTransId="{4807DDA2-8D66-45F6-8939-749F9DBB8F7C}"/>
     <dgm:cxn modelId="{83C91564-5F25-4009-B8F1-D504E5AF9AB1}" srcId="{15757339-D89B-4F82-B920-4F8D16113047}" destId="{F97106A4-BD72-475D-B982-B1BA73ED7D72}" srcOrd="7" destOrd="0" parTransId="{08505227-1F93-4A3A-9ECC-585B4D9EA4C5}" sibTransId="{E65494F0-464B-4725-8C2D-B0222F42D1DF}"/>
@@ -5667,7 +6810,6 @@
     <dgm:cxn modelId="{3243D576-04A1-4E74-87A6-401996CE8558}" srcId="{0E70B81F-48EB-447A-90D5-BEA683FAB2D1}" destId="{46BFE67E-597C-4F11-A5AD-167EBCDA000D}" srcOrd="0" destOrd="0" parTransId="{E9ECE994-5D61-4D3D-B499-9DA57C35A882}" sibTransId="{738F703F-6B78-4817-B022-15CE4BBCA2E5}"/>
     <dgm:cxn modelId="{AA1E1157-A870-4F8E-A297-F9CDCAC849B4}" type="presOf" srcId="{46BFE67E-597C-4F11-A5AD-167EBCDA000D}" destId="{FA754285-1FB2-4026-A9DA-05031EA7F6A4}" srcOrd="0" destOrd="1" presId="urn:microsoft.com/office/officeart/2005/8/layout/bProcess4"/>
     <dgm:cxn modelId="{92439A78-6A5C-45F4-A646-86E3A2FBC544}" type="presOf" srcId="{9B4A535A-EA8E-4F2C-A17F-13AA508D6675}" destId="{AF7DD057-9A02-40CE-A098-1F0FBD4E44EF}" srcOrd="0" destOrd="0" presId="urn:microsoft.com/office/officeart/2005/8/layout/bProcess4"/>
-    <dgm:cxn modelId="{56319B5A-73EF-44AF-85B4-D388820466F2}" srcId="{D25C019F-0949-4FEE-BC9A-CC42A9654A40}" destId="{FB4E33D3-C1FC-4F94-954B-A5081C933CEC}" srcOrd="0" destOrd="0" parTransId="{D470403E-6EEE-4E12-A700-901CE9951603}" sibTransId="{3C0B51F8-7938-40C3-89B7-4EE2CA71619E}"/>
     <dgm:cxn modelId="{55CF6E7B-0D0F-4201-B714-71F46D75442A}" type="presOf" srcId="{9F071C8D-1577-4353-9699-F7B5EE17011A}" destId="{A219997D-F1B5-4735-ACC9-A0C2B6507146}" srcOrd="0" destOrd="0" presId="urn:microsoft.com/office/officeart/2005/8/layout/bProcess4"/>
     <dgm:cxn modelId="{DA85A47E-A425-46C9-9A27-F85791F7843D}" type="presOf" srcId="{C0A87A94-5423-46A9-98BC-6CC0E8E1E0C2}" destId="{48B8BA68-526E-4A71-80B4-8052B0EDC005}" srcOrd="0" destOrd="0" presId="urn:microsoft.com/office/officeart/2005/8/layout/bProcess4"/>
     <dgm:cxn modelId="{EF3EEB82-F9EC-4958-9F37-EF9E58991DD3}" type="presOf" srcId="{15757339-D89B-4F82-B920-4F8D16113047}" destId="{563749C6-4B15-4396-B321-0FE844FD78C1}" srcOrd="0" destOrd="0" presId="urn:microsoft.com/office/officeart/2005/8/layout/bProcess4"/>
@@ -6294,7 +7436,7 @@
       </dsp:nvSpPr>
       <dsp:spPr>
         <a:xfrm rot="5400000">
-          <a:off x="13647139" y="-6863786"/>
+          <a:off x="13663209" y="-7334318"/>
           <a:ext cx="3763352" cy="18432000"/>
         </a:xfrm>
         <a:prstGeom prst="round2SameRect">
@@ -6554,7 +7696,7 @@
         </a:p>
       </dsp:txBody>
       <dsp:txXfrm rot="-5400000">
-        <a:off x="6312815" y="654250"/>
+        <a:off x="6328885" y="183718"/>
         <a:ext cx="18248288" cy="3395928"/>
       </dsp:txXfrm>
     </dsp:sp>
@@ -6642,7 +7784,7 @@
       </dsp:nvSpPr>
       <dsp:spPr>
         <a:xfrm rot="5400000">
-          <a:off x="13647139" y="-1924386"/>
+          <a:off x="13663209" y="-2317731"/>
           <a:ext cx="3763352" cy="18432000"/>
         </a:xfrm>
         <a:prstGeom prst="round2SameRect">
@@ -6845,7 +7987,7 @@
         </a:p>
       </dsp:txBody>
       <dsp:txXfrm rot="-5400000">
-        <a:off x="6312815" y="5593650"/>
+        <a:off x="6328885" y="5200305"/>
         <a:ext cx="18248288" cy="3395928"/>
       </dsp:txXfrm>
     </dsp:sp>
@@ -7105,15 +8247,7 @@
           </a:r>
           <a:r>
             <a:rPr lang="zh-CN" altLang="en-US" sz="2600" kern="1200" dirty="0"/>
-            <a:t>或</a:t>
-          </a:r>
-          <a:r>
-            <a:rPr lang="en-US" altLang="zh-CN" sz="2600" kern="1200" dirty="0"/>
-            <a:t>python</a:t>
-          </a:r>
-          <a:r>
-            <a:rPr lang="zh-CN" altLang="en-US" sz="2600" kern="1200" dirty="0"/>
-            <a:t>语言搭建各个节点，逐步实现动态避障算法。</a:t>
+            <a:t>为主要编程语言搭建各个节点，逐步实现动态避障算法。</a:t>
           </a:r>
         </a:p>
       </dsp:txBody>
@@ -7465,6 +8599,449 @@
 </file>
 
 <file path=ppt/diagrams/drawing4.xml><?xml version="1.0" encoding="utf-8"?>
+<dsp:drawing xmlns:dgm="http://schemas.openxmlformats.org/drawingml/2006/diagram" xmlns:dsp="http://schemas.microsoft.com/office/drawing/2008/diagram" xmlns:a="http://schemas.openxmlformats.org/drawingml/2006/main">
+  <dsp:spTree>
+    <dsp:nvGrpSpPr>
+      <dsp:cNvPr id="0" name=""/>
+      <dsp:cNvGrpSpPr/>
+    </dsp:nvGrpSpPr>
+    <dsp:grpSpPr/>
+    <dsp:sp modelId="{D2971760-05CE-4E16-8D7E-06B6A5806417}">
+      <dsp:nvSpPr>
+        <dsp:cNvPr id="0" name=""/>
+        <dsp:cNvSpPr/>
+      </dsp:nvSpPr>
+      <dsp:spPr>
+        <a:xfrm rot="5400000">
+          <a:off x="9507701" y="-3268850"/>
+          <a:ext cx="3092756" cy="10403840"/>
+        </a:xfrm>
+        <a:prstGeom prst="round2SameRect">
+          <a:avLst/>
+        </a:prstGeom>
+        <a:solidFill>
+          <a:schemeClr val="accent1">
+            <a:alpha val="90000"/>
+            <a:tint val="40000"/>
+            <a:hueOff val="0"/>
+            <a:satOff val="0"/>
+            <a:lumOff val="0"/>
+            <a:alphaOff val="0"/>
+          </a:schemeClr>
+        </a:solidFill>
+        <a:ln w="25400" cap="flat" cmpd="sng" algn="ctr">
+          <a:solidFill>
+            <a:schemeClr val="accent1">
+              <a:alpha val="90000"/>
+              <a:tint val="40000"/>
+              <a:hueOff val="0"/>
+              <a:satOff val="0"/>
+              <a:lumOff val="0"/>
+              <a:alphaOff val="0"/>
+            </a:schemeClr>
+          </a:solidFill>
+          <a:prstDash val="solid"/>
+        </a:ln>
+        <a:effectLst/>
+      </dsp:spPr>
+      <dsp:style>
+        <a:lnRef idx="2">
+          <a:scrgbClr r="0" g="0" b="0"/>
+        </a:lnRef>
+        <a:fillRef idx="1">
+          <a:scrgbClr r="0" g="0" b="0"/>
+        </a:fillRef>
+        <a:effectRef idx="0">
+          <a:scrgbClr r="0" g="0" b="0"/>
+        </a:effectRef>
+        <a:fontRef idx="minor"/>
+      </dsp:style>
+      <dsp:txBody>
+        <a:bodyPr spcFirstLastPara="0" vert="horz" wrap="square" lIns="160020" tIns="80010" rIns="160020" bIns="80010" numCol="1" spcCol="1270" anchor="ctr" anchorCtr="0">
+          <a:noAutofit/>
+        </a:bodyPr>
+        <a:lstStyle/>
+        <a:p>
+          <a:pPr marL="285750" lvl="1" indent="-285750" algn="l" defTabSz="1866900">
+            <a:lnSpc>
+              <a:spcPct val="90000"/>
+            </a:lnSpc>
+            <a:spcBef>
+              <a:spcPct val="0"/>
+            </a:spcBef>
+            <a:spcAft>
+              <a:spcPct val="15000"/>
+            </a:spcAft>
+            <a:buChar char="•"/>
+          </a:pPr>
+          <a:r>
+            <a:rPr lang="zh-CN" altLang="en-US" sz="4200" kern="1200" dirty="0"/>
+            <a:t>对环境中的</a:t>
+          </a:r>
+          <a:r>
+            <a:rPr lang="zh-CN" altLang="en-US" sz="4200" kern="1200" dirty="0">
+              <a:solidFill>
+                <a:srgbClr val="FF0000"/>
+              </a:solidFill>
+            </a:rPr>
+            <a:t>障碍物的识别率</a:t>
+          </a:r>
+          <a:r>
+            <a:rPr lang="zh-CN" altLang="en-US" sz="4200" kern="1200" dirty="0"/>
+            <a:t>达到</a:t>
+          </a:r>
+          <a:r>
+            <a:rPr lang="en-US" altLang="zh-CN" sz="4200" kern="1200" dirty="0"/>
+            <a:t>80%</a:t>
+          </a:r>
+          <a:r>
+            <a:rPr lang="zh-CN" altLang="en-US" sz="4200" kern="1200" dirty="0"/>
+            <a:t>以上</a:t>
+          </a:r>
+        </a:p>
+        <a:p>
+          <a:pPr marL="285750" lvl="1" indent="-285750" algn="l" defTabSz="1866900">
+            <a:lnSpc>
+              <a:spcPct val="90000"/>
+            </a:lnSpc>
+            <a:spcBef>
+              <a:spcPct val="0"/>
+            </a:spcBef>
+            <a:spcAft>
+              <a:spcPct val="15000"/>
+            </a:spcAft>
+            <a:buChar char="•"/>
+          </a:pPr>
+          <a:r>
+            <a:rPr lang="zh-CN" altLang="en-US" sz="4200" kern="1200" dirty="0"/>
+            <a:t>对障碍物</a:t>
+          </a:r>
+          <a:r>
+            <a:rPr lang="zh-CN" altLang="en-US" sz="4200" kern="1200" dirty="0">
+              <a:solidFill>
+                <a:srgbClr val="FF0000"/>
+              </a:solidFill>
+            </a:rPr>
+            <a:t>距离的感知准确度</a:t>
+          </a:r>
+          <a:r>
+            <a:rPr lang="zh-CN" altLang="en-US" sz="4200" kern="1200" dirty="0"/>
+            <a:t>达到</a:t>
+          </a:r>
+          <a:r>
+            <a:rPr lang="en-US" altLang="zh-CN" sz="4200" kern="1200" dirty="0"/>
+            <a:t>80%</a:t>
+          </a:r>
+          <a:r>
+            <a:rPr lang="zh-CN" altLang="en-US" sz="4200" kern="1200" dirty="0"/>
+            <a:t>以上</a:t>
+          </a:r>
+          <a:endParaRPr lang="en-US" altLang="zh-CN" sz="4200" kern="1200" dirty="0"/>
+        </a:p>
+      </dsp:txBody>
+      <dsp:txXfrm rot="-5400000">
+        <a:off x="5852159" y="537668"/>
+        <a:ext cx="10252864" cy="2790804"/>
+      </dsp:txXfrm>
+    </dsp:sp>
+    <dsp:sp modelId="{C0AEAE2E-2162-4AFF-BECF-739AF517381C}">
+      <dsp:nvSpPr>
+        <dsp:cNvPr id="0" name=""/>
+        <dsp:cNvSpPr/>
+      </dsp:nvSpPr>
+      <dsp:spPr>
+        <a:xfrm>
+          <a:off x="0" y="96"/>
+          <a:ext cx="5852160" cy="3865946"/>
+        </a:xfrm>
+        <a:prstGeom prst="roundRect">
+          <a:avLst/>
+        </a:prstGeom>
+        <a:solidFill>
+          <a:schemeClr val="accent1">
+            <a:hueOff val="0"/>
+            <a:satOff val="0"/>
+            <a:lumOff val="0"/>
+            <a:alphaOff val="0"/>
+          </a:schemeClr>
+        </a:solidFill>
+        <a:ln w="25400" cap="flat" cmpd="sng" algn="ctr">
+          <a:solidFill>
+            <a:schemeClr val="lt1">
+              <a:hueOff val="0"/>
+              <a:satOff val="0"/>
+              <a:lumOff val="0"/>
+              <a:alphaOff val="0"/>
+            </a:schemeClr>
+          </a:solidFill>
+          <a:prstDash val="solid"/>
+        </a:ln>
+        <a:effectLst/>
+      </dsp:spPr>
+      <dsp:style>
+        <a:lnRef idx="2">
+          <a:scrgbClr r="0" g="0" b="0"/>
+        </a:lnRef>
+        <a:fillRef idx="1">
+          <a:scrgbClr r="0" g="0" b="0"/>
+        </a:fillRef>
+        <a:effectRef idx="0">
+          <a:scrgbClr r="0" g="0" b="0"/>
+        </a:effectRef>
+        <a:fontRef idx="minor">
+          <a:schemeClr val="lt1"/>
+        </a:fontRef>
+      </dsp:style>
+      <dsp:txBody>
+        <a:bodyPr spcFirstLastPara="0" vert="horz" wrap="square" lIns="247650" tIns="123825" rIns="247650" bIns="123825" numCol="1" spcCol="1270" anchor="ctr" anchorCtr="0">
+          <a:noAutofit/>
+        </a:bodyPr>
+        <a:lstStyle/>
+        <a:p>
+          <a:pPr marL="0" lvl="0" indent="0" algn="ctr" defTabSz="2889250">
+            <a:lnSpc>
+              <a:spcPct val="90000"/>
+            </a:lnSpc>
+            <a:spcBef>
+              <a:spcPct val="0"/>
+            </a:spcBef>
+            <a:spcAft>
+              <a:spcPct val="35000"/>
+            </a:spcAft>
+            <a:buNone/>
+          </a:pPr>
+          <a:r>
+            <a:rPr lang="zh-CN" altLang="en-US" sz="6500" kern="1200" dirty="0"/>
+            <a:t>感知</a:t>
+          </a:r>
+        </a:p>
+      </dsp:txBody>
+      <dsp:txXfrm>
+        <a:off x="188720" y="188816"/>
+        <a:ext cx="5474720" cy="3488506"/>
+      </dsp:txXfrm>
+    </dsp:sp>
+    <dsp:sp modelId="{F6F19EDB-E2F2-465E-9027-15F6E06E7829}">
+      <dsp:nvSpPr>
+        <dsp:cNvPr id="0" name=""/>
+        <dsp:cNvSpPr/>
+      </dsp:nvSpPr>
+      <dsp:spPr>
+        <a:xfrm rot="5400000">
+          <a:off x="9507701" y="790393"/>
+          <a:ext cx="3092756" cy="10403840"/>
+        </a:xfrm>
+        <a:prstGeom prst="round2SameRect">
+          <a:avLst/>
+        </a:prstGeom>
+        <a:solidFill>
+          <a:schemeClr val="accent1">
+            <a:alpha val="90000"/>
+            <a:tint val="40000"/>
+            <a:hueOff val="0"/>
+            <a:satOff val="0"/>
+            <a:lumOff val="0"/>
+            <a:alphaOff val="0"/>
+          </a:schemeClr>
+        </a:solidFill>
+        <a:ln w="25400" cap="flat" cmpd="sng" algn="ctr">
+          <a:solidFill>
+            <a:schemeClr val="accent1">
+              <a:alpha val="90000"/>
+              <a:tint val="40000"/>
+              <a:hueOff val="0"/>
+              <a:satOff val="0"/>
+              <a:lumOff val="0"/>
+              <a:alphaOff val="0"/>
+            </a:schemeClr>
+          </a:solidFill>
+          <a:prstDash val="solid"/>
+        </a:ln>
+        <a:effectLst/>
+      </dsp:spPr>
+      <dsp:style>
+        <a:lnRef idx="2">
+          <a:scrgbClr r="0" g="0" b="0"/>
+        </a:lnRef>
+        <a:fillRef idx="1">
+          <a:scrgbClr r="0" g="0" b="0"/>
+        </a:fillRef>
+        <a:effectRef idx="0">
+          <a:scrgbClr r="0" g="0" b="0"/>
+        </a:effectRef>
+        <a:fontRef idx="minor"/>
+      </dsp:style>
+      <dsp:txBody>
+        <a:bodyPr spcFirstLastPara="0" vert="horz" wrap="square" lIns="160020" tIns="80010" rIns="160020" bIns="80010" numCol="1" spcCol="1270" anchor="ctr" anchorCtr="0">
+          <a:noAutofit/>
+        </a:bodyPr>
+        <a:lstStyle/>
+        <a:p>
+          <a:pPr marL="285750" lvl="1" indent="-285750" algn="l" defTabSz="1866900">
+            <a:lnSpc>
+              <a:spcPct val="90000"/>
+            </a:lnSpc>
+            <a:spcBef>
+              <a:spcPct val="0"/>
+            </a:spcBef>
+            <a:spcAft>
+              <a:spcPct val="15000"/>
+            </a:spcAft>
+            <a:buChar char="•"/>
+          </a:pPr>
+          <a:r>
+            <a:rPr lang="zh-CN" altLang="en-US" sz="4200" kern="1200" dirty="0"/>
+            <a:t>动态</a:t>
+          </a:r>
+          <a:r>
+            <a:rPr lang="zh-CN" altLang="en-US" sz="4200" kern="1200" dirty="0">
+              <a:solidFill>
+                <a:srgbClr val="FF0000"/>
+              </a:solidFill>
+            </a:rPr>
+            <a:t>避障的成功率</a:t>
+          </a:r>
+          <a:r>
+            <a:rPr lang="zh-CN" altLang="en-US" sz="4200" kern="1200" dirty="0"/>
+            <a:t>达到</a:t>
+          </a:r>
+          <a:r>
+            <a:rPr lang="en-US" altLang="zh-CN" sz="4200" kern="1200" dirty="0"/>
+            <a:t>80%</a:t>
+          </a:r>
+          <a:r>
+            <a:rPr lang="zh-CN" altLang="en-US" sz="4200" kern="1200" dirty="0"/>
+            <a:t>以上</a:t>
+          </a:r>
+          <a:endParaRPr lang="en-US" altLang="zh-CN" sz="4200" kern="1200" dirty="0"/>
+        </a:p>
+        <a:p>
+          <a:pPr marL="285750" lvl="1" indent="-285750" algn="l" defTabSz="1866900">
+            <a:lnSpc>
+              <a:spcPct val="90000"/>
+            </a:lnSpc>
+            <a:spcBef>
+              <a:spcPct val="0"/>
+            </a:spcBef>
+            <a:spcAft>
+              <a:spcPct val="15000"/>
+            </a:spcAft>
+            <a:buChar char="•"/>
+          </a:pPr>
+          <a:r>
+            <a:rPr lang="zh-CN" altLang="en-US" sz="4200" kern="1200" dirty="0"/>
+            <a:t>对</a:t>
+          </a:r>
+          <a:r>
+            <a:rPr lang="zh-CN" altLang="en-US" sz="4200" kern="1200" dirty="0">
+              <a:solidFill>
+                <a:srgbClr val="FF0000"/>
+              </a:solidFill>
+            </a:rPr>
+            <a:t>路径的计算时间</a:t>
+          </a:r>
+          <a:r>
+            <a:rPr lang="zh-CN" altLang="en-US" sz="4200" kern="1200" dirty="0"/>
+            <a:t>控制在</a:t>
+          </a:r>
+          <a:r>
+            <a:rPr lang="en-US" altLang="zh-CN" sz="4200" kern="1200" dirty="0"/>
+            <a:t>3</a:t>
+          </a:r>
+          <a:r>
+            <a:rPr lang="zh-CN" altLang="en-US" sz="4200" kern="1200" dirty="0"/>
+            <a:t>秒以下</a:t>
+          </a:r>
+        </a:p>
+      </dsp:txBody>
+      <dsp:txXfrm rot="-5400000">
+        <a:off x="5852159" y="4596911"/>
+        <a:ext cx="10252864" cy="2790804"/>
+      </dsp:txXfrm>
+    </dsp:sp>
+    <dsp:sp modelId="{FD8F9DA3-AC31-4B6F-8BB4-B166586969D0}">
+      <dsp:nvSpPr>
+        <dsp:cNvPr id="0" name=""/>
+        <dsp:cNvSpPr/>
+      </dsp:nvSpPr>
+      <dsp:spPr>
+        <a:xfrm>
+          <a:off x="0" y="4059340"/>
+          <a:ext cx="5852160" cy="3865946"/>
+        </a:xfrm>
+        <a:prstGeom prst="roundRect">
+          <a:avLst/>
+        </a:prstGeom>
+        <a:solidFill>
+          <a:schemeClr val="accent1">
+            <a:hueOff val="0"/>
+            <a:satOff val="0"/>
+            <a:lumOff val="0"/>
+            <a:alphaOff val="0"/>
+          </a:schemeClr>
+        </a:solidFill>
+        <a:ln w="25400" cap="flat" cmpd="sng" algn="ctr">
+          <a:solidFill>
+            <a:schemeClr val="lt1">
+              <a:hueOff val="0"/>
+              <a:satOff val="0"/>
+              <a:lumOff val="0"/>
+              <a:alphaOff val="0"/>
+            </a:schemeClr>
+          </a:solidFill>
+          <a:prstDash val="solid"/>
+        </a:ln>
+        <a:effectLst/>
+      </dsp:spPr>
+      <dsp:style>
+        <a:lnRef idx="2">
+          <a:scrgbClr r="0" g="0" b="0"/>
+        </a:lnRef>
+        <a:fillRef idx="1">
+          <a:scrgbClr r="0" g="0" b="0"/>
+        </a:fillRef>
+        <a:effectRef idx="0">
+          <a:scrgbClr r="0" g="0" b="0"/>
+        </a:effectRef>
+        <a:fontRef idx="minor">
+          <a:schemeClr val="lt1"/>
+        </a:fontRef>
+      </dsp:style>
+      <dsp:txBody>
+        <a:bodyPr spcFirstLastPara="0" vert="horz" wrap="square" lIns="247650" tIns="123825" rIns="247650" bIns="123825" numCol="1" spcCol="1270" anchor="ctr" anchorCtr="0">
+          <a:noAutofit/>
+        </a:bodyPr>
+        <a:lstStyle/>
+        <a:p>
+          <a:pPr marL="0" lvl="0" indent="0" algn="ctr" defTabSz="2889250">
+            <a:lnSpc>
+              <a:spcPct val="90000"/>
+            </a:lnSpc>
+            <a:spcBef>
+              <a:spcPct val="0"/>
+            </a:spcBef>
+            <a:spcAft>
+              <a:spcPct val="35000"/>
+            </a:spcAft>
+            <a:buNone/>
+          </a:pPr>
+          <a:r>
+            <a:rPr lang="zh-CN" altLang="en-US" sz="6500" kern="1200" dirty="0"/>
+            <a:t>规划</a:t>
+          </a:r>
+          <a:endParaRPr lang="en-US" altLang="zh-CN" sz="6500" kern="1200" dirty="0"/>
+        </a:p>
+      </dsp:txBody>
+      <dsp:txXfrm>
+        <a:off x="188720" y="4248060"/>
+        <a:ext cx="5474720" cy="3488506"/>
+      </dsp:txXfrm>
+    </dsp:sp>
+  </dsp:spTree>
+</dsp:drawing>
+</file>
+
+<file path=ppt/diagrams/drawing5.xml><?xml version="1.0" encoding="utf-8"?>
 <dsp:drawing xmlns:dgm="http://schemas.openxmlformats.org/drawingml/2006/diagram" xmlns:dsp="http://schemas.microsoft.com/office/drawing/2008/diagram" xmlns:a="http://schemas.openxmlformats.org/drawingml/2006/main">
   <dsp:spTree>
     <dsp:nvGrpSpPr>
@@ -7565,12 +9142,12 @@
         </a:fontRef>
       </dsp:style>
       <dsp:txBody>
-        <a:bodyPr spcFirstLastPara="0" vert="horz" wrap="square" lIns="133350" tIns="133350" rIns="133350" bIns="133350" numCol="1" spcCol="1270" anchor="t" anchorCtr="0">
+        <a:bodyPr spcFirstLastPara="0" vert="horz" wrap="square" lIns="118110" tIns="118110" rIns="118110" bIns="118110" numCol="1" spcCol="1270" anchor="t" anchorCtr="0">
           <a:noAutofit/>
         </a:bodyPr>
         <a:lstStyle/>
         <a:p>
-          <a:pPr marL="0" lvl="0" indent="0" algn="l" defTabSz="1555750">
+          <a:pPr marL="0" lvl="0" indent="0" algn="l" defTabSz="1377950">
             <a:lnSpc>
               <a:spcPct val="90000"/>
             </a:lnSpc>
@@ -7584,16 +9161,16 @@
             <a:buNone/>
           </a:pPr>
           <a:r>
-            <a:rPr lang="en-US" altLang="zh-CN" sz="3500" kern="1200" dirty="0"/>
+            <a:rPr lang="en-US" altLang="zh-CN" sz="3100" kern="1200" dirty="0"/>
             <a:t>10</a:t>
           </a:r>
           <a:r>
-            <a:rPr lang="zh-CN" altLang="en-US" sz="3500" kern="1200" dirty="0"/>
+            <a:rPr lang="zh-CN" altLang="en-US" sz="3100" kern="1200" dirty="0"/>
             <a:t>月</a:t>
           </a:r>
         </a:p>
         <a:p>
-          <a:pPr marL="228600" lvl="1" indent="-228600" algn="l" defTabSz="1200150">
+          <a:pPr marL="228600" lvl="1" indent="-228600" algn="l" defTabSz="1066800">
             <a:lnSpc>
               <a:spcPct val="90000"/>
             </a:lnSpc>
@@ -7608,7 +9185,7 @@
             <a:buChar char="•"/>
           </a:pPr>
           <a:r>
-            <a:rPr lang="zh-CN" altLang="en-US" sz="2700" kern="1200" dirty="0"/>
+            <a:rPr lang="zh-CN" altLang="en-US" sz="2400" kern="1200" dirty="0"/>
             <a:t>阅读文献，熟悉相关知识。</a:t>
           </a:r>
         </a:p>
@@ -7711,12 +9288,12 @@
         </a:fontRef>
       </dsp:style>
       <dsp:txBody>
-        <a:bodyPr spcFirstLastPara="0" vert="horz" wrap="square" lIns="133350" tIns="133350" rIns="133350" bIns="133350" numCol="1" spcCol="1270" anchor="t" anchorCtr="0">
+        <a:bodyPr spcFirstLastPara="0" vert="horz" wrap="square" lIns="118110" tIns="118110" rIns="118110" bIns="118110" numCol="1" spcCol="1270" anchor="t" anchorCtr="0">
           <a:noAutofit/>
         </a:bodyPr>
         <a:lstStyle/>
         <a:p>
-          <a:pPr marL="0" lvl="0" indent="0" algn="l" defTabSz="1555750">
+          <a:pPr marL="0" lvl="0" indent="0" algn="l" defTabSz="1377950">
             <a:lnSpc>
               <a:spcPct val="90000"/>
             </a:lnSpc>
@@ -7729,16 +9306,16 @@
             <a:buNone/>
           </a:pPr>
           <a:r>
-            <a:rPr lang="en-US" altLang="zh-CN" sz="3500" kern="1200" dirty="0"/>
+            <a:rPr lang="en-US" altLang="zh-CN" sz="3100" kern="1200" dirty="0"/>
             <a:t>11</a:t>
           </a:r>
           <a:r>
-            <a:rPr lang="zh-CN" altLang="en-US" sz="3500" kern="1200" dirty="0"/>
+            <a:rPr lang="zh-CN" altLang="en-US" sz="3100" kern="1200" dirty="0"/>
             <a:t>月</a:t>
           </a:r>
         </a:p>
         <a:p>
-          <a:pPr marL="228600" lvl="1" indent="-228600" algn="l" defTabSz="1200150">
+          <a:pPr marL="228600" lvl="1" indent="-228600" algn="l" defTabSz="1066800">
             <a:lnSpc>
               <a:spcPct val="90000"/>
             </a:lnSpc>
@@ -7751,25 +9328,18 @@
             <a:buChar char="•"/>
           </a:pPr>
           <a:r>
-            <a:rPr lang="zh-CN" altLang="en-US" sz="2700" kern="1200" dirty="0"/>
+            <a:rPr lang="zh-CN" altLang="en-US" sz="2400" kern="1200"/>
             <a:t>在</a:t>
           </a:r>
           <a:r>
-            <a:rPr lang="en-US" altLang="zh-CN" sz="2700" kern="1200" dirty="0" err="1"/>
-            <a:t>Matlab</a:t>
-          </a:r>
-          <a:r>
-            <a:rPr lang="zh-CN" altLang="en-US" sz="2700" kern="1200" dirty="0"/>
-            <a:t>和</a:t>
-          </a:r>
-          <a:r>
-            <a:rPr lang="en-US" altLang="zh-CN" sz="2700" kern="1200" dirty="0"/>
+            <a:rPr lang="en-US" altLang="zh-CN" sz="2400" kern="1200"/>
             <a:t>ROS</a:t>
           </a:r>
           <a:r>
-            <a:rPr lang="zh-CN" altLang="en-US" sz="2700" kern="1200" dirty="0"/>
-            <a:t>中，实现仿真避障算法。</a:t>
-          </a:r>
+            <a:rPr lang="zh-CN" altLang="en-US" sz="2400" kern="1200"/>
+            <a:t>中，操控无人机飞行，熟悉基本操作。</a:t>
+          </a:r>
+          <a:endParaRPr lang="zh-CN" altLang="en-US" sz="2400" kern="1200" dirty="0"/>
         </a:p>
       </dsp:txBody>
       <dsp:txXfrm>
@@ -7870,12 +9440,12 @@
         </a:fontRef>
       </dsp:style>
       <dsp:txBody>
-        <a:bodyPr spcFirstLastPara="0" vert="horz" wrap="square" lIns="133350" tIns="133350" rIns="133350" bIns="133350" numCol="1" spcCol="1270" anchor="t" anchorCtr="0">
+        <a:bodyPr spcFirstLastPara="0" vert="horz" wrap="square" lIns="118110" tIns="118110" rIns="118110" bIns="118110" numCol="1" spcCol="1270" anchor="t" anchorCtr="0">
           <a:noAutofit/>
         </a:bodyPr>
         <a:lstStyle/>
         <a:p>
-          <a:pPr marL="0" lvl="0" indent="0" algn="l" defTabSz="1555750">
+          <a:pPr marL="0" lvl="0" indent="0" algn="l" defTabSz="1377950">
             <a:lnSpc>
               <a:spcPct val="90000"/>
             </a:lnSpc>
@@ -7888,16 +9458,16 @@
             <a:buNone/>
           </a:pPr>
           <a:r>
-            <a:rPr lang="en-US" altLang="zh-CN" sz="3500" kern="1200" dirty="0"/>
+            <a:rPr lang="en-US" altLang="zh-CN" sz="3100" kern="1200" dirty="0"/>
             <a:t>12</a:t>
           </a:r>
           <a:r>
-            <a:rPr lang="zh-CN" altLang="en-US" sz="3500" kern="1200" dirty="0"/>
+            <a:rPr lang="zh-CN" altLang="en-US" sz="3100" kern="1200" dirty="0"/>
             <a:t>月</a:t>
           </a:r>
         </a:p>
         <a:p>
-          <a:pPr marL="228600" lvl="1" indent="-228600" algn="l" defTabSz="1200150">
+          <a:pPr marL="228600" lvl="1" indent="-228600" algn="l" defTabSz="1066800">
             <a:lnSpc>
               <a:spcPct val="90000"/>
             </a:lnSpc>
@@ -7910,16 +9480,24 @@
             <a:buChar char="•"/>
           </a:pPr>
           <a:r>
-            <a:rPr lang="zh-CN" altLang="en-US" sz="2700" kern="1200" dirty="0"/>
+            <a:rPr lang="zh-CN" altLang="en-US" sz="2400" kern="1200" dirty="0"/>
             <a:t>在</a:t>
           </a:r>
           <a:r>
-            <a:rPr lang="en-US" altLang="zh-CN" sz="2700" kern="1200" dirty="0"/>
+            <a:rPr lang="en-US" altLang="zh-CN" sz="2400" kern="1200" dirty="0" err="1"/>
+            <a:t>Matlab</a:t>
+          </a:r>
+          <a:r>
+            <a:rPr lang="zh-CN" altLang="en-US" sz="2400" kern="1200" dirty="0"/>
+            <a:t>和</a:t>
+          </a:r>
+          <a:r>
+            <a:rPr lang="en-US" altLang="zh-CN" sz="2400" kern="1200" dirty="0"/>
             <a:t>ROS</a:t>
           </a:r>
           <a:r>
-            <a:rPr lang="zh-CN" altLang="en-US" sz="2700" kern="1200" dirty="0"/>
-            <a:t>中，操控无人机飞行，熟悉基本操作。</a:t>
+            <a:rPr lang="zh-CN" altLang="en-US" sz="2400" kern="1200" dirty="0"/>
+            <a:t>中，实现仿真避障算法。</a:t>
           </a:r>
         </a:p>
       </dsp:txBody>
@@ -8021,12 +9599,12 @@
         </a:fontRef>
       </dsp:style>
       <dsp:txBody>
-        <a:bodyPr spcFirstLastPara="0" vert="horz" wrap="square" lIns="133350" tIns="133350" rIns="133350" bIns="133350" numCol="1" spcCol="1270" anchor="t" anchorCtr="0">
+        <a:bodyPr spcFirstLastPara="0" vert="horz" wrap="square" lIns="118110" tIns="118110" rIns="118110" bIns="118110" numCol="1" spcCol="1270" anchor="t" anchorCtr="0">
           <a:noAutofit/>
         </a:bodyPr>
         <a:lstStyle/>
         <a:p>
-          <a:pPr marL="0" lvl="0" indent="0" algn="l" defTabSz="1555750">
+          <a:pPr marL="0" lvl="0" indent="0" algn="l" defTabSz="1377950">
             <a:lnSpc>
               <a:spcPct val="90000"/>
             </a:lnSpc>
@@ -8039,16 +9617,16 @@
             <a:buNone/>
           </a:pPr>
           <a:r>
-            <a:rPr lang="en-US" altLang="zh-CN" sz="3500" kern="1200" dirty="0"/>
+            <a:rPr lang="en-US" altLang="zh-CN" sz="3100" kern="1200" dirty="0"/>
             <a:t>1</a:t>
           </a:r>
           <a:r>
-            <a:rPr lang="zh-CN" altLang="en-US" sz="3500" kern="1200" dirty="0"/>
+            <a:rPr lang="zh-CN" altLang="en-US" sz="3100" kern="1200" dirty="0"/>
             <a:t>月</a:t>
           </a:r>
         </a:p>
         <a:p>
-          <a:pPr marL="228600" lvl="1" indent="-228600" algn="l" defTabSz="1200150">
+          <a:pPr marL="228600" lvl="1" indent="-228600" algn="l" defTabSz="1066800">
             <a:lnSpc>
               <a:spcPct val="90000"/>
             </a:lnSpc>
@@ -8061,8 +9639,8 @@
             <a:buChar char="•"/>
           </a:pPr>
           <a:r>
-            <a:rPr lang="zh-CN" altLang="en-US" sz="2700" kern="1200" dirty="0"/>
-            <a:t>实现双目视觉建模，感知和预测环境中的障碍物。</a:t>
+            <a:rPr lang="zh-CN" altLang="en-US" sz="2400" kern="1200" dirty="0"/>
+            <a:t>实现双目视觉建模，感知环境中的障碍物并预测轨迹。</a:t>
           </a:r>
         </a:p>
       </dsp:txBody>
@@ -8164,12 +9742,12 @@
         </a:fontRef>
       </dsp:style>
       <dsp:txBody>
-        <a:bodyPr spcFirstLastPara="0" vert="horz" wrap="square" lIns="133350" tIns="133350" rIns="133350" bIns="133350" numCol="1" spcCol="1270" anchor="t" anchorCtr="0">
+        <a:bodyPr spcFirstLastPara="0" vert="horz" wrap="square" lIns="118110" tIns="118110" rIns="118110" bIns="118110" numCol="1" spcCol="1270" anchor="t" anchorCtr="0">
           <a:noAutofit/>
         </a:bodyPr>
         <a:lstStyle/>
         <a:p>
-          <a:pPr marL="0" lvl="0" indent="0" algn="l" defTabSz="1555750">
+          <a:pPr marL="0" lvl="0" indent="0" algn="l" defTabSz="1377950">
             <a:lnSpc>
               <a:spcPct val="90000"/>
             </a:lnSpc>
@@ -8182,16 +9760,16 @@
             <a:buNone/>
           </a:pPr>
           <a:r>
-            <a:rPr lang="en-US" altLang="zh-CN" sz="3500" kern="1200" dirty="0"/>
+            <a:rPr lang="en-US" altLang="zh-CN" sz="3100" kern="1200" dirty="0"/>
             <a:t>2</a:t>
           </a:r>
           <a:r>
-            <a:rPr lang="zh-CN" altLang="en-US" sz="3500" kern="1200" dirty="0"/>
+            <a:rPr lang="zh-CN" altLang="en-US" sz="3100" kern="1200" dirty="0"/>
             <a:t>月</a:t>
           </a:r>
         </a:p>
         <a:p>
-          <a:pPr marL="228600" lvl="1" indent="-228600" algn="l" defTabSz="1200150">
+          <a:pPr marL="228600" lvl="1" indent="-228600" algn="l" defTabSz="1066800">
             <a:lnSpc>
               <a:spcPct val="90000"/>
             </a:lnSpc>
@@ -8204,7 +9782,7 @@
             <a:buChar char="•"/>
           </a:pPr>
           <a:r>
-            <a:rPr lang="zh-CN" altLang="en-US" sz="2700" kern="1200" dirty="0"/>
+            <a:rPr lang="zh-CN" altLang="en-US" sz="2400" kern="1200" dirty="0"/>
             <a:t>设计并实现动态避障算法并进行控制。</a:t>
           </a:r>
         </a:p>
@@ -8307,12 +9885,12 @@
         </a:fontRef>
       </dsp:style>
       <dsp:txBody>
-        <a:bodyPr spcFirstLastPara="0" vert="horz" wrap="square" lIns="133350" tIns="133350" rIns="133350" bIns="133350" numCol="1" spcCol="1270" anchor="t" anchorCtr="0">
+        <a:bodyPr spcFirstLastPara="0" vert="horz" wrap="square" lIns="118110" tIns="118110" rIns="118110" bIns="118110" numCol="1" spcCol="1270" anchor="t" anchorCtr="0">
           <a:noAutofit/>
         </a:bodyPr>
         <a:lstStyle/>
         <a:p>
-          <a:pPr marL="0" lvl="0" indent="0" algn="l" defTabSz="1555750">
+          <a:pPr marL="0" lvl="0" indent="0" algn="l" defTabSz="1377950">
             <a:lnSpc>
               <a:spcPct val="90000"/>
             </a:lnSpc>
@@ -8325,16 +9903,16 @@
             <a:buNone/>
           </a:pPr>
           <a:r>
-            <a:rPr lang="en-US" altLang="zh-CN" sz="3500" kern="1200" dirty="0"/>
+            <a:rPr lang="en-US" altLang="zh-CN" sz="3100" kern="1200" dirty="0"/>
             <a:t>3</a:t>
           </a:r>
           <a:r>
-            <a:rPr lang="zh-CN" altLang="en-US" sz="3500" kern="1200" dirty="0"/>
+            <a:rPr lang="zh-CN" altLang="en-US" sz="3100" kern="1200" dirty="0"/>
             <a:t>月</a:t>
           </a:r>
         </a:p>
         <a:p>
-          <a:pPr marL="228600" lvl="1" indent="-228600" algn="l" defTabSz="1200150">
+          <a:pPr marL="228600" lvl="1" indent="-228600" algn="l" defTabSz="1066800">
             <a:lnSpc>
               <a:spcPct val="90000"/>
             </a:lnSpc>
@@ -8347,11 +9925,11 @@
             <a:buChar char="•"/>
           </a:pPr>
           <a:r>
-            <a:rPr lang="zh-CN" altLang="en-US" sz="2700" kern="1200"/>
+            <a:rPr lang="zh-CN" altLang="en-US" sz="2400" kern="1200"/>
             <a:t>优化</a:t>
           </a:r>
           <a:r>
-            <a:rPr lang="zh-CN" altLang="en-US" sz="2700" kern="1200" dirty="0"/>
+            <a:rPr lang="zh-CN" altLang="en-US" sz="2400" kern="1200" dirty="0"/>
             <a:t>与维护系统，总结与反思。</a:t>
           </a:r>
         </a:p>
@@ -8454,12 +10032,12 @@
         </a:fontRef>
       </dsp:style>
       <dsp:txBody>
-        <a:bodyPr spcFirstLastPara="0" vert="horz" wrap="square" lIns="133350" tIns="133350" rIns="133350" bIns="133350" numCol="1" spcCol="1270" anchor="t" anchorCtr="0">
+        <a:bodyPr spcFirstLastPara="0" vert="horz" wrap="square" lIns="118110" tIns="118110" rIns="118110" bIns="118110" numCol="1" spcCol="1270" anchor="t" anchorCtr="0">
           <a:noAutofit/>
         </a:bodyPr>
         <a:lstStyle/>
         <a:p>
-          <a:pPr marL="0" lvl="0" indent="0" algn="l" defTabSz="1555750">
+          <a:pPr marL="0" lvl="0" indent="0" algn="l" defTabSz="1377950">
             <a:lnSpc>
               <a:spcPct val="90000"/>
             </a:lnSpc>
@@ -8472,16 +10050,16 @@
             <a:buNone/>
           </a:pPr>
           <a:r>
-            <a:rPr lang="en-US" altLang="zh-CN" sz="3500" kern="1200" dirty="0"/>
+            <a:rPr lang="en-US" altLang="zh-CN" sz="3100" kern="1200" dirty="0"/>
             <a:t>4</a:t>
           </a:r>
           <a:r>
-            <a:rPr lang="zh-CN" altLang="en-US" sz="3500" kern="1200" dirty="0"/>
+            <a:rPr lang="zh-CN" altLang="en-US" sz="3100" kern="1200" dirty="0"/>
             <a:t>月</a:t>
           </a:r>
         </a:p>
         <a:p>
-          <a:pPr marL="228600" lvl="1" indent="-228600" algn="l" defTabSz="1200150">
+          <a:pPr marL="228600" lvl="1" indent="-228600" algn="l" defTabSz="1066800">
             <a:lnSpc>
               <a:spcPct val="90000"/>
             </a:lnSpc>
@@ -8494,11 +10072,11 @@
             <a:buChar char="•"/>
           </a:pPr>
           <a:r>
-            <a:rPr lang="zh-CN" altLang="en-US" sz="2700" kern="1200"/>
+            <a:rPr lang="zh-CN" altLang="en-US" sz="2400" kern="1200"/>
             <a:t>整理</a:t>
           </a:r>
           <a:r>
-            <a:rPr lang="zh-CN" altLang="en-US" sz="2700" kern="1200" dirty="0"/>
+            <a:rPr lang="zh-CN" altLang="en-US" sz="2400" kern="1200" dirty="0"/>
             <a:t>材料，润色毕业论文。</a:t>
           </a:r>
         </a:p>
@@ -8559,12 +10137,12 @@
         </a:fontRef>
       </dsp:style>
       <dsp:txBody>
-        <a:bodyPr spcFirstLastPara="0" vert="horz" wrap="square" lIns="133350" tIns="133350" rIns="133350" bIns="133350" numCol="1" spcCol="1270" anchor="t" anchorCtr="0">
+        <a:bodyPr spcFirstLastPara="0" vert="horz" wrap="square" lIns="118110" tIns="118110" rIns="118110" bIns="118110" numCol="1" spcCol="1270" anchor="t" anchorCtr="0">
           <a:noAutofit/>
         </a:bodyPr>
         <a:lstStyle/>
         <a:p>
-          <a:pPr marL="0" lvl="0" indent="0" algn="l" defTabSz="1555750">
+          <a:pPr marL="0" lvl="0" indent="0" algn="l" defTabSz="1377950">
             <a:lnSpc>
               <a:spcPct val="90000"/>
             </a:lnSpc>
@@ -8577,16 +10155,16 @@
             <a:buNone/>
           </a:pPr>
           <a:r>
-            <a:rPr lang="en-US" altLang="zh-CN" sz="3500" kern="1200" dirty="0"/>
+            <a:rPr lang="en-US" altLang="zh-CN" sz="3100" kern="1200" dirty="0"/>
             <a:t>5</a:t>
           </a:r>
           <a:r>
-            <a:rPr lang="zh-CN" altLang="en-US" sz="3500" kern="1200" dirty="0"/>
+            <a:rPr lang="zh-CN" altLang="en-US" sz="3100" kern="1200" dirty="0"/>
             <a:t>月</a:t>
           </a:r>
         </a:p>
         <a:p>
-          <a:pPr marL="228600" lvl="1" indent="-228600" algn="l" defTabSz="1200150">
+          <a:pPr marL="228600" lvl="1" indent="-228600" algn="l" defTabSz="1066800">
             <a:lnSpc>
               <a:spcPct val="90000"/>
             </a:lnSpc>
@@ -8599,11 +10177,11 @@
             <a:buChar char="•"/>
           </a:pPr>
           <a:r>
-            <a:rPr lang="zh-CN" altLang="en-US" sz="2700" kern="1200"/>
+            <a:rPr lang="zh-CN" altLang="en-US" sz="2400" kern="1200"/>
             <a:t>准备</a:t>
           </a:r>
           <a:r>
-            <a:rPr lang="zh-CN" altLang="en-US" sz="2700" kern="1200" dirty="0"/>
+            <a:rPr lang="zh-CN" altLang="en-US" sz="2400" kern="1200" dirty="0"/>
             <a:t>最终答辩。</a:t>
           </a:r>
         </a:p>
@@ -9437,6 +11015,239 @@
 </file>
 
 <file path=ppt/diagrams/layout4.xml><?xml version="1.0" encoding="utf-8"?>
+<dgm:layoutDef xmlns:dgm="http://schemas.openxmlformats.org/drawingml/2006/diagram" xmlns:a="http://schemas.openxmlformats.org/drawingml/2006/main" uniqueId="urn:microsoft.com/office/officeart/2005/8/layout/vList5">
+  <dgm:title val=""/>
+  <dgm:desc val=""/>
+  <dgm:catLst>
+    <dgm:cat type="list" pri="15000"/>
+    <dgm:cat type="convert" pri="2000"/>
+  </dgm:catLst>
+  <dgm:sampData>
+    <dgm:dataModel>
+      <dgm:ptLst>
+        <dgm:pt modelId="0" type="doc"/>
+        <dgm:pt modelId="1">
+          <dgm:prSet phldr="1"/>
+        </dgm:pt>
+        <dgm:pt modelId="11">
+          <dgm:prSet phldr="1"/>
+        </dgm:pt>
+        <dgm:pt modelId="12">
+          <dgm:prSet phldr="1"/>
+        </dgm:pt>
+        <dgm:pt modelId="2">
+          <dgm:prSet phldr="1"/>
+        </dgm:pt>
+        <dgm:pt modelId="21">
+          <dgm:prSet phldr="1"/>
+        </dgm:pt>
+        <dgm:pt modelId="22">
+          <dgm:prSet phldr="1"/>
+        </dgm:pt>
+        <dgm:pt modelId="3">
+          <dgm:prSet phldr="1"/>
+        </dgm:pt>
+        <dgm:pt modelId="31">
+          <dgm:prSet phldr="1"/>
+        </dgm:pt>
+        <dgm:pt modelId="32">
+          <dgm:prSet phldr="1"/>
+        </dgm:pt>
+      </dgm:ptLst>
+      <dgm:cxnLst>
+        <dgm:cxn modelId="4" srcId="0" destId="1" srcOrd="0" destOrd="0"/>
+        <dgm:cxn modelId="5" srcId="0" destId="2" srcOrd="1" destOrd="0"/>
+        <dgm:cxn modelId="6" srcId="0" destId="3" srcOrd="2" destOrd="0"/>
+        <dgm:cxn modelId="13" srcId="1" destId="11" srcOrd="0" destOrd="0"/>
+        <dgm:cxn modelId="14" srcId="1" destId="12" srcOrd="1" destOrd="0"/>
+        <dgm:cxn modelId="23" srcId="2" destId="21" srcOrd="0" destOrd="0"/>
+        <dgm:cxn modelId="24" srcId="2" destId="22" srcOrd="1" destOrd="0"/>
+        <dgm:cxn modelId="33" srcId="3" destId="31" srcOrd="0" destOrd="0"/>
+        <dgm:cxn modelId="34" srcId="3" destId="32" srcOrd="1" destOrd="0"/>
+      </dgm:cxnLst>
+      <dgm:bg/>
+      <dgm:whole/>
+    </dgm:dataModel>
+  </dgm:sampData>
+  <dgm:styleData>
+    <dgm:dataModel>
+      <dgm:ptLst>
+        <dgm:pt modelId="0" type="doc"/>
+        <dgm:pt modelId="1"/>
+        <dgm:pt modelId="11"/>
+        <dgm:pt modelId="2"/>
+        <dgm:pt modelId="21"/>
+      </dgm:ptLst>
+      <dgm:cxnLst>
+        <dgm:cxn modelId="4" srcId="0" destId="1" srcOrd="0" destOrd="0"/>
+        <dgm:cxn modelId="5" srcId="0" destId="2" srcOrd="1" destOrd="0"/>
+        <dgm:cxn modelId="13" srcId="1" destId="11" srcOrd="0" destOrd="0"/>
+        <dgm:cxn modelId="23" srcId="2" destId="21" srcOrd="0" destOrd="0"/>
+      </dgm:cxnLst>
+      <dgm:bg/>
+      <dgm:whole/>
+    </dgm:dataModel>
+  </dgm:styleData>
+  <dgm:clrData>
+    <dgm:dataModel>
+      <dgm:ptLst>
+        <dgm:pt modelId="0" type="doc"/>
+        <dgm:pt modelId="1"/>
+        <dgm:pt modelId="11"/>
+        <dgm:pt modelId="2"/>
+        <dgm:pt modelId="21"/>
+        <dgm:pt modelId="3"/>
+        <dgm:pt modelId="31"/>
+        <dgm:pt modelId="4"/>
+        <dgm:pt modelId="41"/>
+      </dgm:ptLst>
+      <dgm:cxnLst>
+        <dgm:cxn modelId="5" srcId="0" destId="1" srcOrd="0" destOrd="0"/>
+        <dgm:cxn modelId="6" srcId="0" destId="2" srcOrd="1" destOrd="0"/>
+        <dgm:cxn modelId="7" srcId="0" destId="3" srcOrd="2" destOrd="0"/>
+        <dgm:cxn modelId="8" srcId="0" destId="4" srcOrd="3" destOrd="0"/>
+        <dgm:cxn modelId="13" srcId="1" destId="11" srcOrd="0" destOrd="0"/>
+        <dgm:cxn modelId="23" srcId="2" destId="21" srcOrd="0" destOrd="0"/>
+        <dgm:cxn modelId="33" srcId="3" destId="31" srcOrd="0" destOrd="0"/>
+        <dgm:cxn modelId="43" srcId="4" destId="41" srcOrd="0" destOrd="0"/>
+      </dgm:cxnLst>
+      <dgm:bg/>
+      <dgm:whole/>
+    </dgm:dataModel>
+  </dgm:clrData>
+  <dgm:layoutNode name="Name0">
+    <dgm:varLst>
+      <dgm:dir/>
+      <dgm:animLvl val="lvl"/>
+      <dgm:resizeHandles val="exact"/>
+    </dgm:varLst>
+    <dgm:choose name="Name1">
+      <dgm:if name="Name2" func="var" arg="dir" op="equ" val="norm">
+        <dgm:alg type="lin">
+          <dgm:param type="linDir" val="fromT"/>
+          <dgm:param type="nodeHorzAlign" val="l"/>
+        </dgm:alg>
+      </dgm:if>
+      <dgm:else name="Name3">
+        <dgm:alg type="lin">
+          <dgm:param type="linDir" val="fromT"/>
+          <dgm:param type="nodeHorzAlign" val="r"/>
+        </dgm:alg>
+      </dgm:else>
+    </dgm:choose>
+    <dgm:shape xmlns:r="http://schemas.openxmlformats.org/officeDocument/2006/relationships" r:blip="">
+      <dgm:adjLst/>
+    </dgm:shape>
+    <dgm:presOf/>
+    <dgm:constrLst>
+      <dgm:constr type="h" for="ch" forName="linNode" refType="h"/>
+      <dgm:constr type="w" for="ch" forName="linNode" refType="w"/>
+      <dgm:constr type="h" for="ch" forName="sp" refType="h" fact="0.05"/>
+      <dgm:constr type="primFontSz" for="des" forName="parentText" op="equ" val="65"/>
+      <dgm:constr type="secFontSz" for="des" forName="descendantText" op="equ"/>
+    </dgm:constrLst>
+    <dgm:ruleLst/>
+    <dgm:forEach name="Name4" axis="ch" ptType="node">
+      <dgm:layoutNode name="linNode">
+        <dgm:choose name="Name5">
+          <dgm:if name="Name6" func="var" arg="dir" op="equ" val="norm">
+            <dgm:alg type="lin">
+              <dgm:param type="linDir" val="fromL"/>
+            </dgm:alg>
+          </dgm:if>
+          <dgm:else name="Name7">
+            <dgm:alg type="lin">
+              <dgm:param type="linDir" val="fromR"/>
+            </dgm:alg>
+          </dgm:else>
+        </dgm:choose>
+        <dgm:shape xmlns:r="http://schemas.openxmlformats.org/officeDocument/2006/relationships" r:blip="">
+          <dgm:adjLst/>
+        </dgm:shape>
+        <dgm:presOf/>
+        <dgm:constrLst>
+          <dgm:constr type="w" for="ch" forName="parentText" refType="w" fact="0.36"/>
+          <dgm:constr type="w" for="ch" forName="descendantText" refType="w" fact="0.64"/>
+          <dgm:constr type="h" for="ch" forName="parentText" refType="h"/>
+          <dgm:constr type="h" for="ch" forName="descendantText" refType="h" refFor="ch" refForName="parentText" fact="0.8"/>
+        </dgm:constrLst>
+        <dgm:ruleLst/>
+        <dgm:layoutNode name="parentText">
+          <dgm:varLst>
+            <dgm:chMax val="1"/>
+            <dgm:bulletEnabled val="1"/>
+          </dgm:varLst>
+          <dgm:alg type="tx"/>
+          <dgm:shape xmlns:r="http://schemas.openxmlformats.org/officeDocument/2006/relationships" type="roundRect" r:blip="" zOrderOff="3">
+            <dgm:adjLst/>
+          </dgm:shape>
+          <dgm:presOf axis="self" ptType="node"/>
+          <dgm:constrLst>
+            <dgm:constr type="tMarg" refType="primFontSz" fact="0.15"/>
+            <dgm:constr type="bMarg" refType="primFontSz" fact="0.15"/>
+            <dgm:constr type="lMarg" refType="primFontSz" fact="0.3"/>
+            <dgm:constr type="rMarg" refType="primFontSz" fact="0.3"/>
+          </dgm:constrLst>
+          <dgm:ruleLst>
+            <dgm:rule type="primFontSz" val="5" fact="NaN" max="NaN"/>
+          </dgm:ruleLst>
+        </dgm:layoutNode>
+        <dgm:choose name="Name8">
+          <dgm:if name="Name9" axis="ch" ptType="node" func="cnt" op="gte" val="1">
+            <dgm:layoutNode name="descendantText" styleLbl="alignAccFollowNode1">
+              <dgm:varLst>
+                <dgm:bulletEnabled val="1"/>
+              </dgm:varLst>
+              <dgm:alg type="tx">
+                <dgm:param type="stBulletLvl" val="1"/>
+                <dgm:param type="txAnchorVertCh" val="mid"/>
+              </dgm:alg>
+              <dgm:choose name="Name10">
+                <dgm:if name="Name11" func="var" arg="dir" op="equ" val="norm">
+                  <dgm:shape xmlns:r="http://schemas.openxmlformats.org/officeDocument/2006/relationships" rot="90" type="round2SameRect" r:blip="">
+                    <dgm:adjLst/>
+                  </dgm:shape>
+                </dgm:if>
+                <dgm:else name="Name12">
+                  <dgm:shape xmlns:r="http://schemas.openxmlformats.org/officeDocument/2006/relationships" rot="-90" type="round2SameRect" r:blip="">
+                    <dgm:adjLst/>
+                  </dgm:shape>
+                </dgm:else>
+              </dgm:choose>
+              <dgm:presOf axis="des" ptType="node"/>
+              <dgm:constrLst>
+                <dgm:constr type="secFontSz" val="65"/>
+                <dgm:constr type="primFontSz" refType="secFontSz"/>
+                <dgm:constr type="lMarg" refType="secFontSz" fact="0.3"/>
+                <dgm:constr type="rMarg" refType="secFontSz" fact="0.3"/>
+                <dgm:constr type="tMarg" refType="secFontSz" fact="0.15"/>
+                <dgm:constr type="bMarg" refType="secFontSz" fact="0.15"/>
+              </dgm:constrLst>
+              <dgm:ruleLst>
+                <dgm:rule type="secFontSz" val="5" fact="NaN" max="NaN"/>
+              </dgm:ruleLst>
+            </dgm:layoutNode>
+          </dgm:if>
+          <dgm:else name="Name13"/>
+        </dgm:choose>
+      </dgm:layoutNode>
+      <dgm:forEach name="Name14" axis="followSib" ptType="sibTrans" cnt="1">
+        <dgm:layoutNode name="sp">
+          <dgm:alg type="sp"/>
+          <dgm:shape xmlns:r="http://schemas.openxmlformats.org/officeDocument/2006/relationships" r:blip="">
+            <dgm:adjLst/>
+          </dgm:shape>
+          <dgm:presOf/>
+          <dgm:constrLst/>
+          <dgm:ruleLst/>
+        </dgm:layoutNode>
+      </dgm:forEach>
+    </dgm:forEach>
+  </dgm:layoutNode>
+</dgm:layoutDef>
+</file>
+
+<file path=ppt/diagrams/layout5.xml><?xml version="1.0" encoding="utf-8"?>
 <dgm:layoutDef xmlns:dgm="http://schemas.openxmlformats.org/drawingml/2006/diagram" xmlns:a="http://schemas.openxmlformats.org/drawingml/2006/main" uniqueId="urn:microsoft.com/office/officeart/2005/8/layout/bProcess4">
   <dgm:title val=""/>
   <dgm:desc val=""/>
@@ -12771,6 +14582,1040 @@
 </file>
 
 <file path=ppt/diagrams/quickStyle4.xml><?xml version="1.0" encoding="utf-8"?>
+<dgm:styleDef xmlns:dgm="http://schemas.openxmlformats.org/drawingml/2006/diagram" xmlns:a="http://schemas.openxmlformats.org/drawingml/2006/main" uniqueId="urn:microsoft.com/office/officeart/2005/8/quickstyle/simple1">
+  <dgm:title val=""/>
+  <dgm:desc val=""/>
+  <dgm:catLst>
+    <dgm:cat type="simple" pri="10100"/>
+  </dgm:catLst>
+  <dgm:scene3d>
+    <a:camera prst="orthographicFront"/>
+    <a:lightRig rig="threePt" dir="t"/>
+  </dgm:scene3d>
+  <dgm:styleLbl name="node0">
+    <dgm:scene3d>
+      <a:camera prst="orthographicFront"/>
+      <a:lightRig rig="threePt" dir="t"/>
+    </dgm:scene3d>
+    <dgm:sp3d/>
+    <dgm:txPr/>
+    <dgm:style>
+      <a:lnRef idx="2">
+        <a:scrgbClr r="0" g="0" b="0"/>
+      </a:lnRef>
+      <a:fillRef idx="1">
+        <a:scrgbClr r="0" g="0" b="0"/>
+      </a:fillRef>
+      <a:effectRef idx="0">
+        <a:scrgbClr r="0" g="0" b="0"/>
+      </a:effectRef>
+      <a:fontRef idx="minor">
+        <a:schemeClr val="lt1"/>
+      </a:fontRef>
+    </dgm:style>
+  </dgm:styleLbl>
+  <dgm:styleLbl name="lnNode1">
+    <dgm:scene3d>
+      <a:camera prst="orthographicFront"/>
+      <a:lightRig rig="threePt" dir="t"/>
+    </dgm:scene3d>
+    <dgm:sp3d/>
+    <dgm:txPr/>
+    <dgm:style>
+      <a:lnRef idx="2">
+        <a:scrgbClr r="0" g="0" b="0"/>
+      </a:lnRef>
+      <a:fillRef idx="1">
+        <a:scrgbClr r="0" g="0" b="0"/>
+      </a:fillRef>
+      <a:effectRef idx="0">
+        <a:scrgbClr r="0" g="0" b="0"/>
+      </a:effectRef>
+      <a:fontRef idx="minor">
+        <a:schemeClr val="lt1"/>
+      </a:fontRef>
+    </dgm:style>
+  </dgm:styleLbl>
+  <dgm:styleLbl name="vennNode1">
+    <dgm:scene3d>
+      <a:camera prst="orthographicFront"/>
+      <a:lightRig rig="threePt" dir="t"/>
+    </dgm:scene3d>
+    <dgm:sp3d/>
+    <dgm:txPr/>
+    <dgm:style>
+      <a:lnRef idx="2">
+        <a:scrgbClr r="0" g="0" b="0"/>
+      </a:lnRef>
+      <a:fillRef idx="1">
+        <a:scrgbClr r="0" g="0" b="0"/>
+      </a:fillRef>
+      <a:effectRef idx="0">
+        <a:scrgbClr r="0" g="0" b="0"/>
+      </a:effectRef>
+      <a:fontRef idx="minor">
+        <a:schemeClr val="tx1"/>
+      </a:fontRef>
+    </dgm:style>
+  </dgm:styleLbl>
+  <dgm:styleLbl name="alignNode1">
+    <dgm:scene3d>
+      <a:camera prst="orthographicFront"/>
+      <a:lightRig rig="threePt" dir="t"/>
+    </dgm:scene3d>
+    <dgm:sp3d/>
+    <dgm:txPr/>
+    <dgm:style>
+      <a:lnRef idx="2">
+        <a:scrgbClr r="0" g="0" b="0"/>
+      </a:lnRef>
+      <a:fillRef idx="1">
+        <a:scrgbClr r="0" g="0" b="0"/>
+      </a:fillRef>
+      <a:effectRef idx="0">
+        <a:scrgbClr r="0" g="0" b="0"/>
+      </a:effectRef>
+      <a:fontRef idx="minor">
+        <a:schemeClr val="lt1"/>
+      </a:fontRef>
+    </dgm:style>
+  </dgm:styleLbl>
+  <dgm:styleLbl name="node1">
+    <dgm:scene3d>
+      <a:camera prst="orthographicFront"/>
+      <a:lightRig rig="threePt" dir="t"/>
+    </dgm:scene3d>
+    <dgm:sp3d/>
+    <dgm:txPr/>
+    <dgm:style>
+      <a:lnRef idx="2">
+        <a:scrgbClr r="0" g="0" b="0"/>
+      </a:lnRef>
+      <a:fillRef idx="1">
+        <a:scrgbClr r="0" g="0" b="0"/>
+      </a:fillRef>
+      <a:effectRef idx="0">
+        <a:scrgbClr r="0" g="0" b="0"/>
+      </a:effectRef>
+      <a:fontRef idx="minor">
+        <a:schemeClr val="lt1"/>
+      </a:fontRef>
+    </dgm:style>
+  </dgm:styleLbl>
+  <dgm:styleLbl name="node2">
+    <dgm:scene3d>
+      <a:camera prst="orthographicFront"/>
+      <a:lightRig rig="threePt" dir="t"/>
+    </dgm:scene3d>
+    <dgm:sp3d/>
+    <dgm:txPr/>
+    <dgm:style>
+      <a:lnRef idx="2">
+        <a:scrgbClr r="0" g="0" b="0"/>
+      </a:lnRef>
+      <a:fillRef idx="1">
+        <a:scrgbClr r="0" g="0" b="0"/>
+      </a:fillRef>
+      <a:effectRef idx="0">
+        <a:scrgbClr r="0" g="0" b="0"/>
+      </a:effectRef>
+      <a:fontRef idx="minor">
+        <a:schemeClr val="lt1"/>
+      </a:fontRef>
+    </dgm:style>
+  </dgm:styleLbl>
+  <dgm:styleLbl name="node3">
+    <dgm:scene3d>
+      <a:camera prst="orthographicFront"/>
+      <a:lightRig rig="threePt" dir="t"/>
+    </dgm:scene3d>
+    <dgm:sp3d/>
+    <dgm:txPr/>
+    <dgm:style>
+      <a:lnRef idx="2">
+        <a:scrgbClr r="0" g="0" b="0"/>
+      </a:lnRef>
+      <a:fillRef idx="1">
+        <a:scrgbClr r="0" g="0" b="0"/>
+      </a:fillRef>
+      <a:effectRef idx="0">
+        <a:scrgbClr r="0" g="0" b="0"/>
+      </a:effectRef>
+      <a:fontRef idx="minor">
+        <a:schemeClr val="lt1"/>
+      </a:fontRef>
+    </dgm:style>
+  </dgm:styleLbl>
+  <dgm:styleLbl name="node4">
+    <dgm:scene3d>
+      <a:camera prst="orthographicFront"/>
+      <a:lightRig rig="threePt" dir="t"/>
+    </dgm:scene3d>
+    <dgm:sp3d/>
+    <dgm:txPr/>
+    <dgm:style>
+      <a:lnRef idx="2">
+        <a:scrgbClr r="0" g="0" b="0"/>
+      </a:lnRef>
+      <a:fillRef idx="1">
+        <a:scrgbClr r="0" g="0" b="0"/>
+      </a:fillRef>
+      <a:effectRef idx="0">
+        <a:scrgbClr r="0" g="0" b="0"/>
+      </a:effectRef>
+      <a:fontRef idx="minor">
+        <a:schemeClr val="lt1"/>
+      </a:fontRef>
+    </dgm:style>
+  </dgm:styleLbl>
+  <dgm:styleLbl name="fgImgPlace1">
+    <dgm:scene3d>
+      <a:camera prst="orthographicFront"/>
+      <a:lightRig rig="threePt" dir="t"/>
+    </dgm:scene3d>
+    <dgm:sp3d/>
+    <dgm:txPr/>
+    <dgm:style>
+      <a:lnRef idx="2">
+        <a:scrgbClr r="0" g="0" b="0"/>
+      </a:lnRef>
+      <a:fillRef idx="1">
+        <a:scrgbClr r="0" g="0" b="0"/>
+      </a:fillRef>
+      <a:effectRef idx="0">
+        <a:scrgbClr r="0" g="0" b="0"/>
+      </a:effectRef>
+      <a:fontRef idx="minor"/>
+    </dgm:style>
+  </dgm:styleLbl>
+  <dgm:styleLbl name="alignImgPlace1">
+    <dgm:scene3d>
+      <a:camera prst="orthographicFront"/>
+      <a:lightRig rig="threePt" dir="t"/>
+    </dgm:scene3d>
+    <dgm:sp3d/>
+    <dgm:txPr/>
+    <dgm:style>
+      <a:lnRef idx="2">
+        <a:scrgbClr r="0" g="0" b="0"/>
+      </a:lnRef>
+      <a:fillRef idx="1">
+        <a:scrgbClr r="0" g="0" b="0"/>
+      </a:fillRef>
+      <a:effectRef idx="0">
+        <a:scrgbClr r="0" g="0" b="0"/>
+      </a:effectRef>
+      <a:fontRef idx="minor"/>
+    </dgm:style>
+  </dgm:styleLbl>
+  <dgm:styleLbl name="bgImgPlace1">
+    <dgm:scene3d>
+      <a:camera prst="orthographicFront"/>
+      <a:lightRig rig="threePt" dir="t"/>
+    </dgm:scene3d>
+    <dgm:sp3d/>
+    <dgm:txPr/>
+    <dgm:style>
+      <a:lnRef idx="2">
+        <a:scrgbClr r="0" g="0" b="0"/>
+      </a:lnRef>
+      <a:fillRef idx="1">
+        <a:scrgbClr r="0" g="0" b="0"/>
+      </a:fillRef>
+      <a:effectRef idx="0">
+        <a:scrgbClr r="0" g="0" b="0"/>
+      </a:effectRef>
+      <a:fontRef idx="minor"/>
+    </dgm:style>
+  </dgm:styleLbl>
+  <dgm:styleLbl name="sibTrans2D1">
+    <dgm:scene3d>
+      <a:camera prst="orthographicFront"/>
+      <a:lightRig rig="threePt" dir="t"/>
+    </dgm:scene3d>
+    <dgm:sp3d/>
+    <dgm:txPr/>
+    <dgm:style>
+      <a:lnRef idx="0">
+        <a:scrgbClr r="0" g="0" b="0"/>
+      </a:lnRef>
+      <a:fillRef idx="1">
+        <a:scrgbClr r="0" g="0" b="0"/>
+      </a:fillRef>
+      <a:effectRef idx="0">
+        <a:scrgbClr r="0" g="0" b="0"/>
+      </a:effectRef>
+      <a:fontRef idx="minor">
+        <a:schemeClr val="lt1"/>
+      </a:fontRef>
+    </dgm:style>
+  </dgm:styleLbl>
+  <dgm:styleLbl name="fgSibTrans2D1">
+    <dgm:scene3d>
+      <a:camera prst="orthographicFront"/>
+      <a:lightRig rig="threePt" dir="t"/>
+    </dgm:scene3d>
+    <dgm:sp3d/>
+    <dgm:txPr/>
+    <dgm:style>
+      <a:lnRef idx="0">
+        <a:scrgbClr r="0" g="0" b="0"/>
+      </a:lnRef>
+      <a:fillRef idx="1">
+        <a:scrgbClr r="0" g="0" b="0"/>
+      </a:fillRef>
+      <a:effectRef idx="0">
+        <a:scrgbClr r="0" g="0" b="0"/>
+      </a:effectRef>
+      <a:fontRef idx="minor">
+        <a:schemeClr val="lt1"/>
+      </a:fontRef>
+    </dgm:style>
+  </dgm:styleLbl>
+  <dgm:styleLbl name="bgSibTrans2D1">
+    <dgm:scene3d>
+      <a:camera prst="orthographicFront"/>
+      <a:lightRig rig="threePt" dir="t"/>
+    </dgm:scene3d>
+    <dgm:sp3d/>
+    <dgm:txPr/>
+    <dgm:style>
+      <a:lnRef idx="0">
+        <a:scrgbClr r="0" g="0" b="0"/>
+      </a:lnRef>
+      <a:fillRef idx="1">
+        <a:scrgbClr r="0" g="0" b="0"/>
+      </a:fillRef>
+      <a:effectRef idx="0">
+        <a:scrgbClr r="0" g="0" b="0"/>
+      </a:effectRef>
+      <a:fontRef idx="minor">
+        <a:schemeClr val="lt1"/>
+      </a:fontRef>
+    </dgm:style>
+  </dgm:styleLbl>
+  <dgm:styleLbl name="sibTrans1D1">
+    <dgm:scene3d>
+      <a:camera prst="orthographicFront"/>
+      <a:lightRig rig="threePt" dir="t"/>
+    </dgm:scene3d>
+    <dgm:sp3d/>
+    <dgm:txPr/>
+    <dgm:style>
+      <a:lnRef idx="1">
+        <a:scrgbClr r="0" g="0" b="0"/>
+      </a:lnRef>
+      <a:fillRef idx="0">
+        <a:scrgbClr r="0" g="0" b="0"/>
+      </a:fillRef>
+      <a:effectRef idx="0">
+        <a:scrgbClr r="0" g="0" b="0"/>
+      </a:effectRef>
+      <a:fontRef idx="minor"/>
+    </dgm:style>
+  </dgm:styleLbl>
+  <dgm:styleLbl name="callout">
+    <dgm:scene3d>
+      <a:camera prst="orthographicFront"/>
+      <a:lightRig rig="threePt" dir="t"/>
+    </dgm:scene3d>
+    <dgm:sp3d/>
+    <dgm:txPr/>
+    <dgm:style>
+      <a:lnRef idx="2">
+        <a:scrgbClr r="0" g="0" b="0"/>
+      </a:lnRef>
+      <a:fillRef idx="1">
+        <a:scrgbClr r="0" g="0" b="0"/>
+      </a:fillRef>
+      <a:effectRef idx="0">
+        <a:scrgbClr r="0" g="0" b="0"/>
+      </a:effectRef>
+      <a:fontRef idx="minor"/>
+    </dgm:style>
+  </dgm:styleLbl>
+  <dgm:styleLbl name="asst0">
+    <dgm:scene3d>
+      <a:camera prst="orthographicFront"/>
+      <a:lightRig rig="threePt" dir="t"/>
+    </dgm:scene3d>
+    <dgm:sp3d/>
+    <dgm:txPr/>
+    <dgm:style>
+      <a:lnRef idx="2">
+        <a:scrgbClr r="0" g="0" b="0"/>
+      </a:lnRef>
+      <a:fillRef idx="1">
+        <a:scrgbClr r="0" g="0" b="0"/>
+      </a:fillRef>
+      <a:effectRef idx="0">
+        <a:scrgbClr r="0" g="0" b="0"/>
+      </a:effectRef>
+      <a:fontRef idx="minor">
+        <a:schemeClr val="lt1"/>
+      </a:fontRef>
+    </dgm:style>
+  </dgm:styleLbl>
+  <dgm:styleLbl name="asst1">
+    <dgm:scene3d>
+      <a:camera prst="orthographicFront"/>
+      <a:lightRig rig="threePt" dir="t"/>
+    </dgm:scene3d>
+    <dgm:sp3d/>
+    <dgm:txPr/>
+    <dgm:style>
+      <a:lnRef idx="2">
+        <a:scrgbClr r="0" g="0" b="0"/>
+      </a:lnRef>
+      <a:fillRef idx="1">
+        <a:scrgbClr r="0" g="0" b="0"/>
+      </a:fillRef>
+      <a:effectRef idx="0">
+        <a:scrgbClr r="0" g="0" b="0"/>
+      </a:effectRef>
+      <a:fontRef idx="minor">
+        <a:schemeClr val="lt1"/>
+      </a:fontRef>
+    </dgm:style>
+  </dgm:styleLbl>
+  <dgm:styleLbl name="asst2">
+    <dgm:scene3d>
+      <a:camera prst="orthographicFront"/>
+      <a:lightRig rig="threePt" dir="t"/>
+    </dgm:scene3d>
+    <dgm:sp3d/>
+    <dgm:txPr/>
+    <dgm:style>
+      <a:lnRef idx="2">
+        <a:scrgbClr r="0" g="0" b="0"/>
+      </a:lnRef>
+      <a:fillRef idx="1">
+        <a:scrgbClr r="0" g="0" b="0"/>
+      </a:fillRef>
+      <a:effectRef idx="0">
+        <a:scrgbClr r="0" g="0" b="0"/>
+      </a:effectRef>
+      <a:fontRef idx="minor">
+        <a:schemeClr val="lt1"/>
+      </a:fontRef>
+    </dgm:style>
+  </dgm:styleLbl>
+  <dgm:styleLbl name="asst3">
+    <dgm:scene3d>
+      <a:camera prst="orthographicFront"/>
+      <a:lightRig rig="threePt" dir="t"/>
+    </dgm:scene3d>
+    <dgm:sp3d/>
+    <dgm:txPr/>
+    <dgm:style>
+      <a:lnRef idx="2">
+        <a:scrgbClr r="0" g="0" b="0"/>
+      </a:lnRef>
+      <a:fillRef idx="1">
+        <a:scrgbClr r="0" g="0" b="0"/>
+      </a:fillRef>
+      <a:effectRef idx="0">
+        <a:scrgbClr r="0" g="0" b="0"/>
+      </a:effectRef>
+      <a:fontRef idx="minor">
+        <a:schemeClr val="lt1"/>
+      </a:fontRef>
+    </dgm:style>
+  </dgm:styleLbl>
+  <dgm:styleLbl name="asst4">
+    <dgm:scene3d>
+      <a:camera prst="orthographicFront"/>
+      <a:lightRig rig="threePt" dir="t"/>
+    </dgm:scene3d>
+    <dgm:sp3d/>
+    <dgm:txPr/>
+    <dgm:style>
+      <a:lnRef idx="2">
+        <a:scrgbClr r="0" g="0" b="0"/>
+      </a:lnRef>
+      <a:fillRef idx="1">
+        <a:scrgbClr r="0" g="0" b="0"/>
+      </a:fillRef>
+      <a:effectRef idx="0">
+        <a:scrgbClr r="0" g="0" b="0"/>
+      </a:effectRef>
+      <a:fontRef idx="minor">
+        <a:schemeClr val="lt1"/>
+      </a:fontRef>
+    </dgm:style>
+  </dgm:styleLbl>
+  <dgm:styleLbl name="parChTrans2D1">
+    <dgm:scene3d>
+      <a:camera prst="orthographicFront"/>
+      <a:lightRig rig="threePt" dir="t"/>
+    </dgm:scene3d>
+    <dgm:sp3d/>
+    <dgm:txPr/>
+    <dgm:style>
+      <a:lnRef idx="2">
+        <a:scrgbClr r="0" g="0" b="0"/>
+      </a:lnRef>
+      <a:fillRef idx="1">
+        <a:scrgbClr r="0" g="0" b="0"/>
+      </a:fillRef>
+      <a:effectRef idx="0">
+        <a:scrgbClr r="0" g="0" b="0"/>
+      </a:effectRef>
+      <a:fontRef idx="minor">
+        <a:schemeClr val="lt1"/>
+      </a:fontRef>
+    </dgm:style>
+  </dgm:styleLbl>
+  <dgm:styleLbl name="parChTrans2D2">
+    <dgm:scene3d>
+      <a:camera prst="orthographicFront"/>
+      <a:lightRig rig="threePt" dir="t"/>
+    </dgm:scene3d>
+    <dgm:sp3d/>
+    <dgm:txPr/>
+    <dgm:style>
+      <a:lnRef idx="2">
+        <a:scrgbClr r="0" g="0" b="0"/>
+      </a:lnRef>
+      <a:fillRef idx="1">
+        <a:scrgbClr r="0" g="0" b="0"/>
+      </a:fillRef>
+      <a:effectRef idx="0">
+        <a:scrgbClr r="0" g="0" b="0"/>
+      </a:effectRef>
+      <a:fontRef idx="minor">
+        <a:schemeClr val="lt1"/>
+      </a:fontRef>
+    </dgm:style>
+  </dgm:styleLbl>
+  <dgm:styleLbl name="parChTrans2D3">
+    <dgm:scene3d>
+      <a:camera prst="orthographicFront"/>
+      <a:lightRig rig="threePt" dir="t"/>
+    </dgm:scene3d>
+    <dgm:sp3d/>
+    <dgm:txPr/>
+    <dgm:style>
+      <a:lnRef idx="2">
+        <a:scrgbClr r="0" g="0" b="0"/>
+      </a:lnRef>
+      <a:fillRef idx="1">
+        <a:scrgbClr r="0" g="0" b="0"/>
+      </a:fillRef>
+      <a:effectRef idx="0">
+        <a:scrgbClr r="0" g="0" b="0"/>
+      </a:effectRef>
+      <a:fontRef idx="minor">
+        <a:schemeClr val="lt1"/>
+      </a:fontRef>
+    </dgm:style>
+  </dgm:styleLbl>
+  <dgm:styleLbl name="parChTrans2D4">
+    <dgm:scene3d>
+      <a:camera prst="orthographicFront"/>
+      <a:lightRig rig="threePt" dir="t"/>
+    </dgm:scene3d>
+    <dgm:sp3d/>
+    <dgm:txPr/>
+    <dgm:style>
+      <a:lnRef idx="2">
+        <a:scrgbClr r="0" g="0" b="0"/>
+      </a:lnRef>
+      <a:fillRef idx="1">
+        <a:scrgbClr r="0" g="0" b="0"/>
+      </a:fillRef>
+      <a:effectRef idx="0">
+        <a:scrgbClr r="0" g="0" b="0"/>
+      </a:effectRef>
+      <a:fontRef idx="minor">
+        <a:schemeClr val="lt1"/>
+      </a:fontRef>
+    </dgm:style>
+  </dgm:styleLbl>
+  <dgm:styleLbl name="parChTrans1D1">
+    <dgm:scene3d>
+      <a:camera prst="orthographicFront"/>
+      <a:lightRig rig="threePt" dir="t"/>
+    </dgm:scene3d>
+    <dgm:sp3d/>
+    <dgm:txPr/>
+    <dgm:style>
+      <a:lnRef idx="2">
+        <a:scrgbClr r="0" g="0" b="0"/>
+      </a:lnRef>
+      <a:fillRef idx="0">
+        <a:scrgbClr r="0" g="0" b="0"/>
+      </a:fillRef>
+      <a:effectRef idx="0">
+        <a:scrgbClr r="0" g="0" b="0"/>
+      </a:effectRef>
+      <a:fontRef idx="minor"/>
+    </dgm:style>
+  </dgm:styleLbl>
+  <dgm:styleLbl name="parChTrans1D2">
+    <dgm:scene3d>
+      <a:camera prst="orthographicFront"/>
+      <a:lightRig rig="threePt" dir="t"/>
+    </dgm:scene3d>
+    <dgm:sp3d/>
+    <dgm:txPr/>
+    <dgm:style>
+      <a:lnRef idx="2">
+        <a:scrgbClr r="0" g="0" b="0"/>
+      </a:lnRef>
+      <a:fillRef idx="0">
+        <a:scrgbClr r="0" g="0" b="0"/>
+      </a:fillRef>
+      <a:effectRef idx="0">
+        <a:scrgbClr r="0" g="0" b="0"/>
+      </a:effectRef>
+      <a:fontRef idx="minor"/>
+    </dgm:style>
+  </dgm:styleLbl>
+  <dgm:styleLbl name="parChTrans1D3">
+    <dgm:scene3d>
+      <a:camera prst="orthographicFront"/>
+      <a:lightRig rig="threePt" dir="t"/>
+    </dgm:scene3d>
+    <dgm:sp3d/>
+    <dgm:txPr/>
+    <dgm:style>
+      <a:lnRef idx="2">
+        <a:scrgbClr r="0" g="0" b="0"/>
+      </a:lnRef>
+      <a:fillRef idx="0">
+        <a:scrgbClr r="0" g="0" b="0"/>
+      </a:fillRef>
+      <a:effectRef idx="0">
+        <a:scrgbClr r="0" g="0" b="0"/>
+      </a:effectRef>
+      <a:fontRef idx="minor"/>
+    </dgm:style>
+  </dgm:styleLbl>
+  <dgm:styleLbl name="parChTrans1D4">
+    <dgm:scene3d>
+      <a:camera prst="orthographicFront"/>
+      <a:lightRig rig="threePt" dir="t"/>
+    </dgm:scene3d>
+    <dgm:sp3d/>
+    <dgm:txPr/>
+    <dgm:style>
+      <a:lnRef idx="2">
+        <a:scrgbClr r="0" g="0" b="0"/>
+      </a:lnRef>
+      <a:fillRef idx="0">
+        <a:scrgbClr r="0" g="0" b="0"/>
+      </a:fillRef>
+      <a:effectRef idx="0">
+        <a:scrgbClr r="0" g="0" b="0"/>
+      </a:effectRef>
+      <a:fontRef idx="minor"/>
+    </dgm:style>
+  </dgm:styleLbl>
+  <dgm:styleLbl name="fgAcc1">
+    <dgm:scene3d>
+      <a:camera prst="orthographicFront"/>
+      <a:lightRig rig="threePt" dir="t"/>
+    </dgm:scene3d>
+    <dgm:sp3d/>
+    <dgm:txPr/>
+    <dgm:style>
+      <a:lnRef idx="2">
+        <a:scrgbClr r="0" g="0" b="0"/>
+      </a:lnRef>
+      <a:fillRef idx="1">
+        <a:scrgbClr r="0" g="0" b="0"/>
+      </a:fillRef>
+      <a:effectRef idx="0">
+        <a:scrgbClr r="0" g="0" b="0"/>
+      </a:effectRef>
+      <a:fontRef idx="minor"/>
+    </dgm:style>
+  </dgm:styleLbl>
+  <dgm:styleLbl name="conFgAcc1">
+    <dgm:scene3d>
+      <a:camera prst="orthographicFront"/>
+      <a:lightRig rig="threePt" dir="t"/>
+    </dgm:scene3d>
+    <dgm:sp3d/>
+    <dgm:txPr/>
+    <dgm:style>
+      <a:lnRef idx="2">
+        <a:scrgbClr r="0" g="0" b="0"/>
+      </a:lnRef>
+      <a:fillRef idx="1">
+        <a:scrgbClr r="0" g="0" b="0"/>
+      </a:fillRef>
+      <a:effectRef idx="0">
+        <a:scrgbClr r="0" g="0" b="0"/>
+      </a:effectRef>
+      <a:fontRef idx="minor"/>
+    </dgm:style>
+  </dgm:styleLbl>
+  <dgm:styleLbl name="alignAcc1">
+    <dgm:scene3d>
+      <a:camera prst="orthographicFront"/>
+      <a:lightRig rig="threePt" dir="t"/>
+    </dgm:scene3d>
+    <dgm:sp3d/>
+    <dgm:txPr/>
+    <dgm:style>
+      <a:lnRef idx="2">
+        <a:scrgbClr r="0" g="0" b="0"/>
+      </a:lnRef>
+      <a:fillRef idx="1">
+        <a:scrgbClr r="0" g="0" b="0"/>
+      </a:fillRef>
+      <a:effectRef idx="0">
+        <a:scrgbClr r="0" g="0" b="0"/>
+      </a:effectRef>
+      <a:fontRef idx="minor"/>
+    </dgm:style>
+  </dgm:styleLbl>
+  <dgm:styleLbl name="trAlignAcc1">
+    <dgm:scene3d>
+      <a:camera prst="orthographicFront"/>
+      <a:lightRig rig="threePt" dir="t"/>
+    </dgm:scene3d>
+    <dgm:sp3d/>
+    <dgm:txPr/>
+    <dgm:style>
+      <a:lnRef idx="1">
+        <a:scrgbClr r="0" g="0" b="0"/>
+      </a:lnRef>
+      <a:fillRef idx="1">
+        <a:scrgbClr r="0" g="0" b="0"/>
+      </a:fillRef>
+      <a:effectRef idx="0">
+        <a:scrgbClr r="0" g="0" b="0"/>
+      </a:effectRef>
+      <a:fontRef idx="minor"/>
+    </dgm:style>
+  </dgm:styleLbl>
+  <dgm:styleLbl name="bgAcc1">
+    <dgm:scene3d>
+      <a:camera prst="orthographicFront"/>
+      <a:lightRig rig="threePt" dir="t"/>
+    </dgm:scene3d>
+    <dgm:sp3d/>
+    <dgm:txPr/>
+    <dgm:style>
+      <a:lnRef idx="2">
+        <a:scrgbClr r="0" g="0" b="0"/>
+      </a:lnRef>
+      <a:fillRef idx="1">
+        <a:scrgbClr r="0" g="0" b="0"/>
+      </a:fillRef>
+      <a:effectRef idx="0">
+        <a:scrgbClr r="0" g="0" b="0"/>
+      </a:effectRef>
+      <a:fontRef idx="minor"/>
+    </dgm:style>
+  </dgm:styleLbl>
+  <dgm:styleLbl name="solidFgAcc1">
+    <dgm:scene3d>
+      <a:camera prst="orthographicFront"/>
+      <a:lightRig rig="threePt" dir="t"/>
+    </dgm:scene3d>
+    <dgm:sp3d/>
+    <dgm:txPr/>
+    <dgm:style>
+      <a:lnRef idx="2">
+        <a:scrgbClr r="0" g="0" b="0"/>
+      </a:lnRef>
+      <a:fillRef idx="1">
+        <a:scrgbClr r="0" g="0" b="0"/>
+      </a:fillRef>
+      <a:effectRef idx="0">
+        <a:scrgbClr r="0" g="0" b="0"/>
+      </a:effectRef>
+      <a:fontRef idx="minor"/>
+    </dgm:style>
+  </dgm:styleLbl>
+  <dgm:styleLbl name="solidAlignAcc1">
+    <dgm:scene3d>
+      <a:camera prst="orthographicFront"/>
+      <a:lightRig rig="threePt" dir="t"/>
+    </dgm:scene3d>
+    <dgm:sp3d/>
+    <dgm:txPr/>
+    <dgm:style>
+      <a:lnRef idx="2">
+        <a:scrgbClr r="0" g="0" b="0"/>
+      </a:lnRef>
+      <a:fillRef idx="1">
+        <a:scrgbClr r="0" g="0" b="0"/>
+      </a:fillRef>
+      <a:effectRef idx="0">
+        <a:scrgbClr r="0" g="0" b="0"/>
+      </a:effectRef>
+      <a:fontRef idx="minor"/>
+    </dgm:style>
+  </dgm:styleLbl>
+  <dgm:styleLbl name="solidBgAcc1">
+    <dgm:scene3d>
+      <a:camera prst="orthographicFront"/>
+      <a:lightRig rig="threePt" dir="t"/>
+    </dgm:scene3d>
+    <dgm:sp3d/>
+    <dgm:txPr/>
+    <dgm:style>
+      <a:lnRef idx="2">
+        <a:scrgbClr r="0" g="0" b="0"/>
+      </a:lnRef>
+      <a:fillRef idx="1">
+        <a:scrgbClr r="0" g="0" b="0"/>
+      </a:fillRef>
+      <a:effectRef idx="0">
+        <a:scrgbClr r="0" g="0" b="0"/>
+      </a:effectRef>
+      <a:fontRef idx="minor"/>
+    </dgm:style>
+  </dgm:styleLbl>
+  <dgm:styleLbl name="fgAccFollowNode1">
+    <dgm:scene3d>
+      <a:camera prst="orthographicFront"/>
+      <a:lightRig rig="threePt" dir="t"/>
+    </dgm:scene3d>
+    <dgm:sp3d/>
+    <dgm:txPr/>
+    <dgm:style>
+      <a:lnRef idx="2">
+        <a:scrgbClr r="0" g="0" b="0"/>
+      </a:lnRef>
+      <a:fillRef idx="1">
+        <a:scrgbClr r="0" g="0" b="0"/>
+      </a:fillRef>
+      <a:effectRef idx="0">
+        <a:scrgbClr r="0" g="0" b="0"/>
+      </a:effectRef>
+      <a:fontRef idx="minor"/>
+    </dgm:style>
+  </dgm:styleLbl>
+  <dgm:styleLbl name="alignAccFollowNode1">
+    <dgm:scene3d>
+      <a:camera prst="orthographicFront"/>
+      <a:lightRig rig="threePt" dir="t"/>
+    </dgm:scene3d>
+    <dgm:sp3d/>
+    <dgm:txPr/>
+    <dgm:style>
+      <a:lnRef idx="2">
+        <a:scrgbClr r="0" g="0" b="0"/>
+      </a:lnRef>
+      <a:fillRef idx="1">
+        <a:scrgbClr r="0" g="0" b="0"/>
+      </a:fillRef>
+      <a:effectRef idx="0">
+        <a:scrgbClr r="0" g="0" b="0"/>
+      </a:effectRef>
+      <a:fontRef idx="minor"/>
+    </dgm:style>
+  </dgm:styleLbl>
+  <dgm:styleLbl name="bgAccFollowNode1">
+    <dgm:scene3d>
+      <a:camera prst="orthographicFront"/>
+      <a:lightRig rig="threePt" dir="t"/>
+    </dgm:scene3d>
+    <dgm:sp3d/>
+    <dgm:txPr/>
+    <dgm:style>
+      <a:lnRef idx="2">
+        <a:scrgbClr r="0" g="0" b="0"/>
+      </a:lnRef>
+      <a:fillRef idx="1">
+        <a:scrgbClr r="0" g="0" b="0"/>
+      </a:fillRef>
+      <a:effectRef idx="0">
+        <a:scrgbClr r="0" g="0" b="0"/>
+      </a:effectRef>
+      <a:fontRef idx="minor"/>
+    </dgm:style>
+  </dgm:styleLbl>
+  <dgm:styleLbl name="fgAcc0">
+    <dgm:scene3d>
+      <a:camera prst="orthographicFront"/>
+      <a:lightRig rig="threePt" dir="t"/>
+    </dgm:scene3d>
+    <dgm:sp3d/>
+    <dgm:txPr/>
+    <dgm:style>
+      <a:lnRef idx="2">
+        <a:scrgbClr r="0" g="0" b="0"/>
+      </a:lnRef>
+      <a:fillRef idx="1">
+        <a:scrgbClr r="0" g="0" b="0"/>
+      </a:fillRef>
+      <a:effectRef idx="0">
+        <a:scrgbClr r="0" g="0" b="0"/>
+      </a:effectRef>
+      <a:fontRef idx="minor"/>
+    </dgm:style>
+  </dgm:styleLbl>
+  <dgm:styleLbl name="fgAcc2">
+    <dgm:scene3d>
+      <a:camera prst="orthographicFront"/>
+      <a:lightRig rig="threePt" dir="t"/>
+    </dgm:scene3d>
+    <dgm:sp3d/>
+    <dgm:txPr/>
+    <dgm:style>
+      <a:lnRef idx="2">
+        <a:scrgbClr r="0" g="0" b="0"/>
+      </a:lnRef>
+      <a:fillRef idx="1">
+        <a:scrgbClr r="0" g="0" b="0"/>
+      </a:fillRef>
+      <a:effectRef idx="0">
+        <a:scrgbClr r="0" g="0" b="0"/>
+      </a:effectRef>
+      <a:fontRef idx="minor"/>
+    </dgm:style>
+  </dgm:styleLbl>
+  <dgm:styleLbl name="fgAcc3">
+    <dgm:scene3d>
+      <a:camera prst="orthographicFront"/>
+      <a:lightRig rig="threePt" dir="t"/>
+    </dgm:scene3d>
+    <dgm:sp3d/>
+    <dgm:txPr/>
+    <dgm:style>
+      <a:lnRef idx="2">
+        <a:scrgbClr r="0" g="0" b="0"/>
+      </a:lnRef>
+      <a:fillRef idx="1">
+        <a:scrgbClr r="0" g="0" b="0"/>
+      </a:fillRef>
+      <a:effectRef idx="0">
+        <a:scrgbClr r="0" g="0" b="0"/>
+      </a:effectRef>
+      <a:fontRef idx="minor"/>
+    </dgm:style>
+  </dgm:styleLbl>
+  <dgm:styleLbl name="fgAcc4">
+    <dgm:scene3d>
+      <a:camera prst="orthographicFront"/>
+      <a:lightRig rig="threePt" dir="t"/>
+    </dgm:scene3d>
+    <dgm:sp3d/>
+    <dgm:txPr/>
+    <dgm:style>
+      <a:lnRef idx="2">
+        <a:scrgbClr r="0" g="0" b="0"/>
+      </a:lnRef>
+      <a:fillRef idx="1">
+        <a:scrgbClr r="0" g="0" b="0"/>
+      </a:fillRef>
+      <a:effectRef idx="0">
+        <a:scrgbClr r="0" g="0" b="0"/>
+      </a:effectRef>
+      <a:fontRef idx="minor"/>
+    </dgm:style>
+  </dgm:styleLbl>
+  <dgm:styleLbl name="bgShp">
+    <dgm:scene3d>
+      <a:camera prst="orthographicFront"/>
+      <a:lightRig rig="threePt" dir="t"/>
+    </dgm:scene3d>
+    <dgm:sp3d/>
+    <dgm:txPr/>
+    <dgm:style>
+      <a:lnRef idx="0">
+        <a:scrgbClr r="0" g="0" b="0"/>
+      </a:lnRef>
+      <a:fillRef idx="1">
+        <a:scrgbClr r="0" g="0" b="0"/>
+      </a:fillRef>
+      <a:effectRef idx="0">
+        <a:scrgbClr r="0" g="0" b="0"/>
+      </a:effectRef>
+      <a:fontRef idx="minor"/>
+    </dgm:style>
+  </dgm:styleLbl>
+  <dgm:styleLbl name="dkBgShp">
+    <dgm:scene3d>
+      <a:camera prst="orthographicFront"/>
+      <a:lightRig rig="threePt" dir="t"/>
+    </dgm:scene3d>
+    <dgm:sp3d/>
+    <dgm:txPr/>
+    <dgm:style>
+      <a:lnRef idx="0">
+        <a:scrgbClr r="0" g="0" b="0"/>
+      </a:lnRef>
+      <a:fillRef idx="1">
+        <a:scrgbClr r="0" g="0" b="0"/>
+      </a:fillRef>
+      <a:effectRef idx="0">
+        <a:scrgbClr r="0" g="0" b="0"/>
+      </a:effectRef>
+      <a:fontRef idx="minor"/>
+    </dgm:style>
+  </dgm:styleLbl>
+  <dgm:styleLbl name="trBgShp">
+    <dgm:scene3d>
+      <a:camera prst="orthographicFront"/>
+      <a:lightRig rig="threePt" dir="t"/>
+    </dgm:scene3d>
+    <dgm:sp3d/>
+    <dgm:txPr/>
+    <dgm:style>
+      <a:lnRef idx="0">
+        <a:scrgbClr r="0" g="0" b="0"/>
+      </a:lnRef>
+      <a:fillRef idx="1">
+        <a:scrgbClr r="0" g="0" b="0"/>
+      </a:fillRef>
+      <a:effectRef idx="0">
+        <a:scrgbClr r="0" g="0" b="0"/>
+      </a:effectRef>
+      <a:fontRef idx="minor"/>
+    </dgm:style>
+  </dgm:styleLbl>
+  <dgm:styleLbl name="fgShp">
+    <dgm:scene3d>
+      <a:camera prst="orthographicFront"/>
+      <a:lightRig rig="threePt" dir="t"/>
+    </dgm:scene3d>
+    <dgm:sp3d/>
+    <dgm:txPr/>
+    <dgm:style>
+      <a:lnRef idx="2">
+        <a:scrgbClr r="0" g="0" b="0"/>
+      </a:lnRef>
+      <a:fillRef idx="1">
+        <a:scrgbClr r="0" g="0" b="0"/>
+      </a:fillRef>
+      <a:effectRef idx="0">
+        <a:scrgbClr r="0" g="0" b="0"/>
+      </a:effectRef>
+      <a:fontRef idx="minor"/>
+    </dgm:style>
+  </dgm:styleLbl>
+  <dgm:styleLbl name="revTx">
+    <dgm:scene3d>
+      <a:camera prst="orthographicFront"/>
+      <a:lightRig rig="threePt" dir="t"/>
+    </dgm:scene3d>
+    <dgm:sp3d/>
+    <dgm:txPr/>
+    <dgm:style>
+      <a:lnRef idx="0">
+        <a:scrgbClr r="0" g="0" b="0"/>
+      </a:lnRef>
+      <a:fillRef idx="0">
+        <a:scrgbClr r="0" g="0" b="0"/>
+      </a:fillRef>
+      <a:effectRef idx="0">
+        <a:scrgbClr r="0" g="0" b="0"/>
+      </a:effectRef>
+      <a:fontRef idx="minor"/>
+    </dgm:style>
+  </dgm:styleLbl>
+</dgm:styleDef>
+</file>
+
+<file path=ppt/diagrams/quickStyle5.xml><?xml version="1.0" encoding="utf-8"?>
 <dgm:styleDef xmlns:dgm="http://schemas.openxmlformats.org/drawingml/2006/diagram" xmlns:a="http://schemas.openxmlformats.org/drawingml/2006/main" uniqueId="urn:microsoft.com/office/officeart/2005/8/quickstyle/simple1">
   <dgm:title val=""/>
   <dgm:desc val=""/>
@@ -17724,7 +20569,7 @@
         <p:spPr>
           <a:xfrm>
             <a:off x="2965888" y="8623684"/>
-            <a:ext cx="4300826" cy="1529309"/>
+            <a:ext cx="5042995" cy="2711723"/>
           </a:xfrm>
           <a:prstGeom prst="rect">
             <a:avLst/>
@@ -17741,6 +20586,11 @@
           </a:bodyPr>
           <a:lstStyle/>
           <a:p>
+            <a:pPr>
+              <a:lnSpc>
+                <a:spcPct val="150000"/>
+              </a:lnSpc>
+            </a:pPr>
             <a:r>
               <a:rPr dirty="0" err="1"/>
               <a:t>学生：华羽霄</a:t>
@@ -17752,6 +20602,11 @@
             <a:endParaRPr lang="en-US" dirty="0"/>
           </a:p>
           <a:p>
+            <a:pPr>
+              <a:lnSpc>
+                <a:spcPct val="150000"/>
+              </a:lnSpc>
+            </a:pPr>
             <a:r>
               <a:rPr dirty="0" err="1"/>
               <a:t>导师：陈亮名</a:t>
@@ -17763,6 +20618,11 @@
             <a:endParaRPr lang="en-US" dirty="0"/>
           </a:p>
           <a:p>
+            <a:pPr>
+              <a:lnSpc>
+                <a:spcPct val="150000"/>
+              </a:lnSpc>
+            </a:pPr>
             <a:r>
               <a:rPr dirty="0"/>
               <a:t>时间：2023年11月</a:t>
@@ -17821,22 +20681,29 @@
         </p:nvSpPr>
         <p:spPr>
           <a:xfrm>
-            <a:off x="2965888" y="5236726"/>
-            <a:ext cx="5948951" cy="1905001"/>
+            <a:off x="2965889" y="4921409"/>
+            <a:ext cx="6414594" cy="1905001"/>
           </a:xfrm>
           <a:prstGeom prst="rect">
             <a:avLst/>
           </a:prstGeom>
         </p:spPr>
         <p:txBody>
-          <a:bodyPr/>
+          <a:bodyPr>
+            <a:noAutofit/>
+          </a:bodyPr>
           <a:lstStyle/>
           <a:p>
+            <a:pPr>
+              <a:lnSpc>
+                <a:spcPct val="150000"/>
+              </a:lnSpc>
+            </a:pPr>
             <a:r>
-              <a:rPr lang="zh-CN" altLang="en-US" dirty="0"/>
+              <a:rPr lang="zh-CN" altLang="en-US" sz="6000" dirty="0"/>
               <a:t>动态环境下无人机主动避障技术研究</a:t>
             </a:r>
-            <a:endParaRPr dirty="0"/>
+            <a:endParaRPr sz="6000" dirty="0"/>
           </a:p>
         </p:txBody>
       </p:sp>
@@ -17968,7 +20835,7 @@
             </a:pPr>
             <a:r>
               <a:rPr lang="zh-CN" altLang="en-US" dirty="0"/>
-              <a:t>实验室的条件完备。</a:t>
+              <a:t>实验室的环境条件完备。</a:t>
             </a:r>
             <a:endParaRPr lang="en-US" dirty="0"/>
           </a:p>
@@ -18008,7 +20875,11 @@
             </a:pPr>
             <a:r>
               <a:rPr dirty="0" err="1"/>
-              <a:t>实验数据的准确及时采集和存储</a:t>
+              <a:t>实验数据的准确及时采集和</a:t>
+            </a:r>
+            <a:r>
+              <a:rPr lang="zh-CN" altLang="en-US" dirty="0"/>
+              <a:t>分析</a:t>
             </a:r>
             <a:r>
               <a:rPr dirty="0"/>
@@ -18343,13 +21214,13 @@
           <p:nvPr>
             <p:extLst>
               <p:ext uri="{D42A27DB-BD31-4B8C-83A1-F6EECF244321}">
-                <p14:modId xmlns:p14="http://schemas.microsoft.com/office/powerpoint/2010/main" val="2842286788"/>
+                <p14:modId xmlns:p14="http://schemas.microsoft.com/office/powerpoint/2010/main" val="178863934"/>
               </p:ext>
             </p:extLst>
           </p:nvPr>
         </p:nvGraphicFramePr>
         <p:xfrm>
-          <a:off x="-2037348" y="2705168"/>
+          <a:off x="-2208000" y="2512663"/>
           <a:ext cx="28800000" cy="9643827"/>
         </p:xfrm>
         <a:graphic>
@@ -18358,6 +21229,36 @@
           </a:graphicData>
         </a:graphic>
       </p:graphicFrame>
+      <p:pic>
+        <p:nvPicPr>
+          <p:cNvPr id="3" name="图片 2">
+            <a:extLst>
+              <a:ext uri="{FF2B5EF4-FFF2-40B4-BE49-F238E27FC236}">
+                <a16:creationId xmlns:a16="http://schemas.microsoft.com/office/drawing/2014/main" id="{D20879CA-2CBF-2F42-ED4D-026908BC7BC3}"/>
+              </a:ext>
+            </a:extLst>
+          </p:cNvPr>
+          <p:cNvPicPr>
+            <a:picLocks noChangeAspect="1"/>
+          </p:cNvPicPr>
+          <p:nvPr/>
+        </p:nvPicPr>
+        <p:blipFill>
+          <a:blip r:embed="rId7"/>
+          <a:stretch>
+            <a:fillRect/>
+          </a:stretch>
+        </p:blipFill>
+        <p:spPr>
+          <a:xfrm>
+            <a:off x="14171855" y="9475075"/>
+            <a:ext cx="10212145" cy="4240925"/>
+          </a:xfrm>
+          <a:prstGeom prst="rect">
+            <a:avLst/>
+          </a:prstGeom>
+        </p:spPr>
+      </p:pic>
     </p:spTree>
   </p:cSld>
   <p:clrMapOvr>
@@ -18452,24 +21353,16 @@
               <a:defRPr sz="4704"/>
             </a:pPr>
             <a:r>
-              <a:rPr sz="3600" dirty="0" err="1"/>
+              <a:rPr sz="3600" dirty="0"/>
               <a:t>通过</a:t>
             </a:r>
             <a:r>
-              <a:rPr lang="en-US" sz="3600" dirty="0"/>
-              <a:t> </a:t>
+              <a:rPr lang="en-US" altLang="zh-CN" sz="3600" dirty="0"/>
+              <a:t>Prometheus450</a:t>
             </a:r>
             <a:r>
-              <a:rPr lang="en-US" altLang="zh-CN" sz="3600" dirty="0"/>
-              <a:t>Prometheus450 </a:t>
-            </a:r>
-            <a:r>
-              <a:rPr sz="3600" dirty="0" err="1"/>
+              <a:rPr sz="3600" dirty="0"/>
               <a:t>搭载的</a:t>
-            </a:r>
-            <a:r>
-              <a:rPr lang="en-US" sz="3600" dirty="0"/>
-              <a:t> </a:t>
             </a:r>
             <a:r>
               <a:rPr sz="3600" dirty="0">
@@ -18477,31 +21370,11 @@
                   <a:srgbClr val="FF0000"/>
                 </a:solidFill>
               </a:rPr>
-              <a:t>T265</a:t>
+              <a:t>T265双目相机</a:t>
             </a:r>
             <a:r>
-              <a:rPr lang="en-US" sz="3600" dirty="0">
-                <a:solidFill>
-                  <a:srgbClr val="FF0000"/>
-                </a:solidFill>
-              </a:rPr>
-              <a:t> </a:t>
-            </a:r>
-            <a:r>
-              <a:rPr sz="3600" dirty="0" err="1">
-                <a:solidFill>
-                  <a:srgbClr val="FF0000"/>
-                </a:solidFill>
-              </a:rPr>
-              <a:t>双目相机</a:t>
-            </a:r>
-            <a:r>
-              <a:rPr sz="3600" dirty="0" err="1"/>
+              <a:rPr sz="3600" dirty="0"/>
               <a:t>和</a:t>
-            </a:r>
-            <a:r>
-              <a:rPr lang="en-US" sz="3600" dirty="0"/>
-              <a:t> </a:t>
             </a:r>
             <a:r>
               <a:rPr lang="en-US" sz="3600" dirty="0">
@@ -18517,7 +21390,7 @@
                   <a:srgbClr val="FF0000"/>
                 </a:solidFill>
               </a:rPr>
-              <a:t>i </a:t>
+              <a:t> </a:t>
             </a:r>
             <a:r>
               <a:rPr lang="zh-CN" altLang="en-US" sz="3600" dirty="0">
@@ -18669,8 +21542,8 @@
           </a:p>
         </p:txBody>
       </p:sp>
-      <mc:AlternateContent xmlns:mc="http://schemas.openxmlformats.org/markup-compatibility/2006">
-        <mc:Choice xmlns:a14="http://schemas.microsoft.com/office/drawing/2010/main" Requires="a14">
+      <mc:AlternateContent xmlns:mc="http://schemas.openxmlformats.org/markup-compatibility/2006" xmlns:a14="http://schemas.microsoft.com/office/drawing/2010/main">
+        <mc:Choice Requires="a14">
           <p:sp>
             <p:nvSpPr>
               <p:cNvPr id="4" name="文本占位符 3">
@@ -18806,7 +21679,7 @@
             </p:txBody>
           </p:sp>
         </mc:Choice>
-        <mc:Fallback>
+        <mc:Fallback xmlns="">
           <p:sp>
             <p:nvSpPr>
               <p:cNvPr id="4" name="文本占位符 3">
@@ -19267,106 +22140,41 @@
           </a:p>
         </p:txBody>
       </p:sp>
-      <p:sp>
-        <p:nvSpPr>
-          <p:cNvPr id="4" name="文本占位符 3">
+      <p:pic>
+        <p:nvPicPr>
+          <p:cNvPr id="6" name="图片 5">
             <a:extLst>
               <a:ext uri="{FF2B5EF4-FFF2-40B4-BE49-F238E27FC236}">
-                <a16:creationId xmlns:a16="http://schemas.microsoft.com/office/drawing/2014/main" id="{41E30DA0-C1AA-82F9-59BD-84BC2B21A741}"/>
+                <a16:creationId xmlns:a16="http://schemas.microsoft.com/office/drawing/2014/main" id="{81FEBB70-66AA-EF53-3228-51714A38F8E9}"/>
               </a:ext>
             </a:extLst>
           </p:cNvPr>
-          <p:cNvSpPr>
-            <a:spLocks noGrp="1"/>
-          </p:cNvSpPr>
-          <p:nvPr>
-            <p:ph type="body" idx="1"/>
-          </p:nvPr>
-        </p:nvSpPr>
-        <p:spPr/>
-        <p:txBody>
-          <a:bodyPr/>
-          <a:lstStyle/>
-          <a:p>
-            <a:r>
-              <a:rPr lang="zh-CN" altLang="en-US" b="0" i="0" dirty="0">
-                <a:solidFill>
-                  <a:srgbClr val="121212"/>
-                </a:solidFill>
-                <a:effectLst/>
-                <a:latin typeface="-apple-system"/>
-              </a:rPr>
-              <a:t>相比静态避障，</a:t>
-            </a:r>
-            <a:r>
-              <a:rPr lang="zh-CN" altLang="en-US" dirty="0"/>
-              <a:t>动态环境中存在运动障碍物，不仅要考虑常规的</a:t>
-            </a:r>
-            <a:r>
-              <a:rPr lang="zh-CN" altLang="en-US" dirty="0">
-                <a:solidFill>
-                  <a:srgbClr val="FF0000"/>
-                </a:solidFill>
-              </a:rPr>
-              <a:t>空间维度</a:t>
-            </a:r>
-            <a:r>
-              <a:rPr lang="zh-CN" altLang="en-US" dirty="0"/>
-              <a:t>（</a:t>
-            </a:r>
-            <a:r>
-              <a:rPr lang="zh-CN" altLang="en-US" b="0" i="0" dirty="0">
-                <a:solidFill>
-                  <a:srgbClr val="121212"/>
-                </a:solidFill>
-                <a:effectLst/>
-                <a:latin typeface="-apple-system"/>
-              </a:rPr>
-              <a:t>障碍物的位置</a:t>
-            </a:r>
-            <a:r>
-              <a:rPr lang="zh-CN" altLang="en-US" dirty="0"/>
-              <a:t>），还要考虑</a:t>
-            </a:r>
-            <a:r>
-              <a:rPr lang="zh-CN" altLang="en-US" dirty="0">
-                <a:solidFill>
-                  <a:srgbClr val="FF0000"/>
-                </a:solidFill>
-              </a:rPr>
-              <a:t>时间维度</a:t>
-            </a:r>
-            <a:r>
-              <a:rPr lang="zh-CN" altLang="en-US" dirty="0"/>
-              <a:t>（</a:t>
-            </a:r>
-            <a:r>
-              <a:rPr lang="zh-CN" altLang="en-US" b="0" i="0" dirty="0">
-                <a:solidFill>
-                  <a:srgbClr val="121212"/>
-                </a:solidFill>
-                <a:effectLst/>
-                <a:latin typeface="-apple-system"/>
-              </a:rPr>
-              <a:t>对障碍物位置进行预测</a:t>
-            </a:r>
-            <a:r>
-              <a:rPr lang="zh-CN" altLang="en-US" dirty="0"/>
-              <a:t>）。</a:t>
-            </a:r>
-            <a:endParaRPr lang="en-US" altLang="zh-CN" dirty="0"/>
-          </a:p>
-          <a:p>
-            <a:endParaRPr lang="zh-CN" altLang="en-US" dirty="0"/>
-          </a:p>
-        </p:txBody>
-      </p:sp>
+          <p:cNvPicPr>
+            <a:picLocks noChangeAspect="1"/>
+          </p:cNvPicPr>
+          <p:nvPr/>
+        </p:nvPicPr>
+        <p:blipFill rotWithShape="1">
+          <a:blip r:embed="rId2"/>
+          <a:srcRect l="1340" t="21257" r="816" b="7641"/>
+          <a:stretch/>
+        </p:blipFill>
+        <p:spPr>
+          <a:xfrm>
+            <a:off x="1450293" y="3751147"/>
+            <a:ext cx="21483409" cy="8781393"/>
+          </a:xfrm>
+          <a:prstGeom prst="rect">
+            <a:avLst/>
+          </a:prstGeom>
+        </p:spPr>
+      </p:pic>
       <p:pic>
         <p:nvPicPr>
-          <p:cNvPr id="5" name="图片 4">
+          <p:cNvPr id="8" name="图片 7">
             <a:extLst>
               <a:ext uri="{FF2B5EF4-FFF2-40B4-BE49-F238E27FC236}">
-                <a16:creationId xmlns:a16="http://schemas.microsoft.com/office/drawing/2014/main" id="{31EEF007-D14B-C746-5321-B698E5F09A37}"/>
+                <a16:creationId xmlns:a16="http://schemas.microsoft.com/office/drawing/2014/main" id="{7601151F-4EBF-42A6-C5EF-E8BC5534644C}"/>
               </a:ext>
             </a:extLst>
           </p:cNvPr>
@@ -19376,15 +22184,15 @@
           <p:nvPr/>
         </p:nvPicPr>
         <p:blipFill>
-          <a:blip r:embed="rId2"/>
+          <a:blip r:embed="rId3"/>
           <a:stretch>
             <a:fillRect/>
           </a:stretch>
         </p:blipFill>
         <p:spPr>
           <a:xfrm>
-            <a:off x="10897575" y="1211484"/>
-            <a:ext cx="10212145" cy="4240925"/>
+            <a:off x="12191998" y="0"/>
+            <a:ext cx="5213132" cy="3751147"/>
           </a:xfrm>
           <a:prstGeom prst="rect">
             <a:avLst/>
@@ -19479,7 +22287,7 @@
           <a:p>
             <a:pPr marL="0" indent="0">
               <a:lnSpc>
-                <a:spcPct val="100000"/>
+                <a:spcPct val="150000"/>
               </a:lnSpc>
               <a:buSzTx/>
               <a:buNone/>
@@ -19544,7 +22352,7 @@
           <p:nvPr>
             <p:extLst>
               <p:ext uri="{D42A27DB-BD31-4B8C-83A1-F6EECF244321}">
-                <p14:modId xmlns:p14="http://schemas.microsoft.com/office/powerpoint/2010/main" val="3449064648"/>
+                <p14:modId xmlns:p14="http://schemas.microsoft.com/office/powerpoint/2010/main" val="3938021512"/>
               </p:ext>
             </p:extLst>
           </p:nvPr>
@@ -19613,138 +22421,34 @@
           </a:p>
         </p:txBody>
       </p:sp>
-      <p:sp>
-        <p:nvSpPr>
-          <p:cNvPr id="4" name="文本占位符 3">
+      <p:graphicFrame>
+        <p:nvGraphicFramePr>
+          <p:cNvPr id="3" name="图示 2">
             <a:extLst>
               <a:ext uri="{FF2B5EF4-FFF2-40B4-BE49-F238E27FC236}">
-                <a16:creationId xmlns:a16="http://schemas.microsoft.com/office/drawing/2014/main" id="{A9FC9B4C-65F4-047D-92C8-53B15F313F8C}"/>
+                <a16:creationId xmlns:a16="http://schemas.microsoft.com/office/drawing/2014/main" id="{59D2470B-0AFF-0A6F-5C1C-938FF869653E}"/>
               </a:ext>
             </a:extLst>
           </p:cNvPr>
-          <p:cNvSpPr>
-            <a:spLocks noGrp="1"/>
-          </p:cNvSpPr>
+          <p:cNvGraphicFramePr/>
           <p:nvPr>
-            <p:ph type="body" idx="1"/>
+            <p:extLst>
+              <p:ext uri="{D42A27DB-BD31-4B8C-83A1-F6EECF244321}">
+                <p14:modId xmlns:p14="http://schemas.microsoft.com/office/powerpoint/2010/main" val="3881233081"/>
+              </p:ext>
+            </p:extLst>
           </p:nvPr>
-        </p:nvSpPr>
-        <p:spPr/>
-        <p:txBody>
-          <a:bodyPr/>
-          <a:lstStyle/>
-          <a:p>
-            <a:r>
-              <a:rPr lang="zh-CN" altLang="en-US" dirty="0"/>
-              <a:t>对环境中的</a:t>
-            </a:r>
-            <a:r>
-              <a:rPr lang="zh-CN" altLang="en-US" dirty="0">
-                <a:solidFill>
-                  <a:srgbClr val="FF0000"/>
-                </a:solidFill>
-              </a:rPr>
-              <a:t>障碍物的识别率</a:t>
-            </a:r>
-            <a:r>
-              <a:rPr lang="zh-CN" altLang="en-US" dirty="0"/>
-              <a:t>达到</a:t>
-            </a:r>
-            <a:r>
-              <a:rPr lang="en-US" altLang="zh-CN" dirty="0"/>
-              <a:t>80%</a:t>
-            </a:r>
-            <a:r>
-              <a:rPr lang="zh-CN" altLang="en-US" dirty="0"/>
-              <a:t>以上</a:t>
-            </a:r>
-            <a:endParaRPr lang="en-US" altLang="zh-CN" dirty="0"/>
-          </a:p>
-          <a:p>
-            <a:r>
-              <a:rPr lang="zh-CN" altLang="en-US" dirty="0"/>
-              <a:t>对障碍物</a:t>
-            </a:r>
-            <a:r>
-              <a:rPr lang="zh-CN" altLang="en-US" dirty="0">
-                <a:solidFill>
-                  <a:srgbClr val="FF0000"/>
-                </a:solidFill>
-              </a:rPr>
-              <a:t>距离的感知准确度</a:t>
-            </a:r>
-            <a:r>
-              <a:rPr lang="zh-CN" altLang="en-US" dirty="0"/>
-              <a:t>达到</a:t>
-            </a:r>
-            <a:r>
-              <a:rPr lang="en-US" altLang="zh-CN" dirty="0"/>
-              <a:t>80%</a:t>
-            </a:r>
-            <a:r>
-              <a:rPr lang="zh-CN" altLang="en-US" dirty="0"/>
-              <a:t>以上</a:t>
-            </a:r>
-            <a:endParaRPr lang="en-US" altLang="zh-CN" dirty="0"/>
-          </a:p>
-          <a:p>
-            <a:r>
-              <a:rPr lang="zh-CN" altLang="en-US" dirty="0"/>
-              <a:t>动态</a:t>
-            </a:r>
-            <a:r>
-              <a:rPr lang="zh-CN" altLang="en-US" dirty="0">
-                <a:solidFill>
-                  <a:srgbClr val="FF0000"/>
-                </a:solidFill>
-              </a:rPr>
-              <a:t>避障的成功率</a:t>
-            </a:r>
-            <a:r>
-              <a:rPr lang="zh-CN" altLang="en-US" dirty="0"/>
-              <a:t>达到</a:t>
-            </a:r>
-            <a:r>
-              <a:rPr lang="en-US" altLang="zh-CN" dirty="0"/>
-              <a:t>80%</a:t>
-            </a:r>
-            <a:r>
-              <a:rPr lang="zh-CN" altLang="en-US" dirty="0"/>
-              <a:t>以上</a:t>
-            </a:r>
-            <a:endParaRPr lang="en-US" altLang="zh-CN" dirty="0"/>
-          </a:p>
-          <a:p>
-            <a:r>
-              <a:rPr lang="zh-CN" altLang="en-US" dirty="0"/>
-              <a:t>对</a:t>
-            </a:r>
-            <a:r>
-              <a:rPr lang="zh-CN" altLang="en-US" dirty="0">
-                <a:solidFill>
-                  <a:srgbClr val="FF0000"/>
-                </a:solidFill>
-              </a:rPr>
-              <a:t>路径的计算时间</a:t>
-            </a:r>
-            <a:r>
-              <a:rPr lang="zh-CN" altLang="en-US" dirty="0"/>
-              <a:t>控制在</a:t>
-            </a:r>
-            <a:r>
-              <a:rPr lang="en-US" altLang="zh-CN" dirty="0"/>
-              <a:t>3</a:t>
-            </a:r>
-            <a:r>
-              <a:rPr lang="zh-CN" altLang="en-US" dirty="0"/>
-              <a:t>秒以下</a:t>
-            </a:r>
-          </a:p>
-          <a:p>
-            <a:endParaRPr lang="zh-CN" altLang="en-US" dirty="0"/>
-          </a:p>
-        </p:txBody>
-      </p:sp>
+        </p:nvGraphicFramePr>
+        <p:xfrm>
+          <a:off x="4064000" y="3342290"/>
+          <a:ext cx="16256000" cy="7925383"/>
+        </p:xfrm>
+        <a:graphic>
+          <a:graphicData uri="http://schemas.openxmlformats.org/drawingml/2006/diagram">
+            <dgm:relIds xmlns:dgm="http://schemas.openxmlformats.org/drawingml/2006/diagram" xmlns:r="http://schemas.openxmlformats.org/officeDocument/2006/relationships" r:dm="rId2" r:lo="rId3" r:qs="rId4" r:cs="rId5"/>
+          </a:graphicData>
+        </a:graphic>
+      </p:graphicFrame>
     </p:spTree>
     <p:extLst>
       <p:ext uri="{BB962C8B-B14F-4D97-AF65-F5344CB8AC3E}">
@@ -19820,7 +22524,7 @@
           <p:nvPr>
             <p:extLst>
               <p:ext uri="{D42A27DB-BD31-4B8C-83A1-F6EECF244321}">
-                <p14:modId xmlns:p14="http://schemas.microsoft.com/office/powerpoint/2010/main" val="3424139342"/>
+                <p14:modId xmlns:p14="http://schemas.microsoft.com/office/powerpoint/2010/main" val="670185184"/>
               </p:ext>
             </p:extLst>
           </p:nvPr>
